--- a/lectures3/Pythonlearn-05-Iterations.pptx
+++ b/lectures3/Pythonlearn-05-Iterations.pptx
@@ -267,7 +267,7 @@
   </p:defaultTextStyle>
   <p:extLst>
     <p:ext uri="{EFAFB233-063F-42B5-8137-9DF3F51BA10A}">
-      <p15:sldGuideLst xmlns:p15="http://schemas.microsoft.com/office/powerpoint/2012/main"/>
+      <p15:sldGuideLst xmlns:p15="http://schemas.microsoft.com/office/powerpoint/2012/main" xmlns=""/>
     </p:ext>
   </p:extLst>
 </p:presentation>
@@ -8830,7 +8830,7 @@
               <a:buNone/>
             </a:pPr>
             <a:r>
-              <a:rPr lang="en-US" sz="3000" b="1" i="0" u="none" strike="noStrike" cap="none" dirty="0">
+              <a:rPr lang="en-US" sz="3000" i="0" u="none" strike="noStrike" cap="none" dirty="0">
                 <a:solidFill>
                   <a:srgbClr val="FFFF00"/>
                 </a:solidFill>
@@ -8842,7 +8842,7 @@
               <a:t>while</a:t>
             </a:r>
             <a:r>
-              <a:rPr lang="en-US" sz="3000" b="1" i="0" u="none" strike="noStrike" cap="none" dirty="0">
+              <a:rPr lang="en-US" sz="3000" i="0" u="none" strike="noStrike" cap="none" dirty="0">
                 <a:solidFill>
                   <a:schemeClr val="lt1"/>
                 </a:solidFill>
@@ -8854,7 +8854,7 @@
               <a:t> </a:t>
             </a:r>
             <a:r>
-              <a:rPr lang="en-US" sz="3000" b="1" i="0" u="none" strike="noStrike" cap="none" dirty="0">
+              <a:rPr lang="en-US" sz="3000" i="0" u="none" strike="noStrike" cap="none" dirty="0">
                 <a:solidFill>
                   <a:srgbClr val="FF9900"/>
                 </a:solidFill>
@@ -8866,7 +8866,7 @@
               <a:t>True</a:t>
             </a:r>
             <a:r>
-              <a:rPr lang="en-US" sz="3000" b="1" i="0" u="none" strike="noStrike" cap="none" dirty="0">
+              <a:rPr lang="en-US" sz="3000" i="0" u="none" strike="noStrike" cap="none" dirty="0">
                 <a:solidFill>
                   <a:srgbClr val="FFFF00"/>
                 </a:solidFill>
@@ -8878,7 +8878,7 @@
               <a:t>:</a:t>
             </a:r>
             <a:r>
-              <a:rPr lang="en-US" sz="3000" b="1" i="0" u="none" strike="noStrike" cap="none" dirty="0">
+              <a:rPr lang="en-US" sz="3000" i="0" u="none" strike="noStrike" cap="none" dirty="0">
                 <a:solidFill>
                   <a:schemeClr val="lt1"/>
                 </a:solidFill>
@@ -8909,7 +8909,7 @@
               <a:buNone/>
             </a:pPr>
             <a:r>
-              <a:rPr lang="en-US" sz="3000" b="1" i="0" u="none" strike="noStrike" cap="none" dirty="0">
+              <a:rPr lang="en-US" sz="3000" i="0" u="none" strike="noStrike" cap="none" dirty="0">
                 <a:solidFill>
                   <a:schemeClr val="lt1"/>
                 </a:solidFill>
@@ -8921,7 +8921,7 @@
               <a:t>   </a:t>
             </a:r>
             <a:r>
-              <a:rPr lang="en-US" sz="3000" b="1" i="0" u="none" strike="noStrike" cap="none" dirty="0">
+              <a:rPr lang="en-US" sz="3000" i="0" u="none" strike="noStrike" cap="none" dirty="0">
                 <a:solidFill>
                   <a:srgbClr val="00FF00"/>
                 </a:solidFill>
@@ -8933,7 +8933,7 @@
               <a:t>line</a:t>
             </a:r>
             <a:r>
-              <a:rPr lang="en-US" sz="3000" b="1" i="0" u="none" strike="noStrike" cap="none" dirty="0">
+              <a:rPr lang="en-US" sz="3000" i="0" u="none" strike="noStrike" cap="none" dirty="0">
                 <a:solidFill>
                   <a:schemeClr val="lt1"/>
                 </a:solidFill>
@@ -8945,7 +8945,7 @@
               <a:t> </a:t>
             </a:r>
             <a:r>
-              <a:rPr lang="en-US" sz="3000" b="1" i="0" u="none" strike="noStrike" cap="none" dirty="0">
+              <a:rPr lang="en-US" sz="3000" i="0" u="none" strike="noStrike" cap="none" dirty="0">
                 <a:solidFill>
                   <a:srgbClr val="00FFFF"/>
                 </a:solidFill>
@@ -8957,7 +8957,7 @@
               <a:t>=</a:t>
             </a:r>
             <a:r>
-              <a:rPr lang="en-US" sz="3000" b="1" i="0" u="none" strike="noStrike" cap="none" dirty="0">
+              <a:rPr lang="en-US" sz="3000" i="0" u="none" strike="noStrike" cap="none" dirty="0">
                 <a:solidFill>
                   <a:schemeClr val="lt1"/>
                 </a:solidFill>
@@ -8969,7 +8969,7 @@
               <a:t> </a:t>
             </a:r>
             <a:r>
-              <a:rPr lang="en-US" sz="3000" b="1" i="0" u="none" strike="noStrike" cap="none" dirty="0" err="1">
+              <a:rPr lang="en-US" sz="3000" i="0" u="none" strike="noStrike" cap="none" dirty="0" err="1">
                 <a:solidFill>
                   <a:srgbClr val="FF9900"/>
                 </a:solidFill>
@@ -8981,7 +8981,7 @@
               <a:t>raw_input</a:t>
             </a:r>
             <a:r>
-              <a:rPr lang="en-US" sz="3000" b="1" i="0" u="none" strike="noStrike" cap="none" dirty="0">
+              <a:rPr lang="en-US" sz="3000" i="0" u="none" strike="noStrike" cap="none" dirty="0">
                 <a:solidFill>
                   <a:srgbClr val="FF9900"/>
                 </a:solidFill>
@@ -8993,7 +8993,7 @@
               <a:t>(</a:t>
             </a:r>
             <a:r>
-              <a:rPr lang="en-US" sz="3000" b="1" i="0" u="none" strike="noStrike" cap="none" dirty="0">
+              <a:rPr lang="en-US" sz="3000" i="0" u="none" strike="noStrike" cap="none" dirty="0">
                 <a:solidFill>
                   <a:srgbClr val="FFFFFF"/>
                 </a:solidFill>
@@ -9005,7 +9005,7 @@
               <a:t>'&gt; </a:t>
             </a:r>
             <a:r>
-              <a:rPr lang="en-US" sz="3000" b="1" dirty="0">
+              <a:rPr lang="en-US" sz="3000" dirty="0">
                 <a:solidFill>
                   <a:srgbClr val="FFFFFF"/>
                 </a:solidFill>
@@ -9017,7 +9017,7 @@
               <a:t>'</a:t>
             </a:r>
             <a:r>
-              <a:rPr lang="en-US" sz="3000" b="1" i="0" u="none" strike="noStrike" cap="none" dirty="0">
+              <a:rPr lang="en-US" sz="3000" i="0" u="none" strike="noStrike" cap="none" dirty="0">
                 <a:solidFill>
                   <a:srgbClr val="FF9900"/>
                 </a:solidFill>
@@ -9048,7 +9048,7 @@
               <a:buNone/>
             </a:pPr>
             <a:r>
-              <a:rPr lang="en-US" sz="3000" b="1" i="0" u="none" strike="noStrike" cap="none" dirty="0">
+              <a:rPr lang="en-US" sz="3000" i="0" u="none" strike="noStrike" cap="none" dirty="0">
                 <a:solidFill>
                   <a:schemeClr val="lt1"/>
                 </a:solidFill>
@@ -9060,7 +9060,7 @@
               <a:t>   </a:t>
             </a:r>
             <a:r>
-              <a:rPr lang="en-US" sz="3000" b="1" i="0" u="none" strike="noStrike" cap="none" dirty="0">
+              <a:rPr lang="en-US" sz="3000" i="0" u="none" strike="noStrike" cap="none" dirty="0">
                 <a:solidFill>
                   <a:srgbClr val="FFFF00"/>
                 </a:solidFill>
@@ -9072,7 +9072,7 @@
               <a:t>if</a:t>
             </a:r>
             <a:r>
-              <a:rPr lang="en-US" sz="3000" b="1" i="0" u="none" strike="noStrike" cap="none" dirty="0">
+              <a:rPr lang="en-US" sz="3000" i="0" u="none" strike="noStrike" cap="none" dirty="0">
                 <a:solidFill>
                   <a:srgbClr val="00FF00"/>
                 </a:solidFill>
@@ -9084,7 +9084,7 @@
               <a:t> line[0]</a:t>
             </a:r>
             <a:r>
-              <a:rPr lang="en-US" sz="3000" b="1" i="0" u="none" strike="noStrike" cap="none" dirty="0">
+              <a:rPr lang="en-US" sz="3000" i="0" u="none" strike="noStrike" cap="none" dirty="0">
                 <a:solidFill>
                   <a:schemeClr val="lt1"/>
                 </a:solidFill>
@@ -9096,7 +9096,7 @@
               <a:t> </a:t>
             </a:r>
             <a:r>
-              <a:rPr lang="en-US" sz="3000" b="1" i="0" u="none" strike="noStrike" cap="none" dirty="0">
+              <a:rPr lang="en-US" sz="3000" i="0" u="none" strike="noStrike" cap="none" dirty="0">
                 <a:solidFill>
                   <a:srgbClr val="00FFFF"/>
                 </a:solidFill>
@@ -9108,7 +9108,7 @@
               <a:t>== </a:t>
             </a:r>
             <a:r>
-              <a:rPr lang="en-US" sz="3000" b="1" i="0" u="none" strike="noStrike" cap="none" dirty="0">
+              <a:rPr lang="en-US" sz="3000" i="0" u="none" strike="noStrike" cap="none" dirty="0">
                 <a:solidFill>
                   <a:srgbClr val="F3F3F3"/>
                 </a:solidFill>
@@ -9120,7 +9120,7 @@
               <a:t>'#' </a:t>
             </a:r>
             <a:r>
-              <a:rPr lang="en-US" sz="3000" b="1" i="0" u="none" strike="noStrike" cap="none" dirty="0">
+              <a:rPr lang="en-US" sz="3000" i="0" u="none" strike="noStrike" cap="none" dirty="0">
                 <a:solidFill>
                   <a:srgbClr val="FFFF00"/>
                 </a:solidFill>
@@ -9151,7 +9151,7 @@
               <a:buNone/>
             </a:pPr>
             <a:r>
-              <a:rPr lang="en-US" sz="3000" b="1" i="0" u="none" strike="noStrike" cap="none" dirty="0">
+              <a:rPr lang="en-US" sz="3000" i="0" u="none" strike="noStrike" cap="none" dirty="0">
                 <a:solidFill>
                   <a:schemeClr val="lt1"/>
                 </a:solidFill>
@@ -9163,7 +9163,7 @@
               <a:t>        </a:t>
             </a:r>
             <a:r>
-              <a:rPr lang="en-US" sz="3000" b="1" i="0" u="none" strike="noStrike" cap="none" dirty="0">
+              <a:rPr lang="en-US" sz="3000" i="0" u="none" strike="noStrike" cap="none" dirty="0">
                 <a:solidFill>
                   <a:srgbClr val="FFFF00"/>
                 </a:solidFill>
@@ -9194,7 +9194,7 @@
               <a:buNone/>
             </a:pPr>
             <a:r>
-              <a:rPr lang="en-US" sz="3000" b="1" i="0" u="none" strike="noStrike" cap="none" dirty="0">
+              <a:rPr lang="en-US" sz="3000" i="0" u="none" strike="noStrike" cap="none" dirty="0">
                 <a:solidFill>
                   <a:schemeClr val="lt1"/>
                 </a:solidFill>
@@ -9206,7 +9206,7 @@
               <a:t>    </a:t>
             </a:r>
             <a:r>
-              <a:rPr lang="en-US" sz="3000" b="1" i="0" u="none" strike="noStrike" cap="none" dirty="0">
+              <a:rPr lang="en-US" sz="3000" i="0" u="none" strike="noStrike" cap="none" dirty="0">
                 <a:solidFill>
                   <a:srgbClr val="FFFF00"/>
                 </a:solidFill>
@@ -9218,7 +9218,7 @@
               <a:t>if </a:t>
             </a:r>
             <a:r>
-              <a:rPr lang="en-US" sz="3000" b="1" i="0" u="none" strike="noStrike" cap="none" dirty="0">
+              <a:rPr lang="en-US" sz="3000" i="0" u="none" strike="noStrike" cap="none" dirty="0">
                 <a:solidFill>
                   <a:srgbClr val="00FF00"/>
                 </a:solidFill>
@@ -9230,7 +9230,7 @@
               <a:t>line</a:t>
             </a:r>
             <a:r>
-              <a:rPr lang="en-US" sz="3000" b="1" i="0" u="none" strike="noStrike" cap="none" dirty="0">
+              <a:rPr lang="en-US" sz="3000" i="0" u="none" strike="noStrike" cap="none" dirty="0">
                 <a:solidFill>
                   <a:schemeClr val="lt1"/>
                 </a:solidFill>
@@ -9242,7 +9242,7 @@
               <a:t> </a:t>
             </a:r>
             <a:r>
-              <a:rPr lang="en-US" sz="3000" b="1" i="0" u="none" strike="noStrike" cap="none" dirty="0">
+              <a:rPr lang="en-US" sz="3000" i="0" u="none" strike="noStrike" cap="none" dirty="0">
                 <a:solidFill>
                   <a:srgbClr val="00FFFF"/>
                 </a:solidFill>
@@ -9254,7 +9254,7 @@
               <a:t>==</a:t>
             </a:r>
             <a:r>
-              <a:rPr lang="en-US" sz="3000" b="1" i="0" u="none" strike="noStrike" cap="none" dirty="0">
+              <a:rPr lang="en-US" sz="3000" i="0" u="none" strike="noStrike" cap="none" dirty="0">
                 <a:solidFill>
                   <a:schemeClr val="lt1"/>
                 </a:solidFill>
@@ -9266,7 +9266,7 @@
               <a:t> </a:t>
             </a:r>
             <a:r>
-              <a:rPr lang="en-US" sz="3000" b="1" i="0" u="none" strike="noStrike" cap="none" dirty="0">
+              <a:rPr lang="en-US" sz="3000" i="0" u="none" strike="noStrike" cap="none" dirty="0">
                 <a:solidFill>
                   <a:srgbClr val="FFFFFF"/>
                 </a:solidFill>
@@ -9278,7 +9278,7 @@
               <a:t>'done' </a:t>
             </a:r>
             <a:r>
-              <a:rPr lang="en-US" sz="3000" b="1" i="0" u="none" strike="noStrike" cap="none" dirty="0">
+              <a:rPr lang="en-US" sz="3000" i="0" u="none" strike="noStrike" cap="none" dirty="0">
                 <a:solidFill>
                   <a:srgbClr val="FFFF00"/>
                 </a:solidFill>
@@ -9309,7 +9309,7 @@
               <a:buNone/>
             </a:pPr>
             <a:r>
-              <a:rPr lang="en-US" sz="3000" b="1" i="0" u="none" strike="noStrike" cap="none" dirty="0">
+              <a:rPr lang="en-US" sz="3000" i="0" u="none" strike="noStrike" cap="none" dirty="0">
                 <a:solidFill>
                   <a:schemeClr val="lt1"/>
                 </a:solidFill>
@@ -9321,7 +9321,7 @@
               <a:t>        </a:t>
             </a:r>
             <a:r>
-              <a:rPr lang="en-US" sz="3000" b="1" i="0" u="none" strike="noStrike" cap="none" dirty="0">
+              <a:rPr lang="en-US" sz="3000" i="0" u="none" strike="noStrike" cap="none" dirty="0">
                 <a:solidFill>
                   <a:srgbClr val="FFFF00"/>
                 </a:solidFill>
@@ -9352,7 +9352,7 @@
               <a:buNone/>
             </a:pPr>
             <a:r>
-              <a:rPr lang="en-US" sz="3000" b="1" i="0" u="none" strike="noStrike" cap="none" dirty="0">
+              <a:rPr lang="en-US" sz="3000" i="0" u="none" strike="noStrike" cap="none" dirty="0">
                 <a:solidFill>
                   <a:schemeClr val="lt1"/>
                 </a:solidFill>
@@ -9364,7 +9364,7 @@
               <a:t>    </a:t>
             </a:r>
             <a:r>
-              <a:rPr lang="en-US" sz="3000" b="1" i="0" u="none" strike="noStrike" cap="none" dirty="0" smtClean="0">
+              <a:rPr lang="en-US" sz="3000" i="0" u="none" strike="noStrike" cap="none" dirty="0" smtClean="0">
                 <a:solidFill>
                   <a:srgbClr val="FFFF00"/>
                 </a:solidFill>
@@ -9376,7 +9376,7 @@
               <a:t>print</a:t>
             </a:r>
             <a:r>
-              <a:rPr lang="en-US" sz="3000" b="1" dirty="0" smtClean="0">
+              <a:rPr lang="en-US" sz="3000" dirty="0" smtClean="0">
                 <a:solidFill>
                   <a:schemeClr val="lt1"/>
                 </a:solidFill>
@@ -9388,7 +9388,7 @@
               <a:t>(</a:t>
             </a:r>
             <a:r>
-              <a:rPr lang="en-US" sz="3000" b="1" i="0" u="none" strike="noStrike" cap="none" dirty="0" smtClean="0">
+              <a:rPr lang="en-US" sz="3000" i="0" u="none" strike="noStrike" cap="none" dirty="0" smtClean="0">
                 <a:solidFill>
                   <a:srgbClr val="00FF00"/>
                 </a:solidFill>
@@ -9400,7 +9400,7 @@
               <a:t>line</a:t>
             </a:r>
             <a:r>
-              <a:rPr lang="en-US" sz="3000" b="1" i="0" u="none" strike="noStrike" cap="none" dirty="0" smtClean="0">
+              <a:rPr lang="en-US" sz="3000" i="0" u="none" strike="noStrike" cap="none" dirty="0" smtClean="0">
                 <a:solidFill>
                   <a:schemeClr val="bg1"/>
                 </a:solidFill>
@@ -9411,7 +9411,7 @@
               </a:rPr>
               <a:t>)</a:t>
             </a:r>
-            <a:endParaRPr lang="en-US" sz="3000" b="1" i="0" u="none" strike="noStrike" cap="none" dirty="0">
+            <a:endParaRPr lang="en-US" sz="3000" i="0" u="none" strike="noStrike" cap="none" dirty="0">
               <a:solidFill>
                 <a:schemeClr val="bg1"/>
               </a:solidFill>
@@ -9440,7 +9440,7 @@
               <a:buNone/>
             </a:pPr>
             <a:r>
-              <a:rPr lang="en-US" sz="3000" b="1" i="0" u="none" strike="noStrike" cap="none" dirty="0" smtClean="0">
+              <a:rPr lang="en-US" sz="3000" i="0" u="none" strike="noStrike" cap="none" dirty="0" smtClean="0">
                 <a:solidFill>
                   <a:srgbClr val="FFFF00"/>
                 </a:solidFill>
@@ -9452,7 +9452,7 @@
               <a:t>print</a:t>
             </a:r>
             <a:r>
-              <a:rPr lang="en-US" sz="3000" b="1" dirty="0">
+              <a:rPr lang="en-US" sz="3000" dirty="0">
                 <a:solidFill>
                   <a:schemeClr val="lt1"/>
                 </a:solidFill>
@@ -9464,7 +9464,7 @@
               <a:t>(</a:t>
             </a:r>
             <a:r>
-              <a:rPr lang="en-US" sz="3000" b="1" i="0" u="none" strike="noStrike" cap="none" dirty="0" smtClean="0">
+              <a:rPr lang="en-US" sz="3000" i="0" u="none" strike="noStrike" cap="none" dirty="0" smtClean="0">
                 <a:solidFill>
                   <a:srgbClr val="FFFFFF"/>
                 </a:solidFill>
@@ -9475,7 +9475,7 @@
               </a:rPr>
               <a:t>'Done!')</a:t>
             </a:r>
-            <a:endParaRPr lang="en-US" sz="3000" b="1" i="0" u="none" strike="noStrike" cap="none" dirty="0">
+            <a:endParaRPr lang="en-US" sz="3000" i="0" u="none" strike="noStrike" cap="none" dirty="0">
               <a:solidFill>
                 <a:srgbClr val="FFFFFF"/>
               </a:solidFill>
@@ -10696,7 +10696,7 @@
               <a:buNone/>
             </a:pPr>
             <a:r>
-              <a:rPr lang="en-US" sz="3600" b="1" i="0" u="none" strike="noStrike" cap="none" dirty="0">
+              <a:rPr lang="en-US" sz="3600" i="0" u="none" strike="noStrike" cap="none" dirty="0">
                 <a:solidFill>
                   <a:srgbClr val="FFFF00"/>
                 </a:solidFill>
@@ -10708,7 +10708,7 @@
               <a:t>for</a:t>
             </a:r>
             <a:r>
-              <a:rPr lang="en-US" sz="3600" b="1" i="0" u="none" strike="noStrike" cap="none" dirty="0">
+              <a:rPr lang="en-US" sz="3600" i="0" u="none" strike="noStrike" cap="none" dirty="0">
                 <a:solidFill>
                   <a:schemeClr val="lt1"/>
                 </a:solidFill>
@@ -10720,7 +10720,7 @@
               <a:t> </a:t>
             </a:r>
             <a:r>
-              <a:rPr lang="en-US" sz="3600" b="1" i="0" u="none" strike="noStrike" cap="none" dirty="0" err="1">
+              <a:rPr lang="en-US" sz="3600" i="0" u="none" strike="noStrike" cap="none" dirty="0" err="1">
                 <a:solidFill>
                   <a:srgbClr val="00FF00"/>
                 </a:solidFill>
@@ -10732,7 +10732,7 @@
               <a:t>i</a:t>
             </a:r>
             <a:r>
-              <a:rPr lang="en-US" sz="3600" b="1" i="0" u="none" strike="noStrike" cap="none" dirty="0">
+              <a:rPr lang="en-US" sz="3600" i="0" u="none" strike="noStrike" cap="none" dirty="0">
                 <a:solidFill>
                   <a:schemeClr val="lt1"/>
                 </a:solidFill>
@@ -10744,7 +10744,7 @@
               <a:t> </a:t>
             </a:r>
             <a:r>
-              <a:rPr lang="en-US" sz="3600" b="1" i="0" u="none" strike="noStrike" cap="none" dirty="0">
+              <a:rPr lang="en-US" sz="3600" i="0" u="none" strike="noStrike" cap="none" dirty="0">
                 <a:solidFill>
                   <a:srgbClr val="FFFF00"/>
                 </a:solidFill>
@@ -10756,7 +10756,7 @@
               <a:t>in</a:t>
             </a:r>
             <a:r>
-              <a:rPr lang="en-US" sz="3600" b="1" i="0" u="none" strike="noStrike" cap="none" dirty="0">
+              <a:rPr lang="en-US" sz="3600" i="0" u="none" strike="noStrike" cap="none" dirty="0">
                 <a:solidFill>
                   <a:schemeClr val="lt1"/>
                 </a:solidFill>
@@ -10768,7 +10768,7 @@
               <a:t> </a:t>
             </a:r>
             <a:r>
-              <a:rPr lang="en-US" sz="3600" b="1" i="0" u="none" strike="noStrike" cap="none" dirty="0">
+              <a:rPr lang="en-US" sz="3600" i="0" u="none" strike="noStrike" cap="none" dirty="0">
                 <a:solidFill>
                   <a:srgbClr val="FF7F00"/>
                 </a:solidFill>
@@ -10780,7 +10780,7 @@
               <a:t>[5, 4, 3, 2, 1]</a:t>
             </a:r>
             <a:r>
-              <a:rPr lang="en-US" sz="3600" b="1" i="0" u="none" strike="noStrike" cap="none" dirty="0">
+              <a:rPr lang="en-US" sz="3600" i="0" u="none" strike="noStrike" cap="none" dirty="0">
                 <a:solidFill>
                   <a:srgbClr val="00FF00"/>
                 </a:solidFill>
@@ -10792,7 +10792,7 @@
               <a:t> </a:t>
             </a:r>
             <a:r>
-              <a:rPr lang="en-US" sz="3600" b="1" i="0" u="none" strike="noStrike" cap="none" dirty="0">
+              <a:rPr lang="en-US" sz="3600" i="0" u="none" strike="noStrike" cap="none" dirty="0">
                 <a:solidFill>
                   <a:srgbClr val="FFFF00"/>
                 </a:solidFill>
@@ -10823,7 +10823,7 @@
               <a:buNone/>
             </a:pPr>
             <a:r>
-              <a:rPr lang="en-US" sz="3600" b="1" i="0" u="none" strike="noStrike" cap="none" dirty="0">
+              <a:rPr lang="en-US" sz="3600" i="0" u="none" strike="noStrike" cap="none" dirty="0">
                 <a:solidFill>
                   <a:schemeClr val="lt1"/>
                 </a:solidFill>
@@ -10835,7 +10835,7 @@
               <a:t>    </a:t>
             </a:r>
             <a:r>
-              <a:rPr lang="en-US" sz="3600" b="1" i="0" u="none" strike="noStrike" cap="none" dirty="0" smtClean="0">
+              <a:rPr lang="en-US" sz="3600" i="0" u="none" strike="noStrike" cap="none" dirty="0" smtClean="0">
                 <a:solidFill>
                   <a:srgbClr val="FFFF00"/>
                 </a:solidFill>
@@ -10847,7 +10847,7 @@
               <a:t>print(</a:t>
             </a:r>
             <a:r>
-              <a:rPr lang="en-US" sz="3600" b="1" i="0" u="none" strike="noStrike" cap="none" dirty="0" err="1" smtClean="0">
+              <a:rPr lang="en-US" sz="3600" i="0" u="none" strike="noStrike" cap="none" dirty="0" err="1" smtClean="0">
                 <a:solidFill>
                   <a:srgbClr val="00FF00"/>
                 </a:solidFill>
@@ -10859,7 +10859,7 @@
               <a:t>i</a:t>
             </a:r>
             <a:r>
-              <a:rPr lang="en-US" sz="3600" b="1" i="0" u="none" strike="noStrike" cap="none" dirty="0" smtClean="0">
+              <a:rPr lang="en-US" sz="3600" i="0" u="none" strike="noStrike" cap="none" dirty="0" smtClean="0">
                 <a:solidFill>
                   <a:srgbClr val="FFFF00"/>
                 </a:solidFill>
@@ -10870,7 +10870,7 @@
               </a:rPr>
               <a:t>)</a:t>
             </a:r>
-            <a:endParaRPr lang="en-US" sz="3600" b="1" i="0" u="none" strike="noStrike" cap="none" dirty="0">
+            <a:endParaRPr lang="en-US" sz="3600" i="0" u="none" strike="noStrike" cap="none" dirty="0">
               <a:solidFill>
                 <a:srgbClr val="FFFF00"/>
               </a:solidFill>
@@ -10899,7 +10899,7 @@
               <a:buNone/>
             </a:pPr>
             <a:r>
-              <a:rPr lang="en-US" sz="3600" b="1" i="0" u="none" strike="noStrike" cap="none" dirty="0" smtClean="0">
+              <a:rPr lang="en-US" sz="3600" i="0" u="none" strike="noStrike" cap="none" dirty="0" smtClean="0">
                 <a:solidFill>
                   <a:srgbClr val="FFFF00"/>
                 </a:solidFill>
@@ -10911,7 +10911,7 @@
               <a:t>print</a:t>
             </a:r>
             <a:r>
-              <a:rPr lang="en-US" sz="3600" b="1" dirty="0">
+              <a:rPr lang="en-US" sz="3600" dirty="0">
                 <a:solidFill>
                   <a:schemeClr val="lt1"/>
                 </a:solidFill>
@@ -10923,7 +10923,7 @@
               <a:t>(</a:t>
             </a:r>
             <a:r>
-              <a:rPr lang="en-US" sz="3600" b="1" i="0" u="none" strike="noStrike" cap="none" dirty="0" smtClean="0">
+              <a:rPr lang="en-US" sz="3600" i="0" u="none" strike="noStrike" cap="none" dirty="0" smtClean="0">
                 <a:solidFill>
                   <a:srgbClr val="FF7F00"/>
                 </a:solidFill>
@@ -10935,7 +10935,7 @@
               <a:t>'Blastoff!'</a:t>
             </a:r>
             <a:r>
-              <a:rPr lang="en-US" sz="3600" b="1" i="0" u="none" strike="noStrike" cap="none" dirty="0" smtClean="0">
+              <a:rPr lang="en-US" sz="3600" i="0" u="none" strike="noStrike" cap="none" dirty="0" smtClean="0">
                 <a:solidFill>
                   <a:schemeClr val="bg1"/>
                 </a:solidFill>
@@ -10946,7 +10946,7 @@
               </a:rPr>
               <a:t>)</a:t>
             </a:r>
-            <a:endParaRPr lang="en-US" sz="3600" b="1" i="0" u="none" strike="noStrike" cap="none" dirty="0">
+            <a:endParaRPr lang="en-US" sz="3600" i="0" u="none" strike="noStrike" cap="none" dirty="0">
               <a:solidFill>
                 <a:schemeClr val="bg1"/>
               </a:solidFill>
@@ -11295,7 +11295,7 @@
               <a:buNone/>
             </a:pPr>
             <a:r>
-              <a:rPr lang="en-US" sz="3000" b="1" i="0" u="none" strike="noStrike" cap="none" dirty="0">
+              <a:rPr lang="en-US" sz="3000" i="0" u="none" strike="noStrike" cap="none" dirty="0">
                 <a:solidFill>
                   <a:srgbClr val="00FF00"/>
                 </a:solidFill>
@@ -11307,7 +11307,7 @@
               <a:t>friends</a:t>
             </a:r>
             <a:r>
-              <a:rPr lang="en-US" sz="3000" b="1" i="0" u="none" strike="noStrike" cap="none" dirty="0">
+              <a:rPr lang="en-US" sz="3000" i="0" u="none" strike="noStrike" cap="none" dirty="0">
                 <a:solidFill>
                   <a:schemeClr val="lt1"/>
                 </a:solidFill>
@@ -11319,7 +11319,7 @@
               <a:t> = </a:t>
             </a:r>
             <a:r>
-              <a:rPr lang="en-US" sz="3000" b="1" i="0" u="none" strike="noStrike" cap="none" dirty="0">
+              <a:rPr lang="en-US" sz="3000" i="0" u="none" strike="noStrike" cap="none" dirty="0">
                 <a:solidFill>
                   <a:srgbClr val="FF7F00"/>
                 </a:solidFill>
@@ -11350,7 +11350,7 @@
               <a:buNone/>
             </a:pPr>
             <a:r>
-              <a:rPr lang="en-US" sz="3000" b="1" i="0" u="none" strike="noStrike" cap="none" dirty="0">
+              <a:rPr lang="en-US" sz="3000" i="0" u="none" strike="noStrike" cap="none" dirty="0">
                 <a:solidFill>
                   <a:srgbClr val="FFFF00"/>
                 </a:solidFill>
@@ -11362,7 +11362,7 @@
               <a:t>for</a:t>
             </a:r>
             <a:r>
-              <a:rPr lang="en-US" sz="3000" b="1" i="0" u="none" strike="noStrike" cap="none" dirty="0">
+              <a:rPr lang="en-US" sz="3000" i="0" u="none" strike="noStrike" cap="none" dirty="0">
                 <a:solidFill>
                   <a:schemeClr val="lt1"/>
                 </a:solidFill>
@@ -11374,7 +11374,7 @@
               <a:t> </a:t>
             </a:r>
             <a:r>
-              <a:rPr lang="en-US" sz="3000" b="1" i="0" u="none" strike="noStrike" cap="none" dirty="0">
+              <a:rPr lang="en-US" sz="3000" i="0" u="none" strike="noStrike" cap="none" dirty="0">
                 <a:solidFill>
                   <a:srgbClr val="00FF00"/>
                 </a:solidFill>
@@ -11386,7 +11386,7 @@
               <a:t>friend</a:t>
             </a:r>
             <a:r>
-              <a:rPr lang="en-US" sz="3000" b="1" i="0" u="none" strike="noStrike" cap="none" dirty="0">
+              <a:rPr lang="en-US" sz="3000" i="0" u="none" strike="noStrike" cap="none" dirty="0">
                 <a:solidFill>
                   <a:schemeClr val="lt1"/>
                 </a:solidFill>
@@ -11398,7 +11398,7 @@
               <a:t> </a:t>
             </a:r>
             <a:r>
-              <a:rPr lang="en-US" sz="3000" b="1" i="0" u="none" strike="noStrike" cap="none" dirty="0">
+              <a:rPr lang="en-US" sz="3000" i="0" u="none" strike="noStrike" cap="none" dirty="0">
                 <a:solidFill>
                   <a:srgbClr val="FFFF00"/>
                 </a:solidFill>
@@ -11410,7 +11410,7 @@
               <a:t>in</a:t>
             </a:r>
             <a:r>
-              <a:rPr lang="en-US" sz="3000" b="1" i="0" u="none" strike="noStrike" cap="none" dirty="0">
+              <a:rPr lang="en-US" sz="3000" i="0" u="none" strike="noStrike" cap="none" dirty="0">
                 <a:solidFill>
                   <a:schemeClr val="lt1"/>
                 </a:solidFill>
@@ -11422,7 +11422,7 @@
               <a:t> </a:t>
             </a:r>
             <a:r>
-              <a:rPr lang="en-US" sz="3000" b="1" i="0" u="none" strike="noStrike" cap="none" dirty="0">
+              <a:rPr lang="en-US" sz="3000" i="0" u="none" strike="noStrike" cap="none" dirty="0">
                 <a:solidFill>
                   <a:srgbClr val="00FF00"/>
                 </a:solidFill>
@@ -11434,7 +11434,7 @@
               <a:t>friends </a:t>
             </a:r>
             <a:r>
-              <a:rPr lang="en-US" sz="3000" b="1" i="0" u="none" strike="noStrike" cap="none" dirty="0">
+              <a:rPr lang="en-US" sz="3000" i="0" u="none" strike="noStrike" cap="none" dirty="0">
                 <a:solidFill>
                   <a:schemeClr val="lt1"/>
                 </a:solidFill>
@@ -11465,7 +11465,7 @@
               <a:buNone/>
             </a:pPr>
             <a:r>
-              <a:rPr lang="en-US" sz="3000" b="1" i="0" u="none" strike="noStrike" cap="none" dirty="0">
+              <a:rPr lang="en-US" sz="3000" i="0" u="none" strike="noStrike" cap="none" dirty="0">
                 <a:solidFill>
                   <a:schemeClr val="lt1"/>
                 </a:solidFill>
@@ -11477,7 +11477,7 @@
               <a:t>   </a:t>
             </a:r>
             <a:r>
-              <a:rPr lang="en-US" sz="3000" b="1" i="0" u="none" strike="noStrike" cap="none" dirty="0" smtClean="0">
+              <a:rPr lang="en-US" sz="3000" i="0" u="none" strike="noStrike" cap="none" dirty="0" smtClean="0">
                 <a:solidFill>
                   <a:srgbClr val="FFFF00"/>
                 </a:solidFill>
@@ -11489,7 +11489,7 @@
               <a:t>print</a:t>
             </a:r>
             <a:r>
-              <a:rPr lang="en-US" sz="3000" b="1" dirty="0">
+              <a:rPr lang="en-US" sz="3000" dirty="0">
                 <a:solidFill>
                   <a:schemeClr val="lt1"/>
                 </a:solidFill>
@@ -11501,7 +11501,7 @@
               <a:t>(</a:t>
             </a:r>
             <a:r>
-              <a:rPr lang="en-US" sz="3000" b="1" i="0" u="none" strike="noStrike" cap="none" dirty="0" smtClean="0">
+              <a:rPr lang="en-US" sz="3000" i="0" u="none" strike="noStrike" cap="none" dirty="0" smtClean="0">
                 <a:solidFill>
                   <a:srgbClr val="FF7F00"/>
                 </a:solidFill>
@@ -11513,7 +11513,7 @@
               <a:t>'Happy </a:t>
             </a:r>
             <a:r>
-              <a:rPr lang="en-US" sz="3000" b="1" i="0" u="none" strike="noStrike" cap="none" dirty="0">
+              <a:rPr lang="en-US" sz="3000" i="0" u="none" strike="noStrike" cap="none" dirty="0">
                 <a:solidFill>
                   <a:srgbClr val="FF7F00"/>
                 </a:solidFill>
@@ -11525,7 +11525,7 @@
               <a:t>New Year:'</a:t>
             </a:r>
             <a:r>
-              <a:rPr lang="en-US" sz="3000" b="1" i="0" u="none" strike="noStrike" cap="none" dirty="0">
+              <a:rPr lang="en-US" sz="3000" i="0" u="none" strike="noStrike" cap="none" dirty="0">
                 <a:solidFill>
                   <a:schemeClr val="lt1"/>
                 </a:solidFill>
@@ -11537,7 +11537,7 @@
               <a:t>, </a:t>
             </a:r>
             <a:r>
-              <a:rPr lang="en-US" sz="3000" b="1" i="0" u="none" strike="noStrike" cap="none" dirty="0" smtClean="0">
+              <a:rPr lang="en-US" sz="3000" i="0" u="none" strike="noStrike" cap="none" dirty="0" smtClean="0">
                 <a:solidFill>
                   <a:srgbClr val="00FF00"/>
                 </a:solidFill>
@@ -11549,7 +11549,7 @@
               <a:t>friend</a:t>
             </a:r>
             <a:r>
-              <a:rPr lang="en-US" sz="3000" b="1" i="0" u="none" strike="noStrike" cap="none" dirty="0" smtClean="0">
+              <a:rPr lang="en-US" sz="3000" i="0" u="none" strike="noStrike" cap="none" dirty="0" smtClean="0">
                 <a:solidFill>
                   <a:schemeClr val="bg1"/>
                 </a:solidFill>
@@ -11560,7 +11560,7 @@
               </a:rPr>
               <a:t>)</a:t>
             </a:r>
-            <a:endParaRPr lang="en-US" sz="3000" b="1" i="0" u="none" strike="noStrike" cap="none" dirty="0">
+            <a:endParaRPr lang="en-US" sz="3000" i="0" u="none" strike="noStrike" cap="none" dirty="0">
               <a:solidFill>
                 <a:schemeClr val="bg1"/>
               </a:solidFill>
@@ -11589,7 +11589,7 @@
               <a:buNone/>
             </a:pPr>
             <a:r>
-              <a:rPr lang="en-US" sz="3000" b="1" i="0" u="none" strike="noStrike" cap="none" dirty="0" smtClean="0">
+              <a:rPr lang="en-US" sz="3000" i="0" u="none" strike="noStrike" cap="none" dirty="0" smtClean="0">
                 <a:solidFill>
                   <a:srgbClr val="FFFF00"/>
                 </a:solidFill>
@@ -11601,7 +11601,7 @@
               <a:t>print</a:t>
             </a:r>
             <a:r>
-              <a:rPr lang="en-US" sz="3000" b="1" dirty="0">
+              <a:rPr lang="en-US" sz="3000" dirty="0">
                 <a:solidFill>
                   <a:schemeClr val="lt1"/>
                 </a:solidFill>
@@ -11613,7 +11613,7 @@
               <a:t>(</a:t>
             </a:r>
             <a:r>
-              <a:rPr lang="en-US" sz="3000" b="1" i="0" u="none" strike="noStrike" cap="none" dirty="0" smtClean="0">
+              <a:rPr lang="en-US" sz="3000" i="0" u="none" strike="noStrike" cap="none" dirty="0" smtClean="0">
                 <a:solidFill>
                   <a:srgbClr val="FF7F00"/>
                 </a:solidFill>
@@ -11625,7 +11625,7 @@
               <a:t>'Done!'</a:t>
             </a:r>
             <a:r>
-              <a:rPr lang="en-US" sz="3000" b="1" i="0" u="none" strike="noStrike" cap="none" dirty="0" smtClean="0">
+              <a:rPr lang="en-US" sz="3000" i="0" u="none" strike="noStrike" cap="none" dirty="0" smtClean="0">
                 <a:solidFill>
                   <a:schemeClr val="bg1"/>
                 </a:solidFill>
@@ -11636,7 +11636,7 @@
               </a:rPr>
               <a:t>)</a:t>
             </a:r>
-            <a:endParaRPr lang="en-US" sz="3000" b="1" i="0" u="none" strike="noStrike" cap="none" dirty="0">
+            <a:endParaRPr lang="en-US" sz="3000" i="0" u="none" strike="noStrike" cap="none" dirty="0">
               <a:solidFill>
                 <a:schemeClr val="bg1"/>
               </a:solidFill>
@@ -11998,7 +11998,7 @@
               <a:buNone/>
             </a:pPr>
             <a:r>
-              <a:rPr lang="en-US" sz="2400" b="1" i="0" u="none" strike="noStrike" cap="none" dirty="0">
+              <a:rPr lang="en-US" sz="2400" i="0" u="none" strike="noStrike" cap="none" dirty="0">
                 <a:solidFill>
                   <a:srgbClr val="FFFF00"/>
                 </a:solidFill>
@@ -12010,7 +12010,7 @@
               <a:t>for</a:t>
             </a:r>
             <a:r>
-              <a:rPr lang="en-US" sz="2400" b="1" i="0" u="none" strike="noStrike" cap="none" dirty="0">
+              <a:rPr lang="en-US" sz="2400" i="0" u="none" strike="noStrike" cap="none" dirty="0">
                 <a:solidFill>
                   <a:schemeClr val="lt1"/>
                 </a:solidFill>
@@ -12022,7 +12022,7 @@
               <a:t> </a:t>
             </a:r>
             <a:r>
-              <a:rPr lang="en-US" sz="2400" b="1" i="0" u="none" strike="noStrike" cap="none" dirty="0" err="1">
+              <a:rPr lang="en-US" sz="2400" i="0" u="none" strike="noStrike" cap="none" dirty="0" err="1">
                 <a:solidFill>
                   <a:srgbClr val="00FF00"/>
                 </a:solidFill>
@@ -12034,7 +12034,7 @@
               <a:t>i</a:t>
             </a:r>
             <a:r>
-              <a:rPr lang="en-US" sz="2400" b="1" i="0" u="none" strike="noStrike" cap="none" dirty="0">
+              <a:rPr lang="en-US" sz="2400" i="0" u="none" strike="noStrike" cap="none" dirty="0">
                 <a:solidFill>
                   <a:schemeClr val="lt1"/>
                 </a:solidFill>
@@ -12046,7 +12046,7 @@
               <a:t> </a:t>
             </a:r>
             <a:r>
-              <a:rPr lang="en-US" sz="2400" b="1" i="0" u="none" strike="noStrike" cap="none" dirty="0">
+              <a:rPr lang="en-US" sz="2400" i="0" u="none" strike="noStrike" cap="none" dirty="0">
                 <a:solidFill>
                   <a:srgbClr val="FFFF00"/>
                 </a:solidFill>
@@ -12058,7 +12058,7 @@
               <a:t>in</a:t>
             </a:r>
             <a:r>
-              <a:rPr lang="en-US" sz="2400" b="1" i="0" u="none" strike="noStrike" cap="none" dirty="0">
+              <a:rPr lang="en-US" sz="2400" i="0" u="none" strike="noStrike" cap="none" dirty="0">
                 <a:solidFill>
                   <a:schemeClr val="lt1"/>
                 </a:solidFill>
@@ -12070,7 +12070,7 @@
               <a:t> </a:t>
             </a:r>
             <a:r>
-              <a:rPr lang="en-US" sz="2400" b="1" i="0" u="none" strike="noStrike" cap="none" dirty="0">
+              <a:rPr lang="en-US" sz="2400" i="0" u="none" strike="noStrike" cap="none" dirty="0">
                 <a:solidFill>
                   <a:srgbClr val="FF7F00"/>
                 </a:solidFill>
@@ -12082,7 +12082,7 @@
               <a:t>[5, 4, 3, 2, 1]</a:t>
             </a:r>
             <a:r>
-              <a:rPr lang="en-US" sz="2400" b="1" i="0" u="none" strike="noStrike" cap="none" dirty="0">
+              <a:rPr lang="en-US" sz="2400" i="0" u="none" strike="noStrike" cap="none" dirty="0">
                 <a:solidFill>
                   <a:srgbClr val="00FF00"/>
                 </a:solidFill>
@@ -12094,7 +12094,7 @@
               <a:t> </a:t>
             </a:r>
             <a:r>
-              <a:rPr lang="en-US" sz="2400" b="1" i="0" u="none" strike="noStrike" cap="none" dirty="0">
+              <a:rPr lang="en-US" sz="2400" i="0" u="none" strike="noStrike" cap="none" dirty="0">
                 <a:solidFill>
                   <a:schemeClr val="lt1"/>
                 </a:solidFill>
@@ -12125,7 +12125,7 @@
               <a:buNone/>
             </a:pPr>
             <a:r>
-              <a:rPr lang="en-US" sz="2400" b="1" i="0" u="none" strike="noStrike" cap="none" dirty="0">
+              <a:rPr lang="en-US" sz="2400" i="0" u="none" strike="noStrike" cap="none" dirty="0">
                 <a:solidFill>
                   <a:schemeClr val="lt1"/>
                 </a:solidFill>
@@ -12137,7 +12137,7 @@
               <a:t>    </a:t>
             </a:r>
             <a:r>
-              <a:rPr lang="en-US" sz="2400" b="1" i="0" u="none" strike="noStrike" cap="none" dirty="0" smtClean="0">
+              <a:rPr lang="en-US" sz="2400" i="0" u="none" strike="noStrike" cap="none" dirty="0" smtClean="0">
                 <a:solidFill>
                   <a:srgbClr val="FFFF00"/>
                 </a:solidFill>
@@ -12149,7 +12149,7 @@
               <a:t>print</a:t>
             </a:r>
             <a:r>
-              <a:rPr lang="en-US" sz="2400" b="1" dirty="0">
+              <a:rPr lang="en-US" sz="2400" dirty="0">
                 <a:solidFill>
                   <a:schemeClr val="lt1"/>
                 </a:solidFill>
@@ -12161,7 +12161,7 @@
               <a:t>(</a:t>
             </a:r>
             <a:r>
-              <a:rPr lang="en-US" sz="2400" b="1" i="0" u="none" strike="noStrike" cap="none" dirty="0" err="1" smtClean="0">
+              <a:rPr lang="en-US" sz="2400" i="0" u="none" strike="noStrike" cap="none" dirty="0" err="1" smtClean="0">
                 <a:solidFill>
                   <a:srgbClr val="00FF00"/>
                 </a:solidFill>
@@ -12173,7 +12173,7 @@
               <a:t>i</a:t>
             </a:r>
             <a:r>
-              <a:rPr lang="en-US" sz="2400" b="1" i="0" u="none" strike="noStrike" cap="none" dirty="0" smtClean="0">
+              <a:rPr lang="en-US" sz="2400" i="0" u="none" strike="noStrike" cap="none" dirty="0" smtClean="0">
                 <a:solidFill>
                   <a:schemeClr val="bg1"/>
                 </a:solidFill>
@@ -12184,7 +12184,7 @@
               </a:rPr>
               <a:t>)</a:t>
             </a:r>
-            <a:endParaRPr lang="en-US" sz="2400" b="1" i="0" u="none" strike="noStrike" cap="none" dirty="0">
+            <a:endParaRPr lang="en-US" sz="2400" i="0" u="none" strike="noStrike" cap="none" dirty="0">
               <a:solidFill>
                 <a:schemeClr val="bg1"/>
               </a:solidFill>
@@ -12213,7 +12213,7 @@
               <a:buNone/>
             </a:pPr>
             <a:r>
-              <a:rPr lang="en-US" sz="2400" b="1" i="0" u="none" strike="noStrike" cap="none" dirty="0" smtClean="0">
+              <a:rPr lang="en-US" sz="2400" i="0" u="none" strike="noStrike" cap="none" dirty="0" smtClean="0">
                 <a:solidFill>
                   <a:srgbClr val="FFFF00"/>
                 </a:solidFill>
@@ -12225,7 +12225,7 @@
               <a:t>print</a:t>
             </a:r>
             <a:r>
-              <a:rPr lang="en-US" sz="2400" b="1" dirty="0">
+              <a:rPr lang="en-US" sz="2400" dirty="0">
                 <a:solidFill>
                   <a:schemeClr val="lt1"/>
                 </a:solidFill>
@@ -12237,7 +12237,7 @@
               <a:t>(</a:t>
             </a:r>
             <a:r>
-              <a:rPr lang="en-US" sz="2400" b="1" i="0" u="none" strike="noStrike" cap="none" dirty="0" smtClean="0">
+              <a:rPr lang="en-US" sz="2400" i="0" u="none" strike="noStrike" cap="none" dirty="0" smtClean="0">
                 <a:solidFill>
                   <a:srgbClr val="FF7F00"/>
                 </a:solidFill>
@@ -12249,7 +12249,7 @@
               <a:t>'Blastoff!'</a:t>
             </a:r>
             <a:r>
-              <a:rPr lang="en-US" sz="2400" b="1" i="0" u="none" strike="noStrike" cap="none" dirty="0" smtClean="0">
+              <a:rPr lang="en-US" sz="2400" i="0" u="none" strike="noStrike" cap="none" dirty="0" smtClean="0">
                 <a:solidFill>
                   <a:schemeClr val="bg1"/>
                 </a:solidFill>
@@ -12260,7 +12260,7 @@
               </a:rPr>
               <a:t>)</a:t>
             </a:r>
-            <a:endParaRPr lang="en-US" sz="2400" b="1" i="0" u="none" strike="noStrike" cap="none" dirty="0">
+            <a:endParaRPr lang="en-US" sz="2400" i="0" u="none" strike="noStrike" cap="none" dirty="0">
               <a:solidFill>
                 <a:schemeClr val="bg1"/>
               </a:solidFill>
@@ -13807,7 +13807,7 @@
               <a:buNone/>
             </a:pPr>
             <a:r>
-              <a:rPr lang="en-US" sz="3000" b="1" i="0" u="none" strike="noStrike" cap="none" dirty="0">
+              <a:rPr lang="en-US" sz="3000" i="0" u="none" strike="noStrike" cap="none" dirty="0">
                 <a:solidFill>
                   <a:srgbClr val="FFFF00"/>
                 </a:solidFill>
@@ -13819,7 +13819,7 @@
               <a:t>for</a:t>
             </a:r>
             <a:r>
-              <a:rPr lang="en-US" sz="3000" b="1" i="0" u="none" strike="noStrike" cap="none" dirty="0">
+              <a:rPr lang="en-US" sz="3000" i="0" u="none" strike="noStrike" cap="none" dirty="0">
                 <a:solidFill>
                   <a:schemeClr val="lt1"/>
                 </a:solidFill>
@@ -13831,7 +13831,7 @@
               <a:t> </a:t>
             </a:r>
             <a:r>
-              <a:rPr lang="en-US" sz="3000" b="1" i="0" u="none" strike="noStrike" cap="none" dirty="0" err="1">
+              <a:rPr lang="en-US" sz="3000" i="0" u="none" strike="noStrike" cap="none" dirty="0" err="1">
                 <a:solidFill>
                   <a:srgbClr val="00FF00"/>
                 </a:solidFill>
@@ -13843,7 +13843,7 @@
               <a:t>i</a:t>
             </a:r>
             <a:r>
-              <a:rPr lang="en-US" sz="3000" b="1" i="0" u="none" strike="noStrike" cap="none" dirty="0">
+              <a:rPr lang="en-US" sz="3000" i="0" u="none" strike="noStrike" cap="none" dirty="0">
                 <a:solidFill>
                   <a:schemeClr val="lt1"/>
                 </a:solidFill>
@@ -13855,7 +13855,7 @@
               <a:t> </a:t>
             </a:r>
             <a:r>
-              <a:rPr lang="en-US" sz="3000" b="1" i="0" u="none" strike="noStrike" cap="none" dirty="0">
+              <a:rPr lang="en-US" sz="3000" i="0" u="none" strike="noStrike" cap="none" dirty="0">
                 <a:solidFill>
                   <a:srgbClr val="FFFF00"/>
                 </a:solidFill>
@@ -13867,7 +13867,7 @@
               <a:t>in</a:t>
             </a:r>
             <a:r>
-              <a:rPr lang="en-US" sz="3000" b="1" i="0" u="none" strike="noStrike" cap="none" dirty="0">
+              <a:rPr lang="en-US" sz="3000" i="0" u="none" strike="noStrike" cap="none" dirty="0">
                 <a:solidFill>
                   <a:schemeClr val="lt1"/>
                 </a:solidFill>
@@ -13879,7 +13879,7 @@
               <a:t> </a:t>
             </a:r>
             <a:r>
-              <a:rPr lang="en-US" sz="3000" b="1" i="0" u="none" strike="noStrike" cap="none" dirty="0">
+              <a:rPr lang="en-US" sz="3000" i="0" u="none" strike="noStrike" cap="none" dirty="0">
                 <a:solidFill>
                   <a:srgbClr val="FF7F00"/>
                 </a:solidFill>
@@ -13891,7 +13891,7 @@
               <a:t>[5, 4, 3, 2, 1]</a:t>
             </a:r>
             <a:r>
-              <a:rPr lang="en-US" sz="3000" b="1" i="0" u="none" strike="noStrike" cap="none" dirty="0">
+              <a:rPr lang="en-US" sz="3000" i="0" u="none" strike="noStrike" cap="none" dirty="0">
                 <a:solidFill>
                   <a:srgbClr val="00FF00"/>
                 </a:solidFill>
@@ -13903,7 +13903,7 @@
               <a:t> </a:t>
             </a:r>
             <a:r>
-              <a:rPr lang="en-US" sz="3000" b="1" i="0" u="none" strike="noStrike" cap="none" dirty="0">
+              <a:rPr lang="en-US" sz="3000" i="0" u="none" strike="noStrike" cap="none" dirty="0">
                 <a:solidFill>
                   <a:schemeClr val="lt1"/>
                 </a:solidFill>
@@ -13934,7 +13934,7 @@
               <a:buNone/>
             </a:pPr>
             <a:r>
-              <a:rPr lang="en-US" sz="3000" b="1" i="0" u="none" strike="noStrike" cap="none" dirty="0">
+              <a:rPr lang="en-US" sz="3000" i="0" u="none" strike="noStrike" cap="none" dirty="0">
                 <a:solidFill>
                   <a:schemeClr val="lt1"/>
                 </a:solidFill>
@@ -13946,7 +13946,7 @@
               <a:t>     </a:t>
             </a:r>
             <a:r>
-              <a:rPr lang="en-US" sz="3000" b="1" i="0" u="none" strike="noStrike" cap="none" dirty="0">
+              <a:rPr lang="en-US" sz="3000" i="0" u="none" strike="noStrike" cap="none" dirty="0">
                 <a:solidFill>
                   <a:srgbClr val="FF00FF"/>
                 </a:solidFill>
@@ -13958,7 +13958,7 @@
               <a:t> </a:t>
             </a:r>
             <a:r>
-              <a:rPr lang="en-US" sz="3000" b="1" i="0" u="none" strike="noStrike" cap="none" dirty="0" smtClean="0">
+              <a:rPr lang="en-US" sz="3000" i="0" u="none" strike="noStrike" cap="none" dirty="0" smtClean="0">
                 <a:solidFill>
                   <a:srgbClr val="FF00FF"/>
                 </a:solidFill>
@@ -13970,7 +13970,7 @@
               <a:t>print(</a:t>
             </a:r>
             <a:r>
-              <a:rPr lang="en-US" sz="3000" b="1" i="0" u="none" strike="noStrike" cap="none" dirty="0" err="1" smtClean="0">
+              <a:rPr lang="en-US" sz="3000" i="0" u="none" strike="noStrike" cap="none" dirty="0" err="1" smtClean="0">
                 <a:solidFill>
                   <a:srgbClr val="FF00FF"/>
                 </a:solidFill>
@@ -13982,7 +13982,7 @@
               <a:t>i</a:t>
             </a:r>
             <a:r>
-              <a:rPr lang="en-US" sz="3000" b="1" i="0" u="none" strike="noStrike" cap="none" dirty="0" smtClean="0">
+              <a:rPr lang="en-US" sz="3000" i="0" u="none" strike="noStrike" cap="none" dirty="0" smtClean="0">
                 <a:solidFill>
                   <a:srgbClr val="FF00FF"/>
                 </a:solidFill>
@@ -13993,7 +13993,7 @@
               </a:rPr>
               <a:t>)</a:t>
             </a:r>
-            <a:endParaRPr lang="en-US" sz="3000" b="1" i="0" u="none" strike="noStrike" cap="none" dirty="0">
+            <a:endParaRPr lang="en-US" sz="3000" i="0" u="none" strike="noStrike" cap="none" dirty="0">
               <a:solidFill>
                 <a:srgbClr val="FF00FF"/>
               </a:solidFill>
@@ -15158,7 +15158,7 @@
               <a:buNone/>
             </a:pPr>
             <a:r>
-              <a:rPr lang="en-US" sz="3000" b="1" i="0" u="none" strike="noStrike" cap="none" dirty="0">
+              <a:rPr lang="en-US" sz="3000" i="0" u="none" strike="noStrike" cap="none" dirty="0">
                 <a:solidFill>
                   <a:srgbClr val="FFFF00"/>
                 </a:solidFill>
@@ -15170,7 +15170,7 @@
               <a:t>for</a:t>
             </a:r>
             <a:r>
-              <a:rPr lang="en-US" sz="3000" b="1" i="0" u="none" strike="noStrike" cap="none" dirty="0">
+              <a:rPr lang="en-US" sz="3000" i="0" u="none" strike="noStrike" cap="none" dirty="0">
                 <a:solidFill>
                   <a:schemeClr val="lt1"/>
                 </a:solidFill>
@@ -15182,7 +15182,7 @@
               <a:t> </a:t>
             </a:r>
             <a:r>
-              <a:rPr lang="en-US" sz="3000" b="1" i="0" u="none" strike="noStrike" cap="none" dirty="0" err="1">
+              <a:rPr lang="en-US" sz="3000" i="0" u="none" strike="noStrike" cap="none" dirty="0" err="1">
                 <a:solidFill>
                   <a:srgbClr val="00FF00"/>
                 </a:solidFill>
@@ -15194,7 +15194,7 @@
               <a:t>i</a:t>
             </a:r>
             <a:r>
-              <a:rPr lang="en-US" sz="3000" b="1" i="0" u="none" strike="noStrike" cap="none" dirty="0">
+              <a:rPr lang="en-US" sz="3000" i="0" u="none" strike="noStrike" cap="none" dirty="0">
                 <a:solidFill>
                   <a:schemeClr val="lt1"/>
                 </a:solidFill>
@@ -15206,7 +15206,7 @@
               <a:t> </a:t>
             </a:r>
             <a:r>
-              <a:rPr lang="en-US" sz="3000" b="1" i="0" u="none" strike="noStrike" cap="none" dirty="0">
+              <a:rPr lang="en-US" sz="3000" i="0" u="none" strike="noStrike" cap="none" dirty="0">
                 <a:solidFill>
                   <a:srgbClr val="FFFF00"/>
                 </a:solidFill>
@@ -15218,7 +15218,7 @@
               <a:t>in</a:t>
             </a:r>
             <a:r>
-              <a:rPr lang="en-US" sz="3000" b="1" i="0" u="none" strike="noStrike" cap="none" dirty="0">
+              <a:rPr lang="en-US" sz="3000" i="0" u="none" strike="noStrike" cap="none" dirty="0">
                 <a:solidFill>
                   <a:schemeClr val="lt1"/>
                 </a:solidFill>
@@ -15230,7 +15230,7 @@
               <a:t> </a:t>
             </a:r>
             <a:r>
-              <a:rPr lang="en-US" sz="3000" b="1" i="0" u="none" strike="noStrike" cap="none" dirty="0">
+              <a:rPr lang="en-US" sz="3000" i="0" u="none" strike="noStrike" cap="none" dirty="0">
                 <a:solidFill>
                   <a:srgbClr val="FF7F00"/>
                 </a:solidFill>
@@ -15242,7 +15242,7 @@
               <a:t>[5, 4, 3, 2, 1] </a:t>
             </a:r>
             <a:r>
-              <a:rPr lang="en-US" sz="3000" b="1" dirty="0">
+              <a:rPr lang="en-US" sz="3000" dirty="0">
                 <a:solidFill>
                   <a:schemeClr val="lt1"/>
                 </a:solidFill>
@@ -15254,7 +15254,7 @@
               <a:t>:</a:t>
             </a:r>
             <a:r>
-              <a:rPr lang="en-US" sz="3000" b="1" i="0" u="none" strike="noStrike" cap="none" dirty="0">
+              <a:rPr lang="en-US" sz="3000" i="0" u="none" strike="noStrike" cap="none" dirty="0">
                 <a:solidFill>
                   <a:srgbClr val="FF7F00"/>
                 </a:solidFill>
@@ -15266,7 +15266,7 @@
               <a:t> </a:t>
             </a:r>
             <a:r>
-              <a:rPr lang="en-US" sz="3000" b="1" i="0" u="none" strike="noStrike" cap="none" dirty="0">
+              <a:rPr lang="en-US" sz="3000" i="0" u="none" strike="noStrike" cap="none" dirty="0">
                 <a:solidFill>
                   <a:srgbClr val="00FF00"/>
                 </a:solidFill>
@@ -15297,7 +15297,7 @@
               <a:buNone/>
             </a:pPr>
             <a:r>
-              <a:rPr lang="en-US" sz="3000" b="1" i="0" u="none" strike="noStrike" cap="none" dirty="0">
+              <a:rPr lang="en-US" sz="3000" i="0" u="none" strike="noStrike" cap="none" dirty="0">
                 <a:solidFill>
                   <a:schemeClr val="lt1"/>
                 </a:solidFill>
@@ -15309,7 +15309,7 @@
               <a:t>   </a:t>
             </a:r>
             <a:r>
-              <a:rPr lang="en-US" sz="3000" b="1" i="0" u="none" strike="noStrike" cap="none" dirty="0" smtClean="0">
+              <a:rPr lang="en-US" sz="3000" i="0" u="none" strike="noStrike" cap="none" dirty="0" smtClean="0">
                 <a:solidFill>
                   <a:srgbClr val="FFFF00"/>
                 </a:solidFill>
@@ -15321,7 +15321,7 @@
               <a:t>print</a:t>
             </a:r>
             <a:r>
-              <a:rPr lang="en-US" sz="3000" b="1" dirty="0">
+              <a:rPr lang="en-US" sz="3000" dirty="0">
                 <a:solidFill>
                   <a:schemeClr val="lt1"/>
                 </a:solidFill>
@@ -15333,7 +15333,7 @@
               <a:t>(</a:t>
             </a:r>
             <a:r>
-              <a:rPr lang="en-US" sz="3000" b="1" i="0" u="none" strike="noStrike" cap="none" dirty="0" err="1" smtClean="0">
+              <a:rPr lang="en-US" sz="3000" i="0" u="none" strike="noStrike" cap="none" dirty="0" err="1" smtClean="0">
                 <a:solidFill>
                   <a:srgbClr val="00FF00"/>
                 </a:solidFill>
@@ -15345,7 +15345,7 @@
               <a:t>i</a:t>
             </a:r>
             <a:r>
-              <a:rPr lang="en-US" sz="3000" b="1" i="0" u="none" strike="noStrike" cap="none" dirty="0" smtClean="0">
+              <a:rPr lang="en-US" sz="3000" i="0" u="none" strike="noStrike" cap="none" dirty="0" smtClean="0">
                 <a:solidFill>
                   <a:schemeClr val="bg1"/>
                 </a:solidFill>
@@ -15356,7 +15356,7 @@
               </a:rPr>
               <a:t>)</a:t>
             </a:r>
-            <a:endParaRPr lang="en-US" sz="3000" b="1" i="0" u="none" strike="noStrike" cap="none" dirty="0">
+            <a:endParaRPr lang="en-US" sz="3000" i="0" u="none" strike="noStrike" cap="none" dirty="0">
               <a:solidFill>
                 <a:schemeClr val="bg1"/>
               </a:solidFill>
@@ -17138,7 +17138,7 @@
               <a:buNone/>
             </a:pPr>
             <a:r>
-              <a:rPr lang="en-US" sz="3000" b="1" i="0" u="none" strike="noStrike" cap="none" dirty="0">
+              <a:rPr lang="en-US" sz="3000" i="0" u="none" strike="noStrike" cap="none" dirty="0" smtClean="0">
                 <a:solidFill>
                   <a:srgbClr val="FFFF00"/>
                 </a:solidFill>
@@ -17150,7 +17150,7 @@
               <a:t>for</a:t>
             </a:r>
             <a:r>
-              <a:rPr lang="en-US" sz="3000" b="1" i="0" u="none" strike="noStrike" cap="none" dirty="0">
+              <a:rPr lang="en-US" sz="3000" i="0" u="none" strike="noStrike" cap="none" dirty="0" smtClean="0">
                 <a:solidFill>
                   <a:schemeClr val="lt1"/>
                 </a:solidFill>
@@ -17162,7 +17162,7 @@
               <a:t> </a:t>
             </a:r>
             <a:r>
-              <a:rPr lang="en-US" sz="3000" b="1" i="0" u="none" strike="noStrike" cap="none" dirty="0" err="1">
+              <a:rPr lang="en-US" sz="3000" i="0" u="none" strike="noStrike" cap="none" dirty="0" err="1" smtClean="0">
                 <a:solidFill>
                   <a:srgbClr val="00FF00"/>
                 </a:solidFill>
@@ -17174,7 +17174,7 @@
               <a:t>i</a:t>
             </a:r>
             <a:r>
-              <a:rPr lang="en-US" sz="3000" b="1" i="0" u="none" strike="noStrike" cap="none" dirty="0">
+              <a:rPr lang="en-US" sz="3000" i="0" u="none" strike="noStrike" cap="none" dirty="0" smtClean="0">
                 <a:solidFill>
                   <a:schemeClr val="lt1"/>
                 </a:solidFill>
@@ -17186,7 +17186,7 @@
               <a:t> </a:t>
             </a:r>
             <a:r>
-              <a:rPr lang="en-US" sz="3000" b="1" i="0" u="none" strike="noStrike" cap="none" dirty="0">
+              <a:rPr lang="en-US" sz="3000" i="0" u="none" strike="noStrike" cap="none" dirty="0" smtClean="0">
                 <a:solidFill>
                   <a:srgbClr val="FFFF00"/>
                 </a:solidFill>
@@ -17198,7 +17198,7 @@
               <a:t>in</a:t>
             </a:r>
             <a:r>
-              <a:rPr lang="en-US" sz="3000" b="1" i="0" u="none" strike="noStrike" cap="none" dirty="0">
+              <a:rPr lang="en-US" sz="3000" i="0" u="none" strike="noStrike" cap="none" dirty="0" smtClean="0">
                 <a:solidFill>
                   <a:schemeClr val="lt1"/>
                 </a:solidFill>
@@ -17210,7 +17210,7 @@
               <a:t> </a:t>
             </a:r>
             <a:r>
-              <a:rPr lang="en-US" sz="3000" b="1" i="0" u="none" strike="noStrike" cap="none" dirty="0">
+              <a:rPr lang="en-US" sz="3000" i="0" u="none" strike="noStrike" cap="none" dirty="0" smtClean="0">
                 <a:solidFill>
                   <a:srgbClr val="FF7F00"/>
                 </a:solidFill>
@@ -17222,7 +17222,7 @@
               <a:t>[5, 4, 3, 2, 1]</a:t>
             </a:r>
             <a:r>
-              <a:rPr lang="en-US" sz="3000" b="1" i="0" u="none" strike="noStrike" cap="none" dirty="0">
+              <a:rPr lang="en-US" sz="3000" i="0" u="none" strike="noStrike" cap="none" dirty="0" smtClean="0">
                 <a:solidFill>
                   <a:srgbClr val="00FF00"/>
                 </a:solidFill>
@@ -17234,7 +17234,7 @@
               <a:t> </a:t>
             </a:r>
             <a:r>
-              <a:rPr lang="en-US" sz="3000" b="1" i="0" u="none" strike="noStrike" cap="none" dirty="0">
+              <a:rPr lang="en-US" sz="3000" i="0" u="none" strike="noStrike" cap="none" dirty="0" smtClean="0">
                 <a:solidFill>
                   <a:schemeClr val="lt1"/>
                 </a:solidFill>
@@ -17265,7 +17265,7 @@
               <a:buNone/>
             </a:pPr>
             <a:r>
-              <a:rPr lang="en-US" sz="3000" b="1" i="0" u="none" strike="noStrike" cap="none" dirty="0">
+              <a:rPr lang="en-US" sz="3000" i="0" u="none" strike="noStrike" cap="none" dirty="0" smtClean="0">
                 <a:solidFill>
                   <a:schemeClr val="lt1"/>
                 </a:solidFill>
@@ -17277,7 +17277,7 @@
               <a:t>    </a:t>
             </a:r>
             <a:r>
-              <a:rPr lang="en-US" sz="3000" b="1" i="0" u="none" strike="noStrike" cap="none" dirty="0" smtClean="0">
+              <a:rPr lang="en-US" sz="3000" i="0" u="none" strike="noStrike" cap="none" dirty="0" smtClean="0">
                 <a:solidFill>
                   <a:srgbClr val="FFFF00"/>
                 </a:solidFill>
@@ -17289,7 +17289,7 @@
               <a:t>print</a:t>
             </a:r>
             <a:r>
-              <a:rPr lang="en-US" sz="3000" b="1" dirty="0">
+              <a:rPr lang="en-US" sz="3000" dirty="0" smtClean="0">
                 <a:solidFill>
                   <a:schemeClr val="lt1"/>
                 </a:solidFill>
@@ -17301,7 +17301,7 @@
               <a:t>(</a:t>
             </a:r>
             <a:r>
-              <a:rPr lang="en-US" sz="3000" b="1" i="0" u="none" strike="noStrike" cap="none" dirty="0" err="1" smtClean="0">
+              <a:rPr lang="en-US" sz="3000" i="0" u="none" strike="noStrike" cap="none" dirty="0" err="1" smtClean="0">
                 <a:solidFill>
                   <a:srgbClr val="00FF00"/>
                 </a:solidFill>
@@ -17313,7 +17313,7 @@
               <a:t>i</a:t>
             </a:r>
             <a:r>
-              <a:rPr lang="en-US" sz="3000" b="1" i="0" u="none" strike="noStrike" cap="none" dirty="0" smtClean="0">
+              <a:rPr lang="en-US" sz="3000" i="0" u="none" strike="noStrike" cap="none" dirty="0" smtClean="0">
                 <a:solidFill>
                   <a:schemeClr val="bg1"/>
                 </a:solidFill>
@@ -17324,7 +17324,7 @@
               </a:rPr>
               <a:t>)</a:t>
             </a:r>
-            <a:endParaRPr lang="en-US" sz="3000" b="1" i="0" u="none" strike="noStrike" cap="none" dirty="0">
+            <a:endParaRPr lang="en-US" sz="3000" i="0" u="none" strike="noStrike" cap="none" dirty="0">
               <a:solidFill>
                 <a:schemeClr val="bg1"/>
               </a:solidFill>
@@ -17959,7 +17959,7 @@
               <a:buNone/>
             </a:pPr>
             <a:r>
-              <a:rPr lang="en-US" sz="3000" b="1" i="0" u="none" strike="noStrike" cap="none" dirty="0">
+              <a:rPr lang="en-US" sz="3000" i="0" u="none" strike="noStrike" cap="none" dirty="0">
                 <a:solidFill>
                   <a:srgbClr val="00FF00"/>
                 </a:solidFill>
@@ -17971,7 +17971,7 @@
               <a:t>n</a:t>
             </a:r>
             <a:r>
-              <a:rPr lang="en-US" sz="3000" b="1" i="0" u="none" strike="noStrike" cap="none" dirty="0">
+              <a:rPr lang="en-US" sz="3000" i="0" u="none" strike="noStrike" cap="none" dirty="0">
                 <a:solidFill>
                   <a:srgbClr val="FFFF00"/>
                 </a:solidFill>
@@ -17983,7 +17983,7 @@
               <a:t> </a:t>
             </a:r>
             <a:r>
-              <a:rPr lang="en-US" sz="3000" b="1" i="0" u="none" strike="noStrike" cap="none" dirty="0">
+              <a:rPr lang="en-US" sz="3000" i="0" u="none" strike="noStrike" cap="none" dirty="0">
                 <a:solidFill>
                   <a:srgbClr val="00FFFF"/>
                 </a:solidFill>
@@ -17995,7 +17995,7 @@
               <a:t>=</a:t>
             </a:r>
             <a:r>
-              <a:rPr lang="en-US" sz="3000" b="1" i="0" u="none" strike="noStrike" cap="none" dirty="0">
+              <a:rPr lang="en-US" sz="3000" i="0" u="none" strike="noStrike" cap="none" dirty="0">
                 <a:solidFill>
                   <a:srgbClr val="FFFF00"/>
                 </a:solidFill>
@@ -18007,7 +18007,7 @@
               <a:t> </a:t>
             </a:r>
             <a:r>
-              <a:rPr lang="en-US" sz="3000" b="1" i="0" u="none" strike="noStrike" cap="none" dirty="0">
+              <a:rPr lang="en-US" sz="3000" i="0" u="none" strike="noStrike" cap="none" dirty="0">
                 <a:solidFill>
                   <a:srgbClr val="FF9900"/>
                 </a:solidFill>
@@ -18038,7 +18038,7 @@
               <a:buNone/>
             </a:pPr>
             <a:r>
-              <a:rPr lang="en-US" sz="3000" b="1" i="0" u="none" strike="noStrike" cap="none" dirty="0">
+              <a:rPr lang="en-US" sz="3000" i="0" u="none" strike="noStrike" cap="none" dirty="0">
                 <a:solidFill>
                   <a:srgbClr val="FFFF00"/>
                 </a:solidFill>
@@ -18050,7 +18050,7 @@
               <a:t>while </a:t>
             </a:r>
             <a:r>
-              <a:rPr lang="en-US" sz="3000" b="1" i="0" u="none" strike="noStrike" cap="none" dirty="0">
+              <a:rPr lang="en-US" sz="3000" i="0" u="none" strike="noStrike" cap="none" dirty="0">
                 <a:solidFill>
                   <a:srgbClr val="00FF00"/>
                 </a:solidFill>
@@ -18062,7 +18062,7 @@
               <a:t>n</a:t>
             </a:r>
             <a:r>
-              <a:rPr lang="en-US" sz="3000" b="1" i="0" u="none" strike="noStrike" cap="none" dirty="0">
+              <a:rPr lang="en-US" sz="3000" i="0" u="none" strike="noStrike" cap="none" dirty="0">
                 <a:solidFill>
                   <a:srgbClr val="FFFF00"/>
                 </a:solidFill>
@@ -18074,7 +18074,7 @@
               <a:t> </a:t>
             </a:r>
             <a:r>
-              <a:rPr lang="en-US" sz="3000" b="1" i="0" u="none" strike="noStrike" cap="none" dirty="0">
+              <a:rPr lang="en-US" sz="3000" i="0" u="none" strike="noStrike" cap="none" dirty="0">
                 <a:solidFill>
                   <a:srgbClr val="00FFFF"/>
                 </a:solidFill>
@@ -18086,7 +18086,7 @@
               <a:t>&gt;</a:t>
             </a:r>
             <a:r>
-              <a:rPr lang="en-US" sz="3000" b="1" i="0" u="none" strike="noStrike" cap="none" dirty="0">
+              <a:rPr lang="en-US" sz="3000" i="0" u="none" strike="noStrike" cap="none" dirty="0">
                 <a:solidFill>
                   <a:srgbClr val="FFFF00"/>
                 </a:solidFill>
@@ -18098,7 +18098,7 @@
               <a:t> </a:t>
             </a:r>
             <a:r>
-              <a:rPr lang="en-US" sz="3000" b="1" i="0" u="none" strike="noStrike" cap="none" dirty="0">
+              <a:rPr lang="en-US" sz="3000" i="0" u="none" strike="noStrike" cap="none" dirty="0">
                 <a:solidFill>
                   <a:srgbClr val="FF9900"/>
                 </a:solidFill>
@@ -18110,7 +18110,7 @@
               <a:t>0</a:t>
             </a:r>
             <a:r>
-              <a:rPr lang="en-US" sz="3000" b="1" i="0" u="none" strike="noStrike" cap="none" dirty="0">
+              <a:rPr lang="en-US" sz="3000" i="0" u="none" strike="noStrike" cap="none" dirty="0">
                 <a:solidFill>
                   <a:srgbClr val="FFFF00"/>
                 </a:solidFill>
@@ -18141,7 +18141,7 @@
               <a:buNone/>
             </a:pPr>
             <a:r>
-              <a:rPr lang="en-US" sz="3000" b="1" i="0" u="none" strike="noStrike" cap="none" dirty="0">
+              <a:rPr lang="en-US" sz="3000" i="0" u="none" strike="noStrike" cap="none" dirty="0">
                 <a:solidFill>
                   <a:srgbClr val="FFFF00"/>
                 </a:solidFill>
@@ -18153,7 +18153,7 @@
               <a:t>    </a:t>
             </a:r>
             <a:r>
-              <a:rPr lang="en-US" sz="3000" b="1" i="0" u="none" strike="noStrike" cap="none" dirty="0" smtClean="0">
+              <a:rPr lang="en-US" sz="3000" i="0" u="none" strike="noStrike" cap="none" dirty="0" err="1" smtClean="0">
                 <a:solidFill>
                   <a:srgbClr val="FFFF00"/>
                 </a:solidFill>
@@ -18162,10 +18162,10 @@
                 <a:cs typeface="Courier New"/>
                 <a:sym typeface="Courier New"/>
               </a:rPr>
-              <a:t>print</a:t>
-            </a:r>
-            <a:r>
-              <a:rPr lang="en-US" sz="3000" b="1" i="0" u="none" strike="noStrike" cap="none" dirty="0" smtClean="0">
+              <a:t>ntnt</a:t>
+            </a:r>
+            <a:r>
+              <a:rPr lang="en-US" sz="3000" i="0" u="none" strike="noStrike" cap="none" dirty="0" smtClean="0">
                 <a:solidFill>
                   <a:schemeClr val="bg1"/>
                 </a:solidFill>
@@ -18177,7 +18177,7 @@
               <a:t>(</a:t>
             </a:r>
             <a:r>
-              <a:rPr lang="en-US" sz="3000" b="1" i="0" u="none" strike="noStrike" cap="none" dirty="0" smtClean="0">
+              <a:rPr lang="en-US" sz="3000" i="0" u="none" strike="noStrike" cap="none" dirty="0" smtClean="0">
                 <a:solidFill>
                   <a:srgbClr val="00FF00"/>
                 </a:solidFill>
@@ -18189,7 +18189,7 @@
               <a:t>n</a:t>
             </a:r>
             <a:r>
-              <a:rPr lang="en-US" sz="3000" b="1" i="0" u="none" strike="noStrike" cap="none" dirty="0" smtClean="0">
+              <a:rPr lang="en-US" sz="3000" i="0" u="none" strike="noStrike" cap="none" dirty="0" smtClean="0">
                 <a:solidFill>
                   <a:schemeClr val="bg1"/>
                 </a:solidFill>
@@ -18200,7 +18200,7 @@
               </a:rPr>
               <a:t>)</a:t>
             </a:r>
-            <a:endParaRPr lang="en-US" sz="3000" b="1" i="0" u="none" strike="noStrike" cap="none" dirty="0">
+            <a:endParaRPr lang="en-US" sz="3000" i="0" u="none" strike="noStrike" cap="none" dirty="0">
               <a:solidFill>
                 <a:schemeClr val="bg1"/>
               </a:solidFill>
@@ -18229,7 +18229,7 @@
               <a:buNone/>
             </a:pPr>
             <a:r>
-              <a:rPr lang="en-US" sz="3000" b="1" i="0" u="none" strike="noStrike" cap="none" dirty="0">
+              <a:rPr lang="en-US" sz="3000" i="0" u="none" strike="noStrike" cap="none" dirty="0">
                 <a:solidFill>
                   <a:srgbClr val="FFFF00"/>
                 </a:solidFill>
@@ -18241,7 +18241,7 @@
               <a:t>    </a:t>
             </a:r>
             <a:r>
-              <a:rPr lang="en-US" sz="3000" b="1" i="0" u="none" strike="noStrike" cap="none" dirty="0">
+              <a:rPr lang="en-US" sz="3000" i="0" u="none" strike="noStrike" cap="none" dirty="0">
                 <a:solidFill>
                   <a:srgbClr val="00FF00"/>
                 </a:solidFill>
@@ -18253,7 +18253,7 @@
               <a:t>n</a:t>
             </a:r>
             <a:r>
-              <a:rPr lang="en-US" sz="3000" b="1" i="0" u="none" strike="noStrike" cap="none" dirty="0">
+              <a:rPr lang="en-US" sz="3000" i="0" u="none" strike="noStrike" cap="none" dirty="0">
                 <a:solidFill>
                   <a:srgbClr val="FFFF00"/>
                 </a:solidFill>
@@ -18265,7 +18265,7 @@
               <a:t> </a:t>
             </a:r>
             <a:r>
-              <a:rPr lang="en-US" sz="3000" b="1" i="0" u="none" strike="noStrike" cap="none" dirty="0">
+              <a:rPr lang="en-US" sz="3000" i="0" u="none" strike="noStrike" cap="none" dirty="0">
                 <a:solidFill>
                   <a:srgbClr val="00FFFF"/>
                 </a:solidFill>
@@ -18277,7 +18277,7 @@
               <a:t>=</a:t>
             </a:r>
             <a:r>
-              <a:rPr lang="en-US" sz="3000" b="1" i="0" u="none" strike="noStrike" cap="none" dirty="0">
+              <a:rPr lang="en-US" sz="3000" i="0" u="none" strike="noStrike" cap="none" dirty="0">
                 <a:solidFill>
                   <a:srgbClr val="FFFF00"/>
                 </a:solidFill>
@@ -18289,7 +18289,7 @@
               <a:t> </a:t>
             </a:r>
             <a:r>
-              <a:rPr lang="en-US" sz="3000" b="1" i="0" u="none" strike="noStrike" cap="none" dirty="0">
+              <a:rPr lang="en-US" sz="3000" i="0" u="none" strike="noStrike" cap="none" dirty="0">
                 <a:solidFill>
                   <a:srgbClr val="00FF00"/>
                 </a:solidFill>
@@ -18301,7 +18301,7 @@
               <a:t>n</a:t>
             </a:r>
             <a:r>
-              <a:rPr lang="en-US" sz="3000" b="1" i="0" u="none" strike="noStrike" cap="none" dirty="0">
+              <a:rPr lang="en-US" sz="3000" i="0" u="none" strike="noStrike" cap="none" dirty="0">
                 <a:solidFill>
                   <a:srgbClr val="FFFF00"/>
                 </a:solidFill>
@@ -18313,7 +18313,7 @@
               <a:t> </a:t>
             </a:r>
             <a:r>
-              <a:rPr lang="en-US" sz="3000" b="1" i="0" u="none" strike="noStrike" cap="none" dirty="0">
+              <a:rPr lang="en-US" sz="3000" i="0" u="none" strike="noStrike" cap="none" dirty="0">
                 <a:solidFill>
                   <a:srgbClr val="00FFFF"/>
                 </a:solidFill>
@@ -18325,7 +18325,7 @@
               <a:t>–</a:t>
             </a:r>
             <a:r>
-              <a:rPr lang="en-US" sz="3000" b="1" i="0" u="none" strike="noStrike" cap="none" dirty="0">
+              <a:rPr lang="en-US" sz="3000" i="0" u="none" strike="noStrike" cap="none" dirty="0">
                 <a:solidFill>
                   <a:srgbClr val="FFFF00"/>
                 </a:solidFill>
@@ -18356,7 +18356,7 @@
               <a:buNone/>
             </a:pPr>
             <a:r>
-              <a:rPr lang="en-US" sz="3000" b="1" i="0" u="none" strike="noStrike" cap="none" dirty="0" smtClean="0">
+              <a:rPr lang="en-US" sz="3000" i="0" u="none" strike="noStrike" cap="none" dirty="0" smtClean="0">
                 <a:solidFill>
                   <a:srgbClr val="FFFF00"/>
                 </a:solidFill>
@@ -18368,7 +18368,7 @@
               <a:t>print</a:t>
             </a:r>
             <a:r>
-              <a:rPr lang="en-US" sz="3000" b="1" i="0" u="none" strike="noStrike" cap="none" dirty="0" smtClean="0">
+              <a:rPr lang="en-US" sz="3000" i="0" u="none" strike="noStrike" cap="none" dirty="0" smtClean="0">
                 <a:solidFill>
                   <a:schemeClr val="bg1"/>
                 </a:solidFill>
@@ -18380,7 +18380,7 @@
               <a:t>(</a:t>
             </a:r>
             <a:r>
-              <a:rPr lang="en-US" sz="3000" b="1" i="0" u="none" strike="noStrike" cap="none" dirty="0" smtClean="0">
+              <a:rPr lang="en-US" sz="3000" i="0" u="none" strike="noStrike" cap="none" dirty="0" smtClean="0">
                 <a:solidFill>
                   <a:srgbClr val="FF9900"/>
                 </a:solidFill>
@@ -18392,7 +18392,7 @@
               <a:t>'Blastoff!'</a:t>
             </a:r>
             <a:r>
-              <a:rPr lang="en-US" sz="3000" b="1" i="0" u="none" strike="noStrike" cap="none" dirty="0" smtClean="0">
+              <a:rPr lang="en-US" sz="3000" i="0" u="none" strike="noStrike" cap="none" dirty="0" smtClean="0">
                 <a:solidFill>
                   <a:schemeClr val="bg1"/>
                 </a:solidFill>
@@ -18403,7 +18403,7 @@
               </a:rPr>
               <a:t>)</a:t>
             </a:r>
-            <a:endParaRPr lang="en-US" sz="3000" b="1" i="0" u="none" strike="noStrike" cap="none" dirty="0">
+            <a:endParaRPr lang="en-US" sz="3000" i="0" u="none" strike="noStrike" cap="none" dirty="0">
               <a:solidFill>
                 <a:schemeClr val="bg1"/>
               </a:solidFill>
@@ -18432,7 +18432,7 @@
               <a:buNone/>
             </a:pPr>
             <a:r>
-              <a:rPr lang="en-US" sz="3000" b="1" i="0" u="none" strike="noStrike" cap="none" dirty="0" smtClean="0">
+              <a:rPr lang="en-US" sz="3000" i="0" u="none" strike="noStrike" cap="none" dirty="0" smtClean="0">
                 <a:solidFill>
                   <a:srgbClr val="FFFF00"/>
                 </a:solidFill>
@@ -18444,7 +18444,7 @@
               <a:t>print</a:t>
             </a:r>
             <a:r>
-              <a:rPr lang="en-US" sz="3000" b="1" i="0" u="none" strike="noStrike" cap="none" dirty="0" smtClean="0">
+              <a:rPr lang="en-US" sz="3000" i="0" u="none" strike="noStrike" cap="none" dirty="0" smtClean="0">
                 <a:solidFill>
                   <a:schemeClr val="bg1"/>
                 </a:solidFill>
@@ -18456,7 +18456,7 @@
               <a:t>(</a:t>
             </a:r>
             <a:r>
-              <a:rPr lang="en-US" sz="3000" b="1" i="0" u="none" strike="noStrike" cap="none" dirty="0" smtClean="0">
+              <a:rPr lang="en-US" sz="3000" i="0" u="none" strike="noStrike" cap="none" dirty="0" smtClean="0">
                 <a:solidFill>
                   <a:srgbClr val="00FF00"/>
                 </a:solidFill>
@@ -18468,7 +18468,7 @@
               <a:t>n</a:t>
             </a:r>
             <a:r>
-              <a:rPr lang="en-US" sz="3000" b="1" i="0" u="none" strike="noStrike" cap="none" dirty="0" smtClean="0">
+              <a:rPr lang="en-US" sz="3000" i="0" u="none" strike="noStrike" cap="none" dirty="0" smtClean="0">
                 <a:solidFill>
                   <a:schemeClr val="bg1"/>
                 </a:solidFill>
@@ -18479,7 +18479,7 @@
               </a:rPr>
               <a:t>)</a:t>
             </a:r>
-            <a:endParaRPr lang="en-US" sz="3000" b="1" i="0" u="none" strike="noStrike" cap="none" dirty="0">
+            <a:endParaRPr lang="en-US" sz="3000" i="0" u="none" strike="noStrike" cap="none" dirty="0">
               <a:solidFill>
                 <a:schemeClr val="bg1"/>
               </a:solidFill>
@@ -20554,7 +20554,7 @@
               <a:buNone/>
             </a:pPr>
             <a:r>
-              <a:rPr lang="en-US" sz="2600" b="1" i="0" u="none" strike="noStrike" cap="none" dirty="0" smtClean="0">
+              <a:rPr lang="en-US" sz="2600" i="0" u="none" strike="noStrike" cap="none" dirty="0" smtClean="0">
                 <a:solidFill>
                   <a:srgbClr val="FFFF00"/>
                 </a:solidFill>
@@ -20566,7 +20566,7 @@
               <a:t>print</a:t>
             </a:r>
             <a:r>
-              <a:rPr lang="en-US" sz="2600" b="1" dirty="0">
+              <a:rPr lang="en-US" sz="2600" dirty="0">
                 <a:solidFill>
                   <a:schemeClr val="bg1"/>
                 </a:solidFill>
@@ -20578,7 +20578,7 @@
               <a:t>(</a:t>
             </a:r>
             <a:r>
-              <a:rPr lang="en-US" sz="2600" b="1" i="0" u="none" strike="noStrike" cap="none" dirty="0" smtClean="0">
+              <a:rPr lang="en-US" sz="2600" i="0" u="none" strike="noStrike" cap="none" dirty="0" smtClean="0">
                 <a:solidFill>
                   <a:srgbClr val="FF7F00"/>
                 </a:solidFill>
@@ -20590,7 +20590,7 @@
               <a:t>'Before'</a:t>
             </a:r>
             <a:r>
-              <a:rPr lang="en-US" sz="2600" b="1" i="0" u="none" strike="noStrike" cap="none" dirty="0" smtClean="0">
+              <a:rPr lang="en-US" sz="2600" i="0" u="none" strike="noStrike" cap="none" dirty="0" smtClean="0">
                 <a:solidFill>
                   <a:schemeClr val="bg1"/>
                 </a:solidFill>
@@ -20601,7 +20601,7 @@
               </a:rPr>
               <a:t>)</a:t>
             </a:r>
-            <a:endParaRPr lang="en-US" sz="2600" b="1" i="0" u="none" strike="noStrike" cap="none" dirty="0">
+            <a:endParaRPr lang="en-US" sz="2600" i="0" u="none" strike="noStrike" cap="none" dirty="0">
               <a:solidFill>
                 <a:schemeClr val="bg1"/>
               </a:solidFill>
@@ -20630,7 +20630,7 @@
               <a:buNone/>
             </a:pPr>
             <a:r>
-              <a:rPr lang="en-US" sz="2600" b="1" i="0" u="none" strike="noStrike" cap="none" dirty="0">
+              <a:rPr lang="en-US" sz="2600" i="0" u="none" strike="noStrike" cap="none" dirty="0">
                 <a:solidFill>
                   <a:srgbClr val="FFFF00"/>
                 </a:solidFill>
@@ -20642,7 +20642,7 @@
               <a:t>for</a:t>
             </a:r>
             <a:r>
-              <a:rPr lang="en-US" sz="2600" b="1" i="0" u="none" strike="noStrike" cap="none" dirty="0">
+              <a:rPr lang="en-US" sz="2600" i="0" u="none" strike="noStrike" cap="none" dirty="0">
                 <a:solidFill>
                   <a:srgbClr val="FF00FF"/>
                 </a:solidFill>
@@ -20654,7 +20654,7 @@
               <a:t> </a:t>
             </a:r>
             <a:r>
-              <a:rPr lang="en-US" sz="2600" b="1" i="0" u="none" strike="noStrike" cap="none" dirty="0">
+              <a:rPr lang="en-US" sz="2600" i="0" u="none" strike="noStrike" cap="none" dirty="0">
                 <a:solidFill>
                   <a:srgbClr val="00FFFF"/>
                 </a:solidFill>
@@ -20666,7 +20666,7 @@
               <a:t>thing</a:t>
             </a:r>
             <a:r>
-              <a:rPr lang="en-US" sz="2600" b="1" i="0" u="none" strike="noStrike" cap="none" dirty="0">
+              <a:rPr lang="en-US" sz="2600" i="0" u="none" strike="noStrike" cap="none" dirty="0">
                 <a:solidFill>
                   <a:srgbClr val="FF00FF"/>
                 </a:solidFill>
@@ -20678,7 +20678,7 @@
               <a:t> </a:t>
             </a:r>
             <a:r>
-              <a:rPr lang="en-US" sz="2600" b="1" i="0" u="none" strike="noStrike" cap="none" dirty="0">
+              <a:rPr lang="en-US" sz="2600" i="0" u="none" strike="noStrike" cap="none" dirty="0">
                 <a:solidFill>
                   <a:srgbClr val="FFFF00"/>
                 </a:solidFill>
@@ -20690,7 +20690,7 @@
               <a:t>in</a:t>
             </a:r>
             <a:r>
-              <a:rPr lang="en-US" sz="2600" b="1" i="0" u="none" strike="noStrike" cap="none" dirty="0">
+              <a:rPr lang="en-US" sz="2600" i="0" u="none" strike="noStrike" cap="none" dirty="0">
                 <a:solidFill>
                   <a:srgbClr val="FF00FF"/>
                 </a:solidFill>
@@ -20702,7 +20702,7 @@
               <a:t> </a:t>
             </a:r>
             <a:r>
-              <a:rPr lang="en-US" sz="2600" b="1" i="0" u="none" strike="noStrike" cap="none" dirty="0">
+              <a:rPr lang="en-US" sz="2600" i="0" u="none" strike="noStrike" cap="none" dirty="0">
                 <a:solidFill>
                   <a:srgbClr val="00FFFF"/>
                 </a:solidFill>
@@ -20714,7 +20714,7 @@
               <a:t>[9, 41, 12, 3, 74, 15] </a:t>
             </a:r>
             <a:r>
-              <a:rPr lang="en-US" sz="2600" b="1" i="0" u="none" strike="noStrike" cap="none" dirty="0">
+              <a:rPr lang="en-US" sz="2600" i="0" u="none" strike="noStrike" cap="none" dirty="0">
                 <a:solidFill>
                   <a:srgbClr val="FFFF00"/>
                 </a:solidFill>
@@ -20745,7 +20745,7 @@
               <a:buNone/>
             </a:pPr>
             <a:r>
-              <a:rPr lang="en-US" sz="2600" b="1" i="0" u="none" strike="noStrike" cap="none" dirty="0">
+              <a:rPr lang="en-US" sz="2600" i="0" u="none" strike="noStrike" cap="none" dirty="0">
                 <a:solidFill>
                   <a:srgbClr val="FF00FF"/>
                 </a:solidFill>
@@ -20757,7 +20757,7 @@
               <a:t>     </a:t>
             </a:r>
             <a:r>
-              <a:rPr lang="en-US" sz="2600" b="1" i="0" u="none" strike="noStrike" cap="none" dirty="0" smtClean="0">
+              <a:rPr lang="en-US" sz="2600" i="0" u="none" strike="noStrike" cap="none" dirty="0" smtClean="0">
                 <a:solidFill>
                   <a:srgbClr val="FFFF00"/>
                 </a:solidFill>
@@ -20769,7 +20769,7 @@
               <a:t>print</a:t>
             </a:r>
             <a:r>
-              <a:rPr lang="en-US" sz="2600" b="1" dirty="0" smtClean="0">
+              <a:rPr lang="en-US" sz="2600" dirty="0" smtClean="0">
                 <a:solidFill>
                   <a:schemeClr val="bg1"/>
                 </a:solidFill>
@@ -20781,7 +20781,7 @@
               <a:t>(</a:t>
             </a:r>
             <a:r>
-              <a:rPr lang="en-US" sz="2600" b="1" i="0" u="none" strike="noStrike" cap="none" dirty="0" smtClean="0">
+              <a:rPr lang="en-US" sz="2600" i="0" u="none" strike="noStrike" cap="none" dirty="0" smtClean="0">
                 <a:solidFill>
                   <a:srgbClr val="00FFFF"/>
                 </a:solidFill>
@@ -20793,7 +20793,7 @@
               <a:t>thing</a:t>
             </a:r>
             <a:r>
-              <a:rPr lang="en-US" sz="2600" b="1" i="0" u="none" strike="noStrike" cap="none" dirty="0" smtClean="0">
+              <a:rPr lang="en-US" sz="2600" i="0" u="none" strike="noStrike" cap="none" dirty="0" smtClean="0">
                 <a:solidFill>
                   <a:schemeClr val="bg1"/>
                 </a:solidFill>
@@ -20804,7 +20804,7 @@
               </a:rPr>
               <a:t>)</a:t>
             </a:r>
-            <a:endParaRPr lang="en-US" sz="2600" b="1" i="0" u="none" strike="noStrike" cap="none" dirty="0">
+            <a:endParaRPr lang="en-US" sz="2600" i="0" u="none" strike="noStrike" cap="none" dirty="0">
               <a:solidFill>
                 <a:schemeClr val="bg1"/>
               </a:solidFill>
@@ -20833,7 +20833,7 @@
               <a:buNone/>
             </a:pPr>
             <a:r>
-              <a:rPr lang="en-US" sz="2600" b="1" i="0" u="none" strike="noStrike" cap="none" dirty="0" smtClean="0">
+              <a:rPr lang="en-US" sz="2600" i="0" u="none" strike="noStrike" cap="none" dirty="0" smtClean="0">
                 <a:solidFill>
                   <a:srgbClr val="FFFF00"/>
                 </a:solidFill>
@@ -20845,7 +20845,7 @@
               <a:t>print</a:t>
             </a:r>
             <a:r>
-              <a:rPr lang="en-US" sz="2600" b="1" i="0" u="none" strike="noStrike" cap="none" dirty="0" smtClean="0">
+              <a:rPr lang="en-US" sz="2600" i="0" u="none" strike="noStrike" cap="none" dirty="0" smtClean="0">
                 <a:solidFill>
                   <a:schemeClr val="bg1"/>
                 </a:solidFill>
@@ -20857,7 +20857,7 @@
               <a:t>(</a:t>
             </a:r>
             <a:r>
-              <a:rPr lang="en-US" sz="2600" b="1" i="0" u="none" strike="noStrike" cap="none" dirty="0" smtClean="0">
+              <a:rPr lang="en-US" sz="2600" i="0" u="none" strike="noStrike" cap="none" dirty="0" smtClean="0">
                 <a:solidFill>
                   <a:srgbClr val="FF7F00"/>
                 </a:solidFill>
@@ -20869,7 +20869,7 @@
               <a:t>'After'</a:t>
             </a:r>
             <a:r>
-              <a:rPr lang="en-US" sz="2600" b="1" i="0" u="none" strike="noStrike" cap="none" dirty="0" smtClean="0">
+              <a:rPr lang="en-US" sz="2600" i="0" u="none" strike="noStrike" cap="none" dirty="0" smtClean="0">
                 <a:solidFill>
                   <a:schemeClr val="bg1"/>
                 </a:solidFill>
@@ -20880,7 +20880,7 @@
               </a:rPr>
               <a:t>)</a:t>
             </a:r>
-            <a:endParaRPr lang="en-US" sz="2600" b="1" i="0" u="none" strike="noStrike" cap="none" dirty="0">
+            <a:endParaRPr lang="en-US" sz="2600" i="0" u="none" strike="noStrike" cap="none" dirty="0">
               <a:solidFill>
                 <a:schemeClr val="bg1"/>
               </a:solidFill>
@@ -22263,7 +22263,7 @@
               <a:buNone/>
             </a:pPr>
             <a:r>
-              <a:rPr lang="en-US" sz="3000" b="1" i="0" u="none" strike="noStrike" cap="none" dirty="0">
+              <a:rPr lang="en-US" sz="3000" i="0" u="none" strike="noStrike" cap="none" dirty="0">
                 <a:solidFill>
                   <a:srgbClr val="00FF00"/>
                 </a:solidFill>
@@ -22275,7 +22275,7 @@
               <a:t>n</a:t>
             </a:r>
             <a:r>
-              <a:rPr lang="en-US" sz="3000" b="1" i="0" u="none" strike="noStrike" cap="none" dirty="0">
+              <a:rPr lang="en-US" sz="3000" i="0" u="none" strike="noStrike" cap="none" dirty="0">
                 <a:solidFill>
                   <a:srgbClr val="FFFF00"/>
                 </a:solidFill>
@@ -22287,7 +22287,7 @@
               <a:t> </a:t>
             </a:r>
             <a:r>
-              <a:rPr lang="en-US" sz="3000" b="1" i="0" u="none" strike="noStrike" cap="none" dirty="0">
+              <a:rPr lang="en-US" sz="3000" i="0" u="none" strike="noStrike" cap="none" dirty="0">
                 <a:solidFill>
                   <a:srgbClr val="00FFFF"/>
                 </a:solidFill>
@@ -22299,7 +22299,7 @@
               <a:t>=</a:t>
             </a:r>
             <a:r>
-              <a:rPr lang="en-US" sz="3000" b="1" i="0" u="none" strike="noStrike" cap="none" dirty="0">
+              <a:rPr lang="en-US" sz="3000" i="0" u="none" strike="noStrike" cap="none" dirty="0">
                 <a:solidFill>
                   <a:srgbClr val="FFFF00"/>
                 </a:solidFill>
@@ -22311,7 +22311,7 @@
               <a:t> </a:t>
             </a:r>
             <a:r>
-              <a:rPr lang="en-US" sz="3000" b="1" i="0" u="none" strike="noStrike" cap="none" dirty="0">
+              <a:rPr lang="en-US" sz="3000" i="0" u="none" strike="noStrike" cap="none" dirty="0">
                 <a:solidFill>
                   <a:srgbClr val="FF9900"/>
                 </a:solidFill>
@@ -22342,7 +22342,7 @@
               <a:buNone/>
             </a:pPr>
             <a:r>
-              <a:rPr lang="en-US" sz="3000" b="1" i="0" u="none" strike="noStrike" cap="none" dirty="0">
+              <a:rPr lang="en-US" sz="3000" i="0" u="none" strike="noStrike" cap="none" dirty="0">
                 <a:solidFill>
                   <a:srgbClr val="FFFF00"/>
                 </a:solidFill>
@@ -22354,7 +22354,7 @@
               <a:t>while </a:t>
             </a:r>
             <a:r>
-              <a:rPr lang="en-US" sz="3000" b="1" i="0" u="none" strike="noStrike" cap="none" dirty="0">
+              <a:rPr lang="en-US" sz="3000" i="0" u="none" strike="noStrike" cap="none" dirty="0">
                 <a:solidFill>
                   <a:srgbClr val="00FF00"/>
                 </a:solidFill>
@@ -22366,7 +22366,7 @@
               <a:t>n</a:t>
             </a:r>
             <a:r>
-              <a:rPr lang="en-US" sz="3000" b="1" i="0" u="none" strike="noStrike" cap="none" dirty="0">
+              <a:rPr lang="en-US" sz="3000" i="0" u="none" strike="noStrike" cap="none" dirty="0">
                 <a:solidFill>
                   <a:srgbClr val="FFFF00"/>
                 </a:solidFill>
@@ -22378,7 +22378,7 @@
               <a:t> </a:t>
             </a:r>
             <a:r>
-              <a:rPr lang="en-US" sz="3000" b="1" i="0" u="none" strike="noStrike" cap="none" dirty="0">
+              <a:rPr lang="en-US" sz="3000" i="0" u="none" strike="noStrike" cap="none" dirty="0">
                 <a:solidFill>
                   <a:srgbClr val="00FFFF"/>
                 </a:solidFill>
@@ -22390,7 +22390,7 @@
               <a:t>&gt;</a:t>
             </a:r>
             <a:r>
-              <a:rPr lang="en-US" sz="3000" b="1" i="0" u="none" strike="noStrike" cap="none" dirty="0">
+              <a:rPr lang="en-US" sz="3000" i="0" u="none" strike="noStrike" cap="none" dirty="0">
                 <a:solidFill>
                   <a:srgbClr val="FFFF00"/>
                 </a:solidFill>
@@ -22402,7 +22402,7 @@
               <a:t> </a:t>
             </a:r>
             <a:r>
-              <a:rPr lang="en-US" sz="3000" b="1" i="0" u="none" strike="noStrike" cap="none" dirty="0">
+              <a:rPr lang="en-US" sz="3000" i="0" u="none" strike="noStrike" cap="none" dirty="0">
                 <a:solidFill>
                   <a:srgbClr val="FF9900"/>
                 </a:solidFill>
@@ -22414,7 +22414,7 @@
               <a:t>0</a:t>
             </a:r>
             <a:r>
-              <a:rPr lang="en-US" sz="3000" b="1" i="0" u="none" strike="noStrike" cap="none" dirty="0">
+              <a:rPr lang="en-US" sz="3000" i="0" u="none" strike="noStrike" cap="none" dirty="0">
                 <a:solidFill>
                   <a:srgbClr val="FFFF00"/>
                 </a:solidFill>
@@ -22434,7 +22434,7 @@
               <a:buSzPct val="25000"/>
             </a:pPr>
             <a:r>
-              <a:rPr lang="en-US" sz="3000" b="1" i="0" u="none" strike="noStrike" cap="none" dirty="0">
+              <a:rPr lang="en-US" sz="3000" i="0" u="none" strike="noStrike" cap="none" dirty="0">
                 <a:solidFill>
                   <a:srgbClr val="FFFF00"/>
                 </a:solidFill>
@@ -22446,7 +22446,7 @@
               <a:t>    </a:t>
             </a:r>
             <a:r>
-              <a:rPr lang="en-US" sz="3000" b="1" i="0" u="none" strike="noStrike" cap="none" dirty="0" smtClean="0">
+              <a:rPr lang="en-US" sz="3000" i="0" u="none" strike="noStrike" cap="none" dirty="0" smtClean="0">
                 <a:solidFill>
                   <a:srgbClr val="FFFF00"/>
                 </a:solidFill>
@@ -22458,7 +22458,7 @@
               <a:t>print</a:t>
             </a:r>
             <a:r>
-              <a:rPr lang="en-US" sz="3000" b="1" i="0" u="none" strike="noStrike" cap="none" dirty="0" smtClean="0">
+              <a:rPr lang="en-US" sz="3000" i="0" u="none" strike="noStrike" cap="none" dirty="0" smtClean="0">
                 <a:solidFill>
                   <a:schemeClr val="bg1"/>
                 </a:solidFill>
@@ -22470,7 +22470,7 @@
               <a:t>(</a:t>
             </a:r>
             <a:r>
-              <a:rPr lang="en-US" sz="3000" b="1" i="0" u="none" strike="noStrike" cap="none" dirty="0" smtClean="0">
+              <a:rPr lang="en-US" sz="3000" i="0" u="none" strike="noStrike" cap="none" dirty="0" smtClean="0">
                 <a:solidFill>
                   <a:srgbClr val="FF9900"/>
                 </a:solidFill>
@@ -22493,7 +22493,7 @@
               </a:rPr>
               <a:t>)</a:t>
             </a:r>
-            <a:endParaRPr lang="en-US" sz="3000" b="1" i="0" u="none" strike="noStrike" cap="none" dirty="0">
+            <a:endParaRPr lang="en-US" sz="3000" i="0" u="none" strike="noStrike" cap="none" dirty="0">
               <a:solidFill>
                 <a:srgbClr val="FF9900"/>
               </a:solidFill>
@@ -22522,7 +22522,7 @@
               <a:buNone/>
             </a:pPr>
             <a:r>
-              <a:rPr lang="en-US" sz="3000" b="1" i="0" u="none" strike="noStrike" cap="none" dirty="0">
+              <a:rPr lang="en-US" sz="3000" i="0" u="none" strike="noStrike" cap="none" dirty="0">
                 <a:solidFill>
                   <a:srgbClr val="FFFF00"/>
                 </a:solidFill>
@@ -22534,7 +22534,7 @@
               <a:t>    </a:t>
             </a:r>
             <a:r>
-              <a:rPr lang="en-US" sz="3000" b="1" i="0" u="none" strike="noStrike" cap="none" dirty="0" smtClean="0">
+              <a:rPr lang="en-US" sz="3000" i="0" u="none" strike="noStrike" cap="none" dirty="0" smtClean="0">
                 <a:solidFill>
                   <a:srgbClr val="FFFF00"/>
                 </a:solidFill>
@@ -22546,7 +22546,7 @@
               <a:t>print</a:t>
             </a:r>
             <a:r>
-              <a:rPr lang="en-US" sz="3000" b="1" i="0" u="none" strike="noStrike" cap="none" dirty="0" smtClean="0">
+              <a:rPr lang="en-US" sz="3000" i="0" u="none" strike="noStrike" cap="none" dirty="0" smtClean="0">
                 <a:solidFill>
                   <a:schemeClr val="bg1"/>
                 </a:solidFill>
@@ -22558,7 +22558,7 @@
               <a:t>(</a:t>
             </a:r>
             <a:r>
-              <a:rPr lang="en-US" sz="3000" b="1" i="0" u="none" strike="noStrike" cap="none" dirty="0" smtClean="0">
+              <a:rPr lang="en-US" sz="3000" i="0" u="none" strike="noStrike" cap="none" dirty="0" smtClean="0">
                 <a:solidFill>
                   <a:srgbClr val="FF9900"/>
                 </a:solidFill>
@@ -22570,7 +22570,7 @@
               <a:t>'Rinse'</a:t>
             </a:r>
             <a:r>
-              <a:rPr lang="en-US" sz="3000" b="1" i="0" u="none" strike="noStrike" cap="none" dirty="0" smtClean="0">
+              <a:rPr lang="en-US" sz="3000" i="0" u="none" strike="noStrike" cap="none" dirty="0" smtClean="0">
                 <a:solidFill>
                   <a:schemeClr val="bg1"/>
                 </a:solidFill>
@@ -22581,7 +22581,7 @@
               </a:rPr>
               <a:t>)</a:t>
             </a:r>
-            <a:endParaRPr lang="en-US" sz="3000" b="1" i="0" u="none" strike="noStrike" cap="none" dirty="0">
+            <a:endParaRPr lang="en-US" sz="3000" i="0" u="none" strike="noStrike" cap="none" dirty="0">
               <a:solidFill>
                 <a:schemeClr val="bg1"/>
               </a:solidFill>
@@ -22610,7 +22610,7 @@
               <a:buNone/>
             </a:pPr>
             <a:r>
-              <a:rPr lang="en-US" sz="3000" b="1" i="0" u="none" strike="noStrike" cap="none" dirty="0" smtClean="0">
+              <a:rPr lang="en-US" sz="3000" i="0" u="none" strike="noStrike" cap="none" dirty="0" smtClean="0">
                 <a:solidFill>
                   <a:srgbClr val="FFFF00"/>
                 </a:solidFill>
@@ -22622,7 +22622,7 @@
               <a:t>print</a:t>
             </a:r>
             <a:r>
-              <a:rPr lang="en-US" sz="3000" b="1" i="0" u="none" strike="noStrike" cap="none" dirty="0" smtClean="0">
+              <a:rPr lang="en-US" sz="3000" i="0" u="none" strike="noStrike" cap="none" dirty="0" smtClean="0">
                 <a:solidFill>
                   <a:schemeClr val="bg1"/>
                 </a:solidFill>
@@ -22634,7 +22634,7 @@
               <a:t>(</a:t>
             </a:r>
             <a:r>
-              <a:rPr lang="en-US" sz="3000" b="1" i="0" u="none" strike="noStrike" cap="none" dirty="0" smtClean="0">
+              <a:rPr lang="en-US" sz="3000" i="0" u="none" strike="noStrike" cap="none" dirty="0" smtClean="0">
                 <a:solidFill>
                   <a:srgbClr val="FF9900"/>
                 </a:solidFill>
@@ -22646,7 +22646,7 @@
               <a:t>'Dry </a:t>
             </a:r>
             <a:r>
-              <a:rPr lang="en-US" sz="3000" b="1" i="0" u="none" strike="noStrike" cap="none" dirty="0">
+              <a:rPr lang="en-US" sz="3000" i="0" u="none" strike="noStrike" cap="none" dirty="0">
                 <a:solidFill>
                   <a:srgbClr val="FF9900"/>
                 </a:solidFill>
@@ -22658,7 +22658,7 @@
               <a:t>off</a:t>
             </a:r>
             <a:r>
-              <a:rPr lang="en-US" sz="3000" b="1" i="0" u="none" strike="noStrike" cap="none" dirty="0" smtClean="0">
+              <a:rPr lang="en-US" sz="3000" i="0" u="none" strike="noStrike" cap="none" dirty="0" smtClean="0">
                 <a:solidFill>
                   <a:srgbClr val="FF9900"/>
                 </a:solidFill>
@@ -22670,7 +22670,7 @@
               <a:t>!'</a:t>
             </a:r>
             <a:r>
-              <a:rPr lang="en-US" sz="3000" b="1" i="0" u="none" strike="noStrike" cap="none" dirty="0" smtClean="0">
+              <a:rPr lang="en-US" sz="3000" i="0" u="none" strike="noStrike" cap="none" dirty="0" smtClean="0">
                 <a:solidFill>
                   <a:schemeClr val="bg1"/>
                 </a:solidFill>
@@ -22681,7 +22681,7 @@
               </a:rPr>
               <a:t>)</a:t>
             </a:r>
-            <a:endParaRPr lang="en-US" sz="3000" b="1" i="0" u="none" strike="noStrike" cap="none" dirty="0">
+            <a:endParaRPr lang="en-US" sz="3000" i="0" u="none" strike="noStrike" cap="none" dirty="0">
               <a:solidFill>
                 <a:schemeClr val="bg1"/>
               </a:solidFill>
@@ -23130,7 +23130,7 @@
               <a:buNone/>
             </a:pPr>
             <a:r>
-              <a:rPr lang="en-US" sz="3500" u="none" strike="noStrike" cap="none">
+              <a:rPr lang="en-US" sz="3500" u="none" strike="noStrike" cap="none" dirty="0">
                 <a:solidFill>
                   <a:schemeClr val="lt1"/>
                 </a:solidFill>
@@ -26852,7 +26852,7 @@
               <a:buNone/>
             </a:pPr>
             <a:r>
-              <a:rPr lang="en-US" sz="3000" b="1" i="0" u="none" strike="noStrike" cap="none" dirty="0">
+              <a:rPr lang="en-US" sz="3000" i="0" u="none" strike="noStrike" cap="none" dirty="0">
                 <a:solidFill>
                   <a:srgbClr val="00FF00"/>
                 </a:solidFill>
@@ -26864,7 +26864,7 @@
               <a:t>n</a:t>
             </a:r>
             <a:r>
-              <a:rPr lang="en-US" sz="3000" b="1" i="0" u="none" strike="noStrike" cap="none" dirty="0">
+              <a:rPr lang="en-US" sz="3000" i="0" u="none" strike="noStrike" cap="none" dirty="0">
                 <a:solidFill>
                   <a:srgbClr val="FFFF00"/>
                 </a:solidFill>
@@ -26876,7 +26876,7 @@
               <a:t> </a:t>
             </a:r>
             <a:r>
-              <a:rPr lang="en-US" sz="3000" b="1" i="0" u="none" strike="noStrike" cap="none" dirty="0">
+              <a:rPr lang="en-US" sz="3000" i="0" u="none" strike="noStrike" cap="none" dirty="0">
                 <a:solidFill>
                   <a:srgbClr val="00FFFF"/>
                 </a:solidFill>
@@ -26888,7 +26888,7 @@
               <a:t>=</a:t>
             </a:r>
             <a:r>
-              <a:rPr lang="en-US" sz="3000" b="1" i="0" u="none" strike="noStrike" cap="none" dirty="0">
+              <a:rPr lang="en-US" sz="3000" i="0" u="none" strike="noStrike" cap="none" dirty="0">
                 <a:solidFill>
                   <a:srgbClr val="FFFF00"/>
                 </a:solidFill>
@@ -26900,7 +26900,7 @@
               <a:t> </a:t>
             </a:r>
             <a:r>
-              <a:rPr lang="en-US" sz="3000" b="1" i="0" u="none" strike="noStrike" cap="none" dirty="0" smtClean="0">
+              <a:rPr lang="en-US" sz="3000" i="0" u="none" strike="noStrike" cap="none" dirty="0" smtClean="0">
                 <a:solidFill>
                   <a:srgbClr val="FF9900"/>
                 </a:solidFill>
@@ -26911,7 +26911,7 @@
               </a:rPr>
               <a:t>0</a:t>
             </a:r>
-            <a:endParaRPr lang="en-US" sz="3000" b="1" i="0" u="none" strike="noStrike" cap="none" dirty="0">
+            <a:endParaRPr lang="en-US" sz="3000" i="0" u="none" strike="noStrike" cap="none" dirty="0">
               <a:solidFill>
                 <a:srgbClr val="FF9900"/>
               </a:solidFill>
@@ -26940,7 +26940,7 @@
               <a:buNone/>
             </a:pPr>
             <a:r>
-              <a:rPr lang="en-US" sz="3000" b="1" i="0" u="none" strike="noStrike" cap="none" dirty="0">
+              <a:rPr lang="en-US" sz="3000" i="0" u="none" strike="noStrike" cap="none" dirty="0">
                 <a:solidFill>
                   <a:srgbClr val="FFFF00"/>
                 </a:solidFill>
@@ -26952,7 +26952,7 @@
               <a:t>while </a:t>
             </a:r>
             <a:r>
-              <a:rPr lang="en-US" sz="3000" b="1" i="0" u="none" strike="noStrike" cap="none" dirty="0">
+              <a:rPr lang="en-US" sz="3000" i="0" u="none" strike="noStrike" cap="none" dirty="0">
                 <a:solidFill>
                   <a:srgbClr val="00FF00"/>
                 </a:solidFill>
@@ -26964,7 +26964,7 @@
               <a:t>n</a:t>
             </a:r>
             <a:r>
-              <a:rPr lang="en-US" sz="3000" b="1" i="0" u="none" strike="noStrike" cap="none" dirty="0">
+              <a:rPr lang="en-US" sz="3000" i="0" u="none" strike="noStrike" cap="none" dirty="0">
                 <a:solidFill>
                   <a:srgbClr val="FFFF00"/>
                 </a:solidFill>
@@ -26976,7 +26976,7 @@
               <a:t> </a:t>
             </a:r>
             <a:r>
-              <a:rPr lang="en-US" sz="3000" b="1" i="0" u="none" strike="noStrike" cap="none" dirty="0">
+              <a:rPr lang="en-US" sz="3000" i="0" u="none" strike="noStrike" cap="none" dirty="0">
                 <a:solidFill>
                   <a:srgbClr val="00FFFF"/>
                 </a:solidFill>
@@ -26988,7 +26988,7 @@
               <a:t>&gt;</a:t>
             </a:r>
             <a:r>
-              <a:rPr lang="en-US" sz="3000" b="1" i="0" u="none" strike="noStrike" cap="none" dirty="0">
+              <a:rPr lang="en-US" sz="3000" i="0" u="none" strike="noStrike" cap="none" dirty="0">
                 <a:solidFill>
                   <a:srgbClr val="FFFF00"/>
                 </a:solidFill>
@@ -27000,7 +27000,7 @@
               <a:t> </a:t>
             </a:r>
             <a:r>
-              <a:rPr lang="en-US" sz="3000" b="1" i="0" u="none" strike="noStrike" cap="none" dirty="0">
+              <a:rPr lang="en-US" sz="3000" i="0" u="none" strike="noStrike" cap="none" dirty="0">
                 <a:solidFill>
                   <a:srgbClr val="FF9900"/>
                 </a:solidFill>
@@ -27012,7 +27012,7 @@
               <a:t>0</a:t>
             </a:r>
             <a:r>
-              <a:rPr lang="en-US" sz="3000" b="1" i="0" u="none" strike="noStrike" cap="none" dirty="0">
+              <a:rPr lang="en-US" sz="3000" i="0" u="none" strike="noStrike" cap="none" dirty="0">
                 <a:solidFill>
                   <a:srgbClr val="FFFF00"/>
                 </a:solidFill>
@@ -27032,7 +27032,7 @@
               <a:buSzPct val="25000"/>
             </a:pPr>
             <a:r>
-              <a:rPr lang="en-US" sz="3000" b="1" i="0" u="none" strike="noStrike" cap="none" dirty="0">
+              <a:rPr lang="en-US" sz="3000" i="0" u="none" strike="noStrike" cap="none" dirty="0">
                 <a:solidFill>
                   <a:srgbClr val="FFFF00"/>
                 </a:solidFill>
@@ -27044,7 +27044,7 @@
               <a:t>    </a:t>
             </a:r>
             <a:r>
-              <a:rPr lang="en-US" sz="3000" b="1" i="0" u="none" strike="noStrike" cap="none" dirty="0" smtClean="0">
+              <a:rPr lang="en-US" sz="3000" i="0" u="none" strike="noStrike" cap="none" dirty="0" smtClean="0">
                 <a:solidFill>
                   <a:srgbClr val="FFFF00"/>
                 </a:solidFill>
@@ -27056,7 +27056,7 @@
               <a:t>print</a:t>
             </a:r>
             <a:r>
-              <a:rPr lang="en-US" sz="3000" b="1" i="0" u="none" strike="noStrike" cap="none" dirty="0" smtClean="0">
+              <a:rPr lang="en-US" sz="3000" i="0" u="none" strike="noStrike" cap="none" dirty="0" smtClean="0">
                 <a:solidFill>
                   <a:schemeClr val="bg1"/>
                 </a:solidFill>
@@ -27068,7 +27068,7 @@
               <a:t>(</a:t>
             </a:r>
             <a:r>
-              <a:rPr lang="en-US" sz="3000" b="1" i="0" u="none" strike="noStrike" cap="none" dirty="0" smtClean="0">
+              <a:rPr lang="en-US" sz="3000" i="0" u="none" strike="noStrike" cap="none" dirty="0" smtClean="0">
                 <a:solidFill>
                   <a:srgbClr val="FF9900"/>
                 </a:solidFill>
@@ -27091,7 +27091,7 @@
               </a:rPr>
               <a:t>)</a:t>
             </a:r>
-            <a:endParaRPr lang="en-US" sz="3000" b="1" i="0" u="none" strike="noStrike" cap="none" dirty="0">
+            <a:endParaRPr lang="en-US" sz="3000" i="0" u="none" strike="noStrike" cap="none" dirty="0">
               <a:solidFill>
                 <a:srgbClr val="FF9900"/>
               </a:solidFill>
@@ -27120,7 +27120,7 @@
               <a:buNone/>
             </a:pPr>
             <a:r>
-              <a:rPr lang="en-US" sz="3000" b="1" i="0" u="none" strike="noStrike" cap="none" dirty="0">
+              <a:rPr lang="en-US" sz="3000" i="0" u="none" strike="noStrike" cap="none" dirty="0">
                 <a:solidFill>
                   <a:srgbClr val="FFFF00"/>
                 </a:solidFill>
@@ -27132,7 +27132,7 @@
               <a:t>    </a:t>
             </a:r>
             <a:r>
-              <a:rPr lang="en-US" sz="3000" b="1" i="0" u="none" strike="noStrike" cap="none" dirty="0" smtClean="0">
+              <a:rPr lang="en-US" sz="3000" i="0" u="none" strike="noStrike" cap="none" dirty="0" smtClean="0">
                 <a:solidFill>
                   <a:srgbClr val="FFFF00"/>
                 </a:solidFill>
@@ -27144,7 +27144,7 @@
               <a:t>print</a:t>
             </a:r>
             <a:r>
-              <a:rPr lang="en-US" sz="3000" b="1" i="0" u="none" strike="noStrike" cap="none" dirty="0" smtClean="0">
+              <a:rPr lang="en-US" sz="3000" i="0" u="none" strike="noStrike" cap="none" dirty="0" smtClean="0">
                 <a:solidFill>
                   <a:schemeClr val="bg1"/>
                 </a:solidFill>
@@ -27156,7 +27156,7 @@
               <a:t>(</a:t>
             </a:r>
             <a:r>
-              <a:rPr lang="en-US" sz="3000" b="1" i="0" u="none" strike="noStrike" cap="none" dirty="0" smtClean="0">
+              <a:rPr lang="en-US" sz="3000" i="0" u="none" strike="noStrike" cap="none" dirty="0" smtClean="0">
                 <a:solidFill>
                   <a:srgbClr val="FF9900"/>
                 </a:solidFill>
@@ -27168,7 +27168,7 @@
               <a:t>'Rinse'</a:t>
             </a:r>
             <a:r>
-              <a:rPr lang="en-US" sz="3000" b="1" i="0" u="none" strike="noStrike" cap="none" dirty="0" smtClean="0">
+              <a:rPr lang="en-US" sz="3000" i="0" u="none" strike="noStrike" cap="none" dirty="0" smtClean="0">
                 <a:solidFill>
                   <a:schemeClr val="bg1"/>
                 </a:solidFill>
@@ -27179,7 +27179,7 @@
               </a:rPr>
               <a:t>)</a:t>
             </a:r>
-            <a:endParaRPr lang="en-US" sz="3000" b="1" i="0" u="none" strike="noStrike" cap="none" dirty="0">
+            <a:endParaRPr lang="en-US" sz="3000" i="0" u="none" strike="noStrike" cap="none" dirty="0">
               <a:solidFill>
                 <a:schemeClr val="bg1"/>
               </a:solidFill>
@@ -27208,7 +27208,7 @@
               <a:buNone/>
             </a:pPr>
             <a:r>
-              <a:rPr lang="en-US" sz="3000" b="1" i="0" u="none" strike="noStrike" cap="none" dirty="0" smtClean="0">
+              <a:rPr lang="en-US" sz="3000" i="0" u="none" strike="noStrike" cap="none" dirty="0" smtClean="0">
                 <a:solidFill>
                   <a:srgbClr val="FFFF00"/>
                 </a:solidFill>
@@ -27220,7 +27220,7 @@
               <a:t>print</a:t>
             </a:r>
             <a:r>
-              <a:rPr lang="en-US" sz="3000" b="1" i="0" u="none" strike="noStrike" cap="none" dirty="0" smtClean="0">
+              <a:rPr lang="en-US" sz="3000" i="0" u="none" strike="noStrike" cap="none" dirty="0" smtClean="0">
                 <a:solidFill>
                   <a:schemeClr val="bg1"/>
                 </a:solidFill>
@@ -27232,7 +27232,7 @@
               <a:t>(</a:t>
             </a:r>
             <a:r>
-              <a:rPr lang="en-US" sz="3000" b="1" i="0" u="none" strike="noStrike" cap="none" dirty="0" smtClean="0">
+              <a:rPr lang="en-US" sz="3000" i="0" u="none" strike="noStrike" cap="none" dirty="0" smtClean="0">
                 <a:solidFill>
                   <a:srgbClr val="FF9900"/>
                 </a:solidFill>
@@ -27244,7 +27244,7 @@
               <a:t>'Dry </a:t>
             </a:r>
             <a:r>
-              <a:rPr lang="en-US" sz="3000" b="1" i="0" u="none" strike="noStrike" cap="none" dirty="0">
+              <a:rPr lang="en-US" sz="3000" i="0" u="none" strike="noStrike" cap="none" dirty="0">
                 <a:solidFill>
                   <a:srgbClr val="FF9900"/>
                 </a:solidFill>
@@ -27256,7 +27256,7 @@
               <a:t>off</a:t>
             </a:r>
             <a:r>
-              <a:rPr lang="en-US" sz="3000" b="1" i="0" u="none" strike="noStrike" cap="none" dirty="0" smtClean="0">
+              <a:rPr lang="en-US" sz="3000" i="0" u="none" strike="noStrike" cap="none" dirty="0" smtClean="0">
                 <a:solidFill>
                   <a:srgbClr val="FF9900"/>
                 </a:solidFill>
@@ -27268,7 +27268,7 @@
               <a:t>!'</a:t>
             </a:r>
             <a:r>
-              <a:rPr lang="en-US" sz="3000" b="1" i="0" u="none" strike="noStrike" cap="none" dirty="0" smtClean="0">
+              <a:rPr lang="en-US" sz="3000" i="0" u="none" strike="noStrike" cap="none" dirty="0" smtClean="0">
                 <a:solidFill>
                   <a:schemeClr val="bg1"/>
                 </a:solidFill>
@@ -27279,7 +27279,7 @@
               </a:rPr>
               <a:t>)</a:t>
             </a:r>
-            <a:endParaRPr lang="en-US" sz="3000" b="1" i="0" u="none" strike="noStrike" cap="none" dirty="0">
+            <a:endParaRPr lang="en-US" sz="3000" i="0" u="none" strike="noStrike" cap="none" dirty="0">
               <a:solidFill>
                 <a:schemeClr val="bg1"/>
               </a:solidFill>
@@ -27728,7 +27728,7 @@
               <a:buNone/>
             </a:pPr>
             <a:r>
-              <a:rPr lang="en-US" sz="3500" u="none" strike="noStrike" cap="none">
+              <a:rPr lang="en-US" sz="3500" u="none" strike="noStrike" cap="none" dirty="0">
                 <a:solidFill>
                   <a:schemeClr val="lt1"/>
                 </a:solidFill>
@@ -28079,7 +28079,7 @@
         <p:spPr>
           <a:xfrm>
             <a:off x="8295898" y="7412450"/>
-            <a:ext cx="6791801" cy="622199"/>
+            <a:ext cx="6303287" cy="622199"/>
           </a:xfrm>
           <a:prstGeom prst="rect">
             <a:avLst/>
@@ -28307,7 +28307,7 @@
               <a:buNone/>
             </a:pPr>
             <a:r>
-              <a:rPr lang="en-US" sz="2600" b="1" dirty="0" err="1">
+              <a:rPr lang="en-US" sz="2600" dirty="0" err="1">
                 <a:solidFill>
                   <a:srgbClr val="00FF00"/>
                 </a:solidFill>
@@ -28319,7 +28319,7 @@
               <a:t>largest_so_far</a:t>
             </a:r>
             <a:r>
-              <a:rPr lang="en-US" sz="2600" b="1" dirty="0">
+              <a:rPr lang="en-US" sz="2600" dirty="0">
                 <a:solidFill>
                   <a:srgbClr val="00FF00"/>
                 </a:solidFill>
@@ -28350,7 +28350,7 @@
               <a:buNone/>
             </a:pPr>
             <a:r>
-              <a:rPr lang="en-US" sz="2600" b="1" i="0" u="none" strike="noStrike" cap="none" dirty="0" smtClean="0">
+              <a:rPr lang="en-US" sz="2600" i="0" u="none" strike="noStrike" cap="none" dirty="0" smtClean="0">
                 <a:solidFill>
                   <a:srgbClr val="FFFF00"/>
                 </a:solidFill>
@@ -28362,7 +28362,7 @@
               <a:t>print</a:t>
             </a:r>
             <a:r>
-              <a:rPr lang="en-US" sz="2600" b="1" dirty="0">
+              <a:rPr lang="en-US" sz="2600" dirty="0">
                 <a:solidFill>
                   <a:schemeClr val="bg1"/>
                 </a:solidFill>
@@ -28374,7 +28374,7 @@
               <a:t>(</a:t>
             </a:r>
             <a:r>
-              <a:rPr lang="en-US" sz="2600" b="1" i="0" u="none" strike="noStrike" cap="none" dirty="0" smtClean="0">
+              <a:rPr lang="en-US" sz="2600" i="0" u="none" strike="noStrike" cap="none" dirty="0" smtClean="0">
                 <a:solidFill>
                   <a:srgbClr val="FF7F00"/>
                 </a:solidFill>
@@ -28386,7 +28386,7 @@
               <a:t>'Before</a:t>
             </a:r>
             <a:r>
-              <a:rPr lang="en-US" sz="2600" b="1" i="0" u="none" strike="noStrike" cap="none" dirty="0">
+              <a:rPr lang="en-US" sz="2600" i="0" u="none" strike="noStrike" cap="none" dirty="0">
                 <a:solidFill>
                   <a:srgbClr val="FF7F00"/>
                 </a:solidFill>
@@ -28398,7 +28398,7 @@
               <a:t>', </a:t>
             </a:r>
             <a:r>
-              <a:rPr lang="en-US" sz="2600" b="1" dirty="0" err="1" smtClean="0">
+              <a:rPr lang="en-US" sz="2600" dirty="0" err="1" smtClean="0">
                 <a:solidFill>
                   <a:srgbClr val="00FF00"/>
                 </a:solidFill>
@@ -28410,7 +28410,7 @@
               <a:t>largest_so_far</a:t>
             </a:r>
             <a:r>
-              <a:rPr lang="en-US" sz="2600" b="1" dirty="0" smtClean="0">
+              <a:rPr lang="en-US" sz="2600" dirty="0" smtClean="0">
                 <a:solidFill>
                   <a:schemeClr val="bg1"/>
                 </a:solidFill>
@@ -28421,7 +28421,7 @@
               </a:rPr>
               <a:t>)</a:t>
             </a:r>
-            <a:endParaRPr lang="en-US" sz="2600" b="1" dirty="0">
+            <a:endParaRPr lang="en-US" sz="2600" dirty="0">
               <a:solidFill>
                 <a:schemeClr val="bg1"/>
               </a:solidFill>
@@ -28450,7 +28450,7 @@
               <a:buNone/>
             </a:pPr>
             <a:r>
-              <a:rPr lang="en-US" sz="2600" b="1" i="0" u="none" strike="noStrike" cap="none" dirty="0">
+              <a:rPr lang="en-US" sz="2600" i="0" u="none" strike="noStrike" cap="none" dirty="0">
                 <a:solidFill>
                   <a:srgbClr val="FFFF00"/>
                 </a:solidFill>
@@ -28462,7 +28462,7 @@
               <a:t>for</a:t>
             </a:r>
             <a:r>
-              <a:rPr lang="en-US" sz="2600" b="1" i="0" u="none" strike="noStrike" cap="none" dirty="0">
+              <a:rPr lang="en-US" sz="2600" i="0" u="none" strike="noStrike" cap="none" dirty="0">
                 <a:solidFill>
                   <a:srgbClr val="FF00FF"/>
                 </a:solidFill>
@@ -28474,7 +28474,7 @@
               <a:t> </a:t>
             </a:r>
             <a:r>
-              <a:rPr lang="en-US" sz="2600" b="1" i="0" u="none" strike="noStrike" cap="none" dirty="0" err="1">
+              <a:rPr lang="en-US" sz="2600" i="0" u="none" strike="noStrike" cap="none" dirty="0" err="1">
                 <a:solidFill>
                   <a:srgbClr val="FF00FF"/>
                 </a:solidFill>
@@ -28486,7 +28486,7 @@
               <a:t>th</a:t>
             </a:r>
             <a:r>
-              <a:rPr lang="en-US" sz="2600" b="1" dirty="0" err="1">
+              <a:rPr lang="en-US" sz="2600" dirty="0" err="1">
                 <a:solidFill>
                   <a:srgbClr val="FF00FF"/>
                 </a:solidFill>
@@ -28498,7 +28498,7 @@
               <a:t>e_num</a:t>
             </a:r>
             <a:r>
-              <a:rPr lang="en-US" sz="2600" b="1" i="0" u="none" strike="noStrike" cap="none" dirty="0">
+              <a:rPr lang="en-US" sz="2600" i="0" u="none" strike="noStrike" cap="none" dirty="0">
                 <a:solidFill>
                   <a:srgbClr val="FF00FF"/>
                 </a:solidFill>
@@ -28510,7 +28510,7 @@
               <a:t> </a:t>
             </a:r>
             <a:r>
-              <a:rPr lang="en-US" sz="2600" b="1" i="0" u="none" strike="noStrike" cap="none" dirty="0">
+              <a:rPr lang="en-US" sz="2600" i="0" u="none" strike="noStrike" cap="none" dirty="0">
                 <a:solidFill>
                   <a:srgbClr val="FFFF00"/>
                 </a:solidFill>
@@ -28522,7 +28522,7 @@
               <a:t>in</a:t>
             </a:r>
             <a:r>
-              <a:rPr lang="en-US" sz="2600" b="1" i="0" u="none" strike="noStrike" cap="none" dirty="0">
+              <a:rPr lang="en-US" sz="2600" i="0" u="none" strike="noStrike" cap="none" dirty="0">
                 <a:solidFill>
                   <a:srgbClr val="FF00FF"/>
                 </a:solidFill>
@@ -28553,7 +28553,7 @@
               <a:buNone/>
             </a:pPr>
             <a:r>
-              <a:rPr lang="en-US" sz="2600" b="1" dirty="0">
+              <a:rPr lang="en-US" sz="2600" dirty="0">
                 <a:solidFill>
                   <a:srgbClr val="FF00FF"/>
                 </a:solidFill>
@@ -28565,7 +28565,7 @@
               <a:t>   if </a:t>
             </a:r>
             <a:r>
-              <a:rPr lang="en-US" sz="2600" b="1" dirty="0" err="1">
+              <a:rPr lang="en-US" sz="2600" dirty="0" err="1">
                 <a:solidFill>
                   <a:srgbClr val="FF00FF"/>
                 </a:solidFill>
@@ -28577,7 +28577,7 @@
               <a:t>the_num</a:t>
             </a:r>
             <a:r>
-              <a:rPr lang="en-US" sz="2600" b="1" dirty="0">
+              <a:rPr lang="en-US" sz="2600" dirty="0">
                 <a:solidFill>
                   <a:srgbClr val="FF00FF"/>
                 </a:solidFill>
@@ -28589,7 +28589,7 @@
               <a:t> &gt; </a:t>
             </a:r>
             <a:r>
-              <a:rPr lang="en-US" sz="2600" b="1" dirty="0" err="1">
+              <a:rPr lang="en-US" sz="2600" dirty="0" err="1">
                 <a:solidFill>
                   <a:srgbClr val="00FF00"/>
                 </a:solidFill>
@@ -28601,7 +28601,7 @@
               <a:t>largest_so_far</a:t>
             </a:r>
             <a:r>
-              <a:rPr lang="en-US" sz="2600" b="1" dirty="0">
+              <a:rPr lang="en-US" sz="2600" dirty="0">
                 <a:solidFill>
                   <a:srgbClr val="FF00FF"/>
                 </a:solidFill>
@@ -28632,7 +28632,7 @@
               <a:buNone/>
             </a:pPr>
             <a:r>
-              <a:rPr lang="en-US" sz="2600" b="1" i="0" u="none" strike="noStrike" cap="none" dirty="0">
+              <a:rPr lang="en-US" sz="2600" i="0" u="none" strike="noStrike" cap="none" dirty="0">
                 <a:solidFill>
                   <a:srgbClr val="FF00FF"/>
                 </a:solidFill>
@@ -28644,7 +28644,7 @@
               <a:t>      </a:t>
             </a:r>
             <a:r>
-              <a:rPr lang="en-US" sz="2600" b="1" dirty="0" err="1">
+              <a:rPr lang="en-US" sz="2600" dirty="0" err="1">
                 <a:solidFill>
                   <a:srgbClr val="00FF00"/>
                 </a:solidFill>
@@ -28656,7 +28656,7 @@
               <a:t>largest_so_far</a:t>
             </a:r>
             <a:r>
-              <a:rPr lang="en-US" sz="2600" b="1" dirty="0">
+              <a:rPr lang="en-US" sz="2600" dirty="0">
                 <a:solidFill>
                   <a:srgbClr val="00FF00"/>
                 </a:solidFill>
@@ -28668,7 +28668,7 @@
               <a:t> = </a:t>
             </a:r>
             <a:r>
-              <a:rPr lang="en-US" sz="2600" b="1" dirty="0" err="1">
+              <a:rPr lang="en-US" sz="2600" dirty="0" err="1">
                 <a:solidFill>
                   <a:srgbClr val="FF00FF"/>
                 </a:solidFill>
@@ -28679,7 +28679,7 @@
               </a:rPr>
               <a:t>the_num</a:t>
             </a:r>
-            <a:endParaRPr lang="en-US" sz="2600" b="1" dirty="0">
+            <a:endParaRPr lang="en-US" sz="2600" dirty="0">
               <a:solidFill>
                 <a:srgbClr val="FF00FF"/>
               </a:solidFill>
@@ -28708,7 +28708,7 @@
               <a:buNone/>
             </a:pPr>
             <a:r>
-              <a:rPr lang="en-US" sz="2600" b="1" i="0" u="none" strike="noStrike" cap="none" dirty="0">
+              <a:rPr lang="en-US" sz="2600" i="0" u="none" strike="noStrike" cap="none" dirty="0">
                 <a:solidFill>
                   <a:srgbClr val="FF00FF"/>
                 </a:solidFill>
@@ -28720,7 +28720,7 @@
               <a:t>   </a:t>
             </a:r>
             <a:r>
-              <a:rPr lang="en-US" sz="2600" b="1" i="0" u="none" strike="noStrike" cap="none" dirty="0" smtClean="0">
+              <a:rPr lang="en-US" sz="2600" i="0" u="none" strike="noStrike" cap="none" dirty="0" smtClean="0">
                 <a:solidFill>
                   <a:srgbClr val="FFFF00"/>
                 </a:solidFill>
@@ -28732,7 +28732,7 @@
               <a:t>print</a:t>
             </a:r>
             <a:r>
-              <a:rPr lang="en-US" sz="2600" b="1" dirty="0">
+              <a:rPr lang="en-US" sz="2600" dirty="0">
                 <a:solidFill>
                   <a:schemeClr val="bg1"/>
                 </a:solidFill>
@@ -28744,7 +28744,7 @@
               <a:t>(</a:t>
             </a:r>
             <a:r>
-              <a:rPr lang="en-US" sz="2600" b="1" dirty="0" err="1" smtClean="0">
+              <a:rPr lang="en-US" sz="2600" dirty="0" err="1" smtClean="0">
                 <a:solidFill>
                   <a:srgbClr val="00FF00"/>
                 </a:solidFill>
@@ -28756,7 +28756,7 @@
               <a:t>largest_so_far</a:t>
             </a:r>
             <a:r>
-              <a:rPr lang="en-US" sz="2600" b="1" dirty="0">
+              <a:rPr lang="en-US" sz="2600" dirty="0">
                 <a:solidFill>
                   <a:srgbClr val="00FF00"/>
                 </a:solidFill>
@@ -28768,7 +28768,7 @@
               <a:t>,</a:t>
             </a:r>
             <a:r>
-              <a:rPr lang="en-US" sz="2600" b="1" i="0" u="none" strike="noStrike" cap="none" dirty="0">
+              <a:rPr lang="en-US" sz="2600" i="0" u="none" strike="noStrike" cap="none" dirty="0">
                 <a:solidFill>
                   <a:srgbClr val="FF00FF"/>
                 </a:solidFill>
@@ -28780,7 +28780,7 @@
               <a:t> </a:t>
             </a:r>
             <a:r>
-              <a:rPr lang="en-US" sz="2600" b="1" dirty="0" err="1" smtClean="0">
+              <a:rPr lang="en-US" sz="2600" dirty="0" err="1" smtClean="0">
                 <a:solidFill>
                   <a:srgbClr val="FF00FF"/>
                 </a:solidFill>
@@ -28792,7 +28792,7 @@
               <a:t>the_num</a:t>
             </a:r>
             <a:r>
-              <a:rPr lang="en-US" sz="2600" b="1" dirty="0" smtClean="0">
+              <a:rPr lang="en-US" sz="2600" dirty="0" smtClean="0">
                 <a:solidFill>
                   <a:schemeClr val="bg1"/>
                 </a:solidFill>
@@ -28803,7 +28803,7 @@
               </a:rPr>
               <a:t>)</a:t>
             </a:r>
-            <a:endParaRPr lang="en-US" sz="2600" b="1" dirty="0">
+            <a:endParaRPr lang="en-US" sz="2600" dirty="0">
               <a:solidFill>
                 <a:schemeClr val="bg1"/>
               </a:solidFill>
@@ -28830,7 +28830,7 @@
               <a:buFont typeface="Cabin"/>
               <a:buNone/>
             </a:pPr>
-            <a:endParaRPr sz="2600" b="1" dirty="0">
+            <a:endParaRPr sz="2600" dirty="0">
               <a:solidFill>
                 <a:srgbClr val="FF00FF"/>
               </a:solidFill>
@@ -28859,7 +28859,7 @@
               <a:buNone/>
             </a:pPr>
             <a:r>
-              <a:rPr lang="en-US" sz="2600" b="1" i="0" u="none" strike="noStrike" cap="none" dirty="0" smtClean="0">
+              <a:rPr lang="en-US" sz="2600" i="0" u="none" strike="noStrike" cap="none" dirty="0" smtClean="0">
                 <a:solidFill>
                   <a:srgbClr val="FFFF00"/>
                 </a:solidFill>
@@ -28871,7 +28871,7 @@
               <a:t>print</a:t>
             </a:r>
             <a:r>
-              <a:rPr lang="en-US" sz="2600" b="1" dirty="0">
+              <a:rPr lang="en-US" sz="2600" dirty="0">
                 <a:solidFill>
                   <a:schemeClr val="bg1"/>
                 </a:solidFill>
@@ -28883,7 +28883,7 @@
               <a:t>(</a:t>
             </a:r>
             <a:r>
-              <a:rPr lang="en-US" sz="2600" b="1" i="0" u="none" strike="noStrike" cap="none" dirty="0" smtClean="0">
+              <a:rPr lang="en-US" sz="2600" i="0" u="none" strike="noStrike" cap="none" dirty="0" smtClean="0">
                 <a:solidFill>
                   <a:srgbClr val="FF7F00"/>
                 </a:solidFill>
@@ -28895,7 +28895,7 @@
               <a:t>'After</a:t>
             </a:r>
             <a:r>
-              <a:rPr lang="en-US" sz="2600" b="1" i="0" u="none" strike="noStrike" cap="none" dirty="0">
+              <a:rPr lang="en-US" sz="2600" i="0" u="none" strike="noStrike" cap="none" dirty="0">
                 <a:solidFill>
                   <a:srgbClr val="FF7F00"/>
                 </a:solidFill>
@@ -28907,7 +28907,7 @@
               <a:t>', </a:t>
             </a:r>
             <a:r>
-              <a:rPr lang="en-US" sz="2600" b="1" dirty="0" err="1" smtClean="0">
+              <a:rPr lang="en-US" sz="2600" dirty="0" err="1" smtClean="0">
                 <a:solidFill>
                   <a:srgbClr val="00FF00"/>
                 </a:solidFill>
@@ -28919,7 +28919,7 @@
               <a:t>largest_so_far</a:t>
             </a:r>
             <a:r>
-              <a:rPr lang="en-US" sz="2600" b="1" dirty="0" smtClean="0">
+              <a:rPr lang="en-US" sz="2600" dirty="0" smtClean="0">
                 <a:solidFill>
                   <a:schemeClr val="bg1"/>
                 </a:solidFill>
@@ -28930,7 +28930,7 @@
               </a:rPr>
               <a:t>)</a:t>
             </a:r>
-            <a:endParaRPr lang="en-US" sz="2600" b="1" dirty="0">
+            <a:endParaRPr lang="en-US" sz="2600" dirty="0">
               <a:solidFill>
                 <a:schemeClr val="bg1"/>
               </a:solidFill>
@@ -29717,7 +29717,7 @@
               <a:buNone/>
             </a:pPr>
             <a:r>
-              <a:rPr lang="en-US" sz="2600" b="1" i="0" u="none" strike="noStrike" cap="none" dirty="0" err="1">
+              <a:rPr lang="en-US" sz="2600" i="0" u="none" strike="noStrike" cap="none" dirty="0" err="1">
                 <a:solidFill>
                   <a:srgbClr val="00FFFF"/>
                 </a:solidFill>
@@ -29729,7 +29729,7 @@
               <a:t>zork</a:t>
             </a:r>
             <a:r>
-              <a:rPr lang="en-US" sz="2600" b="1" i="0" u="none" strike="noStrike" cap="none" dirty="0">
+              <a:rPr lang="en-US" sz="2600" i="0" u="none" strike="noStrike" cap="none" dirty="0">
                 <a:solidFill>
                   <a:srgbClr val="00FFFF"/>
                 </a:solidFill>
@@ -29760,7 +29760,7 @@
               <a:buNone/>
             </a:pPr>
             <a:r>
-              <a:rPr lang="en-US" sz="2600" b="1" i="0" u="none" strike="noStrike" cap="none" dirty="0" smtClean="0">
+              <a:rPr lang="en-US" sz="2600" i="0" u="none" strike="noStrike" cap="none" dirty="0" smtClean="0">
                 <a:solidFill>
                   <a:srgbClr val="FFFF00"/>
                 </a:solidFill>
@@ -29772,7 +29772,7 @@
               <a:t>print</a:t>
             </a:r>
             <a:r>
-              <a:rPr lang="en-US" sz="2600" b="1" dirty="0">
+              <a:rPr lang="en-US" sz="2600" dirty="0">
                 <a:solidFill>
                   <a:schemeClr val="bg1"/>
                 </a:solidFill>
@@ -29784,7 +29784,7 @@
               <a:t>(</a:t>
             </a:r>
             <a:r>
-              <a:rPr lang="en-US" sz="2600" b="1" i="0" u="none" strike="noStrike" cap="none" dirty="0" smtClean="0">
+              <a:rPr lang="en-US" sz="2600" i="0" u="none" strike="noStrike" cap="none" dirty="0" smtClean="0">
                 <a:solidFill>
                   <a:srgbClr val="FF7F00"/>
                 </a:solidFill>
@@ -29796,7 +29796,7 @@
               <a:t>'Before</a:t>
             </a:r>
             <a:r>
-              <a:rPr lang="en-US" sz="2600" b="1" i="0" u="none" strike="noStrike" cap="none" dirty="0">
+              <a:rPr lang="en-US" sz="2600" i="0" u="none" strike="noStrike" cap="none" dirty="0">
                 <a:solidFill>
                   <a:srgbClr val="FF7F00"/>
                 </a:solidFill>
@@ -29808,7 +29808,7 @@
               <a:t>', </a:t>
             </a:r>
             <a:r>
-              <a:rPr lang="en-US" sz="2600" b="1" i="0" u="none" strike="noStrike" cap="none" dirty="0" err="1" smtClean="0">
+              <a:rPr lang="en-US" sz="2600" i="0" u="none" strike="noStrike" cap="none" dirty="0" err="1" smtClean="0">
                 <a:solidFill>
                   <a:srgbClr val="FF7F00"/>
                 </a:solidFill>
@@ -29820,7 +29820,7 @@
               <a:t>zork</a:t>
             </a:r>
             <a:r>
-              <a:rPr lang="en-US" sz="2600" b="1" i="0" u="none" strike="noStrike" cap="none" dirty="0" smtClean="0">
+              <a:rPr lang="en-US" sz="2600" i="0" u="none" strike="noStrike" cap="none" dirty="0" smtClean="0">
                 <a:solidFill>
                   <a:schemeClr val="bg1"/>
                 </a:solidFill>
@@ -29831,7 +29831,7 @@
               </a:rPr>
               <a:t>)</a:t>
             </a:r>
-            <a:endParaRPr lang="en-US" sz="2600" b="1" i="0" u="none" strike="noStrike" cap="none" dirty="0">
+            <a:endParaRPr lang="en-US" sz="2600" i="0" u="none" strike="noStrike" cap="none" dirty="0">
               <a:solidFill>
                 <a:schemeClr val="bg1"/>
               </a:solidFill>
@@ -29860,7 +29860,7 @@
               <a:buNone/>
             </a:pPr>
             <a:r>
-              <a:rPr lang="en-US" sz="2600" b="1" i="0" u="none" strike="noStrike" cap="none" dirty="0">
+              <a:rPr lang="en-US" sz="2600" i="0" u="none" strike="noStrike" cap="none" dirty="0">
                 <a:solidFill>
                   <a:srgbClr val="FFFF00"/>
                 </a:solidFill>
@@ -29872,7 +29872,7 @@
               <a:t>for</a:t>
             </a:r>
             <a:r>
-              <a:rPr lang="en-US" sz="2600" b="1" i="0" u="none" strike="noStrike" cap="none" dirty="0">
+              <a:rPr lang="en-US" sz="2600" i="0" u="none" strike="noStrike" cap="none" dirty="0">
                 <a:solidFill>
                   <a:srgbClr val="FF00FF"/>
                 </a:solidFill>
@@ -29884,7 +29884,7 @@
               <a:t> thing </a:t>
             </a:r>
             <a:r>
-              <a:rPr lang="en-US" sz="2600" b="1" i="0" u="none" strike="noStrike" cap="none" dirty="0">
+              <a:rPr lang="en-US" sz="2600" i="0" u="none" strike="noStrike" cap="none" dirty="0">
                 <a:solidFill>
                   <a:srgbClr val="FFFF00"/>
                 </a:solidFill>
@@ -29896,7 +29896,7 @@
               <a:t>in</a:t>
             </a:r>
             <a:r>
-              <a:rPr lang="en-US" sz="2600" b="1" i="0" u="none" strike="noStrike" cap="none" dirty="0">
+              <a:rPr lang="en-US" sz="2600" i="0" u="none" strike="noStrike" cap="none" dirty="0">
                 <a:solidFill>
                   <a:srgbClr val="FF00FF"/>
                 </a:solidFill>
@@ -29927,7 +29927,7 @@
               <a:buNone/>
             </a:pPr>
             <a:r>
-              <a:rPr lang="en-US" sz="2600" b="1" i="0" u="none" strike="noStrike" cap="none" dirty="0">
+              <a:rPr lang="en-US" sz="2600" i="0" u="none" strike="noStrike" cap="none" dirty="0">
                 <a:solidFill>
                   <a:srgbClr val="FF00FF"/>
                 </a:solidFill>
@@ -29939,7 +29939,7 @@
               <a:t>    </a:t>
             </a:r>
             <a:r>
-              <a:rPr lang="en-US" sz="2600" b="1" i="0" u="none" strike="noStrike" cap="none" dirty="0" err="1">
+              <a:rPr lang="en-US" sz="2600" i="0" u="none" strike="noStrike" cap="none" dirty="0" err="1">
                 <a:solidFill>
                   <a:srgbClr val="00FFFF"/>
                 </a:solidFill>
@@ -29951,7 +29951,7 @@
               <a:t>zork</a:t>
             </a:r>
             <a:r>
-              <a:rPr lang="en-US" sz="2600" b="1" i="0" u="none" strike="noStrike" cap="none" dirty="0">
+              <a:rPr lang="en-US" sz="2600" i="0" u="none" strike="noStrike" cap="none" dirty="0">
                 <a:solidFill>
                   <a:srgbClr val="00FFFF"/>
                 </a:solidFill>
@@ -29963,7 +29963,7 @@
               <a:t> = </a:t>
             </a:r>
             <a:r>
-              <a:rPr lang="en-US" sz="2600" b="1" i="0" u="none" strike="noStrike" cap="none" dirty="0" err="1">
+              <a:rPr lang="en-US" sz="2600" i="0" u="none" strike="noStrike" cap="none" dirty="0" err="1">
                 <a:solidFill>
                   <a:srgbClr val="00FFFF"/>
                 </a:solidFill>
@@ -29975,7 +29975,7 @@
               <a:t>zork</a:t>
             </a:r>
             <a:r>
-              <a:rPr lang="en-US" sz="2600" b="1" i="0" u="none" strike="noStrike" cap="none" dirty="0">
+              <a:rPr lang="en-US" sz="2600" i="0" u="none" strike="noStrike" cap="none" dirty="0">
                 <a:solidFill>
                   <a:srgbClr val="00FFFF"/>
                 </a:solidFill>
@@ -30006,7 +30006,7 @@
               <a:buNone/>
             </a:pPr>
             <a:r>
-              <a:rPr lang="en-US" sz="2600" b="1" i="0" u="none" strike="noStrike" cap="none" dirty="0">
+              <a:rPr lang="en-US" sz="2600" i="0" u="none" strike="noStrike" cap="none" dirty="0">
                 <a:solidFill>
                   <a:srgbClr val="FF00FF"/>
                 </a:solidFill>
@@ -30018,7 +30018,7 @@
               <a:t>    </a:t>
             </a:r>
             <a:r>
-              <a:rPr lang="en-US" sz="2600" b="1" i="0" u="none" strike="noStrike" cap="none" dirty="0" smtClean="0">
+              <a:rPr lang="en-US" sz="2600" i="0" u="none" strike="noStrike" cap="none" dirty="0" smtClean="0">
                 <a:solidFill>
                   <a:srgbClr val="FFFF00"/>
                 </a:solidFill>
@@ -30030,7 +30030,7 @@
               <a:t>print</a:t>
             </a:r>
             <a:r>
-              <a:rPr lang="en-US" sz="2600" b="1" dirty="0">
+              <a:rPr lang="en-US" sz="2600" dirty="0">
                 <a:solidFill>
                   <a:schemeClr val="bg1"/>
                 </a:solidFill>
@@ -30042,7 +30042,7 @@
               <a:t>(</a:t>
             </a:r>
             <a:r>
-              <a:rPr lang="en-US" sz="2600" b="1" i="0" u="none" strike="noStrike" cap="none" dirty="0" err="1" smtClean="0">
+              <a:rPr lang="en-US" sz="2600" i="0" u="none" strike="noStrike" cap="none" dirty="0" err="1" smtClean="0">
                 <a:solidFill>
                   <a:srgbClr val="00FFFF"/>
                 </a:solidFill>
@@ -30054,7 +30054,7 @@
               <a:t>zork</a:t>
             </a:r>
             <a:r>
-              <a:rPr lang="en-US" sz="2600" b="1" i="0" u="none" strike="noStrike" cap="none" dirty="0">
+              <a:rPr lang="en-US" sz="2600" i="0" u="none" strike="noStrike" cap="none" dirty="0">
                 <a:solidFill>
                   <a:srgbClr val="FF00FF"/>
                 </a:solidFill>
@@ -30066,7 +30066,7 @@
               <a:t>, </a:t>
             </a:r>
             <a:r>
-              <a:rPr lang="en-US" sz="2600" b="1" i="0" u="none" strike="noStrike" cap="none" dirty="0" smtClean="0">
+              <a:rPr lang="en-US" sz="2600" i="0" u="none" strike="noStrike" cap="none" dirty="0" smtClean="0">
                 <a:solidFill>
                   <a:srgbClr val="FF00FF"/>
                 </a:solidFill>
@@ -30078,7 +30078,7 @@
               <a:t>thing</a:t>
             </a:r>
             <a:r>
-              <a:rPr lang="en-US" sz="2600" b="1" i="0" u="none" strike="noStrike" cap="none" dirty="0" smtClean="0">
+              <a:rPr lang="en-US" sz="2600" i="0" u="none" strike="noStrike" cap="none" dirty="0" smtClean="0">
                 <a:solidFill>
                   <a:schemeClr val="bg1"/>
                 </a:solidFill>
@@ -30089,7 +30089,7 @@
               </a:rPr>
               <a:t>)</a:t>
             </a:r>
-            <a:endParaRPr lang="en-US" sz="2600" b="1" i="0" u="none" strike="noStrike" cap="none" dirty="0">
+            <a:endParaRPr lang="en-US" sz="2600" i="0" u="none" strike="noStrike" cap="none" dirty="0">
               <a:solidFill>
                 <a:schemeClr val="bg1"/>
               </a:solidFill>
@@ -30118,7 +30118,7 @@
               <a:buNone/>
             </a:pPr>
             <a:r>
-              <a:rPr lang="en-US" sz="2600" b="1" i="0" u="none" strike="noStrike" cap="none" dirty="0" smtClean="0">
+              <a:rPr lang="en-US" sz="2600" i="0" u="none" strike="noStrike" cap="none" dirty="0" smtClean="0">
                 <a:solidFill>
                   <a:srgbClr val="FFFF00"/>
                 </a:solidFill>
@@ -30130,7 +30130,7 @@
               <a:t>print</a:t>
             </a:r>
             <a:r>
-              <a:rPr lang="en-US" sz="2600" b="1" dirty="0">
+              <a:rPr lang="en-US" sz="2600" dirty="0">
                 <a:solidFill>
                   <a:schemeClr val="bg1"/>
                 </a:solidFill>
@@ -30142,7 +30142,7 @@
               <a:t>(</a:t>
             </a:r>
             <a:r>
-              <a:rPr lang="en-US" sz="2600" b="1" i="0" u="none" strike="noStrike" cap="none" dirty="0" smtClean="0">
+              <a:rPr lang="en-US" sz="2600" i="0" u="none" strike="noStrike" cap="none" dirty="0" smtClean="0">
                 <a:solidFill>
                   <a:srgbClr val="FF7F00"/>
                 </a:solidFill>
@@ -30154,7 +30154,7 @@
               <a:t>'After</a:t>
             </a:r>
             <a:r>
-              <a:rPr lang="en-US" sz="2600" b="1" i="0" u="none" strike="noStrike" cap="none" dirty="0">
+              <a:rPr lang="en-US" sz="2600" i="0" u="none" strike="noStrike" cap="none" dirty="0">
                 <a:solidFill>
                   <a:srgbClr val="FF7F00"/>
                 </a:solidFill>
@@ -30166,7 +30166,7 @@
               <a:t>', </a:t>
             </a:r>
             <a:r>
-              <a:rPr lang="en-US" sz="2600" b="1" i="0" u="none" strike="noStrike" cap="none" dirty="0" err="1" smtClean="0">
+              <a:rPr lang="en-US" sz="2600" i="0" u="none" strike="noStrike" cap="none" dirty="0" err="1" smtClean="0">
                 <a:solidFill>
                   <a:srgbClr val="00FFFF"/>
                 </a:solidFill>
@@ -30178,7 +30178,7 @@
               <a:t>zork</a:t>
             </a:r>
             <a:r>
-              <a:rPr lang="en-US" sz="2600" b="1" i="0" u="none" strike="noStrike" cap="none" dirty="0" smtClean="0">
+              <a:rPr lang="en-US" sz="2600" i="0" u="none" strike="noStrike" cap="none" dirty="0" smtClean="0">
                 <a:solidFill>
                   <a:schemeClr val="bg1"/>
                 </a:solidFill>
@@ -30189,7 +30189,7 @@
               </a:rPr>
               <a:t>)</a:t>
             </a:r>
-            <a:endParaRPr lang="en-US" sz="2600" b="1" i="0" u="none" strike="noStrike" cap="none" dirty="0">
+            <a:endParaRPr lang="en-US" sz="2600" i="0" u="none" strike="noStrike" cap="none" dirty="0">
               <a:solidFill>
                 <a:schemeClr val="bg1"/>
               </a:solidFill>
@@ -30844,7 +30844,7 @@
               <a:buNone/>
             </a:pPr>
             <a:r>
-              <a:rPr lang="en-US" sz="2600" b="1" i="0" u="none" strike="noStrike" cap="none" dirty="0" err="1">
+              <a:rPr lang="en-US" sz="2600" i="0" u="none" strike="noStrike" cap="none" dirty="0" err="1">
                 <a:solidFill>
                   <a:srgbClr val="00FF00"/>
                 </a:solidFill>
@@ -30856,7 +30856,7 @@
               <a:t>zork</a:t>
             </a:r>
             <a:r>
-              <a:rPr lang="en-US" sz="2600" b="1" i="0" u="none" strike="noStrike" cap="none" dirty="0">
+              <a:rPr lang="en-US" sz="2600" i="0" u="none" strike="noStrike" cap="none" dirty="0">
                 <a:solidFill>
                   <a:srgbClr val="00FF00"/>
                 </a:solidFill>
@@ -30887,7 +30887,7 @@
               <a:buNone/>
             </a:pPr>
             <a:r>
-              <a:rPr lang="en-US" sz="2600" b="1" i="0" u="none" strike="noStrike" cap="none" dirty="0" smtClean="0">
+              <a:rPr lang="en-US" sz="2600" i="0" u="none" strike="noStrike" cap="none" dirty="0" smtClean="0">
                 <a:solidFill>
                   <a:srgbClr val="FFFF00"/>
                 </a:solidFill>
@@ -30899,7 +30899,7 @@
               <a:t>print</a:t>
             </a:r>
             <a:r>
-              <a:rPr lang="en-US" sz="2600" b="1" dirty="0">
+              <a:rPr lang="en-US" sz="2600" dirty="0">
                 <a:solidFill>
                   <a:schemeClr val="lt1"/>
                 </a:solidFill>
@@ -30911,7 +30911,7 @@
               <a:t>(</a:t>
             </a:r>
             <a:r>
-              <a:rPr lang="en-US" sz="2600" b="1" i="0" u="none" strike="noStrike" cap="none" dirty="0" smtClean="0">
+              <a:rPr lang="en-US" sz="2600" i="0" u="none" strike="noStrike" cap="none" dirty="0" smtClean="0">
                 <a:solidFill>
                   <a:schemeClr val="lt1"/>
                 </a:solidFill>
@@ -30923,7 +30923,7 @@
               <a:t>'Before</a:t>
             </a:r>
             <a:r>
-              <a:rPr lang="en-US" sz="2600" b="1" i="0" u="none" strike="noStrike" cap="none" dirty="0">
+              <a:rPr lang="en-US" sz="2600" i="0" u="none" strike="noStrike" cap="none" dirty="0">
                 <a:solidFill>
                   <a:schemeClr val="lt1"/>
                 </a:solidFill>
@@ -30935,7 +30935,7 @@
               <a:t>', </a:t>
             </a:r>
             <a:r>
-              <a:rPr lang="en-US" sz="2600" b="1" i="0" u="none" strike="noStrike" cap="none" dirty="0" err="1" smtClean="0">
+              <a:rPr lang="en-US" sz="2600" i="0" u="none" strike="noStrike" cap="none" dirty="0" err="1" smtClean="0">
                 <a:solidFill>
                   <a:srgbClr val="00FF00"/>
                 </a:solidFill>
@@ -30947,7 +30947,7 @@
               <a:t>zork</a:t>
             </a:r>
             <a:r>
-              <a:rPr lang="en-US" sz="2600" b="1" i="0" u="none" strike="noStrike" cap="none" dirty="0" smtClean="0">
+              <a:rPr lang="en-US" sz="2600" i="0" u="none" strike="noStrike" cap="none" dirty="0" smtClean="0">
                 <a:solidFill>
                   <a:schemeClr val="bg1"/>
                 </a:solidFill>
@@ -30958,7 +30958,7 @@
               </a:rPr>
               <a:t>)</a:t>
             </a:r>
-            <a:endParaRPr lang="en-US" sz="2600" b="1" i="0" u="none" strike="noStrike" cap="none" dirty="0">
+            <a:endParaRPr lang="en-US" sz="2600" i="0" u="none" strike="noStrike" cap="none" dirty="0">
               <a:solidFill>
                 <a:schemeClr val="bg1"/>
               </a:solidFill>
@@ -30987,7 +30987,7 @@
               <a:buNone/>
             </a:pPr>
             <a:r>
-              <a:rPr lang="en-US" sz="2600" b="1" i="0" u="none" strike="noStrike" cap="none" dirty="0">
+              <a:rPr lang="en-US" sz="2600" i="0" u="none" strike="noStrike" cap="none" dirty="0">
                 <a:solidFill>
                   <a:srgbClr val="FFFF00"/>
                 </a:solidFill>
@@ -30999,7 +30999,7 @@
               <a:t>for</a:t>
             </a:r>
             <a:r>
-              <a:rPr lang="en-US" sz="2600" b="1" i="0" u="none" strike="noStrike" cap="none" dirty="0">
+              <a:rPr lang="en-US" sz="2600" i="0" u="none" strike="noStrike" cap="none" dirty="0">
                 <a:solidFill>
                   <a:schemeClr val="lt1"/>
                 </a:solidFill>
@@ -31011,7 +31011,7 @@
               <a:t> </a:t>
             </a:r>
             <a:r>
-              <a:rPr lang="en-US" sz="2600" b="1" i="0" u="none" strike="noStrike" cap="none" dirty="0">
+              <a:rPr lang="en-US" sz="2600" i="0" u="none" strike="noStrike" cap="none" dirty="0">
                 <a:solidFill>
                   <a:srgbClr val="00FFFF"/>
                 </a:solidFill>
@@ -31023,7 +31023,7 @@
               <a:t>thing</a:t>
             </a:r>
             <a:r>
-              <a:rPr lang="en-US" sz="2600" b="1" i="0" u="none" strike="noStrike" cap="none" dirty="0">
+              <a:rPr lang="en-US" sz="2600" i="0" u="none" strike="noStrike" cap="none" dirty="0">
                 <a:solidFill>
                   <a:schemeClr val="lt1"/>
                 </a:solidFill>
@@ -31035,7 +31035,7 @@
               <a:t> </a:t>
             </a:r>
             <a:r>
-              <a:rPr lang="en-US" sz="2600" b="1" i="0" u="none" strike="noStrike" cap="none" dirty="0">
+              <a:rPr lang="en-US" sz="2600" i="0" u="none" strike="noStrike" cap="none" dirty="0">
                 <a:solidFill>
                   <a:srgbClr val="FFFF00"/>
                 </a:solidFill>
@@ -31047,7 +31047,7 @@
               <a:t>in</a:t>
             </a:r>
             <a:r>
-              <a:rPr lang="en-US" sz="2600" b="1" i="0" u="none" strike="noStrike" cap="none" dirty="0">
+              <a:rPr lang="en-US" sz="2600" i="0" u="none" strike="noStrike" cap="none" dirty="0">
                 <a:solidFill>
                   <a:schemeClr val="lt1"/>
                 </a:solidFill>
@@ -31078,7 +31078,7 @@
               <a:buNone/>
             </a:pPr>
             <a:r>
-              <a:rPr lang="en-US" sz="2600" b="1" i="0" u="none" strike="noStrike" cap="none" dirty="0">
+              <a:rPr lang="en-US" sz="2600" i="0" u="none" strike="noStrike" cap="none" dirty="0">
                 <a:solidFill>
                   <a:schemeClr val="lt1"/>
                 </a:solidFill>
@@ -31090,7 +31090,7 @@
               <a:t>    </a:t>
             </a:r>
             <a:r>
-              <a:rPr lang="en-US" sz="2600" b="1" i="0" u="none" strike="noStrike" cap="none" dirty="0" err="1">
+              <a:rPr lang="en-US" sz="2600" i="0" u="none" strike="noStrike" cap="none" dirty="0" err="1">
                 <a:solidFill>
                   <a:srgbClr val="00FF00"/>
                 </a:solidFill>
@@ -31102,7 +31102,7 @@
               <a:t>zork</a:t>
             </a:r>
             <a:r>
-              <a:rPr lang="en-US" sz="2600" b="1" i="0" u="none" strike="noStrike" cap="none" dirty="0">
+              <a:rPr lang="en-US" sz="2600" i="0" u="none" strike="noStrike" cap="none" dirty="0">
                 <a:solidFill>
                   <a:srgbClr val="00FF00"/>
                 </a:solidFill>
@@ -31114,7 +31114,7 @@
               <a:t> = </a:t>
             </a:r>
             <a:r>
-              <a:rPr lang="en-US" sz="2600" b="1" i="0" u="none" strike="noStrike" cap="none" dirty="0" err="1">
+              <a:rPr lang="en-US" sz="2600" i="0" u="none" strike="noStrike" cap="none" dirty="0" err="1">
                 <a:solidFill>
                   <a:srgbClr val="00FF00"/>
                 </a:solidFill>
@@ -31126,7 +31126,7 @@
               <a:t>zork</a:t>
             </a:r>
             <a:r>
-              <a:rPr lang="en-US" sz="2600" b="1" i="0" u="none" strike="noStrike" cap="none" dirty="0">
+              <a:rPr lang="en-US" sz="2600" i="0" u="none" strike="noStrike" cap="none" dirty="0">
                 <a:solidFill>
                   <a:srgbClr val="00FF00"/>
                 </a:solidFill>
@@ -31138,7 +31138,7 @@
               <a:t> +</a:t>
             </a:r>
             <a:r>
-              <a:rPr lang="en-US" sz="2600" b="1" i="0" u="none" strike="noStrike" cap="none" dirty="0">
+              <a:rPr lang="en-US" sz="2600" i="0" u="none" strike="noStrike" cap="none" dirty="0">
                 <a:solidFill>
                   <a:schemeClr val="lt1"/>
                 </a:solidFill>
@@ -31150,7 +31150,7 @@
               <a:t> </a:t>
             </a:r>
             <a:r>
-              <a:rPr lang="en-US" sz="2600" b="1" i="0" u="none" strike="noStrike" cap="none" dirty="0">
+              <a:rPr lang="en-US" sz="2600" i="0" u="none" strike="noStrike" cap="none" dirty="0">
                 <a:solidFill>
                   <a:srgbClr val="00FFFF"/>
                 </a:solidFill>
@@ -31181,7 +31181,7 @@
               <a:buNone/>
             </a:pPr>
             <a:r>
-              <a:rPr lang="en-US" sz="2600" b="1" i="0" u="none" strike="noStrike" cap="none" dirty="0">
+              <a:rPr lang="en-US" sz="2600" i="0" u="none" strike="noStrike" cap="none" dirty="0">
                 <a:solidFill>
                   <a:schemeClr val="lt1"/>
                 </a:solidFill>
@@ -31193,7 +31193,7 @@
               <a:t>    </a:t>
             </a:r>
             <a:r>
-              <a:rPr lang="en-US" sz="2600" b="1" i="0" u="none" strike="noStrike" cap="none" dirty="0" smtClean="0">
+              <a:rPr lang="en-US" sz="2600" i="0" u="none" strike="noStrike" cap="none" dirty="0" smtClean="0">
                 <a:solidFill>
                   <a:srgbClr val="FFFF00"/>
                 </a:solidFill>
@@ -31205,7 +31205,7 @@
               <a:t>print</a:t>
             </a:r>
             <a:r>
-              <a:rPr lang="en-US" sz="2600" b="1" dirty="0">
+              <a:rPr lang="en-US" sz="2600" dirty="0">
                 <a:solidFill>
                   <a:schemeClr val="lt1"/>
                 </a:solidFill>
@@ -31217,7 +31217,7 @@
               <a:t>(</a:t>
             </a:r>
             <a:r>
-              <a:rPr lang="en-US" sz="2600" b="1" i="0" u="none" strike="noStrike" cap="none" dirty="0" err="1" smtClean="0">
+              <a:rPr lang="en-US" sz="2600" i="0" u="none" strike="noStrike" cap="none" dirty="0" err="1" smtClean="0">
                 <a:solidFill>
                   <a:srgbClr val="00FF00"/>
                 </a:solidFill>
@@ -31229,7 +31229,7 @@
               <a:t>zork</a:t>
             </a:r>
             <a:r>
-              <a:rPr lang="en-US" sz="2600" b="1" i="0" u="none" strike="noStrike" cap="none" dirty="0">
+              <a:rPr lang="en-US" sz="2600" i="0" u="none" strike="noStrike" cap="none" dirty="0">
                 <a:solidFill>
                   <a:schemeClr val="lt1"/>
                 </a:solidFill>
@@ -31241,7 +31241,7 @@
               <a:t>, </a:t>
             </a:r>
             <a:r>
-              <a:rPr lang="en-US" sz="2600" b="1" i="0" u="none" strike="noStrike" cap="none" dirty="0" smtClean="0">
+              <a:rPr lang="en-US" sz="2600" i="0" u="none" strike="noStrike" cap="none" dirty="0" smtClean="0">
                 <a:solidFill>
                   <a:srgbClr val="00FFFF"/>
                 </a:solidFill>
@@ -31253,7 +31253,7 @@
               <a:t>thing</a:t>
             </a:r>
             <a:r>
-              <a:rPr lang="en-US" sz="2600" b="1" i="0" u="none" strike="noStrike" cap="none" dirty="0" smtClean="0">
+              <a:rPr lang="en-US" sz="2600" i="0" u="none" strike="noStrike" cap="none" dirty="0" smtClean="0">
                 <a:solidFill>
                   <a:schemeClr val="bg1"/>
                 </a:solidFill>
@@ -31264,7 +31264,7 @@
               </a:rPr>
               <a:t>)</a:t>
             </a:r>
-            <a:endParaRPr lang="en-US" sz="2600" b="1" i="0" u="none" strike="noStrike" cap="none" dirty="0">
+            <a:endParaRPr lang="en-US" sz="2600" i="0" u="none" strike="noStrike" cap="none" dirty="0">
               <a:solidFill>
                 <a:schemeClr val="bg1"/>
               </a:solidFill>
@@ -31293,7 +31293,7 @@
               <a:buNone/>
             </a:pPr>
             <a:r>
-              <a:rPr lang="en-US" sz="2600" b="1" i="0" u="none" strike="noStrike" cap="none" dirty="0" smtClean="0">
+              <a:rPr lang="en-US" sz="2600" i="0" u="none" strike="noStrike" cap="none" dirty="0" smtClean="0">
                 <a:solidFill>
                   <a:srgbClr val="FFFF00"/>
                 </a:solidFill>
@@ -31305,7 +31305,7 @@
               <a:t>print</a:t>
             </a:r>
             <a:r>
-              <a:rPr lang="en-US" sz="2600" b="1" dirty="0">
+              <a:rPr lang="en-US" sz="2600" dirty="0">
                 <a:solidFill>
                   <a:schemeClr val="lt1"/>
                 </a:solidFill>
@@ -31317,7 +31317,7 @@
               <a:t>(</a:t>
             </a:r>
             <a:r>
-              <a:rPr lang="en-US" sz="2600" b="1" i="0" u="none" strike="noStrike" cap="none" dirty="0" smtClean="0">
+              <a:rPr lang="en-US" sz="2600" i="0" u="none" strike="noStrike" cap="none" dirty="0" smtClean="0">
                 <a:solidFill>
                   <a:schemeClr val="lt1"/>
                 </a:solidFill>
@@ -31329,7 +31329,7 @@
               <a:t>'After</a:t>
             </a:r>
             <a:r>
-              <a:rPr lang="en-US" sz="2600" b="1" i="0" u="none" strike="noStrike" cap="none" dirty="0">
+              <a:rPr lang="en-US" sz="2600" i="0" u="none" strike="noStrike" cap="none" dirty="0">
                 <a:solidFill>
                   <a:schemeClr val="lt1"/>
                 </a:solidFill>
@@ -31341,7 +31341,7 @@
               <a:t>', </a:t>
             </a:r>
             <a:r>
-              <a:rPr lang="en-US" sz="2600" b="1" i="0" u="none" strike="noStrike" cap="none" dirty="0" err="1" smtClean="0">
+              <a:rPr lang="en-US" sz="2600" i="0" u="none" strike="noStrike" cap="none" dirty="0" err="1" smtClean="0">
                 <a:solidFill>
                   <a:srgbClr val="00FF00"/>
                 </a:solidFill>
@@ -31353,7 +31353,7 @@
               <a:t>zork</a:t>
             </a:r>
             <a:r>
-              <a:rPr lang="en-US" sz="2600" b="1" i="0" u="none" strike="noStrike" cap="none" dirty="0" smtClean="0">
+              <a:rPr lang="en-US" sz="2600" i="0" u="none" strike="noStrike" cap="none" dirty="0" smtClean="0">
                 <a:solidFill>
                   <a:schemeClr val="bg1"/>
                 </a:solidFill>
@@ -31364,7 +31364,7 @@
               </a:rPr>
               <a:t>)</a:t>
             </a:r>
-            <a:endParaRPr lang="en-US" sz="2600" b="1" i="0" u="none" strike="noStrike" cap="none" dirty="0">
+            <a:endParaRPr lang="en-US" sz="2600" i="0" u="none" strike="noStrike" cap="none" dirty="0">
               <a:solidFill>
                 <a:schemeClr val="bg1"/>
               </a:solidFill>
@@ -32151,7 +32151,7 @@
               <a:buNone/>
             </a:pPr>
             <a:r>
-              <a:rPr lang="en-US" sz="2600" b="1" i="0" u="none" strike="noStrike" cap="none" dirty="0">
+              <a:rPr lang="en-US" sz="2600" i="0" u="none" strike="noStrike" cap="none" dirty="0">
                 <a:solidFill>
                   <a:srgbClr val="00FFFF"/>
                 </a:solidFill>
@@ -32182,7 +32182,7 @@
               <a:buNone/>
             </a:pPr>
             <a:r>
-              <a:rPr lang="en-US" sz="2600" b="1" i="0" u="none" strike="noStrike" cap="none" dirty="0">
+              <a:rPr lang="en-US" sz="2600" i="0" u="none" strike="noStrike" cap="none" dirty="0">
                 <a:solidFill>
                   <a:srgbClr val="00FF00"/>
                 </a:solidFill>
@@ -32213,7 +32213,7 @@
               <a:buNone/>
             </a:pPr>
             <a:r>
-              <a:rPr lang="en-US" sz="2600" b="1" i="0" u="none" strike="noStrike" cap="none" dirty="0" smtClean="0">
+              <a:rPr lang="en-US" sz="2600" i="0" u="none" strike="noStrike" cap="none" dirty="0" smtClean="0">
                 <a:solidFill>
                   <a:srgbClr val="FFFF00"/>
                 </a:solidFill>
@@ -32225,7 +32225,7 @@
               <a:t>print</a:t>
             </a:r>
             <a:r>
-              <a:rPr lang="en-US" sz="2600" b="1" dirty="0">
+              <a:rPr lang="en-US" sz="2600" dirty="0">
                 <a:solidFill>
                   <a:schemeClr val="bg1"/>
                 </a:solidFill>
@@ -32237,7 +32237,7 @@
               <a:t>(</a:t>
             </a:r>
             <a:r>
-              <a:rPr lang="en-US" sz="2600" b="1" i="0" u="none" strike="noStrike" cap="none" dirty="0" smtClean="0">
+              <a:rPr lang="en-US" sz="2600" i="0" u="none" strike="noStrike" cap="none" dirty="0" smtClean="0">
                 <a:solidFill>
                   <a:srgbClr val="FF7F00"/>
                 </a:solidFill>
@@ -32249,7 +32249,7 @@
               <a:t>'Before</a:t>
             </a:r>
             <a:r>
-              <a:rPr lang="en-US" sz="2600" b="1" i="0" u="none" strike="noStrike" cap="none" dirty="0">
+              <a:rPr lang="en-US" sz="2600" i="0" u="none" strike="noStrike" cap="none" dirty="0">
                 <a:solidFill>
                   <a:srgbClr val="FF7F00"/>
                 </a:solidFill>
@@ -32261,7 +32261,7 @@
               <a:t>', </a:t>
             </a:r>
             <a:r>
-              <a:rPr lang="en-US" sz="2600" b="1" i="0" u="none" strike="noStrike" cap="none" dirty="0">
+              <a:rPr lang="en-US" sz="2600" i="0" u="none" strike="noStrike" cap="none" dirty="0">
                 <a:solidFill>
                   <a:srgbClr val="00FFFF"/>
                 </a:solidFill>
@@ -32270,10 +32270,10 @@
                 <a:cs typeface="Courier New"/>
                 <a:sym typeface="Courier New"/>
               </a:rPr>
-              <a:t>count</a:t>
-            </a:r>
-            <a:r>
-              <a:rPr lang="en-US" sz="2600" b="1" i="0" u="none" strike="noStrike" cap="none" dirty="0">
+              <a:t>count,</a:t>
+            </a:r>
+            <a:r>
+              <a:rPr lang="en-US" sz="2600" i="0" u="none" strike="noStrike" cap="none" dirty="0">
                 <a:solidFill>
                   <a:srgbClr val="FF7F00"/>
                 </a:solidFill>
@@ -32282,10 +32282,10 @@
                 <a:cs typeface="Courier New"/>
                 <a:sym typeface="Courier New"/>
               </a:rPr>
-              <a:t>, </a:t>
-            </a:r>
-            <a:r>
-              <a:rPr lang="en-US" sz="2600" b="1" i="0" u="none" strike="noStrike" cap="none" dirty="0" smtClean="0">
+              <a:t> </a:t>
+            </a:r>
+            <a:r>
+              <a:rPr lang="en-US" sz="2600" i="0" u="none" strike="noStrike" cap="none" dirty="0" smtClean="0">
                 <a:solidFill>
                   <a:srgbClr val="00FF00"/>
                 </a:solidFill>
@@ -32297,7 +32297,7 @@
               <a:t>sum</a:t>
             </a:r>
             <a:r>
-              <a:rPr lang="en-US" sz="2600" b="1" i="0" u="none" strike="noStrike" cap="none" dirty="0" smtClean="0">
+              <a:rPr lang="en-US" sz="2600" i="0" u="none" strike="noStrike" cap="none" dirty="0" smtClean="0">
                 <a:solidFill>
                   <a:schemeClr val="bg1"/>
                 </a:solidFill>
@@ -32308,7 +32308,7 @@
               </a:rPr>
               <a:t>)</a:t>
             </a:r>
-            <a:endParaRPr lang="en-US" sz="2600" b="1" i="0" u="none" strike="noStrike" cap="none" dirty="0">
+            <a:endParaRPr lang="en-US" sz="2600" i="0" u="none" strike="noStrike" cap="none" dirty="0">
               <a:solidFill>
                 <a:schemeClr val="bg1"/>
               </a:solidFill>
@@ -32337,7 +32337,7 @@
               <a:buNone/>
             </a:pPr>
             <a:r>
-              <a:rPr lang="en-US" sz="2600" b="1" i="0" u="none" strike="noStrike" cap="none" dirty="0">
+              <a:rPr lang="en-US" sz="2600" i="0" u="none" strike="noStrike" cap="none" dirty="0">
                 <a:solidFill>
                   <a:srgbClr val="FFFF00"/>
                 </a:solidFill>
@@ -32349,7 +32349,7 @@
               <a:t>for</a:t>
             </a:r>
             <a:r>
-              <a:rPr lang="en-US" sz="2600" b="1" i="0" u="none" strike="noStrike" cap="none" dirty="0">
+              <a:rPr lang="en-US" sz="2600" i="0" u="none" strike="noStrike" cap="none" dirty="0">
                 <a:solidFill>
                   <a:srgbClr val="FF00FF"/>
                 </a:solidFill>
@@ -32361,7 +32361,7 @@
               <a:t> value </a:t>
             </a:r>
             <a:r>
-              <a:rPr lang="en-US" sz="2600" b="1" i="0" u="none" strike="noStrike" cap="none" dirty="0">
+              <a:rPr lang="en-US" sz="2600" i="0" u="none" strike="noStrike" cap="none" dirty="0">
                 <a:solidFill>
                   <a:srgbClr val="FFFF00"/>
                 </a:solidFill>
@@ -32373,7 +32373,7 @@
               <a:t>in</a:t>
             </a:r>
             <a:r>
-              <a:rPr lang="en-US" sz="2600" b="1" i="0" u="none" strike="noStrike" cap="none" dirty="0">
+              <a:rPr lang="en-US" sz="2600" i="0" u="none" strike="noStrike" cap="none" dirty="0">
                 <a:solidFill>
                   <a:srgbClr val="FF00FF"/>
                 </a:solidFill>
@@ -32404,7 +32404,7 @@
               <a:buNone/>
             </a:pPr>
             <a:r>
-              <a:rPr lang="en-US" sz="2600" b="1" i="0" u="none" strike="noStrike" cap="none" dirty="0">
+              <a:rPr lang="en-US" sz="2600" i="0" u="none" strike="noStrike" cap="none" dirty="0">
                 <a:solidFill>
                   <a:schemeClr val="lt1"/>
                 </a:solidFill>
@@ -32435,7 +32435,7 @@
               <a:buNone/>
             </a:pPr>
             <a:r>
-              <a:rPr lang="en-US" sz="2600" b="1" i="0" u="none" strike="noStrike" cap="none" dirty="0">
+              <a:rPr lang="en-US" sz="2600" i="0" u="none" strike="noStrike" cap="none" dirty="0">
                 <a:solidFill>
                   <a:srgbClr val="00FF00"/>
                 </a:solidFill>
@@ -32447,7 +32447,7 @@
               <a:t>    </a:t>
             </a:r>
             <a:r>
-              <a:rPr lang="en-US" sz="2600" b="1" i="0" u="none" strike="noStrike" cap="none" dirty="0">
+              <a:rPr lang="en-US" sz="2600" i="0" u="none" strike="noStrike" cap="none" dirty="0">
                 <a:solidFill>
                   <a:schemeClr val="lt1"/>
                 </a:solidFill>
@@ -32478,7 +32478,7 @@
               <a:buNone/>
             </a:pPr>
             <a:r>
-              <a:rPr lang="en-US" sz="2600" b="1" i="0" u="none" strike="noStrike" cap="none" dirty="0">
+              <a:rPr lang="en-US" sz="2600" i="0" u="none" strike="noStrike" cap="none" dirty="0">
                 <a:solidFill>
                   <a:schemeClr val="lt1"/>
                 </a:solidFill>
@@ -32490,7 +32490,7 @@
               <a:t>    </a:t>
             </a:r>
             <a:r>
-              <a:rPr lang="en-US" sz="2600" b="1" i="0" u="none" strike="noStrike" cap="none" dirty="0" smtClean="0">
+              <a:rPr lang="en-US" sz="2600" i="0" u="none" strike="noStrike" cap="none" dirty="0" smtClean="0">
                 <a:solidFill>
                   <a:srgbClr val="FFFF00"/>
                 </a:solidFill>
@@ -32502,7 +32502,7 @@
               <a:t>print</a:t>
             </a:r>
             <a:r>
-              <a:rPr lang="en-US" sz="2600" b="1" dirty="0">
+              <a:rPr lang="en-US" sz="2600" dirty="0">
                 <a:solidFill>
                   <a:schemeClr val="lt1"/>
                 </a:solidFill>
@@ -32514,7 +32514,7 @@
               <a:t>(</a:t>
             </a:r>
             <a:r>
-              <a:rPr lang="en-US" sz="2600" b="1" i="0" u="none" strike="noStrike" cap="none" dirty="0" smtClean="0">
+              <a:rPr lang="en-US" sz="2600" i="0" u="none" strike="noStrike" cap="none" dirty="0" smtClean="0">
                 <a:solidFill>
                   <a:srgbClr val="00FFFF"/>
                 </a:solidFill>
@@ -32526,7 +32526,7 @@
               <a:t>count</a:t>
             </a:r>
             <a:r>
-              <a:rPr lang="en-US" sz="2600" b="1" i="0" u="none" strike="noStrike" cap="none" dirty="0">
+              <a:rPr lang="en-US" sz="2600" i="0" u="none" strike="noStrike" cap="none" dirty="0">
                 <a:solidFill>
                   <a:schemeClr val="lt1"/>
                 </a:solidFill>
@@ -32538,7 +32538,7 @@
               <a:t>, </a:t>
             </a:r>
             <a:r>
-              <a:rPr lang="en-US" sz="2600" b="1" i="0" u="none" strike="noStrike" cap="none" dirty="0">
+              <a:rPr lang="en-US" sz="2600" i="0" u="none" strike="noStrike" cap="none" dirty="0">
                 <a:solidFill>
                   <a:srgbClr val="00FF00"/>
                 </a:solidFill>
@@ -32547,10 +32547,10 @@
                 <a:cs typeface="Courier New"/>
                 <a:sym typeface="Courier New"/>
               </a:rPr>
-              <a:t>sum</a:t>
-            </a:r>
-            <a:r>
-              <a:rPr lang="en-US" sz="2600" b="1" i="0" u="none" strike="noStrike" cap="none" dirty="0">
+              <a:t>sum,</a:t>
+            </a:r>
+            <a:r>
+              <a:rPr lang="en-US" sz="2600" i="0" u="none" strike="noStrike" cap="none" dirty="0">
                 <a:solidFill>
                   <a:schemeClr val="lt1"/>
                 </a:solidFill>
@@ -32559,10 +32559,10 @@
                 <a:cs typeface="Courier New"/>
                 <a:sym typeface="Courier New"/>
               </a:rPr>
-              <a:t>, </a:t>
-            </a:r>
-            <a:r>
-              <a:rPr lang="en-US" sz="2600" b="1" i="0" u="none" strike="noStrike" cap="none" dirty="0" smtClean="0">
+              <a:t> </a:t>
+            </a:r>
+            <a:r>
+              <a:rPr lang="en-US" sz="2600" i="0" u="none" strike="noStrike" cap="none" dirty="0" smtClean="0">
                 <a:solidFill>
                   <a:srgbClr val="FF00FF"/>
                 </a:solidFill>
@@ -32574,7 +32574,7 @@
               <a:t>value</a:t>
             </a:r>
             <a:r>
-              <a:rPr lang="en-US" sz="2600" b="1" i="0" u="none" strike="noStrike" cap="none" dirty="0" smtClean="0">
+              <a:rPr lang="en-US" sz="2600" i="0" u="none" strike="noStrike" cap="none" dirty="0" smtClean="0">
                 <a:solidFill>
                   <a:schemeClr val="bg1"/>
                 </a:solidFill>
@@ -32585,7 +32585,7 @@
               </a:rPr>
               <a:t>)</a:t>
             </a:r>
-            <a:endParaRPr lang="en-US" sz="2600" b="1" i="0" u="none" strike="noStrike" cap="none" dirty="0">
+            <a:endParaRPr lang="en-US" sz="2600" i="0" u="none" strike="noStrike" cap="none" dirty="0">
               <a:solidFill>
                 <a:schemeClr val="bg1"/>
               </a:solidFill>
@@ -32614,7 +32614,7 @@
               <a:buNone/>
             </a:pPr>
             <a:r>
-              <a:rPr lang="en-US" sz="2600" b="1" i="0" u="none" strike="noStrike" cap="none" dirty="0" smtClean="0">
+              <a:rPr lang="en-US" sz="2600" i="0" u="none" strike="noStrike" cap="none" dirty="0" smtClean="0">
                 <a:solidFill>
                   <a:srgbClr val="FFFF00"/>
                 </a:solidFill>
@@ -32626,7 +32626,7 @@
               <a:t>print</a:t>
             </a:r>
             <a:r>
-              <a:rPr lang="en-US" sz="2600" b="1" dirty="0">
+              <a:rPr lang="en-US" sz="2600" dirty="0">
                 <a:solidFill>
                   <a:schemeClr val="bg1"/>
                 </a:solidFill>
@@ -32638,7 +32638,7 @@
               <a:t>(</a:t>
             </a:r>
             <a:r>
-              <a:rPr lang="en-US" sz="2600" b="1" i="0" u="none" strike="noStrike" cap="none" dirty="0" smtClean="0">
+              <a:rPr lang="en-US" sz="2600" i="0" u="none" strike="noStrike" cap="none" dirty="0" smtClean="0">
                 <a:solidFill>
                   <a:srgbClr val="FF7F00"/>
                 </a:solidFill>
@@ -32650,7 +32650,7 @@
               <a:t>'After</a:t>
             </a:r>
             <a:r>
-              <a:rPr lang="en-US" sz="2600" b="1" i="0" u="none" strike="noStrike" cap="none" dirty="0">
+              <a:rPr lang="en-US" sz="2600" i="0" u="none" strike="noStrike" cap="none" dirty="0">
                 <a:solidFill>
                   <a:srgbClr val="FF7F00"/>
                 </a:solidFill>
@@ -32662,7 +32662,7 @@
               <a:t>', </a:t>
             </a:r>
             <a:r>
-              <a:rPr lang="en-US" sz="2600" b="1" i="0" u="none" strike="noStrike" cap="none" dirty="0">
+              <a:rPr lang="en-US" sz="2600" i="0" u="none" strike="noStrike" cap="none" dirty="0">
                 <a:solidFill>
                   <a:srgbClr val="00FFFF"/>
                 </a:solidFill>
@@ -32671,82 +32671,70 @@
                 <a:cs typeface="Courier New"/>
                 <a:sym typeface="Courier New"/>
               </a:rPr>
+              <a:t>count,</a:t>
+            </a:r>
+            <a:r>
+              <a:rPr lang="en-US" sz="2600" i="0" u="none" strike="noStrike" cap="none" dirty="0">
+                <a:solidFill>
+                  <a:srgbClr val="FF7F00"/>
+                </a:solidFill>
+                <a:latin typeface="Courier New"/>
+                <a:ea typeface="Courier New"/>
+                <a:cs typeface="Courier New"/>
+                <a:sym typeface="Courier New"/>
+              </a:rPr>
+              <a:t> </a:t>
+            </a:r>
+            <a:r>
+              <a:rPr lang="en-US" sz="2600" i="0" u="none" strike="noStrike" cap="none" dirty="0">
+                <a:solidFill>
+                  <a:srgbClr val="00FF00"/>
+                </a:solidFill>
+                <a:latin typeface="Courier New"/>
+                <a:ea typeface="Courier New"/>
+                <a:cs typeface="Courier New"/>
+                <a:sym typeface="Courier New"/>
+              </a:rPr>
+              <a:t>sum,</a:t>
+            </a:r>
+            <a:r>
+              <a:rPr lang="en-US" sz="2600" i="0" u="none" strike="noStrike" cap="none" dirty="0">
+                <a:solidFill>
+                  <a:schemeClr val="lt1"/>
+                </a:solidFill>
+                <a:latin typeface="Courier New"/>
+                <a:ea typeface="Courier New"/>
+                <a:cs typeface="Courier New"/>
+                <a:sym typeface="Courier New"/>
+              </a:rPr>
+              <a:t> </a:t>
+            </a:r>
+            <a:r>
+              <a:rPr lang="en-US" sz="2600" i="0" u="none" strike="noStrike" cap="none" dirty="0">
+                <a:solidFill>
+                  <a:srgbClr val="FFFF00"/>
+                </a:solidFill>
+                <a:latin typeface="Courier New"/>
+                <a:ea typeface="Courier New"/>
+                <a:cs typeface="Courier New"/>
+                <a:sym typeface="Courier New"/>
+              </a:rPr>
+              <a:t>sum / </a:t>
+            </a:r>
+            <a:r>
+              <a:rPr lang="en-US" sz="2600" i="0" u="none" strike="noStrike" cap="none" dirty="0" smtClean="0">
+                <a:solidFill>
+                  <a:srgbClr val="FFFF00"/>
+                </a:solidFill>
+                <a:latin typeface="Courier New"/>
+                <a:ea typeface="Courier New"/>
+                <a:cs typeface="Courier New"/>
+                <a:sym typeface="Courier New"/>
+              </a:rPr>
               <a:t>count</a:t>
             </a:r>
             <a:r>
-              <a:rPr lang="en-US" sz="2600" b="1" i="0" u="none" strike="noStrike" cap="none" dirty="0">
-                <a:solidFill>
-                  <a:srgbClr val="FF7F00"/>
-                </a:solidFill>
-                <a:latin typeface="Courier New"/>
-                <a:ea typeface="Courier New"/>
-                <a:cs typeface="Courier New"/>
-                <a:sym typeface="Courier New"/>
-              </a:rPr>
-              <a:t>, </a:t>
-            </a:r>
-            <a:r>
-              <a:rPr lang="en-US" sz="2600" b="1" i="0" u="none" strike="noStrike" cap="none" dirty="0">
-                <a:solidFill>
-                  <a:srgbClr val="00FF00"/>
-                </a:solidFill>
-                <a:latin typeface="Courier New"/>
-                <a:ea typeface="Courier New"/>
-                <a:cs typeface="Courier New"/>
-                <a:sym typeface="Courier New"/>
-              </a:rPr>
-              <a:t>sum</a:t>
-            </a:r>
-            <a:r>
-              <a:rPr lang="en-US" sz="2600" b="1" i="0" u="none" strike="noStrike" cap="none" dirty="0">
-                <a:solidFill>
-                  <a:srgbClr val="FF7F00"/>
-                </a:solidFill>
-                <a:latin typeface="Courier New"/>
-                <a:ea typeface="Courier New"/>
-                <a:cs typeface="Courier New"/>
-                <a:sym typeface="Courier New"/>
-              </a:rPr>
-              <a:t>,</a:t>
-            </a:r>
-            <a:r>
-              <a:rPr lang="en-US" sz="2600" b="1" i="0" u="none" strike="noStrike" cap="none" dirty="0">
-                <a:solidFill>
-                  <a:schemeClr val="lt1"/>
-                </a:solidFill>
-                <a:latin typeface="Courier New"/>
-                <a:ea typeface="Courier New"/>
-                <a:cs typeface="Courier New"/>
-                <a:sym typeface="Courier New"/>
-              </a:rPr>
-              <a:t> </a:t>
-            </a:r>
-            <a:r>
-              <a:rPr lang="en-US" sz="2600" b="1" i="0" u="none" strike="noStrike" cap="none" dirty="0">
-                <a:solidFill>
-                  <a:srgbClr val="FFFF00"/>
-                </a:solidFill>
-                <a:latin typeface="Courier New"/>
-                <a:ea typeface="Courier New"/>
-                <a:cs typeface="Courier New"/>
-                <a:sym typeface="Courier New"/>
-              </a:rPr>
-              <a:t>sum / </a:t>
-            </a:r>
-            <a:r>
-              <a:rPr lang="en-US" sz="2600" b="1" i="0" u="none" strike="noStrike" cap="none" dirty="0" smtClean="0">
-                <a:solidFill>
-                  <a:srgbClr val="FFFF00"/>
-                </a:solidFill>
-                <a:latin typeface="Courier New"/>
-                <a:ea typeface="Courier New"/>
-                <a:cs typeface="Courier New"/>
-                <a:sym typeface="Courier New"/>
-              </a:rPr>
-              <a:t>count</a:t>
-            </a:r>
-            <a:r>
-              <a:rPr lang="en-US" sz="2600" b="1" i="0" u="none" strike="noStrike" cap="none" dirty="0" smtClean="0">
+              <a:rPr lang="en-US" sz="2600" i="0" u="none" strike="noStrike" cap="none" dirty="0" smtClean="0">
                 <a:solidFill>
                   <a:schemeClr val="bg1"/>
                 </a:solidFill>
@@ -32757,7 +32745,7 @@
               </a:rPr>
               <a:t>)</a:t>
             </a:r>
-            <a:endParaRPr lang="en-US" sz="2600" b="1" i="0" u="none" strike="noStrike" cap="none" dirty="0">
+            <a:endParaRPr lang="en-US" sz="2600" i="0" u="none" strike="noStrike" cap="none" dirty="0">
               <a:solidFill>
                 <a:schemeClr val="bg1"/>
               </a:solidFill>
@@ -33676,7 +33664,7 @@
               <a:buNone/>
             </a:pPr>
             <a:r>
-              <a:rPr lang="en-US" sz="2600" b="1" i="0" u="none" strike="noStrike" cap="none" dirty="0" smtClean="0">
+              <a:rPr lang="en-US" sz="2600" i="0" u="none" strike="noStrike" cap="none" dirty="0" smtClean="0">
                 <a:solidFill>
                   <a:srgbClr val="FFFF00"/>
                 </a:solidFill>
@@ -33688,7 +33676,7 @@
               <a:t>print</a:t>
             </a:r>
             <a:r>
-              <a:rPr lang="en-US" sz="2600" b="1" dirty="0">
+              <a:rPr lang="en-US" sz="2600" dirty="0">
                 <a:solidFill>
                   <a:schemeClr val="bg1"/>
                 </a:solidFill>
@@ -33700,7 +33688,7 @@
               <a:t>(</a:t>
             </a:r>
             <a:r>
-              <a:rPr lang="en-US" sz="2600" b="1" i="0" u="none" strike="noStrike" cap="none" dirty="0" smtClean="0">
+              <a:rPr lang="en-US" sz="2600" i="0" u="none" strike="noStrike" cap="none" dirty="0" smtClean="0">
                 <a:solidFill>
                   <a:srgbClr val="FF7F00"/>
                 </a:solidFill>
@@ -33712,7 +33700,7 @@
               <a:t>'Before</a:t>
             </a:r>
             <a:r>
-              <a:rPr lang="en-US" sz="2600" b="1" dirty="0" smtClean="0">
+              <a:rPr lang="en-US" sz="2600" dirty="0" smtClean="0">
                 <a:solidFill>
                   <a:srgbClr val="FF7F00"/>
                 </a:solidFill>
@@ -33724,7 +33712,7 @@
               <a:t>'</a:t>
             </a:r>
             <a:r>
-              <a:rPr lang="en-US" sz="2600" b="1" dirty="0" smtClean="0">
+              <a:rPr lang="en-US" sz="2600" dirty="0" smtClean="0">
                 <a:solidFill>
                   <a:schemeClr val="bg1"/>
                 </a:solidFill>
@@ -33735,7 +33723,7 @@
               </a:rPr>
               <a:t>)</a:t>
             </a:r>
-            <a:endParaRPr lang="en-US" sz="2600" b="1" dirty="0">
+            <a:endParaRPr lang="en-US" sz="2600" dirty="0">
               <a:solidFill>
                 <a:schemeClr val="bg1"/>
               </a:solidFill>
@@ -33764,7 +33752,7 @@
               <a:buNone/>
             </a:pPr>
             <a:r>
-              <a:rPr lang="en-US" sz="2600" b="1" i="0" u="none" strike="noStrike" cap="none" dirty="0">
+              <a:rPr lang="en-US" sz="2600" i="0" u="none" strike="noStrike" cap="none" dirty="0">
                 <a:solidFill>
                   <a:srgbClr val="FFFF00"/>
                 </a:solidFill>
@@ -33776,7 +33764,7 @@
               <a:t>for</a:t>
             </a:r>
             <a:r>
-              <a:rPr lang="en-US" sz="2600" b="1" i="0" u="none" strike="noStrike" cap="none" dirty="0">
+              <a:rPr lang="en-US" sz="2600" i="0" u="none" strike="noStrike" cap="none" dirty="0">
                 <a:solidFill>
                   <a:srgbClr val="FF00FF"/>
                 </a:solidFill>
@@ -33788,7 +33776,7 @@
               <a:t> value </a:t>
             </a:r>
             <a:r>
-              <a:rPr lang="en-US" sz="2600" b="1" i="0" u="none" strike="noStrike" cap="none" dirty="0">
+              <a:rPr lang="en-US" sz="2600" i="0" u="none" strike="noStrike" cap="none" dirty="0">
                 <a:solidFill>
                   <a:srgbClr val="FFFF00"/>
                 </a:solidFill>
@@ -33800,7 +33788,7 @@
               <a:t>in</a:t>
             </a:r>
             <a:r>
-              <a:rPr lang="en-US" sz="2600" b="1" i="0" u="none" strike="noStrike" cap="none" dirty="0">
+              <a:rPr lang="en-US" sz="2600" i="0" u="none" strike="noStrike" cap="none" dirty="0">
                 <a:solidFill>
                   <a:srgbClr val="FF00FF"/>
                 </a:solidFill>
@@ -33831,7 +33819,7 @@
               <a:buNone/>
             </a:pPr>
             <a:r>
-              <a:rPr lang="en-US" sz="2600" b="1" i="0" u="none" strike="noStrike" cap="none" dirty="0">
+              <a:rPr lang="en-US" sz="2600" i="0" u="none" strike="noStrike" cap="none" dirty="0">
                 <a:solidFill>
                   <a:srgbClr val="00FFFF"/>
                 </a:solidFill>
@@ -33843,7 +33831,7 @@
               <a:t>    </a:t>
             </a:r>
             <a:r>
-              <a:rPr lang="en-US" sz="2600" b="1" i="0" u="none" strike="noStrike" cap="none" dirty="0">
+              <a:rPr lang="en-US" sz="2600" i="0" u="none" strike="noStrike" cap="none" dirty="0">
                 <a:solidFill>
                   <a:srgbClr val="FFFF00"/>
                 </a:solidFill>
@@ -33855,7 +33843,7 @@
               <a:t>if</a:t>
             </a:r>
             <a:r>
-              <a:rPr lang="en-US" sz="2600" b="1" i="0" u="none" strike="noStrike" cap="none" dirty="0">
+              <a:rPr lang="en-US" sz="2600" i="0" u="none" strike="noStrike" cap="none" dirty="0">
                 <a:solidFill>
                   <a:srgbClr val="00FFFF"/>
                 </a:solidFill>
@@ -33867,7 +33855,7 @@
               <a:t> </a:t>
             </a:r>
             <a:r>
-              <a:rPr lang="en-US" sz="2600" b="1" i="0" u="none" strike="noStrike" cap="none" dirty="0">
+              <a:rPr lang="en-US" sz="2600" i="0" u="none" strike="noStrike" cap="none" dirty="0">
                 <a:solidFill>
                   <a:srgbClr val="FF00FF"/>
                 </a:solidFill>
@@ -33879,7 +33867,7 @@
               <a:t>value</a:t>
             </a:r>
             <a:r>
-              <a:rPr lang="en-US" sz="2600" b="1" i="0" u="none" strike="noStrike" cap="none" dirty="0">
+              <a:rPr lang="en-US" sz="2600" i="0" u="none" strike="noStrike" cap="none" dirty="0">
                 <a:solidFill>
                   <a:srgbClr val="00FFFF"/>
                 </a:solidFill>
@@ -33910,7 +33898,7 @@
               <a:buNone/>
             </a:pPr>
             <a:r>
-              <a:rPr lang="en-US" sz="2600" b="1" i="0" u="none" strike="noStrike" cap="none" dirty="0">
+              <a:rPr lang="en-US" sz="2600" i="0" u="none" strike="noStrike" cap="none" dirty="0">
                 <a:solidFill>
                   <a:srgbClr val="00FFFF"/>
                 </a:solidFill>
@@ -33922,7 +33910,7 @@
               <a:t> 	    print 'Large </a:t>
             </a:r>
             <a:r>
-              <a:rPr lang="en-US" sz="2600" b="1" i="0" u="none" strike="noStrike" cap="none" dirty="0" err="1">
+              <a:rPr lang="en-US" sz="2600" i="0" u="none" strike="noStrike" cap="none" dirty="0" err="1">
                 <a:solidFill>
                   <a:srgbClr val="00FFFF"/>
                 </a:solidFill>
@@ -33933,7 +33921,7 @@
               </a:rPr>
               <a:t>number',value</a:t>
             </a:r>
-            <a:endParaRPr lang="en-US" sz="2600" b="1" i="0" u="none" strike="noStrike" cap="none" dirty="0">
+            <a:endParaRPr lang="en-US" sz="2600" i="0" u="none" strike="noStrike" cap="none" dirty="0">
               <a:solidFill>
                 <a:srgbClr val="00FFFF"/>
               </a:solidFill>
@@ -33962,7 +33950,7 @@
               <a:buNone/>
             </a:pPr>
             <a:r>
-              <a:rPr lang="en-US" sz="2600" b="1" i="0" u="none" strike="noStrike" cap="none" dirty="0" smtClean="0">
+              <a:rPr lang="en-US" sz="2600" i="0" u="none" strike="noStrike" cap="none" dirty="0" smtClean="0">
                 <a:solidFill>
                   <a:srgbClr val="FFFF00"/>
                 </a:solidFill>
@@ -33974,7 +33962,7 @@
               <a:t>print</a:t>
             </a:r>
             <a:r>
-              <a:rPr lang="en-US" sz="2600" b="1" dirty="0">
+              <a:rPr lang="en-US" sz="2600" dirty="0">
                 <a:solidFill>
                   <a:schemeClr val="bg1"/>
                 </a:solidFill>
@@ -33986,7 +33974,7 @@
               <a:t>(</a:t>
             </a:r>
             <a:r>
-              <a:rPr lang="en-US" sz="2600" b="1" i="0" u="none" strike="noStrike" cap="none" dirty="0" smtClean="0">
+              <a:rPr lang="en-US" sz="2600" i="0" u="none" strike="noStrike" cap="none" dirty="0" smtClean="0">
                 <a:solidFill>
                   <a:srgbClr val="FF7F00"/>
                 </a:solidFill>
@@ -33998,7 +33986,7 @@
               <a:t>'After'</a:t>
             </a:r>
             <a:r>
-              <a:rPr lang="en-US" sz="2600" b="1" i="0" u="none" strike="noStrike" cap="none" dirty="0" smtClean="0">
+              <a:rPr lang="en-US" sz="2600" i="0" u="none" strike="noStrike" cap="none" dirty="0" smtClean="0">
                 <a:solidFill>
                   <a:schemeClr val="bg1"/>
                 </a:solidFill>
@@ -34009,7 +33997,7 @@
               </a:rPr>
               <a:t>)</a:t>
             </a:r>
-            <a:endParaRPr lang="en-US" sz="2600" b="1" i="0" u="none" strike="noStrike" cap="none" dirty="0">
+            <a:endParaRPr lang="en-US" sz="2600" i="0" u="none" strike="noStrike" cap="none" dirty="0">
               <a:solidFill>
                 <a:schemeClr val="bg1"/>
               </a:solidFill>
@@ -34480,7 +34468,7 @@
               <a:buNone/>
             </a:pPr>
             <a:r>
-              <a:rPr lang="en-US" sz="2600" b="1" i="0" u="none" strike="noStrike" cap="none" dirty="0">
+              <a:rPr lang="en-US" sz="2600" i="0" u="none" strike="noStrike" cap="none" dirty="0">
                 <a:solidFill>
                   <a:srgbClr val="00FF00"/>
                 </a:solidFill>
@@ -34492,7 +34480,7 @@
               <a:t>found = </a:t>
             </a:r>
             <a:r>
-              <a:rPr lang="en-US" sz="2600" b="1" i="0" u="none" strike="noStrike" cap="none" dirty="0">
+              <a:rPr lang="en-US" sz="2600" i="0" u="none" strike="noStrike" cap="none" dirty="0">
                 <a:solidFill>
                   <a:srgbClr val="FFFF00"/>
                 </a:solidFill>
@@ -34523,7 +34511,7 @@
               <a:buNone/>
             </a:pPr>
             <a:r>
-              <a:rPr lang="en-US" sz="2600" b="1" i="0" u="none" strike="noStrike" cap="none" dirty="0" smtClean="0">
+              <a:rPr lang="en-US" sz="2600" i="0" u="none" strike="noStrike" cap="none" dirty="0" smtClean="0">
                 <a:solidFill>
                   <a:srgbClr val="FFFF00"/>
                 </a:solidFill>
@@ -34535,7 +34523,7 @@
               <a:t>print</a:t>
             </a:r>
             <a:r>
-              <a:rPr lang="en-US" sz="2600" b="1" dirty="0">
+              <a:rPr lang="en-US" sz="2600" dirty="0">
                 <a:solidFill>
                   <a:schemeClr val="bg1"/>
                 </a:solidFill>
@@ -34547,7 +34535,7 @@
               <a:t>(</a:t>
             </a:r>
             <a:r>
-              <a:rPr lang="en-US" sz="2600" b="1" i="0" u="none" strike="noStrike" cap="none" dirty="0" smtClean="0">
+              <a:rPr lang="en-US" sz="2600" i="0" u="none" strike="noStrike" cap="none" dirty="0" smtClean="0">
                 <a:solidFill>
                   <a:srgbClr val="FF7F00"/>
                 </a:solidFill>
@@ -34559,7 +34547,7 @@
               <a:t>'Before</a:t>
             </a:r>
             <a:r>
-              <a:rPr lang="en-US" sz="2600" b="1" i="0" u="none" strike="noStrike" cap="none" dirty="0">
+              <a:rPr lang="en-US" sz="2600" i="0" u="none" strike="noStrike" cap="none" dirty="0">
                 <a:solidFill>
                   <a:srgbClr val="FF7F00"/>
                 </a:solidFill>
@@ -34571,7 +34559,7 @@
               <a:t>', </a:t>
             </a:r>
             <a:r>
-              <a:rPr lang="en-US" sz="2600" b="1" i="0" u="none" strike="noStrike" cap="none" dirty="0" smtClean="0">
+              <a:rPr lang="en-US" sz="2600" i="0" u="none" strike="noStrike" cap="none" dirty="0" smtClean="0">
                 <a:solidFill>
                   <a:srgbClr val="00FF00"/>
                 </a:solidFill>
@@ -34583,7 +34571,7 @@
               <a:t>found</a:t>
             </a:r>
             <a:r>
-              <a:rPr lang="en-US" sz="2600" b="1" i="0" u="none" strike="noStrike" cap="none" dirty="0" smtClean="0">
+              <a:rPr lang="en-US" sz="2600" i="0" u="none" strike="noStrike" cap="none" dirty="0" smtClean="0">
                 <a:solidFill>
                   <a:schemeClr val="bg1"/>
                 </a:solidFill>
@@ -34594,7 +34582,7 @@
               </a:rPr>
               <a:t>)</a:t>
             </a:r>
-            <a:endParaRPr lang="en-US" sz="2600" b="1" i="0" u="none" strike="noStrike" cap="none" dirty="0">
+            <a:endParaRPr lang="en-US" sz="2600" i="0" u="none" strike="noStrike" cap="none" dirty="0">
               <a:solidFill>
                 <a:schemeClr val="bg1"/>
               </a:solidFill>
@@ -34623,7 +34611,7 @@
               <a:buNone/>
             </a:pPr>
             <a:r>
-              <a:rPr lang="en-US" sz="2600" b="1" i="0" u="none" strike="noStrike" cap="none" dirty="0">
+              <a:rPr lang="en-US" sz="2600" i="0" u="none" strike="noStrike" cap="none" dirty="0">
                 <a:solidFill>
                   <a:srgbClr val="FFFF00"/>
                 </a:solidFill>
@@ -34635,7 +34623,7 @@
               <a:t>for</a:t>
             </a:r>
             <a:r>
-              <a:rPr lang="en-US" sz="2600" b="1" i="0" u="none" strike="noStrike" cap="none" dirty="0">
+              <a:rPr lang="en-US" sz="2600" i="0" u="none" strike="noStrike" cap="none" dirty="0">
                 <a:solidFill>
                   <a:srgbClr val="FF00FF"/>
                 </a:solidFill>
@@ -34647,7 +34635,7 @@
               <a:t> value </a:t>
             </a:r>
             <a:r>
-              <a:rPr lang="en-US" sz="2600" b="1" i="0" u="none" strike="noStrike" cap="none" dirty="0">
+              <a:rPr lang="en-US" sz="2600" i="0" u="none" strike="noStrike" cap="none" dirty="0">
                 <a:solidFill>
                   <a:srgbClr val="FFFF00"/>
                 </a:solidFill>
@@ -34659,7 +34647,7 @@
               <a:t>in</a:t>
             </a:r>
             <a:r>
-              <a:rPr lang="en-US" sz="2600" b="1" i="0" u="none" strike="noStrike" cap="none" dirty="0">
+              <a:rPr lang="en-US" sz="2600" i="0" u="none" strike="noStrike" cap="none" dirty="0">
                 <a:solidFill>
                   <a:srgbClr val="FF00FF"/>
                 </a:solidFill>
@@ -34690,7 +34678,7 @@
               <a:buNone/>
             </a:pPr>
             <a:r>
-              <a:rPr lang="en-US" sz="2600" b="1" i="0" u="none" strike="noStrike" cap="none" dirty="0">
+              <a:rPr lang="en-US" sz="2600" i="0" u="none" strike="noStrike" cap="none" dirty="0">
                 <a:solidFill>
                   <a:srgbClr val="FF00FF"/>
                 </a:solidFill>
@@ -34702,7 +34690,7 @@
               <a:t>   </a:t>
             </a:r>
             <a:r>
-              <a:rPr lang="en-US" sz="2600" b="1" i="0" u="none" strike="noStrike" cap="none" dirty="0">
+              <a:rPr lang="en-US" sz="2600" i="0" u="none" strike="noStrike" cap="none" dirty="0">
                 <a:solidFill>
                   <a:srgbClr val="FFFF00"/>
                 </a:solidFill>
@@ -34714,7 +34702,7 @@
               <a:t>if</a:t>
             </a:r>
             <a:r>
-              <a:rPr lang="en-US" sz="2600" b="1" i="0" u="none" strike="noStrike" cap="none" dirty="0">
+              <a:rPr lang="en-US" sz="2600" i="0" u="none" strike="noStrike" cap="none" dirty="0">
                 <a:solidFill>
                   <a:srgbClr val="FF00FF"/>
                 </a:solidFill>
@@ -34745,7 +34733,7 @@
               <a:buNone/>
             </a:pPr>
             <a:r>
-              <a:rPr lang="en-US" sz="2600" b="1" i="0" u="none" strike="noStrike" cap="none" dirty="0">
+              <a:rPr lang="en-US" sz="2600" i="0" u="none" strike="noStrike" cap="none" dirty="0">
                 <a:solidFill>
                   <a:srgbClr val="FF00FF"/>
                 </a:solidFill>
@@ -34757,7 +34745,7 @@
               <a:t> </a:t>
             </a:r>
             <a:r>
-              <a:rPr lang="en-US" sz="2600" b="1" i="0" u="none" strike="noStrike" cap="none" dirty="0">
+              <a:rPr lang="en-US" sz="2600" i="0" u="none" strike="noStrike" cap="none" dirty="0">
                 <a:solidFill>
                   <a:srgbClr val="00FF00"/>
                 </a:solidFill>
@@ -34769,7 +34757,7 @@
               <a:t>  </a:t>
             </a:r>
             <a:r>
-              <a:rPr lang="en-US" sz="2600" b="1" i="0" u="none" strike="noStrike" cap="none" dirty="0" smtClean="0">
+              <a:rPr lang="en-US" sz="2600" i="0" u="none" strike="noStrike" cap="none" dirty="0" smtClean="0">
                 <a:solidFill>
                   <a:srgbClr val="00FF00"/>
                 </a:solidFill>
@@ -34781,7 +34769,7 @@
               <a:t>    found </a:t>
             </a:r>
             <a:r>
-              <a:rPr lang="en-US" sz="2600" b="1" i="0" u="none" strike="noStrike" cap="none" dirty="0">
+              <a:rPr lang="en-US" sz="2600" i="0" u="none" strike="noStrike" cap="none" dirty="0">
                 <a:solidFill>
                   <a:srgbClr val="00FF00"/>
                 </a:solidFill>
@@ -34793,7 +34781,7 @@
               <a:t>= </a:t>
             </a:r>
             <a:r>
-              <a:rPr lang="en-US" sz="2600" b="1" i="0" u="none" strike="noStrike" cap="none" dirty="0">
+              <a:rPr lang="en-US" sz="2600" i="0" u="none" strike="noStrike" cap="none" dirty="0">
                 <a:solidFill>
                   <a:srgbClr val="FFFF00"/>
                 </a:solidFill>
@@ -34824,7 +34812,7 @@
               <a:buNone/>
             </a:pPr>
             <a:r>
-              <a:rPr lang="en-US" sz="2600" b="1" i="0" u="none" strike="noStrike" cap="none" dirty="0">
+              <a:rPr lang="en-US" sz="2600" i="0" u="none" strike="noStrike" cap="none" dirty="0">
                 <a:solidFill>
                   <a:srgbClr val="FF00FF"/>
                 </a:solidFill>
@@ -34836,7 +34824,7 @@
               <a:t>   </a:t>
             </a:r>
             <a:r>
-              <a:rPr lang="en-US" sz="2600" b="1" i="0" u="none" strike="noStrike" cap="none" dirty="0" smtClean="0">
+              <a:rPr lang="en-US" sz="2600" i="0" u="none" strike="noStrike" cap="none" dirty="0" smtClean="0">
                 <a:solidFill>
                   <a:srgbClr val="FFFF00"/>
                 </a:solidFill>
@@ -34848,7 +34836,7 @@
               <a:t>print</a:t>
             </a:r>
             <a:r>
-              <a:rPr lang="en-US" sz="2600" b="1" dirty="0" smtClean="0">
+              <a:rPr lang="en-US" sz="2600" dirty="0" smtClean="0">
                 <a:solidFill>
                   <a:schemeClr val="bg1"/>
                 </a:solidFill>
@@ -34860,7 +34848,7 @@
               <a:t>(</a:t>
             </a:r>
             <a:r>
-              <a:rPr lang="en-US" sz="2600" b="1" i="0" u="none" strike="noStrike" cap="none" dirty="0" smtClean="0">
+              <a:rPr lang="en-US" sz="2600" i="0" u="none" strike="noStrike" cap="none" dirty="0" smtClean="0">
                 <a:solidFill>
                   <a:srgbClr val="00FF00"/>
                 </a:solidFill>
@@ -34872,7 +34860,7 @@
               <a:t>found</a:t>
             </a:r>
             <a:r>
-              <a:rPr lang="en-US" sz="2600" b="1" i="0" u="none" strike="noStrike" cap="none" dirty="0">
+              <a:rPr lang="en-US" sz="2600" i="0" u="none" strike="noStrike" cap="none" dirty="0">
                 <a:solidFill>
                   <a:srgbClr val="FF00FF"/>
                 </a:solidFill>
@@ -34884,7 +34872,7 @@
               <a:t>, </a:t>
             </a:r>
             <a:r>
-              <a:rPr lang="en-US" sz="2600" b="1" i="0" u="none" strike="noStrike" cap="none" dirty="0" smtClean="0">
+              <a:rPr lang="en-US" sz="2600" i="0" u="none" strike="noStrike" cap="none" dirty="0" smtClean="0">
                 <a:solidFill>
                   <a:srgbClr val="FF00FF"/>
                 </a:solidFill>
@@ -34896,7 +34884,7 @@
               <a:t>value</a:t>
             </a:r>
             <a:r>
-              <a:rPr lang="en-US" sz="2600" b="1" i="0" u="none" strike="noStrike" cap="none" dirty="0" smtClean="0">
+              <a:rPr lang="en-US" sz="2600" i="0" u="none" strike="noStrike" cap="none" dirty="0" smtClean="0">
                 <a:solidFill>
                   <a:schemeClr val="bg1"/>
                 </a:solidFill>
@@ -34907,7 +34895,7 @@
               </a:rPr>
               <a:t>)</a:t>
             </a:r>
-            <a:endParaRPr lang="en-US" sz="2600" b="1" i="0" u="none" strike="noStrike" cap="none" dirty="0">
+            <a:endParaRPr lang="en-US" sz="2600" i="0" u="none" strike="noStrike" cap="none" dirty="0">
               <a:solidFill>
                 <a:schemeClr val="bg1"/>
               </a:solidFill>
@@ -34936,7 +34924,7 @@
               <a:buNone/>
             </a:pPr>
             <a:r>
-              <a:rPr lang="en-US" sz="2600" b="1" i="0" u="none" strike="noStrike" cap="none" dirty="0" smtClean="0">
+              <a:rPr lang="en-US" sz="2600" i="0" u="none" strike="noStrike" cap="none" dirty="0" smtClean="0">
                 <a:solidFill>
                   <a:srgbClr val="FFFF00"/>
                 </a:solidFill>
@@ -34948,7 +34936,7 @@
               <a:t>print</a:t>
             </a:r>
             <a:r>
-              <a:rPr lang="en-US" sz="2600" b="1" dirty="0">
+              <a:rPr lang="en-US" sz="2600" dirty="0">
                 <a:solidFill>
                   <a:schemeClr val="bg1"/>
                 </a:solidFill>
@@ -34960,7 +34948,7 @@
               <a:t>(</a:t>
             </a:r>
             <a:r>
-              <a:rPr lang="en-US" sz="2600" b="1" i="0" u="none" strike="noStrike" cap="none" dirty="0" smtClean="0">
+              <a:rPr lang="en-US" sz="2600" i="0" u="none" strike="noStrike" cap="none" dirty="0" smtClean="0">
                 <a:solidFill>
                   <a:srgbClr val="FF7F00"/>
                 </a:solidFill>
@@ -34972,7 +34960,7 @@
               <a:t>'After</a:t>
             </a:r>
             <a:r>
-              <a:rPr lang="en-US" sz="2600" b="1" i="0" u="none" strike="noStrike" cap="none" dirty="0">
+              <a:rPr lang="en-US" sz="2600" i="0" u="none" strike="noStrike" cap="none" dirty="0">
                 <a:solidFill>
                   <a:srgbClr val="FF7F00"/>
                 </a:solidFill>
@@ -34984,7 +34972,7 @@
               <a:t>', </a:t>
             </a:r>
             <a:r>
-              <a:rPr lang="en-US" sz="2600" b="1" i="0" u="none" strike="noStrike" cap="none" dirty="0" smtClean="0">
+              <a:rPr lang="en-US" sz="2600" i="0" u="none" strike="noStrike" cap="none" dirty="0" smtClean="0">
                 <a:solidFill>
                   <a:srgbClr val="00FF00"/>
                 </a:solidFill>
@@ -34996,7 +34984,7 @@
               <a:t>found</a:t>
             </a:r>
             <a:r>
-              <a:rPr lang="en-US" sz="2600" b="1" i="0" u="none" strike="noStrike" cap="none" dirty="0" smtClean="0">
+              <a:rPr lang="en-US" sz="2600" i="0" u="none" strike="noStrike" cap="none" dirty="0" smtClean="0">
                 <a:solidFill>
                   <a:schemeClr val="bg1"/>
                 </a:solidFill>
@@ -35007,7 +34995,7 @@
               </a:rPr>
               <a:t>)</a:t>
             </a:r>
-            <a:endParaRPr lang="en-US" sz="2600" b="1" i="0" u="none" strike="noStrike" cap="none" dirty="0">
+            <a:endParaRPr lang="en-US" sz="2600" i="0" u="none" strike="noStrike" cap="none" dirty="0">
               <a:solidFill>
                 <a:schemeClr val="bg1"/>
               </a:solidFill>
@@ -35770,7 +35758,7 @@
               <a:buNone/>
             </a:pPr>
             <a:r>
-              <a:rPr lang="en-US" sz="2600" b="1" dirty="0" err="1">
+              <a:rPr lang="en-US" sz="2600" dirty="0" err="1">
                 <a:solidFill>
                   <a:srgbClr val="00FF00"/>
                 </a:solidFill>
@@ -35782,7 +35770,7 @@
               <a:t>largest_so_far</a:t>
             </a:r>
             <a:r>
-              <a:rPr lang="en-US" sz="2600" b="1" dirty="0">
+              <a:rPr lang="en-US" sz="2600" dirty="0">
                 <a:solidFill>
                   <a:srgbClr val="00FF00"/>
                 </a:solidFill>
@@ -35813,7 +35801,7 @@
               <a:buNone/>
             </a:pPr>
             <a:r>
-              <a:rPr lang="en-US" sz="2600" b="1" i="0" u="none" strike="noStrike" cap="none" dirty="0" smtClean="0">
+              <a:rPr lang="en-US" sz="2600" i="0" u="none" strike="noStrike" cap="none" dirty="0" smtClean="0">
                 <a:solidFill>
                   <a:srgbClr val="FFFF00"/>
                 </a:solidFill>
@@ -35825,7 +35813,7 @@
               <a:t>print</a:t>
             </a:r>
             <a:r>
-              <a:rPr lang="en-US" sz="2600" b="1" dirty="0">
+              <a:rPr lang="en-US" sz="2600" dirty="0">
                 <a:solidFill>
                   <a:schemeClr val="bg1"/>
                 </a:solidFill>
@@ -35837,7 +35825,7 @@
               <a:t>(</a:t>
             </a:r>
             <a:r>
-              <a:rPr lang="en-US" sz="2600" b="1" i="0" u="none" strike="noStrike" cap="none" dirty="0" smtClean="0">
+              <a:rPr lang="en-US" sz="2600" i="0" u="none" strike="noStrike" cap="none" dirty="0" smtClean="0">
                 <a:solidFill>
                   <a:srgbClr val="FF7F00"/>
                 </a:solidFill>
@@ -35849,7 +35837,7 @@
               <a:t>'Before</a:t>
             </a:r>
             <a:r>
-              <a:rPr lang="en-US" sz="2600" b="1" i="0" u="none" strike="noStrike" cap="none" dirty="0">
+              <a:rPr lang="en-US" sz="2600" i="0" u="none" strike="noStrike" cap="none" dirty="0">
                 <a:solidFill>
                   <a:srgbClr val="FF7F00"/>
                 </a:solidFill>
@@ -35861,7 +35849,7 @@
               <a:t>', </a:t>
             </a:r>
             <a:r>
-              <a:rPr lang="en-US" sz="2600" b="1" dirty="0" err="1" smtClean="0">
+              <a:rPr lang="en-US" sz="2600" dirty="0" err="1" smtClean="0">
                 <a:solidFill>
                   <a:srgbClr val="00FF00"/>
                 </a:solidFill>
@@ -35873,7 +35861,7 @@
               <a:t>largest_so_far</a:t>
             </a:r>
             <a:r>
-              <a:rPr lang="en-US" sz="2600" b="1" dirty="0" smtClean="0">
+              <a:rPr lang="en-US" sz="2600" dirty="0" smtClean="0">
                 <a:solidFill>
                   <a:schemeClr val="bg1"/>
                 </a:solidFill>
@@ -35884,7 +35872,7 @@
               </a:rPr>
               <a:t>)</a:t>
             </a:r>
-            <a:endParaRPr lang="en-US" sz="2600" b="1" dirty="0">
+            <a:endParaRPr lang="en-US" sz="2600" dirty="0">
               <a:solidFill>
                 <a:schemeClr val="bg1"/>
               </a:solidFill>
@@ -35913,7 +35901,7 @@
               <a:buNone/>
             </a:pPr>
             <a:r>
-              <a:rPr lang="en-US" sz="2600" b="1" i="0" u="none" strike="noStrike" cap="none" dirty="0">
+              <a:rPr lang="en-US" sz="2600" i="0" u="none" strike="noStrike" cap="none" dirty="0">
                 <a:solidFill>
                   <a:srgbClr val="FFFF00"/>
                 </a:solidFill>
@@ -35925,7 +35913,7 @@
               <a:t>for</a:t>
             </a:r>
             <a:r>
-              <a:rPr lang="en-US" sz="2600" b="1" i="0" u="none" strike="noStrike" cap="none" dirty="0">
+              <a:rPr lang="en-US" sz="2600" i="0" u="none" strike="noStrike" cap="none" dirty="0">
                 <a:solidFill>
                   <a:srgbClr val="FF00FF"/>
                 </a:solidFill>
@@ -35937,7 +35925,7 @@
               <a:t> </a:t>
             </a:r>
             <a:r>
-              <a:rPr lang="en-US" sz="2600" b="1" i="0" u="none" strike="noStrike" cap="none" dirty="0" err="1">
+              <a:rPr lang="en-US" sz="2600" i="0" u="none" strike="noStrike" cap="none" dirty="0" err="1">
                 <a:solidFill>
                   <a:srgbClr val="FF00FF"/>
                 </a:solidFill>
@@ -35949,7 +35937,7 @@
               <a:t>th</a:t>
             </a:r>
             <a:r>
-              <a:rPr lang="en-US" sz="2600" b="1" dirty="0" err="1">
+              <a:rPr lang="en-US" sz="2600" dirty="0" err="1">
                 <a:solidFill>
                   <a:srgbClr val="FF00FF"/>
                 </a:solidFill>
@@ -35961,7 +35949,7 @@
               <a:t>e_num</a:t>
             </a:r>
             <a:r>
-              <a:rPr lang="en-US" sz="2600" b="1" i="0" u="none" strike="noStrike" cap="none" dirty="0">
+              <a:rPr lang="en-US" sz="2600" i="0" u="none" strike="noStrike" cap="none" dirty="0">
                 <a:solidFill>
                   <a:srgbClr val="FF00FF"/>
                 </a:solidFill>
@@ -35973,7 +35961,7 @@
               <a:t> </a:t>
             </a:r>
             <a:r>
-              <a:rPr lang="en-US" sz="2600" b="1" i="0" u="none" strike="noStrike" cap="none" dirty="0">
+              <a:rPr lang="en-US" sz="2600" i="0" u="none" strike="noStrike" cap="none" dirty="0">
                 <a:solidFill>
                   <a:srgbClr val="FFFF00"/>
                 </a:solidFill>
@@ -35985,7 +35973,7 @@
               <a:t>in</a:t>
             </a:r>
             <a:r>
-              <a:rPr lang="en-US" sz="2600" b="1" i="0" u="none" strike="noStrike" cap="none" dirty="0">
+              <a:rPr lang="en-US" sz="2600" i="0" u="none" strike="noStrike" cap="none" dirty="0">
                 <a:solidFill>
                   <a:srgbClr val="FF00FF"/>
                 </a:solidFill>
@@ -36016,7 +36004,7 @@
               <a:buNone/>
             </a:pPr>
             <a:r>
-              <a:rPr lang="en-US" sz="2600" b="1" dirty="0">
+              <a:rPr lang="en-US" sz="2600" dirty="0">
                 <a:solidFill>
                   <a:srgbClr val="FF00FF"/>
                 </a:solidFill>
@@ -36028,7 +36016,7 @@
               <a:t>   if </a:t>
             </a:r>
             <a:r>
-              <a:rPr lang="en-US" sz="2600" b="1" dirty="0" err="1">
+              <a:rPr lang="en-US" sz="2600" dirty="0" err="1">
                 <a:solidFill>
                   <a:srgbClr val="FF00FF"/>
                 </a:solidFill>
@@ -36040,7 +36028,7 @@
               <a:t>the_num</a:t>
             </a:r>
             <a:r>
-              <a:rPr lang="en-US" sz="2600" b="1" dirty="0">
+              <a:rPr lang="en-US" sz="2600" dirty="0">
                 <a:solidFill>
                   <a:srgbClr val="FF00FF"/>
                 </a:solidFill>
@@ -36052,7 +36040,7 @@
               <a:t> &gt; </a:t>
             </a:r>
             <a:r>
-              <a:rPr lang="en-US" sz="2600" b="1" dirty="0" err="1">
+              <a:rPr lang="en-US" sz="2600" dirty="0" err="1">
                 <a:solidFill>
                   <a:srgbClr val="00FF00"/>
                 </a:solidFill>
@@ -36064,7 +36052,7 @@
               <a:t>largest_so_far</a:t>
             </a:r>
             <a:r>
-              <a:rPr lang="en-US" sz="2600" b="1" dirty="0">
+              <a:rPr lang="en-US" sz="2600" dirty="0">
                 <a:solidFill>
                   <a:srgbClr val="FF00FF"/>
                 </a:solidFill>
@@ -36095,7 +36083,7 @@
               <a:buNone/>
             </a:pPr>
             <a:r>
-              <a:rPr lang="en-US" sz="2600" b="1" i="0" u="none" strike="noStrike" cap="none" dirty="0">
+              <a:rPr lang="en-US" sz="2600" i="0" u="none" strike="noStrike" cap="none" dirty="0">
                 <a:solidFill>
                   <a:srgbClr val="FF00FF"/>
                 </a:solidFill>
@@ -36107,7 +36095,7 @@
               <a:t>      </a:t>
             </a:r>
             <a:r>
-              <a:rPr lang="en-US" sz="2600" b="1" dirty="0" err="1">
+              <a:rPr lang="en-US" sz="2600" dirty="0" err="1">
                 <a:solidFill>
                   <a:srgbClr val="00FF00"/>
                 </a:solidFill>
@@ -36119,7 +36107,7 @@
               <a:t>largest_so_far</a:t>
             </a:r>
             <a:r>
-              <a:rPr lang="en-US" sz="2600" b="1" dirty="0">
+              <a:rPr lang="en-US" sz="2600" dirty="0">
                 <a:solidFill>
                   <a:srgbClr val="00FF00"/>
                 </a:solidFill>
@@ -36131,7 +36119,7 @@
               <a:t> = </a:t>
             </a:r>
             <a:r>
-              <a:rPr lang="en-US" sz="2600" b="1" dirty="0" err="1">
+              <a:rPr lang="en-US" sz="2600" dirty="0" err="1">
                 <a:solidFill>
                   <a:srgbClr val="FF00FF"/>
                 </a:solidFill>
@@ -36142,7 +36130,7 @@
               </a:rPr>
               <a:t>the_num</a:t>
             </a:r>
-            <a:endParaRPr lang="en-US" sz="2600" b="1" dirty="0">
+            <a:endParaRPr lang="en-US" sz="2600" dirty="0">
               <a:solidFill>
                 <a:srgbClr val="FF00FF"/>
               </a:solidFill>
@@ -36171,7 +36159,7 @@
               <a:buNone/>
             </a:pPr>
             <a:r>
-              <a:rPr lang="en-US" sz="2600" b="1" i="0" u="none" strike="noStrike" cap="none" dirty="0">
+              <a:rPr lang="en-US" sz="2600" i="0" u="none" strike="noStrike" cap="none" dirty="0">
                 <a:solidFill>
                   <a:srgbClr val="FF00FF"/>
                 </a:solidFill>
@@ -36183,7 +36171,7 @@
               <a:t>   </a:t>
             </a:r>
             <a:r>
-              <a:rPr lang="en-US" sz="2600" b="1" i="0" u="none" strike="noStrike" cap="none" dirty="0" smtClean="0">
+              <a:rPr lang="en-US" sz="2600" i="0" u="none" strike="noStrike" cap="none" dirty="0" smtClean="0">
                 <a:solidFill>
                   <a:srgbClr val="FFFF00"/>
                 </a:solidFill>
@@ -36195,7 +36183,7 @@
               <a:t>print</a:t>
             </a:r>
             <a:r>
-              <a:rPr lang="en-US" sz="2600" b="1" dirty="0">
+              <a:rPr lang="en-US" sz="2600" dirty="0">
                 <a:solidFill>
                   <a:schemeClr val="bg1"/>
                 </a:solidFill>
@@ -36207,7 +36195,7 @@
               <a:t>(</a:t>
             </a:r>
             <a:r>
-              <a:rPr lang="en-US" sz="2600" b="1" dirty="0" err="1" smtClean="0">
+              <a:rPr lang="en-US" sz="2600" dirty="0" err="1" smtClean="0">
                 <a:solidFill>
                   <a:srgbClr val="00FF00"/>
                 </a:solidFill>
@@ -36219,7 +36207,7 @@
               <a:t>largest_so_far</a:t>
             </a:r>
             <a:r>
-              <a:rPr lang="en-US" sz="2600" b="1" dirty="0">
+              <a:rPr lang="en-US" sz="2600" dirty="0">
                 <a:solidFill>
                   <a:srgbClr val="00FF00"/>
                 </a:solidFill>
@@ -36231,7 +36219,7 @@
               <a:t>,</a:t>
             </a:r>
             <a:r>
-              <a:rPr lang="en-US" sz="2600" b="1" i="0" u="none" strike="noStrike" cap="none" dirty="0">
+              <a:rPr lang="en-US" sz="2600" i="0" u="none" strike="noStrike" cap="none" dirty="0">
                 <a:solidFill>
                   <a:srgbClr val="FF00FF"/>
                 </a:solidFill>
@@ -36243,7 +36231,7 @@
               <a:t> </a:t>
             </a:r>
             <a:r>
-              <a:rPr lang="en-US" sz="2600" b="1" dirty="0" err="1" smtClean="0">
+              <a:rPr lang="en-US" sz="2600" dirty="0" err="1" smtClean="0">
                 <a:solidFill>
                   <a:srgbClr val="FF00FF"/>
                 </a:solidFill>
@@ -36255,7 +36243,7 @@
               <a:t>the_num</a:t>
             </a:r>
             <a:r>
-              <a:rPr lang="en-US" sz="2600" b="1" dirty="0" smtClean="0">
+              <a:rPr lang="en-US" sz="2600" dirty="0" smtClean="0">
                 <a:solidFill>
                   <a:schemeClr val="bg1"/>
                 </a:solidFill>
@@ -36266,7 +36254,7 @@
               </a:rPr>
               <a:t>)</a:t>
             </a:r>
-            <a:endParaRPr lang="en-US" sz="2600" b="1" dirty="0">
+            <a:endParaRPr lang="en-US" sz="2600" dirty="0">
               <a:solidFill>
                 <a:schemeClr val="bg1"/>
               </a:solidFill>
@@ -36293,7 +36281,7 @@
               <a:buFont typeface="Cabin"/>
               <a:buNone/>
             </a:pPr>
-            <a:endParaRPr sz="2600" b="1" dirty="0">
+            <a:endParaRPr sz="2600" dirty="0">
               <a:solidFill>
                 <a:srgbClr val="FF00FF"/>
               </a:solidFill>
@@ -36322,7 +36310,7 @@
               <a:buNone/>
             </a:pPr>
             <a:r>
-              <a:rPr lang="en-US" sz="2600" b="1" i="0" u="none" strike="noStrike" cap="none" dirty="0" smtClean="0">
+              <a:rPr lang="en-US" sz="2600" i="0" u="none" strike="noStrike" cap="none" dirty="0" smtClean="0">
                 <a:solidFill>
                   <a:srgbClr val="FFFF00"/>
                 </a:solidFill>
@@ -36334,7 +36322,7 @@
               <a:t>print</a:t>
             </a:r>
             <a:r>
-              <a:rPr lang="en-US" sz="2600" b="1" dirty="0">
+              <a:rPr lang="en-US" sz="2600" dirty="0">
                 <a:solidFill>
                   <a:schemeClr val="bg1"/>
                 </a:solidFill>
@@ -36346,7 +36334,7 @@
               <a:t>(</a:t>
             </a:r>
             <a:r>
-              <a:rPr lang="en-US" sz="2600" b="1" i="0" u="none" strike="noStrike" cap="none" dirty="0" smtClean="0">
+              <a:rPr lang="en-US" sz="2600" i="0" u="none" strike="noStrike" cap="none" dirty="0" smtClean="0">
                 <a:solidFill>
                   <a:srgbClr val="FF7F00"/>
                 </a:solidFill>
@@ -36358,7 +36346,7 @@
               <a:t>'After</a:t>
             </a:r>
             <a:r>
-              <a:rPr lang="en-US" sz="2600" b="1" i="0" u="none" strike="noStrike" cap="none" dirty="0">
+              <a:rPr lang="en-US" sz="2600" i="0" u="none" strike="noStrike" cap="none" dirty="0">
                 <a:solidFill>
                   <a:srgbClr val="FF7F00"/>
                 </a:solidFill>
@@ -36370,7 +36358,7 @@
               <a:t>', </a:t>
             </a:r>
             <a:r>
-              <a:rPr lang="en-US" sz="2600" b="1" dirty="0" err="1" smtClean="0">
+              <a:rPr lang="en-US" sz="2600" dirty="0" err="1" smtClean="0">
                 <a:solidFill>
                   <a:srgbClr val="00FF00"/>
                 </a:solidFill>
@@ -36382,7 +36370,7 @@
               <a:t>largest_so_far</a:t>
             </a:r>
             <a:r>
-              <a:rPr lang="en-US" sz="2600" b="1" dirty="0" smtClean="0">
+              <a:rPr lang="en-US" sz="2600" dirty="0" smtClean="0">
                 <a:solidFill>
                   <a:schemeClr val="bg1"/>
                 </a:solidFill>
@@ -36393,7 +36381,7 @@
               </a:rPr>
               <a:t>)</a:t>
             </a:r>
-            <a:endParaRPr lang="en-US" sz="2600" b="1" dirty="0">
+            <a:endParaRPr lang="en-US" sz="2600" dirty="0">
               <a:solidFill>
                 <a:schemeClr val="bg1"/>
               </a:solidFill>
@@ -37072,7 +37060,7 @@
               <a:buNone/>
             </a:pPr>
             <a:r>
-              <a:rPr lang="en-US" sz="2600" b="1" dirty="0" err="1">
+              <a:rPr lang="en-US" sz="2600" dirty="0" err="1">
                 <a:solidFill>
                   <a:srgbClr val="00FF00"/>
                 </a:solidFill>
@@ -37084,7 +37072,7 @@
               <a:t>smallest_so_far</a:t>
             </a:r>
             <a:r>
-              <a:rPr lang="en-US" sz="2600" b="1" dirty="0">
+              <a:rPr lang="en-US" sz="2600" dirty="0">
                 <a:solidFill>
                   <a:srgbClr val="00FF00"/>
                 </a:solidFill>
@@ -37115,7 +37103,7 @@
               <a:buNone/>
             </a:pPr>
             <a:r>
-              <a:rPr lang="en-US" sz="2600" b="1" i="0" u="none" strike="noStrike" cap="none" dirty="0" smtClean="0">
+              <a:rPr lang="en-US" sz="2600" i="0" u="none" strike="noStrike" cap="none" dirty="0" smtClean="0">
                 <a:solidFill>
                   <a:srgbClr val="FFFF00"/>
                 </a:solidFill>
@@ -37127,7 +37115,7 @@
               <a:t>print</a:t>
             </a:r>
             <a:r>
-              <a:rPr lang="en-US" sz="2600" b="1" dirty="0">
+              <a:rPr lang="en-US" sz="2600" dirty="0">
                 <a:solidFill>
                   <a:schemeClr val="bg1"/>
                 </a:solidFill>
@@ -37139,7 +37127,7 @@
               <a:t>(</a:t>
             </a:r>
             <a:r>
-              <a:rPr lang="en-US" sz="2600" b="1" i="0" u="none" strike="noStrike" cap="none" dirty="0" smtClean="0">
+              <a:rPr lang="en-US" sz="2600" i="0" u="none" strike="noStrike" cap="none" dirty="0" smtClean="0">
                 <a:solidFill>
                   <a:srgbClr val="FF7F00"/>
                 </a:solidFill>
@@ -37151,7 +37139,7 @@
               <a:t>'Before</a:t>
             </a:r>
             <a:r>
-              <a:rPr lang="en-US" sz="2600" b="1" i="0" u="none" strike="noStrike" cap="none" dirty="0">
+              <a:rPr lang="en-US" sz="2600" i="0" u="none" strike="noStrike" cap="none" dirty="0">
                 <a:solidFill>
                   <a:srgbClr val="FF7F00"/>
                 </a:solidFill>
@@ -37163,7 +37151,7 @@
               <a:t>', </a:t>
             </a:r>
             <a:r>
-              <a:rPr lang="en-US" sz="2600" b="1" dirty="0" err="1" smtClean="0">
+              <a:rPr lang="en-US" sz="2600" dirty="0" err="1" smtClean="0">
                 <a:solidFill>
                   <a:srgbClr val="00FF00"/>
                 </a:solidFill>
@@ -37175,7 +37163,7 @@
               <a:t>smallest_so_far</a:t>
             </a:r>
             <a:r>
-              <a:rPr lang="en-US" sz="2600" b="1" dirty="0" smtClean="0">
+              <a:rPr lang="en-US" sz="2600" dirty="0" smtClean="0">
                 <a:solidFill>
                   <a:schemeClr val="bg1"/>
                 </a:solidFill>
@@ -37186,7 +37174,7 @@
               </a:rPr>
               <a:t>)</a:t>
             </a:r>
-            <a:endParaRPr lang="en-US" sz="2600" b="1" dirty="0">
+            <a:endParaRPr lang="en-US" sz="2600" dirty="0">
               <a:solidFill>
                 <a:schemeClr val="bg1"/>
               </a:solidFill>
@@ -37215,7 +37203,7 @@
               <a:buNone/>
             </a:pPr>
             <a:r>
-              <a:rPr lang="en-US" sz="2600" b="1" i="0" u="none" strike="noStrike" cap="none" dirty="0">
+              <a:rPr lang="en-US" sz="2600" i="0" u="none" strike="noStrike" cap="none" dirty="0">
                 <a:solidFill>
                   <a:srgbClr val="FFFF00"/>
                 </a:solidFill>
@@ -37227,7 +37215,7 @@
               <a:t>for</a:t>
             </a:r>
             <a:r>
-              <a:rPr lang="en-US" sz="2600" b="1" i="0" u="none" strike="noStrike" cap="none" dirty="0">
+              <a:rPr lang="en-US" sz="2600" i="0" u="none" strike="noStrike" cap="none" dirty="0">
                 <a:solidFill>
                   <a:srgbClr val="FF00FF"/>
                 </a:solidFill>
@@ -37239,7 +37227,7 @@
               <a:t> </a:t>
             </a:r>
             <a:r>
-              <a:rPr lang="en-US" sz="2600" b="1" i="0" u="none" strike="noStrike" cap="none" dirty="0" err="1">
+              <a:rPr lang="en-US" sz="2600" i="0" u="none" strike="noStrike" cap="none" dirty="0" err="1">
                 <a:solidFill>
                   <a:srgbClr val="FF00FF"/>
                 </a:solidFill>
@@ -37251,7 +37239,7 @@
               <a:t>th</a:t>
             </a:r>
             <a:r>
-              <a:rPr lang="en-US" sz="2600" b="1" dirty="0" err="1">
+              <a:rPr lang="en-US" sz="2600" dirty="0" err="1">
                 <a:solidFill>
                   <a:srgbClr val="FF00FF"/>
                 </a:solidFill>
@@ -37263,7 +37251,7 @@
               <a:t>e_num</a:t>
             </a:r>
             <a:r>
-              <a:rPr lang="en-US" sz="2600" b="1" i="0" u="none" strike="noStrike" cap="none" dirty="0">
+              <a:rPr lang="en-US" sz="2600" i="0" u="none" strike="noStrike" cap="none" dirty="0">
                 <a:solidFill>
                   <a:srgbClr val="FF00FF"/>
                 </a:solidFill>
@@ -37275,7 +37263,7 @@
               <a:t> </a:t>
             </a:r>
             <a:r>
-              <a:rPr lang="en-US" sz="2600" b="1" i="0" u="none" strike="noStrike" cap="none" dirty="0">
+              <a:rPr lang="en-US" sz="2600" i="0" u="none" strike="noStrike" cap="none" dirty="0">
                 <a:solidFill>
                   <a:srgbClr val="FFFF00"/>
                 </a:solidFill>
@@ -37287,7 +37275,7 @@
               <a:t>in</a:t>
             </a:r>
             <a:r>
-              <a:rPr lang="en-US" sz="2600" b="1" i="0" u="none" strike="noStrike" cap="none" dirty="0">
+              <a:rPr lang="en-US" sz="2600" i="0" u="none" strike="noStrike" cap="none" dirty="0">
                 <a:solidFill>
                   <a:srgbClr val="FF00FF"/>
                 </a:solidFill>
@@ -37318,7 +37306,7 @@
               <a:buNone/>
             </a:pPr>
             <a:r>
-              <a:rPr lang="en-US" sz="2600" b="1" dirty="0">
+              <a:rPr lang="en-US" sz="2600" dirty="0">
                 <a:solidFill>
                   <a:srgbClr val="FF00FF"/>
                 </a:solidFill>
@@ -37330,7 +37318,7 @@
               <a:t>   if </a:t>
             </a:r>
             <a:r>
-              <a:rPr lang="en-US" sz="2600" b="1" dirty="0" err="1">
+              <a:rPr lang="en-US" sz="2600" dirty="0" err="1">
                 <a:solidFill>
                   <a:srgbClr val="FF00FF"/>
                 </a:solidFill>
@@ -37342,7 +37330,7 @@
               <a:t>the_num</a:t>
             </a:r>
             <a:r>
-              <a:rPr lang="en-US" sz="2600" b="1" dirty="0">
+              <a:rPr lang="en-US" sz="2600" dirty="0">
                 <a:solidFill>
                   <a:srgbClr val="FF00FF"/>
                 </a:solidFill>
@@ -37354,7 +37342,7 @@
               <a:t> &lt; </a:t>
             </a:r>
             <a:r>
-              <a:rPr lang="en-US" sz="2600" b="1" dirty="0" err="1">
+              <a:rPr lang="en-US" sz="2600" dirty="0" err="1">
                 <a:solidFill>
                   <a:srgbClr val="00FF00"/>
                 </a:solidFill>
@@ -37366,7 +37354,7 @@
               <a:t>smallest_so_far</a:t>
             </a:r>
             <a:r>
-              <a:rPr lang="en-US" sz="2600" b="1" dirty="0">
+              <a:rPr lang="en-US" sz="2600" dirty="0">
                 <a:solidFill>
                   <a:srgbClr val="FF00FF"/>
                 </a:solidFill>
@@ -37397,7 +37385,7 @@
               <a:buNone/>
             </a:pPr>
             <a:r>
-              <a:rPr lang="en-US" sz="2600" b="1" i="0" u="none" strike="noStrike" cap="none" dirty="0">
+              <a:rPr lang="en-US" sz="2600" i="0" u="none" strike="noStrike" cap="none" dirty="0">
                 <a:solidFill>
                   <a:srgbClr val="FF00FF"/>
                 </a:solidFill>
@@ -37409,7 +37397,7 @@
               <a:t>      </a:t>
             </a:r>
             <a:r>
-              <a:rPr lang="en-US" sz="2600" b="1" dirty="0" err="1">
+              <a:rPr lang="en-US" sz="2600" dirty="0" err="1">
                 <a:solidFill>
                   <a:srgbClr val="00FF00"/>
                 </a:solidFill>
@@ -37421,7 +37409,7 @@
               <a:t>smallest_so_far</a:t>
             </a:r>
             <a:r>
-              <a:rPr lang="en-US" sz="2600" b="1" dirty="0">
+              <a:rPr lang="en-US" sz="2600" dirty="0">
                 <a:solidFill>
                   <a:srgbClr val="00FF00"/>
                 </a:solidFill>
@@ -37433,7 +37421,7 @@
               <a:t> = </a:t>
             </a:r>
             <a:r>
-              <a:rPr lang="en-US" sz="2600" b="1" dirty="0" err="1">
+              <a:rPr lang="en-US" sz="2600" dirty="0" err="1">
                 <a:solidFill>
                   <a:srgbClr val="FF00FF"/>
                 </a:solidFill>
@@ -37444,7 +37432,7 @@
               </a:rPr>
               <a:t>the_num</a:t>
             </a:r>
-            <a:endParaRPr lang="en-US" sz="2600" b="1" dirty="0">
+            <a:endParaRPr lang="en-US" sz="2600" dirty="0">
               <a:solidFill>
                 <a:srgbClr val="FF00FF"/>
               </a:solidFill>
@@ -37473,7 +37461,7 @@
               <a:buNone/>
             </a:pPr>
             <a:r>
-              <a:rPr lang="en-US" sz="2600" b="1" i="0" u="none" strike="noStrike" cap="none" dirty="0">
+              <a:rPr lang="en-US" sz="2600" i="0" u="none" strike="noStrike" cap="none" dirty="0">
                 <a:solidFill>
                   <a:srgbClr val="FF00FF"/>
                 </a:solidFill>
@@ -37485,7 +37473,7 @@
               <a:t>   </a:t>
             </a:r>
             <a:r>
-              <a:rPr lang="en-US" sz="2600" b="1" i="0" u="none" strike="noStrike" cap="none" dirty="0" smtClean="0">
+              <a:rPr lang="en-US" sz="2600" i="0" u="none" strike="noStrike" cap="none" dirty="0" smtClean="0">
                 <a:solidFill>
                   <a:srgbClr val="FFFF00"/>
                 </a:solidFill>
@@ -37497,7 +37485,7 @@
               <a:t>print</a:t>
             </a:r>
             <a:r>
-              <a:rPr lang="en-US" sz="2600" b="1" dirty="0">
+              <a:rPr lang="en-US" sz="2600" dirty="0">
                 <a:solidFill>
                   <a:schemeClr val="bg1"/>
                 </a:solidFill>
@@ -37509,7 +37497,7 @@
               <a:t>(</a:t>
             </a:r>
             <a:r>
-              <a:rPr lang="en-US" sz="2600" b="1" dirty="0" err="1" smtClean="0">
+              <a:rPr lang="en-US" sz="2600" dirty="0" err="1" smtClean="0">
                 <a:solidFill>
                   <a:srgbClr val="00FF00"/>
                 </a:solidFill>
@@ -37521,7 +37509,7 @@
               <a:t>smallest_so_far</a:t>
             </a:r>
             <a:r>
-              <a:rPr lang="en-US" sz="2600" b="1" dirty="0">
+              <a:rPr lang="en-US" sz="2600" dirty="0">
                 <a:solidFill>
                   <a:srgbClr val="00FF00"/>
                 </a:solidFill>
@@ -37533,7 +37521,7 @@
               <a:t>,</a:t>
             </a:r>
             <a:r>
-              <a:rPr lang="en-US" sz="2600" b="1" i="0" u="none" strike="noStrike" cap="none" dirty="0">
+              <a:rPr lang="en-US" sz="2600" i="0" u="none" strike="noStrike" cap="none" dirty="0">
                 <a:solidFill>
                   <a:srgbClr val="FF00FF"/>
                 </a:solidFill>
@@ -37545,7 +37533,7 @@
               <a:t> </a:t>
             </a:r>
             <a:r>
-              <a:rPr lang="en-US" sz="2600" b="1" dirty="0" err="1" smtClean="0">
+              <a:rPr lang="en-US" sz="2600" dirty="0" err="1" smtClean="0">
                 <a:solidFill>
                   <a:srgbClr val="FF00FF"/>
                 </a:solidFill>
@@ -37557,7 +37545,7 @@
               <a:t>the_num</a:t>
             </a:r>
             <a:r>
-              <a:rPr lang="en-US" sz="2600" b="1" dirty="0" smtClean="0">
+              <a:rPr lang="en-US" sz="2600" dirty="0" smtClean="0">
                 <a:solidFill>
                   <a:schemeClr val="bg1"/>
                 </a:solidFill>
@@ -37568,7 +37556,7 @@
               </a:rPr>
               <a:t>)</a:t>
             </a:r>
-            <a:endParaRPr lang="en-US" sz="2600" b="1" dirty="0">
+            <a:endParaRPr lang="en-US" sz="2600" dirty="0">
               <a:solidFill>
                 <a:schemeClr val="bg1"/>
               </a:solidFill>
@@ -37595,7 +37583,7 @@
               <a:buFont typeface="Cabin"/>
               <a:buNone/>
             </a:pPr>
-            <a:endParaRPr sz="2600" b="1" dirty="0">
+            <a:endParaRPr sz="2600" dirty="0">
               <a:solidFill>
                 <a:srgbClr val="FF00FF"/>
               </a:solidFill>
@@ -37624,7 +37612,7 @@
               <a:buNone/>
             </a:pPr>
             <a:r>
-              <a:rPr lang="en-US" sz="2600" b="1" i="0" u="none" strike="noStrike" cap="none" dirty="0" smtClean="0">
+              <a:rPr lang="en-US" sz="2600" i="0" u="none" strike="noStrike" cap="none" dirty="0" smtClean="0">
                 <a:solidFill>
                   <a:srgbClr val="FFFF00"/>
                 </a:solidFill>
@@ -37636,7 +37624,7 @@
               <a:t>print</a:t>
             </a:r>
             <a:r>
-              <a:rPr lang="en-US" sz="2600" b="1" i="0" u="none" strike="noStrike" cap="none" dirty="0" smtClean="0">
+              <a:rPr lang="en-US" sz="2600" i="0" u="none" strike="noStrike" cap="none" dirty="0" smtClean="0">
                 <a:solidFill>
                   <a:schemeClr val="bg1"/>
                 </a:solidFill>
@@ -37648,7 +37636,7 @@
               <a:t>(</a:t>
             </a:r>
             <a:r>
-              <a:rPr lang="en-US" sz="2600" b="1" i="0" u="none" strike="noStrike" cap="none" dirty="0" smtClean="0">
+              <a:rPr lang="en-US" sz="2600" i="0" u="none" strike="noStrike" cap="none" dirty="0" smtClean="0">
                 <a:solidFill>
                   <a:srgbClr val="FF7F00"/>
                 </a:solidFill>
@@ -37660,7 +37648,7 @@
               <a:t>'After</a:t>
             </a:r>
             <a:r>
-              <a:rPr lang="en-US" sz="2600" b="1" i="0" u="none" strike="noStrike" cap="none" dirty="0">
+              <a:rPr lang="en-US" sz="2600" i="0" u="none" strike="noStrike" cap="none" dirty="0">
                 <a:solidFill>
                   <a:srgbClr val="FF7F00"/>
                 </a:solidFill>
@@ -37672,7 +37660,7 @@
               <a:t>', </a:t>
             </a:r>
             <a:r>
-              <a:rPr lang="en-US" sz="2600" b="1" dirty="0" err="1" smtClean="0">
+              <a:rPr lang="en-US" sz="2600" dirty="0" err="1" smtClean="0">
                 <a:solidFill>
                   <a:srgbClr val="00FF00"/>
                 </a:solidFill>
@@ -37684,7 +37672,7 @@
               <a:t>smallest_so_far</a:t>
             </a:r>
             <a:r>
-              <a:rPr lang="en-US" sz="2600" b="1" dirty="0" smtClean="0">
+              <a:rPr lang="en-US" sz="2600" dirty="0" smtClean="0">
                 <a:solidFill>
                   <a:schemeClr val="bg1"/>
                 </a:solidFill>
@@ -37695,7 +37683,7 @@
               </a:rPr>
               <a:t>)</a:t>
             </a:r>
-            <a:endParaRPr lang="en-US" sz="2600" b="1" dirty="0">
+            <a:endParaRPr lang="en-US" sz="2600" dirty="0">
               <a:solidFill>
                 <a:schemeClr val="bg1"/>
               </a:solidFill>
@@ -37973,7 +37961,7 @@
               <a:buNone/>
             </a:pPr>
             <a:r>
-              <a:rPr lang="en-US" sz="2600" b="1" dirty="0" err="1">
+              <a:rPr lang="en-US" sz="2600" dirty="0" err="1">
                 <a:solidFill>
                   <a:srgbClr val="00FF00"/>
                 </a:solidFill>
@@ -37985,7 +37973,7 @@
               <a:t>smallest_so_far</a:t>
             </a:r>
             <a:r>
-              <a:rPr lang="en-US" sz="2600" b="1" dirty="0">
+              <a:rPr lang="en-US" sz="2600" dirty="0">
                 <a:solidFill>
                   <a:srgbClr val="00FF00"/>
                 </a:solidFill>
@@ -38016,7 +38004,7 @@
               <a:buNone/>
             </a:pPr>
             <a:r>
-              <a:rPr lang="en-US" sz="2600" b="1" i="0" u="none" strike="noStrike" cap="none" dirty="0" smtClean="0">
+              <a:rPr lang="en-US" sz="2600" i="0" u="none" strike="noStrike" cap="none" dirty="0" smtClean="0">
                 <a:solidFill>
                   <a:srgbClr val="FFFF00"/>
                 </a:solidFill>
@@ -38028,7 +38016,7 @@
               <a:t>print</a:t>
             </a:r>
             <a:r>
-              <a:rPr lang="en-US" sz="2600" b="1" dirty="0">
+              <a:rPr lang="en-US" sz="2600" dirty="0">
                 <a:solidFill>
                   <a:schemeClr val="bg1"/>
                 </a:solidFill>
@@ -38040,7 +38028,7 @@
               <a:t>(</a:t>
             </a:r>
             <a:r>
-              <a:rPr lang="en-US" sz="2600" b="1" i="0" u="none" strike="noStrike" cap="none" dirty="0" smtClean="0">
+              <a:rPr lang="en-US" sz="2600" i="0" u="none" strike="noStrike" cap="none" dirty="0" smtClean="0">
                 <a:solidFill>
                   <a:srgbClr val="FF7F00"/>
                 </a:solidFill>
@@ -38052,7 +38040,7 @@
               <a:t>'Before</a:t>
             </a:r>
             <a:r>
-              <a:rPr lang="en-US" sz="2600" b="1" i="0" u="none" strike="noStrike" cap="none" dirty="0">
+              <a:rPr lang="en-US" sz="2600" i="0" u="none" strike="noStrike" cap="none" dirty="0">
                 <a:solidFill>
                   <a:srgbClr val="FF7F00"/>
                 </a:solidFill>
@@ -38064,7 +38052,7 @@
               <a:t>', </a:t>
             </a:r>
             <a:r>
-              <a:rPr lang="en-US" sz="2600" b="1" dirty="0" err="1" smtClean="0">
+              <a:rPr lang="en-US" sz="2600" dirty="0" err="1" smtClean="0">
                 <a:solidFill>
                   <a:srgbClr val="00FF00"/>
                 </a:solidFill>
@@ -38076,7 +38064,7 @@
               <a:t>smallest_so_far</a:t>
             </a:r>
             <a:r>
-              <a:rPr lang="en-US" sz="2600" b="1" dirty="0" smtClean="0">
+              <a:rPr lang="en-US" sz="2600" dirty="0" smtClean="0">
                 <a:solidFill>
                   <a:schemeClr val="bg1"/>
                 </a:solidFill>
@@ -38087,7 +38075,7 @@
               </a:rPr>
               <a:t>)</a:t>
             </a:r>
-            <a:endParaRPr lang="en-US" sz="2600" b="1" dirty="0">
+            <a:endParaRPr lang="en-US" sz="2600" dirty="0">
               <a:solidFill>
                 <a:schemeClr val="bg1"/>
               </a:solidFill>
@@ -38116,7 +38104,7 @@
               <a:buNone/>
             </a:pPr>
             <a:r>
-              <a:rPr lang="en-US" sz="2600" b="1" i="0" u="none" strike="noStrike" cap="none" dirty="0">
+              <a:rPr lang="en-US" sz="2600" i="0" u="none" strike="noStrike" cap="none" dirty="0">
                 <a:solidFill>
                   <a:srgbClr val="FFFF00"/>
                 </a:solidFill>
@@ -38128,7 +38116,7 @@
               <a:t>for</a:t>
             </a:r>
             <a:r>
-              <a:rPr lang="en-US" sz="2600" b="1" i="0" u="none" strike="noStrike" cap="none" dirty="0">
+              <a:rPr lang="en-US" sz="2600" i="0" u="none" strike="noStrike" cap="none" dirty="0">
                 <a:solidFill>
                   <a:srgbClr val="FF00FF"/>
                 </a:solidFill>
@@ -38140,7 +38128,7 @@
               <a:t> </a:t>
             </a:r>
             <a:r>
-              <a:rPr lang="en-US" sz="2600" b="1" i="0" u="none" strike="noStrike" cap="none" dirty="0" err="1">
+              <a:rPr lang="en-US" sz="2600" i="0" u="none" strike="noStrike" cap="none" dirty="0" err="1">
                 <a:solidFill>
                   <a:srgbClr val="FF00FF"/>
                 </a:solidFill>
@@ -38152,7 +38140,7 @@
               <a:t>th</a:t>
             </a:r>
             <a:r>
-              <a:rPr lang="en-US" sz="2600" b="1" dirty="0" err="1">
+              <a:rPr lang="en-US" sz="2600" dirty="0" err="1">
                 <a:solidFill>
                   <a:srgbClr val="FF00FF"/>
                 </a:solidFill>
@@ -38164,7 +38152,7 @@
               <a:t>e_num</a:t>
             </a:r>
             <a:r>
-              <a:rPr lang="en-US" sz="2600" b="1" i="0" u="none" strike="noStrike" cap="none" dirty="0">
+              <a:rPr lang="en-US" sz="2600" i="0" u="none" strike="noStrike" cap="none" dirty="0">
                 <a:solidFill>
                   <a:srgbClr val="FF00FF"/>
                 </a:solidFill>
@@ -38176,7 +38164,7 @@
               <a:t> </a:t>
             </a:r>
             <a:r>
-              <a:rPr lang="en-US" sz="2600" b="1" i="0" u="none" strike="noStrike" cap="none" dirty="0">
+              <a:rPr lang="en-US" sz="2600" i="0" u="none" strike="noStrike" cap="none" dirty="0">
                 <a:solidFill>
                   <a:srgbClr val="FFFF00"/>
                 </a:solidFill>
@@ -38188,7 +38176,7 @@
               <a:t>in</a:t>
             </a:r>
             <a:r>
-              <a:rPr lang="en-US" sz="2600" b="1" i="0" u="none" strike="noStrike" cap="none" dirty="0">
+              <a:rPr lang="en-US" sz="2600" i="0" u="none" strike="noStrike" cap="none" dirty="0">
                 <a:solidFill>
                   <a:srgbClr val="FF00FF"/>
                 </a:solidFill>
@@ -38219,7 +38207,7 @@
               <a:buNone/>
             </a:pPr>
             <a:r>
-              <a:rPr lang="en-US" sz="2600" b="1" dirty="0">
+              <a:rPr lang="en-US" sz="2600" dirty="0">
                 <a:solidFill>
                   <a:srgbClr val="FF00FF"/>
                 </a:solidFill>
@@ -38231,7 +38219,7 @@
               <a:t>   if </a:t>
             </a:r>
             <a:r>
-              <a:rPr lang="en-US" sz="2600" b="1" dirty="0" err="1">
+              <a:rPr lang="en-US" sz="2600" dirty="0" err="1">
                 <a:solidFill>
                   <a:srgbClr val="FF00FF"/>
                 </a:solidFill>
@@ -38243,7 +38231,7 @@
               <a:t>the_num</a:t>
             </a:r>
             <a:r>
-              <a:rPr lang="en-US" sz="2600" b="1" dirty="0">
+              <a:rPr lang="en-US" sz="2600" dirty="0">
                 <a:solidFill>
                   <a:srgbClr val="FF00FF"/>
                 </a:solidFill>
@@ -38255,7 +38243,7 @@
               <a:t> &lt; </a:t>
             </a:r>
             <a:r>
-              <a:rPr lang="en-US" sz="2600" b="1" dirty="0" err="1">
+              <a:rPr lang="en-US" sz="2600" dirty="0" err="1">
                 <a:solidFill>
                   <a:srgbClr val="00FF00"/>
                 </a:solidFill>
@@ -38267,7 +38255,7 @@
               <a:t>smallest_so_far</a:t>
             </a:r>
             <a:r>
-              <a:rPr lang="en-US" sz="2600" b="1" dirty="0">
+              <a:rPr lang="en-US" sz="2600" dirty="0">
                 <a:solidFill>
                   <a:srgbClr val="FF00FF"/>
                 </a:solidFill>
@@ -38298,7 +38286,7 @@
               <a:buNone/>
             </a:pPr>
             <a:r>
-              <a:rPr lang="en-US" sz="2600" b="1" i="0" u="none" strike="noStrike" cap="none" dirty="0">
+              <a:rPr lang="en-US" sz="2600" i="0" u="none" strike="noStrike" cap="none" dirty="0">
                 <a:solidFill>
                   <a:srgbClr val="FF00FF"/>
                 </a:solidFill>
@@ -38310,7 +38298,7 @@
               <a:t>      </a:t>
             </a:r>
             <a:r>
-              <a:rPr lang="en-US" sz="2600" b="1" dirty="0" err="1">
+              <a:rPr lang="en-US" sz="2600" dirty="0" err="1">
                 <a:solidFill>
                   <a:srgbClr val="00FF00"/>
                 </a:solidFill>
@@ -38322,7 +38310,7 @@
               <a:t>smallest_so_far</a:t>
             </a:r>
             <a:r>
-              <a:rPr lang="en-US" sz="2600" b="1" dirty="0">
+              <a:rPr lang="en-US" sz="2600" dirty="0">
                 <a:solidFill>
                   <a:srgbClr val="00FF00"/>
                 </a:solidFill>
@@ -38334,7 +38322,7 @@
               <a:t> = </a:t>
             </a:r>
             <a:r>
-              <a:rPr lang="en-US" sz="2600" b="1" dirty="0" err="1">
+              <a:rPr lang="en-US" sz="2600" dirty="0" err="1">
                 <a:solidFill>
                   <a:srgbClr val="FF00FF"/>
                 </a:solidFill>
@@ -38345,7 +38333,7 @@
               </a:rPr>
               <a:t>the_num</a:t>
             </a:r>
-            <a:endParaRPr lang="en-US" sz="2600" b="1" dirty="0">
+            <a:endParaRPr lang="en-US" sz="2600" dirty="0">
               <a:solidFill>
                 <a:srgbClr val="FF00FF"/>
               </a:solidFill>
@@ -38374,7 +38362,7 @@
               <a:buNone/>
             </a:pPr>
             <a:r>
-              <a:rPr lang="en-US" sz="2600" b="1" i="0" u="none" strike="noStrike" cap="none" dirty="0">
+              <a:rPr lang="en-US" sz="2600" i="0" u="none" strike="noStrike" cap="none" dirty="0">
                 <a:solidFill>
                   <a:srgbClr val="FF00FF"/>
                 </a:solidFill>
@@ -38386,7 +38374,7 @@
               <a:t>   </a:t>
             </a:r>
             <a:r>
-              <a:rPr lang="en-US" sz="2600" b="1" i="0" u="none" strike="noStrike" cap="none" dirty="0" smtClean="0">
+              <a:rPr lang="en-US" sz="2600" i="0" u="none" strike="noStrike" cap="none" dirty="0" smtClean="0">
                 <a:solidFill>
                   <a:srgbClr val="FFFF00"/>
                 </a:solidFill>
@@ -38398,7 +38386,7 @@
               <a:t>print</a:t>
             </a:r>
             <a:r>
-              <a:rPr lang="en-US" sz="2600" b="1" dirty="0">
+              <a:rPr lang="en-US" sz="2600" dirty="0">
                 <a:solidFill>
                   <a:schemeClr val="bg1"/>
                 </a:solidFill>
@@ -38410,7 +38398,7 @@
               <a:t>(</a:t>
             </a:r>
             <a:r>
-              <a:rPr lang="en-US" sz="2600" b="1" dirty="0" err="1" smtClean="0">
+              <a:rPr lang="en-US" sz="2600" dirty="0" err="1" smtClean="0">
                 <a:solidFill>
                   <a:srgbClr val="00FF00"/>
                 </a:solidFill>
@@ -38422,7 +38410,7 @@
               <a:t>smallest_so_far</a:t>
             </a:r>
             <a:r>
-              <a:rPr lang="en-US" sz="2600" b="1" dirty="0">
+              <a:rPr lang="en-US" sz="2600" dirty="0">
                 <a:solidFill>
                   <a:srgbClr val="00FF00"/>
                 </a:solidFill>
@@ -38434,7 +38422,7 @@
               <a:t>,</a:t>
             </a:r>
             <a:r>
-              <a:rPr lang="en-US" sz="2600" b="1" i="0" u="none" strike="noStrike" cap="none" dirty="0">
+              <a:rPr lang="en-US" sz="2600" i="0" u="none" strike="noStrike" cap="none" dirty="0">
                 <a:solidFill>
                   <a:srgbClr val="FF00FF"/>
                 </a:solidFill>
@@ -38446,7 +38434,7 @@
               <a:t> </a:t>
             </a:r>
             <a:r>
-              <a:rPr lang="en-US" sz="2600" b="1" dirty="0" err="1" smtClean="0">
+              <a:rPr lang="en-US" sz="2600" dirty="0" err="1" smtClean="0">
                 <a:solidFill>
                   <a:srgbClr val="FF00FF"/>
                 </a:solidFill>
@@ -38458,7 +38446,7 @@
               <a:t>the_num</a:t>
             </a:r>
             <a:r>
-              <a:rPr lang="en-US" sz="2600" b="1" dirty="0" smtClean="0">
+              <a:rPr lang="en-US" sz="2600" dirty="0" smtClean="0">
                 <a:solidFill>
                   <a:schemeClr val="bg1"/>
                 </a:solidFill>
@@ -38469,7 +38457,7 @@
               </a:rPr>
               <a:t>)</a:t>
             </a:r>
-            <a:endParaRPr lang="en-US" sz="2600" b="1" dirty="0">
+            <a:endParaRPr lang="en-US" sz="2600" dirty="0">
               <a:solidFill>
                 <a:schemeClr val="bg1"/>
               </a:solidFill>
@@ -38496,7 +38484,7 @@
               <a:buFont typeface="Cabin"/>
               <a:buNone/>
             </a:pPr>
-            <a:endParaRPr sz="2600" b="1" dirty="0">
+            <a:endParaRPr sz="2600" dirty="0">
               <a:solidFill>
                 <a:srgbClr val="FF00FF"/>
               </a:solidFill>
@@ -38525,7 +38513,7 @@
               <a:buNone/>
             </a:pPr>
             <a:r>
-              <a:rPr lang="en-US" sz="2600" b="1" i="0" u="none" strike="noStrike" cap="none" dirty="0" smtClean="0">
+              <a:rPr lang="en-US" sz="2600" i="0" u="none" strike="noStrike" cap="none" dirty="0" smtClean="0">
                 <a:solidFill>
                   <a:srgbClr val="FFFF00"/>
                 </a:solidFill>
@@ -38537,7 +38525,7 @@
               <a:t>print</a:t>
             </a:r>
             <a:r>
-              <a:rPr lang="en-US" sz="2600" b="1" i="0" u="none" strike="noStrike" cap="none" dirty="0" smtClean="0">
+              <a:rPr lang="en-US" sz="2600" i="0" u="none" strike="noStrike" cap="none" dirty="0" smtClean="0">
                 <a:solidFill>
                   <a:schemeClr val="bg1"/>
                 </a:solidFill>
@@ -38549,7 +38537,7 @@
               <a:t>(</a:t>
             </a:r>
             <a:r>
-              <a:rPr lang="en-US" sz="2600" b="1" i="0" u="none" strike="noStrike" cap="none" dirty="0" smtClean="0">
+              <a:rPr lang="en-US" sz="2600" i="0" u="none" strike="noStrike" cap="none" dirty="0" smtClean="0">
                 <a:solidFill>
                   <a:srgbClr val="FF7F00"/>
                 </a:solidFill>
@@ -38561,7 +38549,7 @@
               <a:t>'After</a:t>
             </a:r>
             <a:r>
-              <a:rPr lang="en-US" sz="2600" b="1" i="0" u="none" strike="noStrike" cap="none" dirty="0">
+              <a:rPr lang="en-US" sz="2600" i="0" u="none" strike="noStrike" cap="none" dirty="0">
                 <a:solidFill>
                   <a:srgbClr val="FF7F00"/>
                 </a:solidFill>
@@ -38573,7 +38561,7 @@
               <a:t>', </a:t>
             </a:r>
             <a:r>
-              <a:rPr lang="en-US" sz="2600" b="1" dirty="0" err="1" smtClean="0">
+              <a:rPr lang="en-US" sz="2600" dirty="0" err="1" smtClean="0">
                 <a:solidFill>
                   <a:srgbClr val="00FF00"/>
                 </a:solidFill>
@@ -38585,7 +38573,7 @@
               <a:t>smallest_so_far</a:t>
             </a:r>
             <a:r>
-              <a:rPr lang="en-US" sz="2600" b="1" dirty="0" smtClean="0">
+              <a:rPr lang="en-US" sz="2600" dirty="0" smtClean="0">
                 <a:solidFill>
                   <a:schemeClr val="bg1"/>
                 </a:solidFill>
@@ -38596,7 +38584,7 @@
               </a:rPr>
               <a:t>)</a:t>
             </a:r>
-            <a:endParaRPr lang="en-US" sz="2600" b="1" dirty="0">
+            <a:endParaRPr lang="en-US" sz="2600" dirty="0">
               <a:solidFill>
                 <a:schemeClr val="bg1"/>
               </a:solidFill>
@@ -39307,7 +39295,7 @@
               <a:buNone/>
             </a:pPr>
             <a:r>
-              <a:rPr lang="en-US" sz="2600" b="1" i="0" u="none" strike="noStrike" cap="none" dirty="0">
+              <a:rPr lang="en-US" sz="2600" i="0" u="none" strike="noStrike" cap="none" dirty="0">
                 <a:solidFill>
                   <a:srgbClr val="00FF00"/>
                 </a:solidFill>
@@ -39319,7 +39307,7 @@
               <a:t>smallest =</a:t>
             </a:r>
             <a:r>
-              <a:rPr lang="en-US" sz="2600" b="1" i="0" u="none" strike="noStrike" cap="none" dirty="0">
+              <a:rPr lang="en-US" sz="2600" i="0" u="none" strike="noStrike" cap="none" dirty="0">
                 <a:solidFill>
                   <a:srgbClr val="FF7F00"/>
                 </a:solidFill>
@@ -39331,7 +39319,7 @@
               <a:t> </a:t>
             </a:r>
             <a:r>
-              <a:rPr lang="en-US" sz="2600" b="1" i="0" u="none" strike="noStrike" cap="none" dirty="0">
+              <a:rPr lang="en-US" sz="2600" i="0" u="none" strike="noStrike" cap="none" dirty="0">
                 <a:solidFill>
                   <a:srgbClr val="FFFF00"/>
                 </a:solidFill>
@@ -39362,7 +39350,7 @@
               <a:buNone/>
             </a:pPr>
             <a:r>
-              <a:rPr lang="en-US" sz="2600" b="1" i="0" u="none" strike="noStrike" cap="none" dirty="0" smtClean="0">
+              <a:rPr lang="en-US" sz="2600" i="0" u="none" strike="noStrike" cap="none" dirty="0" smtClean="0">
                 <a:solidFill>
                   <a:srgbClr val="FFFF00"/>
                 </a:solidFill>
@@ -39374,7 +39362,7 @@
               <a:t>print</a:t>
             </a:r>
             <a:r>
-              <a:rPr lang="en-US" sz="2600" b="1" i="0" u="none" strike="noStrike" cap="none" dirty="0" smtClean="0">
+              <a:rPr lang="en-US" sz="2600" i="0" u="none" strike="noStrike" cap="none" dirty="0" smtClean="0">
                 <a:solidFill>
                   <a:schemeClr val="bg1"/>
                 </a:solidFill>
@@ -39386,7 +39374,7 @@
               <a:t>(</a:t>
             </a:r>
             <a:r>
-              <a:rPr lang="en-US" sz="2600" b="1" i="0" u="none" strike="noStrike" cap="none" dirty="0" smtClean="0">
+              <a:rPr lang="en-US" sz="2600" i="0" u="none" strike="noStrike" cap="none" dirty="0" smtClean="0">
                 <a:solidFill>
                   <a:srgbClr val="FF7F00"/>
                 </a:solidFill>
@@ -39398,7 +39386,7 @@
               <a:t>'Before</a:t>
             </a:r>
             <a:r>
-              <a:rPr lang="en-US" sz="2600" b="1" dirty="0" smtClean="0">
+              <a:rPr lang="en-US" sz="2600" dirty="0" smtClean="0">
                 <a:solidFill>
                   <a:srgbClr val="FF7F00"/>
                 </a:solidFill>
@@ -39410,7 +39398,7 @@
               <a:t>'</a:t>
             </a:r>
             <a:r>
-              <a:rPr lang="en-US" sz="2600" b="1" dirty="0" smtClean="0">
+              <a:rPr lang="en-US" sz="2600" dirty="0" smtClean="0">
                 <a:solidFill>
                   <a:schemeClr val="bg1"/>
                 </a:solidFill>
@@ -39421,7 +39409,7 @@
               </a:rPr>
               <a:t>)</a:t>
             </a:r>
-            <a:endParaRPr lang="en-US" sz="2600" b="1" dirty="0">
+            <a:endParaRPr lang="en-US" sz="2600" dirty="0">
               <a:solidFill>
                 <a:schemeClr val="bg1"/>
               </a:solidFill>
@@ -39450,7 +39438,7 @@
               <a:buNone/>
             </a:pPr>
             <a:r>
-              <a:rPr lang="en-US" sz="2600" b="1" i="0" u="none" strike="noStrike" cap="none" dirty="0">
+              <a:rPr lang="en-US" sz="2600" i="0" u="none" strike="noStrike" cap="none" dirty="0">
                 <a:solidFill>
                   <a:srgbClr val="FFFF00"/>
                 </a:solidFill>
@@ -39462,7 +39450,7 @@
               <a:t>for</a:t>
             </a:r>
             <a:r>
-              <a:rPr lang="en-US" sz="2600" b="1" i="0" u="none" strike="noStrike" cap="none" dirty="0">
+              <a:rPr lang="en-US" sz="2600" i="0" u="none" strike="noStrike" cap="none" dirty="0">
                 <a:solidFill>
                   <a:srgbClr val="FF00FF"/>
                 </a:solidFill>
@@ -39474,7 +39462,7 @@
               <a:t> value </a:t>
             </a:r>
             <a:r>
-              <a:rPr lang="en-US" sz="2600" b="1" i="0" u="none" strike="noStrike" cap="none" dirty="0">
+              <a:rPr lang="en-US" sz="2600" i="0" u="none" strike="noStrike" cap="none" dirty="0">
                 <a:solidFill>
                   <a:schemeClr val="lt1"/>
                 </a:solidFill>
@@ -39486,7 +39474,7 @@
               <a:t>in</a:t>
             </a:r>
             <a:r>
-              <a:rPr lang="en-US" sz="2600" b="1" i="0" u="none" strike="noStrike" cap="none" dirty="0">
+              <a:rPr lang="en-US" sz="2600" i="0" u="none" strike="noStrike" cap="none" dirty="0">
                 <a:solidFill>
                   <a:srgbClr val="FF00FF"/>
                 </a:solidFill>
@@ -39517,7 +39505,7 @@
               <a:buNone/>
             </a:pPr>
             <a:r>
-              <a:rPr lang="en-US" sz="2600" b="1" i="0" u="none" strike="noStrike" cap="none" dirty="0">
+              <a:rPr lang="en-US" sz="2600" i="0" u="none" strike="noStrike" cap="none" dirty="0">
                 <a:solidFill>
                   <a:srgbClr val="FF00FF"/>
                 </a:solidFill>
@@ -39529,7 +39517,7 @@
               <a:t>    </a:t>
             </a:r>
             <a:r>
-              <a:rPr lang="en-US" sz="2600" b="1" i="0" u="none" strike="noStrike" cap="none" dirty="0">
+              <a:rPr lang="en-US" sz="2600" i="0" u="none" strike="noStrike" cap="none" dirty="0">
                 <a:solidFill>
                   <a:srgbClr val="FFFF00"/>
                 </a:solidFill>
@@ -39541,7 +39529,7 @@
               <a:t>if</a:t>
             </a:r>
             <a:r>
-              <a:rPr lang="en-US" sz="2600" b="1" i="0" u="none" strike="noStrike" cap="none" dirty="0">
+              <a:rPr lang="en-US" sz="2600" i="0" u="none" strike="noStrike" cap="none" dirty="0">
                 <a:solidFill>
                   <a:srgbClr val="00FF00"/>
                 </a:solidFill>
@@ -39553,7 +39541,7 @@
               <a:t> smallest </a:t>
             </a:r>
             <a:r>
-              <a:rPr lang="en-US" sz="2600" b="1" u="none" strike="noStrike" cap="none" dirty="0">
+              <a:rPr lang="en-US" sz="2600" u="none" strike="noStrike" cap="none" dirty="0">
                 <a:solidFill>
                   <a:srgbClr val="FFFF00"/>
                 </a:solidFill>
@@ -39565,7 +39553,7 @@
               <a:t>is</a:t>
             </a:r>
             <a:r>
-              <a:rPr lang="en-US" sz="2600" b="1" i="0" u="none" strike="noStrike" cap="none" dirty="0">
+              <a:rPr lang="en-US" sz="2600" i="0" u="none" strike="noStrike" cap="none" dirty="0">
                 <a:solidFill>
                   <a:srgbClr val="00FF00"/>
                 </a:solidFill>
@@ -39577,7 +39565,7 @@
               <a:t> None</a:t>
             </a:r>
             <a:r>
-              <a:rPr lang="en-US" sz="2600" b="1" i="0" u="none" strike="noStrike" cap="none" dirty="0">
+              <a:rPr lang="en-US" sz="2600" i="0" u="none" strike="noStrike" cap="none" dirty="0">
                 <a:solidFill>
                   <a:schemeClr val="lt1"/>
                 </a:solidFill>
@@ -39589,7 +39577,7 @@
               <a:t> </a:t>
             </a:r>
             <a:r>
-              <a:rPr lang="en-US" sz="2600" b="1" i="0" u="none" strike="noStrike" cap="none" dirty="0">
+              <a:rPr lang="en-US" sz="2600" i="0" u="none" strike="noStrike" cap="none" dirty="0">
                 <a:solidFill>
                   <a:srgbClr val="FF00FF"/>
                 </a:solidFill>
@@ -39620,7 +39608,7 @@
               <a:buNone/>
             </a:pPr>
             <a:r>
-              <a:rPr lang="en-US" sz="2600" b="1" i="0" u="none" strike="noStrike" cap="none" dirty="0">
+              <a:rPr lang="en-US" sz="2600" i="0" u="none" strike="noStrike" cap="none" dirty="0">
                 <a:solidFill>
                   <a:srgbClr val="00FF00"/>
                 </a:solidFill>
@@ -39632,7 +39620,7 @@
               <a:t>        smallest </a:t>
             </a:r>
             <a:r>
-              <a:rPr lang="en-US" sz="2600" b="1" i="0" u="none" strike="noStrike" cap="none" dirty="0">
+              <a:rPr lang="en-US" sz="2600" i="0" u="none" strike="noStrike" cap="none" dirty="0">
                 <a:solidFill>
                   <a:srgbClr val="FF00FF"/>
                 </a:solidFill>
@@ -39663,7 +39651,7 @@
               <a:buNone/>
             </a:pPr>
             <a:r>
-              <a:rPr lang="en-US" sz="2600" b="1" i="0" u="none" strike="noStrike" cap="none" dirty="0">
+              <a:rPr lang="en-US" sz="2600" i="0" u="none" strike="noStrike" cap="none" dirty="0">
                 <a:solidFill>
                   <a:srgbClr val="FF00FF"/>
                 </a:solidFill>
@@ -39675,7 +39663,7 @@
               <a:t>    </a:t>
             </a:r>
             <a:r>
-              <a:rPr lang="en-US" sz="2600" b="1" i="0" u="none" strike="noStrike" cap="none" dirty="0" err="1">
+              <a:rPr lang="en-US" sz="2600" i="0" u="none" strike="noStrike" cap="none" dirty="0" err="1">
                 <a:solidFill>
                   <a:srgbClr val="FFFF00"/>
                 </a:solidFill>
@@ -39687,7 +39675,7 @@
               <a:t>elif</a:t>
             </a:r>
             <a:r>
-              <a:rPr lang="en-US" sz="2600" b="1" i="0" u="none" strike="noStrike" cap="none" dirty="0">
+              <a:rPr lang="en-US" sz="2600" i="0" u="none" strike="noStrike" cap="none" dirty="0">
                 <a:solidFill>
                   <a:srgbClr val="FF00FF"/>
                 </a:solidFill>
@@ -39699,7 +39687,7 @@
               <a:t> value &lt; </a:t>
             </a:r>
             <a:r>
-              <a:rPr lang="en-US" sz="2600" b="1" i="0" u="none" strike="noStrike" cap="none" dirty="0">
+              <a:rPr lang="en-US" sz="2600" i="0" u="none" strike="noStrike" cap="none" dirty="0">
                 <a:solidFill>
                   <a:srgbClr val="00FF00"/>
                 </a:solidFill>
@@ -39711,7 +39699,7 @@
               <a:t>smallest</a:t>
             </a:r>
             <a:r>
-              <a:rPr lang="en-US" sz="2600" b="1" i="0" u="none" strike="noStrike" cap="none" dirty="0">
+              <a:rPr lang="en-US" sz="2600" i="0" u="none" strike="noStrike" cap="none" dirty="0">
                 <a:solidFill>
                   <a:srgbClr val="FF00FF"/>
                 </a:solidFill>
@@ -39742,7 +39730,7 @@
               <a:buNone/>
             </a:pPr>
             <a:r>
-              <a:rPr lang="en-US" sz="2600" b="1" i="0" u="none" strike="noStrike" cap="none" dirty="0">
+              <a:rPr lang="en-US" sz="2600" i="0" u="none" strike="noStrike" cap="none" dirty="0">
                 <a:solidFill>
                   <a:srgbClr val="00FF00"/>
                 </a:solidFill>
@@ -39754,7 +39742,7 @@
               <a:t>        smallest</a:t>
             </a:r>
             <a:r>
-              <a:rPr lang="en-US" sz="2600" b="1" i="0" u="none" strike="noStrike" cap="none" dirty="0">
+              <a:rPr lang="en-US" sz="2600" i="0" u="none" strike="noStrike" cap="none" dirty="0">
                 <a:solidFill>
                   <a:srgbClr val="FF00FF"/>
                 </a:solidFill>
@@ -39785,7 +39773,7 @@
               <a:buNone/>
             </a:pPr>
             <a:r>
-              <a:rPr lang="en-US" sz="2600" b="1" i="0" u="none" strike="noStrike" cap="none" dirty="0">
+              <a:rPr lang="en-US" sz="2600" i="0" u="none" strike="noStrike" cap="none" dirty="0">
                 <a:solidFill>
                   <a:srgbClr val="FF00FF"/>
                 </a:solidFill>
@@ -39797,7 +39785,7 @@
               <a:t>    </a:t>
             </a:r>
             <a:r>
-              <a:rPr lang="en-US" sz="2600" b="1" i="0" u="none" strike="noStrike" cap="none" dirty="0" smtClean="0">
+              <a:rPr lang="en-US" sz="2600" i="0" u="none" strike="noStrike" cap="none" dirty="0" smtClean="0">
                 <a:solidFill>
                   <a:srgbClr val="FFFF00"/>
                 </a:solidFill>
@@ -39809,7 +39797,7 @@
               <a:t>print</a:t>
             </a:r>
             <a:r>
-              <a:rPr lang="en-US" sz="2600" b="1" dirty="0">
+              <a:rPr lang="en-US" sz="2600" dirty="0">
                 <a:solidFill>
                   <a:schemeClr val="bg1"/>
                 </a:solidFill>
@@ -39821,7 +39809,7 @@
               <a:t>(</a:t>
             </a:r>
             <a:r>
-              <a:rPr lang="en-US" sz="2600" b="1" i="0" u="none" strike="noStrike" cap="none" dirty="0" smtClean="0">
+              <a:rPr lang="en-US" sz="2600" i="0" u="none" strike="noStrike" cap="none" dirty="0" smtClean="0">
                 <a:solidFill>
                   <a:srgbClr val="00FF00"/>
                 </a:solidFill>
@@ -39833,7 +39821,7 @@
               <a:t>smallest</a:t>
             </a:r>
             <a:r>
-              <a:rPr lang="en-US" sz="2600" b="1" i="0" u="none" strike="noStrike" cap="none" dirty="0">
+              <a:rPr lang="en-US" sz="2600" i="0" u="none" strike="noStrike" cap="none" dirty="0">
                 <a:solidFill>
                   <a:srgbClr val="00FF00"/>
                 </a:solidFill>
@@ -39845,7 +39833,7 @@
               <a:t>, </a:t>
             </a:r>
             <a:r>
-              <a:rPr lang="en-US" sz="2600" b="1" i="0" u="none" strike="noStrike" cap="none" dirty="0" smtClean="0">
+              <a:rPr lang="en-US" sz="2600" i="0" u="none" strike="noStrike" cap="none" dirty="0" smtClean="0">
                 <a:solidFill>
                   <a:srgbClr val="FF00FF"/>
                 </a:solidFill>
@@ -39857,7 +39845,7 @@
               <a:t>value</a:t>
             </a:r>
             <a:r>
-              <a:rPr lang="en-US" sz="2600" b="1" i="0" u="none" strike="noStrike" cap="none" dirty="0" smtClean="0">
+              <a:rPr lang="en-US" sz="2600" i="0" u="none" strike="noStrike" cap="none" dirty="0" smtClean="0">
                 <a:solidFill>
                   <a:schemeClr val="bg1"/>
                 </a:solidFill>
@@ -39868,7 +39856,7 @@
               </a:rPr>
               <a:t>)</a:t>
             </a:r>
-            <a:endParaRPr lang="en-US" sz="2600" b="1" i="0" u="none" strike="noStrike" cap="none" dirty="0">
+            <a:endParaRPr lang="en-US" sz="2600" i="0" u="none" strike="noStrike" cap="none" dirty="0">
               <a:solidFill>
                 <a:schemeClr val="bg1"/>
               </a:solidFill>
@@ -39897,7 +39885,7 @@
               <a:buNone/>
             </a:pPr>
             <a:r>
-              <a:rPr lang="en-US" sz="2600" b="1" i="0" u="none" strike="noStrike" cap="none" dirty="0" smtClean="0">
+              <a:rPr lang="en-US" sz="2600" i="0" u="none" strike="noStrike" cap="none" dirty="0" smtClean="0">
                 <a:solidFill>
                   <a:srgbClr val="FFFF00"/>
                 </a:solidFill>
@@ -39909,7 +39897,7 @@
               <a:t>print</a:t>
             </a:r>
             <a:r>
-              <a:rPr lang="en-US" sz="2600" b="1" dirty="0">
+              <a:rPr lang="en-US" sz="2600" dirty="0">
                 <a:solidFill>
                   <a:schemeClr val="bg1"/>
                 </a:solidFill>
@@ -39921,7 +39909,7 @@
               <a:t>(</a:t>
             </a:r>
             <a:r>
-              <a:rPr lang="en-US" sz="2600" b="1" i="0" u="none" strike="noStrike" cap="none" dirty="0" smtClean="0">
+              <a:rPr lang="en-US" sz="2600" i="0" u="none" strike="noStrike" cap="none" dirty="0" smtClean="0">
                 <a:solidFill>
                   <a:srgbClr val="FF7F00"/>
                 </a:solidFill>
@@ -39933,7 +39921,7 @@
               <a:t>'After</a:t>
             </a:r>
             <a:r>
-              <a:rPr lang="en-US" sz="2600" b="1" i="0" u="none" strike="noStrike" cap="none" dirty="0">
+              <a:rPr lang="en-US" sz="2600" i="0" u="none" strike="noStrike" cap="none" dirty="0">
                 <a:solidFill>
                   <a:srgbClr val="FF7F00"/>
                 </a:solidFill>
@@ -39945,7 +39933,7 @@
               <a:t>', </a:t>
             </a:r>
             <a:r>
-              <a:rPr lang="en-US" sz="2600" b="1" i="0" u="none" strike="noStrike" cap="none" dirty="0" smtClean="0">
+              <a:rPr lang="en-US" sz="2600" i="0" u="none" strike="noStrike" cap="none" dirty="0" smtClean="0">
                 <a:solidFill>
                   <a:srgbClr val="00FF00"/>
                 </a:solidFill>
@@ -39957,7 +39945,7 @@
               <a:t>smallest</a:t>
             </a:r>
             <a:r>
-              <a:rPr lang="en-US" sz="2600" b="1" i="0" u="none" strike="noStrike" cap="none" dirty="0" smtClean="0">
+              <a:rPr lang="en-US" sz="2600" i="0" u="none" strike="noStrike" cap="none" dirty="0" smtClean="0">
                 <a:solidFill>
                   <a:schemeClr val="bg1"/>
                 </a:solidFill>
@@ -39968,7 +39956,7 @@
               </a:rPr>
               <a:t>)</a:t>
             </a:r>
-            <a:endParaRPr lang="en-US" sz="2600" b="1" i="0" u="none" strike="noStrike" cap="none" dirty="0">
+            <a:endParaRPr lang="en-US" sz="2600" i="0" u="none" strike="noStrike" cap="none" dirty="0">
               <a:solidFill>
                 <a:schemeClr val="bg1"/>
               </a:solidFill>
@@ -40695,7 +40683,7 @@
               <a:buNone/>
             </a:pPr>
             <a:r>
-              <a:rPr lang="en-US" sz="7600" u="none" strike="noStrike" cap="none">
+              <a:rPr lang="en-US" sz="7600" u="none" strike="noStrike" cap="none" dirty="0">
                 <a:solidFill>
                   <a:srgbClr val="FFFF00"/>
                 </a:solidFill>
@@ -41116,7 +41104,7 @@
               <a:buNone/>
             </a:pPr>
             <a:r>
-              <a:rPr lang="en-US" sz="3000" b="1" i="0" u="none" strike="noStrike" cap="none" dirty="0">
+              <a:rPr lang="en-US" sz="3000" i="0" u="none" strike="noStrike" cap="none" dirty="0">
                 <a:solidFill>
                   <a:srgbClr val="FFFF00"/>
                 </a:solidFill>
@@ -41128,7 +41116,7 @@
               <a:t>while</a:t>
             </a:r>
             <a:r>
-              <a:rPr lang="en-US" sz="3000" b="1" i="0" u="none" strike="noStrike" cap="none" dirty="0">
+              <a:rPr lang="en-US" sz="3000" i="0" u="none" strike="noStrike" cap="none" dirty="0">
                 <a:solidFill>
                   <a:schemeClr val="lt1"/>
                 </a:solidFill>
@@ -41140,7 +41128,7 @@
               <a:t> </a:t>
             </a:r>
             <a:r>
-              <a:rPr lang="en-US" sz="3000" b="1" i="0" u="none" strike="noStrike" cap="none" dirty="0">
+              <a:rPr lang="en-US" sz="3000" i="0" u="none" strike="noStrike" cap="none" dirty="0">
                 <a:solidFill>
                   <a:srgbClr val="FF9900"/>
                 </a:solidFill>
@@ -41152,7 +41140,7 @@
               <a:t>True</a:t>
             </a:r>
             <a:r>
-              <a:rPr lang="en-US" sz="3000" b="1" i="0" u="none" strike="noStrike" cap="none" dirty="0">
+              <a:rPr lang="en-US" sz="3000" i="0" u="none" strike="noStrike" cap="none" dirty="0">
                 <a:solidFill>
                   <a:srgbClr val="FFFF00"/>
                 </a:solidFill>
@@ -41183,7 +41171,7 @@
               <a:buNone/>
             </a:pPr>
             <a:r>
-              <a:rPr lang="en-US" sz="3000" b="1" i="0" u="none" strike="noStrike" cap="none" dirty="0">
+              <a:rPr lang="en-US" sz="3000" i="0" u="none" strike="noStrike" cap="none" dirty="0">
                 <a:solidFill>
                   <a:schemeClr val="lt1"/>
                 </a:solidFill>
@@ -41195,7 +41183,7 @@
               <a:t>    </a:t>
             </a:r>
             <a:r>
-              <a:rPr lang="en-US" sz="3000" b="1" i="0" u="none" strike="noStrike" cap="none" dirty="0">
+              <a:rPr lang="en-US" sz="3000" i="0" u="none" strike="noStrike" cap="none" dirty="0">
                 <a:solidFill>
                   <a:srgbClr val="00FF00"/>
                 </a:solidFill>
@@ -41207,7 +41195,7 @@
               <a:t>line</a:t>
             </a:r>
             <a:r>
-              <a:rPr lang="en-US" sz="3000" b="1" i="0" u="none" strike="noStrike" cap="none" dirty="0">
+              <a:rPr lang="en-US" sz="3000" i="0" u="none" strike="noStrike" cap="none" dirty="0">
                 <a:solidFill>
                   <a:schemeClr val="lt1"/>
                 </a:solidFill>
@@ -41219,7 +41207,7 @@
               <a:t> </a:t>
             </a:r>
             <a:r>
-              <a:rPr lang="en-US" sz="3000" b="1" i="0" u="none" strike="noStrike" cap="none" dirty="0">
+              <a:rPr lang="en-US" sz="3000" i="0" u="none" strike="noStrike" cap="none" dirty="0">
                 <a:solidFill>
                   <a:srgbClr val="00FFFF"/>
                 </a:solidFill>
@@ -41231,7 +41219,7 @@
               <a:t>=</a:t>
             </a:r>
             <a:r>
-              <a:rPr lang="en-US" sz="3000" b="1" i="0" u="none" strike="noStrike" cap="none" dirty="0">
+              <a:rPr lang="en-US" sz="3000" i="0" u="none" strike="noStrike" cap="none" dirty="0">
                 <a:solidFill>
                   <a:schemeClr val="lt1"/>
                 </a:solidFill>
@@ -41243,7 +41231,7 @@
               <a:t> </a:t>
             </a:r>
             <a:r>
-              <a:rPr lang="en-US" sz="3000" b="1" i="0" u="none" strike="noStrike" cap="none" dirty="0" smtClean="0">
+              <a:rPr lang="en-US" sz="3000" i="0" u="none" strike="noStrike" cap="none" dirty="0" smtClean="0">
                 <a:solidFill>
                   <a:srgbClr val="FF9900"/>
                 </a:solidFill>
@@ -41255,7 +41243,7 @@
               <a:t>input</a:t>
             </a:r>
             <a:r>
-              <a:rPr lang="en-US" sz="3000" b="1" i="0" u="none" strike="noStrike" cap="none" dirty="0">
+              <a:rPr lang="en-US" sz="3000" i="0" u="none" strike="noStrike" cap="none" dirty="0">
                 <a:solidFill>
                   <a:srgbClr val="FF9900"/>
                 </a:solidFill>
@@ -41267,7 +41255,7 @@
               <a:t>(</a:t>
             </a:r>
             <a:r>
-              <a:rPr lang="en-US" sz="3000" b="1" i="0" u="none" strike="noStrike" cap="none" dirty="0">
+              <a:rPr lang="en-US" sz="3000" i="0" u="none" strike="noStrike" cap="none" dirty="0">
                 <a:solidFill>
                   <a:srgbClr val="FFFFFF"/>
                 </a:solidFill>
@@ -41279,7 +41267,7 @@
               <a:t>'&gt; '</a:t>
             </a:r>
             <a:r>
-              <a:rPr lang="en-US" sz="3000" b="1" i="0" u="none" strike="noStrike" cap="none" dirty="0">
+              <a:rPr lang="en-US" sz="3000" i="0" u="none" strike="noStrike" cap="none" dirty="0">
                 <a:solidFill>
                   <a:srgbClr val="FF9900"/>
                 </a:solidFill>
@@ -41310,7 +41298,7 @@
               <a:buNone/>
             </a:pPr>
             <a:r>
-              <a:rPr lang="en-US" sz="3000" b="1" i="0" u="none" strike="noStrike" cap="none" dirty="0">
+              <a:rPr lang="en-US" sz="3000" i="0" u="none" strike="noStrike" cap="none" dirty="0">
                 <a:solidFill>
                   <a:schemeClr val="lt1"/>
                 </a:solidFill>
@@ -41322,7 +41310,7 @@
               <a:t>    </a:t>
             </a:r>
             <a:r>
-              <a:rPr lang="en-US" sz="3000" b="1" i="0" u="none" strike="noStrike" cap="none" dirty="0">
+              <a:rPr lang="en-US" sz="3000" i="0" u="none" strike="noStrike" cap="none" dirty="0">
                 <a:solidFill>
                   <a:srgbClr val="FFFF00"/>
                 </a:solidFill>
@@ -41334,7 +41322,7 @@
               <a:t>if </a:t>
             </a:r>
             <a:r>
-              <a:rPr lang="en-US" sz="3000" b="1" i="0" u="none" strike="noStrike" cap="none" dirty="0">
+              <a:rPr lang="en-US" sz="3000" i="0" u="none" strike="noStrike" cap="none" dirty="0">
                 <a:solidFill>
                   <a:srgbClr val="00FF00"/>
                 </a:solidFill>
@@ -41346,7 +41334,7 @@
               <a:t>line</a:t>
             </a:r>
             <a:r>
-              <a:rPr lang="en-US" sz="3000" b="1" i="0" u="none" strike="noStrike" cap="none" dirty="0">
+              <a:rPr lang="en-US" sz="3000" i="0" u="none" strike="noStrike" cap="none" dirty="0">
                 <a:solidFill>
                   <a:schemeClr val="lt1"/>
                 </a:solidFill>
@@ -41358,7 +41346,7 @@
               <a:t> </a:t>
             </a:r>
             <a:r>
-              <a:rPr lang="en-US" sz="3000" b="1" i="0" u="none" strike="noStrike" cap="none" dirty="0">
+              <a:rPr lang="en-US" sz="3000" i="0" u="none" strike="noStrike" cap="none" dirty="0">
                 <a:solidFill>
                   <a:srgbClr val="00FFFF"/>
                 </a:solidFill>
@@ -41370,7 +41358,7 @@
               <a:t>==</a:t>
             </a:r>
             <a:r>
-              <a:rPr lang="en-US" sz="3000" b="1" i="0" u="none" strike="noStrike" cap="none" dirty="0">
+              <a:rPr lang="en-US" sz="3000" i="0" u="none" strike="noStrike" cap="none" dirty="0">
                 <a:solidFill>
                   <a:srgbClr val="FF9900"/>
                 </a:solidFill>
@@ -41382,7 +41370,7 @@
               <a:t> </a:t>
             </a:r>
             <a:r>
-              <a:rPr lang="en-US" sz="3000" b="1" i="0" u="none" strike="noStrike" cap="none" dirty="0">
+              <a:rPr lang="en-US" sz="3000" i="0" u="none" strike="noStrike" cap="none" dirty="0">
                 <a:solidFill>
                   <a:srgbClr val="FFFFFF"/>
                 </a:solidFill>
@@ -41394,7 +41382,7 @@
               <a:t>'done'</a:t>
             </a:r>
             <a:r>
-              <a:rPr lang="en-US" sz="3000" b="1" i="0" u="none" strike="noStrike" cap="none" dirty="0">
+              <a:rPr lang="en-US" sz="3000" i="0" u="none" strike="noStrike" cap="none" dirty="0">
                 <a:solidFill>
                   <a:srgbClr val="FF7F00"/>
                 </a:solidFill>
@@ -41406,7 +41394,7 @@
               <a:t> </a:t>
             </a:r>
             <a:r>
-              <a:rPr lang="en-US" sz="3000" b="1" i="0" u="none" strike="noStrike" cap="none" dirty="0">
+              <a:rPr lang="en-US" sz="3000" i="0" u="none" strike="noStrike" cap="none" dirty="0">
                 <a:solidFill>
                   <a:srgbClr val="FFFF00"/>
                 </a:solidFill>
@@ -41437,7 +41425,7 @@
               <a:buNone/>
             </a:pPr>
             <a:r>
-              <a:rPr lang="en-US" sz="3000" b="1" i="0" u="none" strike="noStrike" cap="none" dirty="0">
+              <a:rPr lang="en-US" sz="3000" i="0" u="none" strike="noStrike" cap="none" dirty="0">
                 <a:solidFill>
                   <a:schemeClr val="lt1"/>
                 </a:solidFill>
@@ -41449,7 +41437,7 @@
               <a:t>        </a:t>
             </a:r>
             <a:r>
-              <a:rPr lang="en-US" sz="3000" b="1" i="0" u="none" strike="noStrike" cap="none" dirty="0">
+              <a:rPr lang="en-US" sz="3000" i="0" u="none" strike="noStrike" cap="none" dirty="0">
                 <a:solidFill>
                   <a:srgbClr val="FFFF00"/>
                 </a:solidFill>
@@ -41480,7 +41468,7 @@
               <a:buNone/>
             </a:pPr>
             <a:r>
-              <a:rPr lang="en-US" sz="3000" b="1" i="0" u="none" strike="noStrike" cap="none" dirty="0">
+              <a:rPr lang="en-US" sz="3000" i="0" u="none" strike="noStrike" cap="none" dirty="0">
                 <a:solidFill>
                   <a:schemeClr val="lt1"/>
                 </a:solidFill>
@@ -41492,7 +41480,7 @@
               <a:t>    </a:t>
             </a:r>
             <a:r>
-              <a:rPr lang="en-US" sz="3000" b="1" i="0" u="none" strike="noStrike" cap="none" dirty="0" smtClean="0">
+              <a:rPr lang="en-US" sz="3000" i="0" u="none" strike="noStrike" cap="none" dirty="0" smtClean="0">
                 <a:solidFill>
                   <a:srgbClr val="FFFF00"/>
                 </a:solidFill>
@@ -41504,7 +41492,7 @@
               <a:t>print</a:t>
             </a:r>
             <a:r>
-              <a:rPr lang="en-US" sz="3000" b="1" dirty="0" smtClean="0">
+              <a:rPr lang="en-US" sz="3000" dirty="0" smtClean="0">
                 <a:solidFill>
                   <a:schemeClr val="lt1"/>
                 </a:solidFill>
@@ -41516,7 +41504,7 @@
               <a:t>(</a:t>
             </a:r>
             <a:r>
-              <a:rPr lang="en-US" sz="3000" b="1" i="0" u="none" strike="noStrike" cap="none" dirty="0" smtClean="0">
+              <a:rPr lang="en-US" sz="3000" i="0" u="none" strike="noStrike" cap="none" dirty="0" smtClean="0">
                 <a:solidFill>
                   <a:srgbClr val="00FF00"/>
                 </a:solidFill>
@@ -41528,7 +41516,7 @@
               <a:t>line</a:t>
             </a:r>
             <a:r>
-              <a:rPr lang="en-US" sz="3000" b="1" i="0" u="none" strike="noStrike" cap="none" dirty="0" smtClean="0">
+              <a:rPr lang="en-US" sz="3000" i="0" u="none" strike="noStrike" cap="none" dirty="0" smtClean="0">
                 <a:solidFill>
                   <a:schemeClr val="bg1"/>
                 </a:solidFill>
@@ -41539,7 +41527,7 @@
               </a:rPr>
               <a:t>)</a:t>
             </a:r>
-            <a:endParaRPr lang="en-US" sz="3000" b="1" i="0" u="none" strike="noStrike" cap="none" dirty="0">
+            <a:endParaRPr lang="en-US" sz="3000" i="0" u="none" strike="noStrike" cap="none" dirty="0">
               <a:solidFill>
                 <a:schemeClr val="bg1"/>
               </a:solidFill>
@@ -41568,7 +41556,7 @@
               <a:buNone/>
             </a:pPr>
             <a:r>
-              <a:rPr lang="en-US" sz="3000" b="1" i="0" u="none" strike="noStrike" cap="none" dirty="0" smtClean="0">
+              <a:rPr lang="en-US" sz="3000" i="0" u="none" strike="noStrike" cap="none" dirty="0" smtClean="0">
                 <a:solidFill>
                   <a:srgbClr val="FFFF00"/>
                 </a:solidFill>
@@ -41580,7 +41568,7 @@
               <a:t>print</a:t>
             </a:r>
             <a:r>
-              <a:rPr lang="en-US" sz="3000" b="1" dirty="0">
+              <a:rPr lang="en-US" sz="3000" dirty="0">
                 <a:solidFill>
                   <a:schemeClr val="lt1"/>
                 </a:solidFill>
@@ -41592,7 +41580,7 @@
               <a:t>(</a:t>
             </a:r>
             <a:r>
-              <a:rPr lang="en-US" sz="3000" b="1" i="0" u="none" strike="noStrike" cap="none" dirty="0" smtClean="0">
+              <a:rPr lang="en-US" sz="3000" i="0" u="none" strike="noStrike" cap="none" dirty="0" smtClean="0">
                 <a:solidFill>
                   <a:srgbClr val="FFFFFF"/>
                 </a:solidFill>
@@ -41603,7 +41591,7 @@
               </a:rPr>
               <a:t>'Done!')</a:t>
             </a:r>
-            <a:endParaRPr lang="en-US" sz="3000" b="1" i="0" u="none" strike="noStrike" cap="none" dirty="0">
+            <a:endParaRPr lang="en-US" sz="3000" i="0" u="none" strike="noStrike" cap="none" dirty="0">
               <a:solidFill>
                 <a:srgbClr val="FFFFFF"/>
               </a:solidFill>
@@ -42122,7 +42110,7 @@
               <a:buNone/>
             </a:pPr>
             <a:r>
-              <a:rPr lang="en-US" sz="2600" b="1" i="0" u="none" strike="noStrike" cap="none" dirty="0">
+              <a:rPr lang="en-US" sz="2600" i="0" u="none" strike="noStrike" cap="none" dirty="0">
                 <a:solidFill>
                   <a:srgbClr val="00FF00"/>
                 </a:solidFill>
@@ -42134,7 +42122,7 @@
               <a:t>smallest</a:t>
             </a:r>
             <a:r>
-              <a:rPr lang="en-US" sz="2600" b="1" i="0" u="none" strike="noStrike" cap="none" dirty="0">
+              <a:rPr lang="en-US" sz="2600" i="0" u="none" strike="noStrike" cap="none" dirty="0">
                 <a:solidFill>
                   <a:schemeClr val="lt1"/>
                 </a:solidFill>
@@ -42146,7 +42134,7 @@
               <a:t> = </a:t>
             </a:r>
             <a:r>
-              <a:rPr lang="en-US" sz="2600" b="1" i="0" u="none" strike="noStrike" cap="none" dirty="0">
+              <a:rPr lang="en-US" sz="2600" i="0" u="none" strike="noStrike" cap="none" dirty="0">
                 <a:solidFill>
                   <a:srgbClr val="FFFF00"/>
                 </a:solidFill>
@@ -42177,7 +42165,7 @@
               <a:buNone/>
             </a:pPr>
             <a:r>
-              <a:rPr lang="en-US" sz="2600" b="1" i="0" u="none" strike="noStrike" cap="none" dirty="0" smtClean="0">
+              <a:rPr lang="en-US" sz="2600" i="0" u="none" strike="noStrike" cap="none" dirty="0" smtClean="0">
                 <a:solidFill>
                   <a:srgbClr val="FFFF00"/>
                 </a:solidFill>
@@ -42189,7 +42177,7 @@
               <a:t>print</a:t>
             </a:r>
             <a:r>
-              <a:rPr lang="en-US" sz="2600" b="1" dirty="0" smtClean="0">
+              <a:rPr lang="en-US" sz="2600" dirty="0" smtClean="0">
                 <a:solidFill>
                   <a:schemeClr val="lt1"/>
                 </a:solidFill>
@@ -42201,7 +42189,7 @@
               <a:t>('</a:t>
             </a:r>
             <a:r>
-              <a:rPr lang="en-US" sz="2600" b="1" i="0" u="none" strike="noStrike" cap="none" dirty="0" smtClean="0">
+              <a:rPr lang="en-US" sz="2600" i="0" u="none" strike="noStrike" cap="none" dirty="0" smtClean="0">
                 <a:solidFill>
                   <a:schemeClr val="lt1"/>
                 </a:solidFill>
@@ -42213,7 +42201,7 @@
               <a:t>Before</a:t>
             </a:r>
             <a:r>
-              <a:rPr lang="en-US" sz="2600" b="1" dirty="0" smtClean="0">
+              <a:rPr lang="en-US" sz="2600" dirty="0" smtClean="0">
                 <a:solidFill>
                   <a:schemeClr val="lt1"/>
                 </a:solidFill>
@@ -42224,7 +42212,7 @@
               </a:rPr>
               <a:t>')</a:t>
             </a:r>
-            <a:endParaRPr lang="en-US" sz="2600" b="1" dirty="0">
+            <a:endParaRPr lang="en-US" sz="2600" dirty="0">
               <a:solidFill>
                 <a:schemeClr val="lt1"/>
               </a:solidFill>
@@ -42253,7 +42241,7 @@
               <a:buNone/>
             </a:pPr>
             <a:r>
-              <a:rPr lang="en-US" sz="2600" b="1" i="0" u="none" strike="noStrike" cap="none" dirty="0">
+              <a:rPr lang="en-US" sz="2600" i="0" u="none" strike="noStrike" cap="none" dirty="0">
                 <a:solidFill>
                   <a:srgbClr val="FFFF00"/>
                 </a:solidFill>
@@ -42265,7 +42253,7 @@
               <a:t>for</a:t>
             </a:r>
             <a:r>
-              <a:rPr lang="en-US" sz="2600" b="1" i="0" u="none" strike="noStrike" cap="none" dirty="0">
+              <a:rPr lang="en-US" sz="2600" i="0" u="none" strike="noStrike" cap="none" dirty="0">
                 <a:solidFill>
                   <a:schemeClr val="lt1"/>
                 </a:solidFill>
@@ -42277,7 +42265,7 @@
               <a:t> value </a:t>
             </a:r>
             <a:r>
-              <a:rPr lang="en-US" sz="2600" b="1" i="0" u="none" strike="noStrike" cap="none" dirty="0">
+              <a:rPr lang="en-US" sz="2600" i="0" u="none" strike="noStrike" cap="none" dirty="0">
                 <a:solidFill>
                   <a:srgbClr val="FFFF00"/>
                 </a:solidFill>
@@ -42289,7 +42277,7 @@
               <a:t>in</a:t>
             </a:r>
             <a:r>
-              <a:rPr lang="en-US" sz="2600" b="1" i="0" u="none" strike="noStrike" cap="none" dirty="0">
+              <a:rPr lang="en-US" sz="2600" i="0" u="none" strike="noStrike" cap="none" dirty="0">
                 <a:solidFill>
                   <a:schemeClr val="lt1"/>
                 </a:solidFill>
@@ -42320,7 +42308,7 @@
               <a:buNone/>
             </a:pPr>
             <a:r>
-              <a:rPr lang="en-US" sz="2600" b="1" i="0" u="none" strike="noStrike" cap="none" dirty="0">
+              <a:rPr lang="en-US" sz="2600" i="0" u="none" strike="noStrike" cap="none" dirty="0">
                 <a:solidFill>
                   <a:schemeClr val="lt1"/>
                 </a:solidFill>
@@ -42332,7 +42320,7 @@
               <a:t>    </a:t>
             </a:r>
             <a:r>
-              <a:rPr lang="en-US" sz="2600" b="1" i="0" u="none" strike="noStrike" cap="none" dirty="0">
+              <a:rPr lang="en-US" sz="2600" i="0" u="none" strike="noStrike" cap="none" dirty="0">
                 <a:solidFill>
                   <a:srgbClr val="FFFF00"/>
                 </a:solidFill>
@@ -42344,7 +42332,7 @@
               <a:t>if</a:t>
             </a:r>
             <a:r>
-              <a:rPr lang="en-US" sz="2600" b="1" i="0" u="none" strike="noStrike" cap="none" dirty="0">
+              <a:rPr lang="en-US" sz="2600" i="0" u="none" strike="noStrike" cap="none" dirty="0">
                 <a:solidFill>
                   <a:schemeClr val="lt1"/>
                 </a:solidFill>
@@ -42356,7 +42344,7 @@
               <a:t> </a:t>
             </a:r>
             <a:r>
-              <a:rPr lang="en-US" sz="2600" b="1" i="0" u="none" strike="noStrike" cap="none" dirty="0">
+              <a:rPr lang="en-US" sz="2600" i="0" u="none" strike="noStrike" cap="none" dirty="0">
                 <a:solidFill>
                   <a:srgbClr val="00FF00"/>
                 </a:solidFill>
@@ -42368,7 +42356,7 @@
               <a:t>smallest</a:t>
             </a:r>
             <a:r>
-              <a:rPr lang="en-US" sz="2600" b="1" i="0" u="none" strike="noStrike" cap="none" dirty="0">
+              <a:rPr lang="en-US" sz="2600" i="0" u="none" strike="noStrike" cap="none" dirty="0">
                 <a:solidFill>
                   <a:schemeClr val="lt1"/>
                 </a:solidFill>
@@ -42380,7 +42368,7 @@
               <a:t> </a:t>
             </a:r>
             <a:r>
-              <a:rPr lang="en-US" sz="2600" b="1" i="0" u="none" strike="noStrike" cap="none" dirty="0">
+              <a:rPr lang="en-US" sz="2600" i="0" u="none" strike="noStrike" cap="none" dirty="0">
                 <a:solidFill>
                   <a:srgbClr val="00FFFF"/>
                 </a:solidFill>
@@ -42392,7 +42380,7 @@
               <a:t>is</a:t>
             </a:r>
             <a:r>
-              <a:rPr lang="en-US" sz="2600" b="1" i="0" u="none" strike="noStrike" cap="none" dirty="0">
+              <a:rPr lang="en-US" sz="2600" i="0" u="none" strike="noStrike" cap="none" dirty="0">
                 <a:solidFill>
                   <a:schemeClr val="lt1"/>
                 </a:solidFill>
@@ -42404,7 +42392,7 @@
               <a:t> </a:t>
             </a:r>
             <a:r>
-              <a:rPr lang="en-US" sz="2600" b="1" i="0" u="none" strike="noStrike" cap="none" dirty="0">
+              <a:rPr lang="en-US" sz="2600" i="0" u="none" strike="noStrike" cap="none" dirty="0">
                 <a:solidFill>
                   <a:srgbClr val="FFFF00"/>
                 </a:solidFill>
@@ -42416,7 +42404,7 @@
               <a:t>None</a:t>
             </a:r>
             <a:r>
-              <a:rPr lang="en-US" sz="2600" b="1" i="0" u="none" strike="noStrike" cap="none" dirty="0">
+              <a:rPr lang="en-US" sz="2600" i="0" u="none" strike="noStrike" cap="none" dirty="0">
                 <a:solidFill>
                   <a:schemeClr val="lt1"/>
                 </a:solidFill>
@@ -42447,7 +42435,7 @@
               <a:buNone/>
             </a:pPr>
             <a:r>
-              <a:rPr lang="en-US" sz="2600" b="1" i="0" u="none" strike="noStrike" cap="none" dirty="0">
+              <a:rPr lang="en-US" sz="2600" i="0" u="none" strike="noStrike" cap="none" dirty="0">
                 <a:solidFill>
                   <a:schemeClr val="lt1"/>
                 </a:solidFill>
@@ -42459,7 +42447,7 @@
               <a:t>        </a:t>
             </a:r>
             <a:r>
-              <a:rPr lang="en-US" sz="2600" b="1" i="0" u="none" strike="noStrike" cap="none" dirty="0">
+              <a:rPr lang="en-US" sz="2600" i="0" u="none" strike="noStrike" cap="none" dirty="0">
                 <a:solidFill>
                   <a:srgbClr val="00FF00"/>
                 </a:solidFill>
@@ -42471,7 +42459,7 @@
               <a:t>smallest</a:t>
             </a:r>
             <a:r>
-              <a:rPr lang="en-US" sz="2600" b="1" i="0" u="none" strike="noStrike" cap="none" dirty="0">
+              <a:rPr lang="en-US" sz="2600" i="0" u="none" strike="noStrike" cap="none" dirty="0">
                 <a:solidFill>
                   <a:schemeClr val="lt1"/>
                 </a:solidFill>
@@ -42502,7 +42490,7 @@
               <a:buNone/>
             </a:pPr>
             <a:r>
-              <a:rPr lang="en-US" sz="2600" b="1" i="0" u="none" strike="noStrike" cap="none" dirty="0">
+              <a:rPr lang="en-US" sz="2600" i="0" u="none" strike="noStrike" cap="none" dirty="0">
                 <a:solidFill>
                   <a:schemeClr val="lt1"/>
                 </a:solidFill>
@@ -42514,7 +42502,7 @@
               <a:t>    </a:t>
             </a:r>
             <a:r>
-              <a:rPr lang="en-US" sz="2600" b="1" i="0" u="none" strike="noStrike" cap="none" dirty="0" err="1">
+              <a:rPr lang="en-US" sz="2600" i="0" u="none" strike="noStrike" cap="none" dirty="0" err="1">
                 <a:solidFill>
                   <a:srgbClr val="FFFF00"/>
                 </a:solidFill>
@@ -42526,7 +42514,7 @@
               <a:t>elif</a:t>
             </a:r>
             <a:r>
-              <a:rPr lang="en-US" sz="2600" b="1" i="0" u="none" strike="noStrike" cap="none" dirty="0">
+              <a:rPr lang="en-US" sz="2600" i="0" u="none" strike="noStrike" cap="none" dirty="0">
                 <a:solidFill>
                   <a:schemeClr val="lt1"/>
                 </a:solidFill>
@@ -42538,7 +42526,7 @@
               <a:t> value &lt; </a:t>
             </a:r>
             <a:r>
-              <a:rPr lang="en-US" sz="2600" b="1" i="0" u="none" strike="noStrike" cap="none" dirty="0">
+              <a:rPr lang="en-US" sz="2600" i="0" u="none" strike="noStrike" cap="none" dirty="0">
                 <a:solidFill>
                   <a:srgbClr val="00FF00"/>
                 </a:solidFill>
@@ -42550,7 +42538,7 @@
               <a:t>smallest</a:t>
             </a:r>
             <a:r>
-              <a:rPr lang="en-US" sz="2600" b="1" i="0" u="none" strike="noStrike" cap="none" dirty="0">
+              <a:rPr lang="en-US" sz="2600" i="0" u="none" strike="noStrike" cap="none" dirty="0">
                 <a:solidFill>
                   <a:schemeClr val="lt1"/>
                 </a:solidFill>
@@ -42581,7 +42569,7 @@
               <a:buNone/>
             </a:pPr>
             <a:r>
-              <a:rPr lang="en-US" sz="2600" b="1" i="0" u="none" strike="noStrike" cap="none" dirty="0">
+              <a:rPr lang="en-US" sz="2600" i="0" u="none" strike="noStrike" cap="none" dirty="0">
                 <a:solidFill>
                   <a:schemeClr val="lt1"/>
                 </a:solidFill>
@@ -42593,7 +42581,7 @@
               <a:t>        </a:t>
             </a:r>
             <a:r>
-              <a:rPr lang="en-US" sz="2600" b="1" i="0" u="none" strike="noStrike" cap="none" dirty="0">
+              <a:rPr lang="en-US" sz="2600" i="0" u="none" strike="noStrike" cap="none" dirty="0">
                 <a:solidFill>
                   <a:srgbClr val="00FF00"/>
                 </a:solidFill>
@@ -42605,7 +42593,7 @@
               <a:t>smallest</a:t>
             </a:r>
             <a:r>
-              <a:rPr lang="en-US" sz="2600" b="1" i="0" u="none" strike="noStrike" cap="none" dirty="0">
+              <a:rPr lang="en-US" sz="2600" i="0" u="none" strike="noStrike" cap="none" dirty="0">
                 <a:solidFill>
                   <a:schemeClr val="lt1"/>
                 </a:solidFill>
@@ -42636,7 +42624,7 @@
               <a:buNone/>
             </a:pPr>
             <a:r>
-              <a:rPr lang="en-US" sz="2600" b="1" i="0" u="none" strike="noStrike" cap="none" dirty="0">
+              <a:rPr lang="en-US" sz="2600" i="0" u="none" strike="noStrike" cap="none" dirty="0">
                 <a:solidFill>
                   <a:schemeClr val="lt1"/>
                 </a:solidFill>
@@ -42648,7 +42636,7 @@
               <a:t>    </a:t>
             </a:r>
             <a:r>
-              <a:rPr lang="en-US" sz="2600" b="1" i="0" u="none" strike="noStrike" cap="none" dirty="0">
+              <a:rPr lang="en-US" sz="2600" i="0" u="none" strike="noStrike" cap="none" dirty="0">
                 <a:solidFill>
                   <a:srgbClr val="FFFF00"/>
                 </a:solidFill>
@@ -42660,7 +42648,7 @@
               <a:t>print</a:t>
             </a:r>
             <a:r>
-              <a:rPr lang="en-US" sz="2600" b="1" i="0" u="none" strike="noStrike" cap="none" dirty="0">
+              <a:rPr lang="en-US" sz="2600" i="0" u="none" strike="noStrike" cap="none" dirty="0">
                 <a:solidFill>
                   <a:schemeClr val="lt1"/>
                 </a:solidFill>
@@ -42672,7 +42660,7 @@
               <a:t> </a:t>
             </a:r>
             <a:r>
-              <a:rPr lang="en-US" sz="2600" b="1" i="0" u="none" strike="noStrike" cap="none" dirty="0">
+              <a:rPr lang="en-US" sz="2600" i="0" u="none" strike="noStrike" cap="none" dirty="0">
                 <a:solidFill>
                   <a:srgbClr val="00FF00"/>
                 </a:solidFill>
@@ -42684,7 +42672,7 @@
               <a:t>smallest</a:t>
             </a:r>
             <a:r>
-              <a:rPr lang="en-US" sz="2600" b="1" i="0" u="none" strike="noStrike" cap="none" dirty="0">
+              <a:rPr lang="en-US" sz="2600" i="0" u="none" strike="noStrike" cap="none" dirty="0">
                 <a:solidFill>
                   <a:schemeClr val="lt1"/>
                 </a:solidFill>
@@ -42696,7 +42684,7 @@
               <a:t>, </a:t>
             </a:r>
             <a:r>
-              <a:rPr lang="en-US" sz="2600" b="1" i="0" u="none" strike="noStrike" cap="none" dirty="0" smtClean="0">
+              <a:rPr lang="en-US" sz="2600" i="0" u="none" strike="noStrike" cap="none" dirty="0" smtClean="0">
                 <a:solidFill>
                   <a:schemeClr val="lt1"/>
                 </a:solidFill>
@@ -42726,7 +42714,7 @@
               <a:buFont typeface="Cabin"/>
               <a:buNone/>
             </a:pPr>
-            <a:endParaRPr lang="en-US" sz="2600" b="1" i="0" u="none" strike="noStrike" cap="none" dirty="0">
+            <a:endParaRPr lang="en-US" sz="2600" i="0" u="none" strike="noStrike" cap="none" dirty="0">
               <a:solidFill>
                 <a:schemeClr val="lt1"/>
               </a:solidFill>
@@ -42755,7 +42743,7 @@
               <a:buNone/>
             </a:pPr>
             <a:r>
-              <a:rPr lang="en-US" sz="2600" b="1" i="0" u="none" strike="noStrike" cap="none" dirty="0" smtClean="0">
+              <a:rPr lang="en-US" sz="2600" i="0" u="none" strike="noStrike" cap="none" dirty="0" smtClean="0">
                 <a:solidFill>
                   <a:srgbClr val="FFFF00"/>
                 </a:solidFill>
@@ -42767,7 +42755,7 @@
               <a:t>print</a:t>
             </a:r>
             <a:r>
-              <a:rPr lang="en-US" sz="2600" b="1" dirty="0">
+              <a:rPr lang="en-US" sz="2600" dirty="0">
                 <a:solidFill>
                   <a:schemeClr val="lt1"/>
                 </a:solidFill>
@@ -42779,7 +42767,7 @@
               <a:t>(</a:t>
             </a:r>
             <a:r>
-              <a:rPr lang="en-US" sz="2600" b="1" i="0" u="none" strike="noStrike" cap="none" dirty="0" smtClean="0">
+              <a:rPr lang="en-US" sz="2600" i="0" u="none" strike="noStrike" cap="none" dirty="0" smtClean="0">
                 <a:solidFill>
                   <a:schemeClr val="lt1"/>
                 </a:solidFill>
@@ -42791,7 +42779,7 @@
               <a:t>'After</a:t>
             </a:r>
             <a:r>
-              <a:rPr lang="en-US" sz="2600" b="1" i="0" u="none" strike="noStrike" cap="none" dirty="0">
+              <a:rPr lang="en-US" sz="2600" i="0" u="none" strike="noStrike" cap="none" dirty="0">
                 <a:solidFill>
                   <a:schemeClr val="lt1"/>
                 </a:solidFill>
@@ -42803,7 +42791,7 @@
               <a:t>', </a:t>
             </a:r>
             <a:r>
-              <a:rPr lang="en-US" sz="2600" b="1" i="0" u="none" strike="noStrike" cap="none" dirty="0" smtClean="0">
+              <a:rPr lang="en-US" sz="2600" i="0" u="none" strike="noStrike" cap="none" dirty="0" smtClean="0">
                 <a:solidFill>
                   <a:srgbClr val="00FF00"/>
                 </a:solidFill>
@@ -42815,7 +42803,7 @@
               <a:t>smallest</a:t>
             </a:r>
             <a:r>
-              <a:rPr lang="en-US" sz="2600" b="1" i="0" u="none" strike="noStrike" cap="none" dirty="0" smtClean="0">
+              <a:rPr lang="en-US" sz="2600" i="0" u="none" strike="noStrike" cap="none" dirty="0" smtClean="0">
                 <a:solidFill>
                   <a:schemeClr val="bg1"/>
                 </a:solidFill>
@@ -42826,7 +42814,7 @@
               </a:rPr>
               <a:t>)</a:t>
             </a:r>
-            <a:endParaRPr lang="en-US" sz="2600" b="1" i="0" u="none" strike="noStrike" cap="none" dirty="0">
+            <a:endParaRPr lang="en-US" sz="2600" i="0" u="none" strike="noStrike" cap="none" dirty="0">
               <a:solidFill>
                 <a:schemeClr val="bg1"/>
               </a:solidFill>
@@ -44074,7 +44062,7 @@
               <a:buNone/>
             </a:pPr>
             <a:r>
-              <a:rPr lang="en-US" sz="3000" b="1" i="0" u="none" strike="noStrike" cap="none" dirty="0">
+              <a:rPr lang="en-US" sz="3000" i="0" u="none" strike="noStrike" cap="none" dirty="0">
                 <a:solidFill>
                   <a:srgbClr val="FFFF00"/>
                 </a:solidFill>
@@ -44086,7 +44074,7 @@
               <a:t>while</a:t>
             </a:r>
             <a:r>
-              <a:rPr lang="en-US" sz="3000" b="1" i="0" u="none" strike="noStrike" cap="none" dirty="0">
+              <a:rPr lang="en-US" sz="3000" i="0" u="none" strike="noStrike" cap="none" dirty="0">
                 <a:solidFill>
                   <a:schemeClr val="lt1"/>
                 </a:solidFill>
@@ -44098,7 +44086,7 @@
               <a:t> </a:t>
             </a:r>
             <a:r>
-              <a:rPr lang="en-US" sz="3000" b="1" i="0" u="none" strike="noStrike" cap="none" dirty="0">
+              <a:rPr lang="en-US" sz="3000" i="0" u="none" strike="noStrike" cap="none" dirty="0">
                 <a:solidFill>
                   <a:srgbClr val="FF9900"/>
                 </a:solidFill>
@@ -44110,7 +44098,7 @@
               <a:t>True</a:t>
             </a:r>
             <a:r>
-              <a:rPr lang="en-US" sz="3000" b="1" i="0" u="none" strike="noStrike" cap="none" dirty="0">
+              <a:rPr lang="en-US" sz="3000" i="0" u="none" strike="noStrike" cap="none" dirty="0">
                 <a:solidFill>
                   <a:srgbClr val="FFFF00"/>
                 </a:solidFill>
@@ -44141,7 +44129,7 @@
               <a:buNone/>
             </a:pPr>
             <a:r>
-              <a:rPr lang="en-US" sz="3000" b="1" i="0" u="none" strike="noStrike" cap="none" dirty="0">
+              <a:rPr lang="en-US" sz="3000" i="0" u="none" strike="noStrike" cap="none" dirty="0">
                 <a:solidFill>
                   <a:schemeClr val="lt1"/>
                 </a:solidFill>
@@ -44153,7 +44141,7 @@
               <a:t>    </a:t>
             </a:r>
             <a:r>
-              <a:rPr lang="en-US" sz="3000" b="1" i="0" u="none" strike="noStrike" cap="none" dirty="0">
+              <a:rPr lang="en-US" sz="3000" i="0" u="none" strike="noStrike" cap="none" dirty="0">
                 <a:solidFill>
                   <a:srgbClr val="00FF00"/>
                 </a:solidFill>
@@ -44165,7 +44153,7 @@
               <a:t>line</a:t>
             </a:r>
             <a:r>
-              <a:rPr lang="en-US" sz="3000" b="1" i="0" u="none" strike="noStrike" cap="none" dirty="0">
+              <a:rPr lang="en-US" sz="3000" i="0" u="none" strike="noStrike" cap="none" dirty="0">
                 <a:solidFill>
                   <a:schemeClr val="lt1"/>
                 </a:solidFill>
@@ -44177,7 +44165,7 @@
               <a:t> </a:t>
             </a:r>
             <a:r>
-              <a:rPr lang="en-US" sz="3000" b="1" i="0" u="none" strike="noStrike" cap="none" dirty="0">
+              <a:rPr lang="en-US" sz="3000" i="0" u="none" strike="noStrike" cap="none" dirty="0">
                 <a:solidFill>
                   <a:srgbClr val="00FFFF"/>
                 </a:solidFill>
@@ -44189,7 +44177,7 @@
               <a:t>=</a:t>
             </a:r>
             <a:r>
-              <a:rPr lang="en-US" sz="3000" b="1" i="0" u="none" strike="noStrike" cap="none" dirty="0">
+              <a:rPr lang="en-US" sz="3000" i="0" u="none" strike="noStrike" cap="none" dirty="0">
                 <a:solidFill>
                   <a:schemeClr val="lt1"/>
                 </a:solidFill>
@@ -44201,7 +44189,7 @@
               <a:t> </a:t>
             </a:r>
             <a:r>
-              <a:rPr lang="en-US" sz="3000" b="1" i="0" u="none" strike="noStrike" cap="none" dirty="0" smtClean="0">
+              <a:rPr lang="en-US" sz="3000" i="0" u="none" strike="noStrike" cap="none" dirty="0" smtClean="0">
                 <a:solidFill>
                   <a:srgbClr val="FF9900"/>
                 </a:solidFill>
@@ -44213,7 +44201,7 @@
               <a:t>input</a:t>
             </a:r>
             <a:r>
-              <a:rPr lang="en-US" sz="3000" b="1" i="0" u="none" strike="noStrike" cap="none" dirty="0">
+              <a:rPr lang="en-US" sz="3000" i="0" u="none" strike="noStrike" cap="none" dirty="0">
                 <a:solidFill>
                   <a:srgbClr val="FF9900"/>
                 </a:solidFill>
@@ -44225,7 +44213,7 @@
               <a:t>(</a:t>
             </a:r>
             <a:r>
-              <a:rPr lang="en-US" sz="3000" b="1" i="0" u="none" strike="noStrike" cap="none" dirty="0">
+              <a:rPr lang="en-US" sz="3000" i="0" u="none" strike="noStrike" cap="none" dirty="0">
                 <a:solidFill>
                   <a:srgbClr val="FFFFFF"/>
                 </a:solidFill>
@@ -44237,7 +44225,7 @@
               <a:t>'&gt; '</a:t>
             </a:r>
             <a:r>
-              <a:rPr lang="en-US" sz="3000" b="1" i="0" u="none" strike="noStrike" cap="none" dirty="0">
+              <a:rPr lang="en-US" sz="3000" i="0" u="none" strike="noStrike" cap="none" dirty="0">
                 <a:solidFill>
                   <a:srgbClr val="FF9900"/>
                 </a:solidFill>
@@ -44268,7 +44256,7 @@
               <a:buNone/>
             </a:pPr>
             <a:r>
-              <a:rPr lang="en-US" sz="3000" b="1" i="0" u="none" strike="noStrike" cap="none" dirty="0">
+              <a:rPr lang="en-US" sz="3000" i="0" u="none" strike="noStrike" cap="none" dirty="0">
                 <a:solidFill>
                   <a:schemeClr val="lt1"/>
                 </a:solidFill>
@@ -44280,7 +44268,7 @@
               <a:t>    </a:t>
             </a:r>
             <a:r>
-              <a:rPr lang="en-US" sz="3000" b="1" i="0" u="none" strike="noStrike" cap="none" dirty="0">
+              <a:rPr lang="en-US" sz="3000" i="0" u="none" strike="noStrike" cap="none" dirty="0">
                 <a:solidFill>
                   <a:srgbClr val="FFFF00"/>
                 </a:solidFill>
@@ -44292,7 +44280,7 @@
               <a:t>if </a:t>
             </a:r>
             <a:r>
-              <a:rPr lang="en-US" sz="3000" b="1" i="0" u="none" strike="noStrike" cap="none" dirty="0">
+              <a:rPr lang="en-US" sz="3000" i="0" u="none" strike="noStrike" cap="none" dirty="0">
                 <a:solidFill>
                   <a:srgbClr val="00FF00"/>
                 </a:solidFill>
@@ -44304,7 +44292,7 @@
               <a:t>line</a:t>
             </a:r>
             <a:r>
-              <a:rPr lang="en-US" sz="3000" b="1" i="0" u="none" strike="noStrike" cap="none" dirty="0">
+              <a:rPr lang="en-US" sz="3000" i="0" u="none" strike="noStrike" cap="none" dirty="0">
                 <a:solidFill>
                   <a:schemeClr val="lt1"/>
                 </a:solidFill>
@@ -44316,7 +44304,7 @@
               <a:t> </a:t>
             </a:r>
             <a:r>
-              <a:rPr lang="en-US" sz="3000" b="1" i="0" u="none" strike="noStrike" cap="none" dirty="0">
+              <a:rPr lang="en-US" sz="3000" i="0" u="none" strike="noStrike" cap="none" dirty="0">
                 <a:solidFill>
                   <a:srgbClr val="00FFFF"/>
                 </a:solidFill>
@@ -44328,7 +44316,7 @@
               <a:t>==</a:t>
             </a:r>
             <a:r>
-              <a:rPr lang="en-US" sz="3000" b="1" i="0" u="none" strike="noStrike" cap="none" dirty="0">
+              <a:rPr lang="en-US" sz="3000" i="0" u="none" strike="noStrike" cap="none" dirty="0">
                 <a:solidFill>
                   <a:srgbClr val="FF9900"/>
                 </a:solidFill>
@@ -44340,7 +44328,7 @@
               <a:t> </a:t>
             </a:r>
             <a:r>
-              <a:rPr lang="en-US" sz="3000" b="1" i="0" u="none" strike="noStrike" cap="none" dirty="0">
+              <a:rPr lang="en-US" sz="3000" i="0" u="none" strike="noStrike" cap="none" dirty="0">
                 <a:solidFill>
                   <a:srgbClr val="FFFFFF"/>
                 </a:solidFill>
@@ -44352,7 +44340,7 @@
               <a:t>'done'</a:t>
             </a:r>
             <a:r>
-              <a:rPr lang="en-US" sz="3000" b="1" i="0" u="none" strike="noStrike" cap="none" dirty="0">
+              <a:rPr lang="en-US" sz="3000" i="0" u="none" strike="noStrike" cap="none" dirty="0">
                 <a:solidFill>
                   <a:srgbClr val="FF7F00"/>
                 </a:solidFill>
@@ -44364,7 +44352,7 @@
               <a:t> </a:t>
             </a:r>
             <a:r>
-              <a:rPr lang="en-US" sz="3000" b="1" i="0" u="none" strike="noStrike" cap="none" dirty="0">
+              <a:rPr lang="en-US" sz="3000" i="0" u="none" strike="noStrike" cap="none" dirty="0">
                 <a:solidFill>
                   <a:srgbClr val="FFFF00"/>
                 </a:solidFill>
@@ -44395,7 +44383,7 @@
               <a:buNone/>
             </a:pPr>
             <a:r>
-              <a:rPr lang="en-US" sz="3000" b="1" i="0" u="none" strike="noStrike" cap="none" dirty="0">
+              <a:rPr lang="en-US" sz="3000" i="0" u="none" strike="noStrike" cap="none" dirty="0">
                 <a:solidFill>
                   <a:schemeClr val="lt1"/>
                 </a:solidFill>
@@ -44407,7 +44395,7 @@
               <a:t>        </a:t>
             </a:r>
             <a:r>
-              <a:rPr lang="en-US" sz="3000" b="1" i="0" u="none" strike="noStrike" cap="none" dirty="0">
+              <a:rPr lang="en-US" sz="3000" i="0" u="none" strike="noStrike" cap="none" dirty="0">
                 <a:solidFill>
                   <a:srgbClr val="FFFF00"/>
                 </a:solidFill>
@@ -44438,7 +44426,7 @@
               <a:buNone/>
             </a:pPr>
             <a:r>
-              <a:rPr lang="en-US" sz="3000" b="1" i="0" u="none" strike="noStrike" cap="none" dirty="0">
+              <a:rPr lang="en-US" sz="3000" i="0" u="none" strike="noStrike" cap="none" dirty="0">
                 <a:solidFill>
                   <a:schemeClr val="lt1"/>
                 </a:solidFill>
@@ -44450,7 +44438,7 @@
               <a:t>    </a:t>
             </a:r>
             <a:r>
-              <a:rPr lang="en-US" sz="3000" b="1" i="0" u="none" strike="noStrike" cap="none" dirty="0" smtClean="0">
+              <a:rPr lang="en-US" sz="3000" i="0" u="none" strike="noStrike" cap="none" dirty="0" smtClean="0">
                 <a:solidFill>
                   <a:srgbClr val="FFFF00"/>
                 </a:solidFill>
@@ -44462,7 +44450,7 @@
               <a:t>print</a:t>
             </a:r>
             <a:r>
-              <a:rPr lang="en-US" sz="3000" b="1" dirty="0" smtClean="0">
+              <a:rPr lang="en-US" sz="3000" dirty="0" smtClean="0">
                 <a:solidFill>
                   <a:schemeClr val="lt1"/>
                 </a:solidFill>
@@ -44474,7 +44462,7 @@
               <a:t>(</a:t>
             </a:r>
             <a:r>
-              <a:rPr lang="en-US" sz="3000" b="1" i="0" u="none" strike="noStrike" cap="none" dirty="0" smtClean="0">
+              <a:rPr lang="en-US" sz="3000" i="0" u="none" strike="noStrike" cap="none" dirty="0" smtClean="0">
                 <a:solidFill>
                   <a:srgbClr val="00FF00"/>
                 </a:solidFill>
@@ -44486,7 +44474,7 @@
               <a:t>line</a:t>
             </a:r>
             <a:r>
-              <a:rPr lang="en-US" sz="3000" b="1" i="0" u="none" strike="noStrike" cap="none" dirty="0" smtClean="0">
+              <a:rPr lang="en-US" sz="3000" i="0" u="none" strike="noStrike" cap="none" dirty="0" smtClean="0">
                 <a:solidFill>
                   <a:schemeClr val="bg1"/>
                 </a:solidFill>
@@ -44497,7 +44485,7 @@
               </a:rPr>
               <a:t>)</a:t>
             </a:r>
-            <a:endParaRPr lang="en-US" sz="3000" b="1" i="0" u="none" strike="noStrike" cap="none" dirty="0">
+            <a:endParaRPr lang="en-US" sz="3000" i="0" u="none" strike="noStrike" cap="none" dirty="0">
               <a:solidFill>
                 <a:schemeClr val="bg1"/>
               </a:solidFill>
@@ -44526,7 +44514,7 @@
               <a:buNone/>
             </a:pPr>
             <a:r>
-              <a:rPr lang="en-US" sz="3000" b="1" i="0" u="none" strike="noStrike" cap="none" dirty="0" smtClean="0">
+              <a:rPr lang="en-US" sz="3000" i="0" u="none" strike="noStrike" cap="none" dirty="0" smtClean="0">
                 <a:solidFill>
                   <a:srgbClr val="FFFF00"/>
                 </a:solidFill>
@@ -44538,7 +44526,7 @@
               <a:t>print</a:t>
             </a:r>
             <a:r>
-              <a:rPr lang="en-US" sz="3000" b="1" dirty="0">
+              <a:rPr lang="en-US" sz="3000" dirty="0">
                 <a:solidFill>
                   <a:schemeClr val="lt1"/>
                 </a:solidFill>
@@ -44550,7 +44538,7 @@
               <a:t>(</a:t>
             </a:r>
             <a:r>
-              <a:rPr lang="en-US" sz="3000" b="1" i="0" u="none" strike="noStrike" cap="none" dirty="0" smtClean="0">
+              <a:rPr lang="en-US" sz="3000" i="0" u="none" strike="noStrike" cap="none" dirty="0" smtClean="0">
                 <a:solidFill>
                   <a:srgbClr val="FFFFFF"/>
                 </a:solidFill>
@@ -44561,7 +44549,7 @@
               </a:rPr>
               <a:t>'Done!')</a:t>
             </a:r>
-            <a:endParaRPr lang="en-US" sz="3000" b="1" i="0" u="none" strike="noStrike" cap="none" dirty="0">
+            <a:endParaRPr lang="en-US" sz="3000" i="0" u="none" strike="noStrike" cap="none" dirty="0">
               <a:solidFill>
                 <a:srgbClr val="FFFFFF"/>
               </a:solidFill>
@@ -45305,7 +45293,7 @@
               <a:buNone/>
             </a:pPr>
             <a:r>
-              <a:rPr lang="en-US" sz="3000" b="1" i="0" u="none" strike="noStrike" cap="none" dirty="0">
+              <a:rPr lang="en-US" sz="3000" i="0" u="none" strike="noStrike" cap="none" dirty="0">
                 <a:solidFill>
                   <a:srgbClr val="FFFF00"/>
                 </a:solidFill>
@@ -45317,7 +45305,7 @@
               <a:t>while</a:t>
             </a:r>
             <a:r>
-              <a:rPr lang="en-US" sz="3000" b="1" i="0" u="none" strike="noStrike" cap="none" dirty="0">
+              <a:rPr lang="en-US" sz="3000" i="0" u="none" strike="noStrike" cap="none" dirty="0">
                 <a:solidFill>
                   <a:schemeClr val="lt1"/>
                 </a:solidFill>
@@ -45329,7 +45317,7 @@
               <a:t> </a:t>
             </a:r>
             <a:r>
-              <a:rPr lang="en-US" sz="3000" b="1" i="0" u="none" strike="noStrike" cap="none" dirty="0">
+              <a:rPr lang="en-US" sz="3000" i="0" u="none" strike="noStrike" cap="none" dirty="0">
                 <a:solidFill>
                   <a:srgbClr val="FF9900"/>
                 </a:solidFill>
@@ -45341,7 +45329,7 @@
               <a:t>True</a:t>
             </a:r>
             <a:r>
-              <a:rPr lang="en-US" sz="3000" b="1" i="0" u="none" strike="noStrike" cap="none" dirty="0">
+              <a:rPr lang="en-US" sz="3000" i="0" u="none" strike="noStrike" cap="none" dirty="0">
                 <a:solidFill>
                   <a:srgbClr val="FFFF00"/>
                 </a:solidFill>
@@ -45372,7 +45360,7 @@
               <a:buNone/>
             </a:pPr>
             <a:r>
-              <a:rPr lang="en-US" sz="3000" b="1" i="0" u="none" strike="noStrike" cap="none" dirty="0">
+              <a:rPr lang="en-US" sz="3000" i="0" u="none" strike="noStrike" cap="none" dirty="0">
                 <a:solidFill>
                   <a:schemeClr val="lt1"/>
                 </a:solidFill>
@@ -45384,7 +45372,7 @@
               <a:t>    </a:t>
             </a:r>
             <a:r>
-              <a:rPr lang="en-US" sz="3000" b="1" i="0" u="none" strike="noStrike" cap="none" dirty="0">
+              <a:rPr lang="en-US" sz="3000" i="0" u="none" strike="noStrike" cap="none" dirty="0">
                 <a:solidFill>
                   <a:srgbClr val="00FF00"/>
                 </a:solidFill>
@@ -45396,7 +45384,7 @@
               <a:t>line</a:t>
             </a:r>
             <a:r>
-              <a:rPr lang="en-US" sz="3000" b="1" i="0" u="none" strike="noStrike" cap="none" dirty="0">
+              <a:rPr lang="en-US" sz="3000" i="0" u="none" strike="noStrike" cap="none" dirty="0">
                 <a:solidFill>
                   <a:schemeClr val="lt1"/>
                 </a:solidFill>
@@ -45408,7 +45396,7 @@
               <a:t> </a:t>
             </a:r>
             <a:r>
-              <a:rPr lang="en-US" sz="3000" b="1" i="0" u="none" strike="noStrike" cap="none" dirty="0">
+              <a:rPr lang="en-US" sz="3000" i="0" u="none" strike="noStrike" cap="none" dirty="0">
                 <a:solidFill>
                   <a:srgbClr val="00FFFF"/>
                 </a:solidFill>
@@ -45420,7 +45408,7 @@
               <a:t>=</a:t>
             </a:r>
             <a:r>
-              <a:rPr lang="en-US" sz="3000" b="1" i="0" u="none" strike="noStrike" cap="none" dirty="0">
+              <a:rPr lang="en-US" sz="3000" i="0" u="none" strike="noStrike" cap="none" dirty="0">
                 <a:solidFill>
                   <a:schemeClr val="lt1"/>
                 </a:solidFill>
@@ -45432,7 +45420,7 @@
               <a:t> </a:t>
             </a:r>
             <a:r>
-              <a:rPr lang="en-US" sz="3000" b="1" i="0" u="none" strike="noStrike" cap="none" dirty="0" smtClean="0">
+              <a:rPr lang="en-US" sz="3000" i="0" u="none" strike="noStrike" cap="none" dirty="0" smtClean="0">
                 <a:solidFill>
                   <a:srgbClr val="FF9900"/>
                 </a:solidFill>
@@ -45444,7 +45432,7 @@
               <a:t>input</a:t>
             </a:r>
             <a:r>
-              <a:rPr lang="en-US" sz="3000" b="1" i="0" u="none" strike="noStrike" cap="none" dirty="0">
+              <a:rPr lang="en-US" sz="3000" i="0" u="none" strike="noStrike" cap="none" dirty="0">
                 <a:solidFill>
                   <a:srgbClr val="FF9900"/>
                 </a:solidFill>
@@ -45456,7 +45444,7 @@
               <a:t>(</a:t>
             </a:r>
             <a:r>
-              <a:rPr lang="en-US" sz="3000" b="1" i="0" u="none" strike="noStrike" cap="none" dirty="0">
+              <a:rPr lang="en-US" sz="3000" i="0" u="none" strike="noStrike" cap="none" dirty="0">
                 <a:solidFill>
                   <a:srgbClr val="FFFFFF"/>
                 </a:solidFill>
@@ -45468,7 +45456,7 @@
               <a:t>'&gt; '</a:t>
             </a:r>
             <a:r>
-              <a:rPr lang="en-US" sz="3000" b="1" i="0" u="none" strike="noStrike" cap="none" dirty="0">
+              <a:rPr lang="en-US" sz="3000" i="0" u="none" strike="noStrike" cap="none" dirty="0">
                 <a:solidFill>
                   <a:srgbClr val="FF9900"/>
                 </a:solidFill>
@@ -45499,7 +45487,7 @@
               <a:buNone/>
             </a:pPr>
             <a:r>
-              <a:rPr lang="en-US" sz="3000" b="1" i="0" u="none" strike="noStrike" cap="none" dirty="0">
+              <a:rPr lang="en-US" sz="3000" i="0" u="none" strike="noStrike" cap="none" dirty="0">
                 <a:solidFill>
                   <a:schemeClr val="lt1"/>
                 </a:solidFill>
@@ -45511,7 +45499,7 @@
               <a:t>    </a:t>
             </a:r>
             <a:r>
-              <a:rPr lang="en-US" sz="3000" b="1" i="0" u="none" strike="noStrike" cap="none" dirty="0">
+              <a:rPr lang="en-US" sz="3000" i="0" u="none" strike="noStrike" cap="none" dirty="0">
                 <a:solidFill>
                   <a:srgbClr val="FFFF00"/>
                 </a:solidFill>
@@ -45523,7 +45511,7 @@
               <a:t>if </a:t>
             </a:r>
             <a:r>
-              <a:rPr lang="en-US" sz="3000" b="1" i="0" u="none" strike="noStrike" cap="none" dirty="0">
+              <a:rPr lang="en-US" sz="3000" i="0" u="none" strike="noStrike" cap="none" dirty="0">
                 <a:solidFill>
                   <a:srgbClr val="00FF00"/>
                 </a:solidFill>
@@ -45535,7 +45523,7 @@
               <a:t>line</a:t>
             </a:r>
             <a:r>
-              <a:rPr lang="en-US" sz="3000" b="1" i="0" u="none" strike="noStrike" cap="none" dirty="0">
+              <a:rPr lang="en-US" sz="3000" i="0" u="none" strike="noStrike" cap="none" dirty="0">
                 <a:solidFill>
                   <a:schemeClr val="lt1"/>
                 </a:solidFill>
@@ -45547,7 +45535,7 @@
               <a:t> </a:t>
             </a:r>
             <a:r>
-              <a:rPr lang="en-US" sz="3000" b="1" i="0" u="none" strike="noStrike" cap="none" dirty="0">
+              <a:rPr lang="en-US" sz="3000" i="0" u="none" strike="noStrike" cap="none" dirty="0">
                 <a:solidFill>
                   <a:srgbClr val="00FFFF"/>
                 </a:solidFill>
@@ -45559,7 +45547,7 @@
               <a:t>==</a:t>
             </a:r>
             <a:r>
-              <a:rPr lang="en-US" sz="3000" b="1" i="0" u="none" strike="noStrike" cap="none" dirty="0">
+              <a:rPr lang="en-US" sz="3000" i="0" u="none" strike="noStrike" cap="none" dirty="0">
                 <a:solidFill>
                   <a:schemeClr val="lt1"/>
                 </a:solidFill>
@@ -45571,7 +45559,7 @@
               <a:t> </a:t>
             </a:r>
             <a:r>
-              <a:rPr lang="en-US" sz="3000" b="1" i="0" u="none" strike="noStrike" cap="none" dirty="0">
+              <a:rPr lang="en-US" sz="3000" i="0" u="none" strike="noStrike" cap="none" dirty="0">
                 <a:solidFill>
                   <a:srgbClr val="FFFFFF"/>
                 </a:solidFill>
@@ -45583,7 +45571,7 @@
               <a:t>'done'</a:t>
             </a:r>
             <a:r>
-              <a:rPr lang="en-US" sz="3000" b="1" i="0" u="none" strike="noStrike" cap="none" dirty="0">
+              <a:rPr lang="en-US" sz="3000" i="0" u="none" strike="noStrike" cap="none" dirty="0">
                 <a:solidFill>
                   <a:srgbClr val="FFFF00"/>
                 </a:solidFill>
@@ -45595,7 +45583,7 @@
               <a:t> :</a:t>
             </a:r>
             <a:r>
-              <a:rPr lang="en-US" sz="3000" b="1" i="0" u="none" strike="noStrike" cap="none" dirty="0">
+              <a:rPr lang="en-US" sz="3000" i="0" u="none" strike="noStrike" cap="none" dirty="0">
                 <a:solidFill>
                   <a:schemeClr val="lt1"/>
                 </a:solidFill>
@@ -45626,7 +45614,7 @@
               <a:buNone/>
             </a:pPr>
             <a:r>
-              <a:rPr lang="en-US" sz="3000" b="1" i="0" u="none" strike="noStrike" cap="none" dirty="0">
+              <a:rPr lang="en-US" sz="3000" i="0" u="none" strike="noStrike" cap="none" dirty="0">
                 <a:solidFill>
                   <a:schemeClr val="lt1"/>
                 </a:solidFill>
@@ -45638,7 +45626,7 @@
               <a:t>       </a:t>
             </a:r>
             <a:r>
-              <a:rPr lang="en-US" sz="3000" b="1" i="0" u="none" strike="noStrike" cap="none" dirty="0">
+              <a:rPr lang="en-US" sz="3000" i="0" u="none" strike="noStrike" cap="none" dirty="0">
                 <a:solidFill>
                   <a:srgbClr val="FFFF00"/>
                 </a:solidFill>
@@ -45669,7 +45657,7 @@
               <a:buNone/>
             </a:pPr>
             <a:r>
-              <a:rPr lang="en-US" sz="3000" b="1" i="0" u="none" strike="noStrike" cap="none" dirty="0">
+              <a:rPr lang="en-US" sz="3000" i="0" u="none" strike="noStrike" cap="none" dirty="0">
                 <a:solidFill>
                   <a:schemeClr val="lt1"/>
                 </a:solidFill>
@@ -45681,7 +45669,7 @@
               <a:t>    </a:t>
             </a:r>
             <a:r>
-              <a:rPr lang="en-US" sz="3000" b="1" i="0" u="none" strike="noStrike" cap="none" dirty="0" smtClean="0">
+              <a:rPr lang="en-US" sz="3000" i="0" u="none" strike="noStrike" cap="none" dirty="0" smtClean="0">
                 <a:solidFill>
                   <a:srgbClr val="FFFF00"/>
                 </a:solidFill>
@@ -45693,7 +45681,7 @@
               <a:t>print</a:t>
             </a:r>
             <a:r>
-              <a:rPr lang="en-US" sz="3000" b="1" dirty="0" smtClean="0">
+              <a:rPr lang="en-US" sz="3000" dirty="0" smtClean="0">
                 <a:solidFill>
                   <a:schemeClr val="lt1"/>
                 </a:solidFill>
@@ -45705,7 +45693,7 @@
               <a:t>(</a:t>
             </a:r>
             <a:r>
-              <a:rPr lang="en-US" sz="3000" b="1" i="0" u="none" strike="noStrike" cap="none" dirty="0" smtClean="0">
+              <a:rPr lang="en-US" sz="3000" i="0" u="none" strike="noStrike" cap="none" dirty="0" smtClean="0">
                 <a:solidFill>
                   <a:srgbClr val="00FF00"/>
                 </a:solidFill>
@@ -45717,7 +45705,7 @@
               <a:t>line</a:t>
             </a:r>
             <a:r>
-              <a:rPr lang="en-US" sz="3000" b="1" i="0" u="none" strike="noStrike" cap="none" dirty="0" smtClean="0">
+              <a:rPr lang="en-US" sz="3000" i="0" u="none" strike="noStrike" cap="none" dirty="0" smtClean="0">
                 <a:solidFill>
                   <a:schemeClr val="bg1"/>
                 </a:solidFill>
@@ -45728,7 +45716,7 @@
               </a:rPr>
               <a:t>)</a:t>
             </a:r>
-            <a:endParaRPr lang="en-US" sz="3000" b="1" i="0" u="none" strike="noStrike" cap="none" dirty="0">
+            <a:endParaRPr lang="en-US" sz="3000" i="0" u="none" strike="noStrike" cap="none" dirty="0">
               <a:solidFill>
                 <a:schemeClr val="bg1"/>
               </a:solidFill>
@@ -45757,7 +45745,7 @@
               <a:buNone/>
             </a:pPr>
             <a:r>
-              <a:rPr lang="en-US" sz="3000" b="1" i="0" u="none" strike="noStrike" cap="none" dirty="0" smtClean="0">
+              <a:rPr lang="en-US" sz="3000" i="0" u="none" strike="noStrike" cap="none" dirty="0" smtClean="0">
                 <a:solidFill>
                   <a:srgbClr val="FFFF00"/>
                 </a:solidFill>
@@ -45769,7 +45757,7 @@
               <a:t>print</a:t>
             </a:r>
             <a:r>
-              <a:rPr lang="en-US" sz="3000" b="1" dirty="0">
+              <a:rPr lang="en-US" sz="3000" dirty="0">
                 <a:solidFill>
                   <a:schemeClr val="lt1"/>
                 </a:solidFill>
@@ -45781,7 +45769,7 @@
               <a:t>(</a:t>
             </a:r>
             <a:r>
-              <a:rPr lang="en-US" sz="3000" b="1" i="0" u="none" strike="noStrike" cap="none" dirty="0" smtClean="0">
+              <a:rPr lang="en-US" sz="3000" i="0" u="none" strike="noStrike" cap="none" dirty="0" smtClean="0">
                 <a:solidFill>
                   <a:srgbClr val="FFFFFF"/>
                 </a:solidFill>
@@ -45792,7 +45780,7 @@
               </a:rPr>
               <a:t>'Done!')</a:t>
             </a:r>
-            <a:endParaRPr lang="en-US" sz="3000" b="1" i="0" u="none" strike="noStrike" cap="none" dirty="0">
+            <a:endParaRPr lang="en-US" sz="3000" i="0" u="none" strike="noStrike" cap="none" dirty="0">
               <a:solidFill>
                 <a:srgbClr val="FFFFFF"/>
               </a:solidFill>
@@ -46150,7 +46138,7 @@
               <a:buNone/>
             </a:pPr>
             <a:r>
-              <a:rPr lang="en-US" sz="7200" u="none" strike="noStrike" cap="none">
+              <a:rPr lang="en-US" sz="7200" u="none" strike="noStrike" cap="none" dirty="0">
                 <a:solidFill>
                   <a:srgbClr val="FFFF00"/>
                 </a:solidFill>
@@ -46176,7 +46164,7 @@
         </p:nvSpPr>
         <p:spPr>
           <a:xfrm>
-            <a:off x="1155700" y="2603500"/>
+            <a:off x="1155700" y="2667538"/>
             <a:ext cx="13932000" cy="1654175"/>
           </a:xfrm>
           <a:prstGeom prst="rect">
@@ -46206,7 +46194,7 @@
               <a:buNone/>
             </a:pPr>
             <a:r>
-              <a:rPr lang="en-US" sz="3600" u="none" strike="noStrike" cap="none">
+              <a:rPr lang="en-US" sz="3600" u="none" strike="noStrike" cap="none" dirty="0">
                 <a:solidFill>
                   <a:schemeClr val="lt1"/>
                 </a:solidFill>
@@ -46218,7 +46206,7 @@
               <a:t>The </a:t>
             </a:r>
             <a:r>
-              <a:rPr lang="en-US" sz="3600" u="none" strike="noStrike" cap="none">
+              <a:rPr lang="en-US" sz="3600" u="none" strike="noStrike" cap="none" dirty="0">
                 <a:solidFill>
                   <a:srgbClr val="FFFF00"/>
                 </a:solidFill>
@@ -46230,7 +46218,7 @@
               <a:t>continue</a:t>
             </a:r>
             <a:r>
-              <a:rPr lang="en-US" sz="3600" u="none" strike="noStrike" cap="none">
+              <a:rPr lang="en-US" sz="3600" u="none" strike="noStrike" cap="none" dirty="0">
                 <a:solidFill>
                   <a:schemeClr val="lt1"/>
                 </a:solidFill>
@@ -46287,7 +46275,7 @@
               <a:buNone/>
             </a:pPr>
             <a:r>
-              <a:rPr lang="en-US" sz="3000" b="1" i="0" u="none" strike="noStrike" cap="none" dirty="0">
+              <a:rPr lang="en-US" sz="3000" i="0" u="none" strike="noStrike" cap="none" dirty="0">
                 <a:solidFill>
                   <a:srgbClr val="FFFF00"/>
                 </a:solidFill>
@@ -46299,7 +46287,7 @@
               <a:t>while</a:t>
             </a:r>
             <a:r>
-              <a:rPr lang="en-US" sz="3000" b="1" i="0" u="none" strike="noStrike" cap="none" dirty="0">
+              <a:rPr lang="en-US" sz="3000" i="0" u="none" strike="noStrike" cap="none" dirty="0">
                 <a:solidFill>
                   <a:schemeClr val="lt1"/>
                 </a:solidFill>
@@ -46311,7 +46299,7 @@
               <a:t> </a:t>
             </a:r>
             <a:r>
-              <a:rPr lang="en-US" sz="3000" b="1" i="0" u="none" strike="noStrike" cap="none" dirty="0">
+              <a:rPr lang="en-US" sz="3000" i="0" u="none" strike="noStrike" cap="none" dirty="0">
                 <a:solidFill>
                   <a:srgbClr val="FF9900"/>
                 </a:solidFill>
@@ -46323,7 +46311,7 @@
               <a:t>True</a:t>
             </a:r>
             <a:r>
-              <a:rPr lang="en-US" sz="3000" b="1" i="0" u="none" strike="noStrike" cap="none" dirty="0">
+              <a:rPr lang="en-US" sz="3000" i="0" u="none" strike="noStrike" cap="none" dirty="0">
                 <a:solidFill>
                   <a:srgbClr val="FFFF00"/>
                 </a:solidFill>
@@ -46354,7 +46342,7 @@
               <a:buNone/>
             </a:pPr>
             <a:r>
-              <a:rPr lang="en-US" sz="3000" b="1" i="0" u="none" strike="noStrike" cap="none" dirty="0">
+              <a:rPr lang="en-US" sz="3000" i="0" u="none" strike="noStrike" cap="none" dirty="0">
                 <a:solidFill>
                   <a:schemeClr val="lt1"/>
                 </a:solidFill>
@@ -46366,7 +46354,7 @@
               <a:t>    </a:t>
             </a:r>
             <a:r>
-              <a:rPr lang="en-US" sz="3000" b="1" i="0" u="none" strike="noStrike" cap="none" dirty="0">
+              <a:rPr lang="en-US" sz="3000" i="0" u="none" strike="noStrike" cap="none" dirty="0">
                 <a:solidFill>
                   <a:srgbClr val="00FF00"/>
                 </a:solidFill>
@@ -46378,7 +46366,7 @@
               <a:t>line</a:t>
             </a:r>
             <a:r>
-              <a:rPr lang="en-US" sz="3000" b="1" i="0" u="none" strike="noStrike" cap="none" dirty="0">
+              <a:rPr lang="en-US" sz="3000" i="0" u="none" strike="noStrike" cap="none" dirty="0">
                 <a:solidFill>
                   <a:schemeClr val="lt1"/>
                 </a:solidFill>
@@ -46390,7 +46378,7 @@
               <a:t> </a:t>
             </a:r>
             <a:r>
-              <a:rPr lang="en-US" sz="3000" b="1" i="0" u="none" strike="noStrike" cap="none" dirty="0">
+              <a:rPr lang="en-US" sz="3000" i="0" u="none" strike="noStrike" cap="none" dirty="0">
                 <a:solidFill>
                   <a:srgbClr val="00FFFF"/>
                 </a:solidFill>
@@ -46402,7 +46390,7 @@
               <a:t>=</a:t>
             </a:r>
             <a:r>
-              <a:rPr lang="en-US" sz="3000" b="1" i="0" u="none" strike="noStrike" cap="none" dirty="0">
+              <a:rPr lang="en-US" sz="3000" i="0" u="none" strike="noStrike" cap="none" dirty="0">
                 <a:solidFill>
                   <a:schemeClr val="lt1"/>
                 </a:solidFill>
@@ -46414,7 +46402,7 @@
               <a:t> </a:t>
             </a:r>
             <a:r>
-              <a:rPr lang="en-US" sz="3000" b="1" i="0" u="none" strike="noStrike" cap="none" dirty="0" smtClean="0">
+              <a:rPr lang="en-US" sz="3000" i="0" u="none" strike="noStrike" cap="none" dirty="0" smtClean="0">
                 <a:solidFill>
                   <a:srgbClr val="FF9900"/>
                 </a:solidFill>
@@ -46426,7 +46414,7 @@
               <a:t>input</a:t>
             </a:r>
             <a:r>
-              <a:rPr lang="en-US" sz="3000" b="1" i="0" u="none" strike="noStrike" cap="none" dirty="0">
+              <a:rPr lang="en-US" sz="3000" i="0" u="none" strike="noStrike" cap="none" dirty="0">
                 <a:solidFill>
                   <a:srgbClr val="FF9900"/>
                 </a:solidFill>
@@ -46438,7 +46426,7 @@
               <a:t>(</a:t>
             </a:r>
             <a:r>
-              <a:rPr lang="en-US" sz="3000" b="1" i="0" u="none" strike="noStrike" cap="none" dirty="0">
+              <a:rPr lang="en-US" sz="3000" i="0" u="none" strike="noStrike" cap="none" dirty="0">
                 <a:solidFill>
                   <a:srgbClr val="FFFFFF"/>
                 </a:solidFill>
@@ -46450,7 +46438,7 @@
               <a:t>'&gt; '</a:t>
             </a:r>
             <a:r>
-              <a:rPr lang="en-US" sz="3000" b="1" i="0" u="none" strike="noStrike" cap="none" dirty="0">
+              <a:rPr lang="en-US" sz="3000" i="0" u="none" strike="noStrike" cap="none" dirty="0">
                 <a:solidFill>
                   <a:srgbClr val="FF9900"/>
                 </a:solidFill>
@@ -46481,7 +46469,7 @@
               <a:buNone/>
             </a:pPr>
             <a:r>
-              <a:rPr lang="en-US" sz="3000" b="1" i="0" u="none" strike="noStrike" cap="none" dirty="0">
+              <a:rPr lang="en-US" sz="3000" i="0" u="none" strike="noStrike" cap="none" dirty="0">
                 <a:solidFill>
                   <a:schemeClr val="lt1"/>
                 </a:solidFill>
@@ -46493,7 +46481,7 @@
               <a:t>    </a:t>
             </a:r>
             <a:r>
-              <a:rPr lang="en-US" sz="3000" b="1" i="0" u="none" strike="noStrike" cap="none" dirty="0">
+              <a:rPr lang="en-US" sz="3000" i="0" u="none" strike="noStrike" cap="none" dirty="0">
                 <a:solidFill>
                   <a:srgbClr val="FFFF00"/>
                 </a:solidFill>
@@ -46505,7 +46493,7 @@
               <a:t>if</a:t>
             </a:r>
             <a:r>
-              <a:rPr lang="en-US" sz="3000" b="1" i="0" u="none" strike="noStrike" cap="none" dirty="0">
+              <a:rPr lang="en-US" sz="3000" i="0" u="none" strike="noStrike" cap="none" dirty="0">
                 <a:solidFill>
                   <a:srgbClr val="00FF00"/>
                 </a:solidFill>
@@ -46517,7 +46505,7 @@
               <a:t> line[0]</a:t>
             </a:r>
             <a:r>
-              <a:rPr lang="en-US" sz="3000" b="1" i="0" u="none" strike="noStrike" cap="none" dirty="0">
+              <a:rPr lang="en-US" sz="3000" i="0" u="none" strike="noStrike" cap="none" dirty="0">
                 <a:solidFill>
                   <a:schemeClr val="lt1"/>
                 </a:solidFill>
@@ -46529,7 +46517,7 @@
               <a:t> </a:t>
             </a:r>
             <a:r>
-              <a:rPr lang="en-US" sz="3000" b="1" i="0" u="none" strike="noStrike" cap="none" dirty="0">
+              <a:rPr lang="en-US" sz="3000" i="0" u="none" strike="noStrike" cap="none" dirty="0">
                 <a:solidFill>
                   <a:srgbClr val="00FFFF"/>
                 </a:solidFill>
@@ -46541,7 +46529,7 @@
               <a:t>== </a:t>
             </a:r>
             <a:r>
-              <a:rPr lang="en-US" sz="3000" b="1" i="0" u="none" strike="noStrike" cap="none" dirty="0">
+              <a:rPr lang="en-US" sz="3000" i="0" u="none" strike="noStrike" cap="none" dirty="0">
                 <a:solidFill>
                   <a:srgbClr val="FFFFFF"/>
                 </a:solidFill>
@@ -46553,7 +46541,7 @@
               <a:t>'#'</a:t>
             </a:r>
             <a:r>
-              <a:rPr lang="en-US" sz="3000" b="1" i="0" u="none" strike="noStrike" cap="none" dirty="0">
+              <a:rPr lang="en-US" sz="3000" i="0" u="none" strike="noStrike" cap="none" dirty="0">
                 <a:solidFill>
                   <a:srgbClr val="FF7F00"/>
                 </a:solidFill>
@@ -46565,7 +46553,7 @@
               <a:t> </a:t>
             </a:r>
             <a:r>
-              <a:rPr lang="en-US" sz="3000" b="1" i="0" u="none" strike="noStrike" cap="none" dirty="0">
+              <a:rPr lang="en-US" sz="3000" i="0" u="none" strike="noStrike" cap="none" dirty="0">
                 <a:solidFill>
                   <a:srgbClr val="FFFF00"/>
                 </a:solidFill>
@@ -46596,7 +46584,7 @@
               <a:buNone/>
             </a:pPr>
             <a:r>
-              <a:rPr lang="en-US" sz="3000" b="1" i="0" u="none" strike="noStrike" cap="none" dirty="0">
+              <a:rPr lang="en-US" sz="3000" i="0" u="none" strike="noStrike" cap="none" dirty="0">
                 <a:solidFill>
                   <a:schemeClr val="lt1"/>
                 </a:solidFill>
@@ -46608,7 +46596,7 @@
               <a:t>        </a:t>
             </a:r>
             <a:r>
-              <a:rPr lang="en-US" sz="3000" b="1" i="0" u="none" strike="noStrike" cap="none" dirty="0">
+              <a:rPr lang="en-US" sz="3000" i="0" u="none" strike="noStrike" cap="none" dirty="0">
                 <a:solidFill>
                   <a:srgbClr val="FFFF00"/>
                 </a:solidFill>
@@ -46639,7 +46627,7 @@
               <a:buNone/>
             </a:pPr>
             <a:r>
-              <a:rPr lang="en-US" sz="3000" b="1" i="0" u="none" strike="noStrike" cap="none" dirty="0">
+              <a:rPr lang="en-US" sz="3000" i="0" u="none" strike="noStrike" cap="none" dirty="0">
                 <a:solidFill>
                   <a:schemeClr val="lt1"/>
                 </a:solidFill>
@@ -46651,7 +46639,7 @@
               <a:t>    </a:t>
             </a:r>
             <a:r>
-              <a:rPr lang="en-US" sz="3000" b="1" i="0" u="none" strike="noStrike" cap="none" dirty="0">
+              <a:rPr lang="en-US" sz="3000" i="0" u="none" strike="noStrike" cap="none" dirty="0">
                 <a:solidFill>
                   <a:srgbClr val="FFFF00"/>
                 </a:solidFill>
@@ -46663,7 +46651,7 @@
               <a:t>if </a:t>
             </a:r>
             <a:r>
-              <a:rPr lang="en-US" sz="3000" b="1" i="0" u="none" strike="noStrike" cap="none" dirty="0">
+              <a:rPr lang="en-US" sz="3000" i="0" u="none" strike="noStrike" cap="none" dirty="0">
                 <a:solidFill>
                   <a:srgbClr val="00FF00"/>
                 </a:solidFill>
@@ -46675,7 +46663,7 @@
               <a:t>line</a:t>
             </a:r>
             <a:r>
-              <a:rPr lang="en-US" sz="3000" b="1" i="0" u="none" strike="noStrike" cap="none" dirty="0">
+              <a:rPr lang="en-US" sz="3000" i="0" u="none" strike="noStrike" cap="none" dirty="0">
                 <a:solidFill>
                   <a:schemeClr val="lt1"/>
                 </a:solidFill>
@@ -46687,7 +46675,7 @@
               <a:t> </a:t>
             </a:r>
             <a:r>
-              <a:rPr lang="en-US" sz="3000" b="1" i="0" u="none" strike="noStrike" cap="none" dirty="0" smtClean="0">
+              <a:rPr lang="en-US" sz="3000" i="0" u="none" strike="noStrike" cap="none" dirty="0" smtClean="0">
                 <a:solidFill>
                   <a:srgbClr val="00FFFF"/>
                 </a:solidFill>
@@ -46699,7 +46687,7 @@
               <a:t>==</a:t>
             </a:r>
             <a:r>
-              <a:rPr lang="en-US" sz="3000" b="1" i="0" u="none" strike="noStrike" cap="none" dirty="0" smtClean="0">
+              <a:rPr lang="en-US" sz="3000" i="0" u="none" strike="noStrike" cap="none" dirty="0" smtClean="0">
                 <a:solidFill>
                   <a:schemeClr val="lt1"/>
                 </a:solidFill>
@@ -46711,7 +46699,7 @@
               <a:t> </a:t>
             </a:r>
             <a:r>
-              <a:rPr lang="en-US" sz="3000" b="1" i="0" u="none" strike="noStrike" cap="none" dirty="0">
+              <a:rPr lang="en-US" sz="3000" i="0" u="none" strike="noStrike" cap="none" dirty="0">
                 <a:solidFill>
                   <a:srgbClr val="FFFFFF"/>
                 </a:solidFill>
@@ -46723,7 +46711,7 @@
               <a:t>'done'</a:t>
             </a:r>
             <a:r>
-              <a:rPr lang="en-US" sz="3000" b="1" i="0" u="none" strike="noStrike" cap="none" dirty="0">
+              <a:rPr lang="en-US" sz="3000" i="0" u="none" strike="noStrike" cap="none" dirty="0">
                 <a:solidFill>
                   <a:srgbClr val="FF7F00"/>
                 </a:solidFill>
@@ -46735,7 +46723,7 @@
               <a:t> </a:t>
             </a:r>
             <a:r>
-              <a:rPr lang="en-US" sz="3000" b="1" dirty="0">
+              <a:rPr lang="en-US" sz="3000" dirty="0">
                 <a:solidFill>
                   <a:srgbClr val="FFFF00"/>
                 </a:solidFill>
@@ -46766,7 +46754,7 @@
               <a:buNone/>
             </a:pPr>
             <a:r>
-              <a:rPr lang="en-US" sz="3000" b="1" i="0" u="none" strike="noStrike" cap="none" dirty="0">
+              <a:rPr lang="en-US" sz="3000" i="0" u="none" strike="noStrike" cap="none" dirty="0">
                 <a:solidFill>
                   <a:schemeClr val="lt1"/>
                 </a:solidFill>
@@ -46778,7 +46766,7 @@
               <a:t>        </a:t>
             </a:r>
             <a:r>
-              <a:rPr lang="en-US" sz="3000" b="1" i="0" u="none" strike="noStrike" cap="none" dirty="0">
+              <a:rPr lang="en-US" sz="3000" i="0" u="none" strike="noStrike" cap="none" dirty="0">
                 <a:solidFill>
                   <a:srgbClr val="FFFF00"/>
                 </a:solidFill>
@@ -46809,7 +46797,7 @@
               <a:buNone/>
             </a:pPr>
             <a:r>
-              <a:rPr lang="en-US" sz="3000" b="1" i="0" u="none" strike="noStrike" cap="none" dirty="0">
+              <a:rPr lang="en-US" sz="3000" i="0" u="none" strike="noStrike" cap="none" dirty="0">
                 <a:solidFill>
                   <a:schemeClr val="lt1"/>
                 </a:solidFill>
@@ -46821,7 +46809,7 @@
               <a:t>    </a:t>
             </a:r>
             <a:r>
-              <a:rPr lang="en-US" sz="3000" b="1" i="0" u="none" strike="noStrike" cap="none" dirty="0" smtClean="0">
+              <a:rPr lang="en-US" sz="3000" i="0" u="none" strike="noStrike" cap="none" dirty="0" smtClean="0">
                 <a:solidFill>
                   <a:srgbClr val="FFFF00"/>
                 </a:solidFill>
@@ -46833,7 +46821,7 @@
               <a:t>print</a:t>
             </a:r>
             <a:r>
-              <a:rPr lang="en-US" sz="3000" b="1" dirty="0" smtClean="0">
+              <a:rPr lang="en-US" sz="3000" dirty="0" smtClean="0">
                 <a:solidFill>
                   <a:schemeClr val="lt1"/>
                 </a:solidFill>
@@ -46845,7 +46833,7 @@
               <a:t>(</a:t>
             </a:r>
             <a:r>
-              <a:rPr lang="en-US" sz="3000" b="1" i="0" u="none" strike="noStrike" cap="none" dirty="0" smtClean="0">
+              <a:rPr lang="en-US" sz="3000" i="0" u="none" strike="noStrike" cap="none" dirty="0" smtClean="0">
                 <a:solidFill>
                   <a:srgbClr val="00FF00"/>
                 </a:solidFill>
@@ -46857,7 +46845,7 @@
               <a:t>line</a:t>
             </a:r>
             <a:r>
-              <a:rPr lang="en-US" sz="3000" b="1" i="0" u="none" strike="noStrike" cap="none" dirty="0" smtClean="0">
+              <a:rPr lang="en-US" sz="3000" i="0" u="none" strike="noStrike" cap="none" dirty="0" smtClean="0">
                 <a:solidFill>
                   <a:schemeClr val="bg1"/>
                 </a:solidFill>
@@ -46868,7 +46856,7 @@
               </a:rPr>
               <a:t>)</a:t>
             </a:r>
-            <a:endParaRPr lang="en-US" sz="3000" b="1" i="0" u="none" strike="noStrike" cap="none" dirty="0">
+            <a:endParaRPr lang="en-US" sz="3000" i="0" u="none" strike="noStrike" cap="none" dirty="0">
               <a:solidFill>
                 <a:schemeClr val="bg1"/>
               </a:solidFill>
@@ -46897,7 +46885,7 @@
               <a:buNone/>
             </a:pPr>
             <a:r>
-              <a:rPr lang="en-US" sz="3000" b="1" i="0" u="none" strike="noStrike" cap="none" dirty="0" smtClean="0">
+              <a:rPr lang="en-US" sz="3000" i="0" u="none" strike="noStrike" cap="none" dirty="0" smtClean="0">
                 <a:solidFill>
                   <a:srgbClr val="FFFF00"/>
                 </a:solidFill>
@@ -46909,7 +46897,7 @@
               <a:t>print</a:t>
             </a:r>
             <a:r>
-              <a:rPr lang="en-US" sz="3000" b="1" dirty="0">
+              <a:rPr lang="en-US" sz="3000" dirty="0">
                 <a:solidFill>
                   <a:schemeClr val="lt1"/>
                 </a:solidFill>
@@ -46921,7 +46909,7 @@
               <a:t>(</a:t>
             </a:r>
             <a:r>
-              <a:rPr lang="en-US" sz="3000" b="1" i="0" u="none" strike="noStrike" cap="none" dirty="0" smtClean="0">
+              <a:rPr lang="en-US" sz="3000" i="0" u="none" strike="noStrike" cap="none" dirty="0" smtClean="0">
                 <a:solidFill>
                   <a:srgbClr val="FFFFFF"/>
                 </a:solidFill>
@@ -46932,7 +46920,7 @@
               </a:rPr>
               <a:t>'Done!')</a:t>
             </a:r>
-            <a:endParaRPr lang="en-US" sz="3000" b="1" i="0" u="none" strike="noStrike" cap="none" dirty="0">
+            <a:endParaRPr lang="en-US" sz="3000" i="0" u="none" strike="noStrike" cap="none" dirty="0">
               <a:solidFill>
                 <a:srgbClr val="FFFFFF"/>
               </a:solidFill>
@@ -46987,7 +46975,7 @@
               <a:buNone/>
             </a:pPr>
             <a:r>
-              <a:rPr lang="en-US" sz="3200" u="none" strike="noStrike" cap="none">
+              <a:rPr lang="en-US" sz="3200" u="none" strike="noStrike" cap="none" dirty="0">
                 <a:solidFill>
                   <a:schemeClr val="lt1"/>
                 </a:solidFill>
@@ -46999,7 +46987,7 @@
               <a:t>&gt; </a:t>
             </a:r>
             <a:r>
-              <a:rPr lang="en-US" sz="3200" u="none" strike="noStrike" cap="none">
+              <a:rPr lang="en-US" sz="3200" u="none" strike="noStrike" cap="none" dirty="0">
                 <a:solidFill>
                   <a:srgbClr val="00FF00"/>
                 </a:solidFill>
@@ -47030,7 +47018,7 @@
               <a:buNone/>
             </a:pPr>
             <a:r>
-              <a:rPr lang="en-US" sz="3200" u="none" strike="noStrike" cap="none">
+              <a:rPr lang="en-US" sz="3200" u="none" strike="noStrike" cap="none" dirty="0">
                 <a:solidFill>
                   <a:schemeClr val="lt1"/>
                 </a:solidFill>
@@ -47061,7 +47049,7 @@
               <a:buNone/>
             </a:pPr>
             <a:r>
-              <a:rPr lang="en-US" sz="3200" u="none" strike="noStrike" cap="none">
+              <a:rPr lang="en-US" sz="3200" u="none" strike="noStrike" cap="none" dirty="0">
                 <a:solidFill>
                   <a:schemeClr val="lt1"/>
                 </a:solidFill>
@@ -47073,7 +47061,7 @@
               <a:t>&gt; </a:t>
             </a:r>
             <a:r>
-              <a:rPr lang="en-US" sz="3200" u="none" strike="noStrike" cap="none">
+              <a:rPr lang="en-US" sz="3200" u="none" strike="noStrike" cap="none" dirty="0">
                 <a:solidFill>
                   <a:srgbClr val="00FF00"/>
                 </a:solidFill>
@@ -47104,7 +47092,7 @@
               <a:buNone/>
             </a:pPr>
             <a:r>
-              <a:rPr lang="en-US" sz="3200" u="none" strike="noStrike" cap="none">
+              <a:rPr lang="en-US" sz="3200" u="none" strike="noStrike" cap="none" dirty="0">
                 <a:solidFill>
                   <a:schemeClr val="lt1"/>
                 </a:solidFill>
@@ -47116,7 +47104,7 @@
               <a:t>&gt; </a:t>
             </a:r>
             <a:r>
-              <a:rPr lang="en-US" sz="3200" u="none" strike="noStrike" cap="none">
+              <a:rPr lang="en-US" sz="3200" u="none" strike="noStrike" cap="none" dirty="0">
                 <a:solidFill>
                   <a:srgbClr val="00FF00"/>
                 </a:solidFill>
@@ -47147,7 +47135,7 @@
               <a:buNone/>
             </a:pPr>
             <a:r>
-              <a:rPr lang="en-US" sz="3200" u="none" strike="noStrike" cap="none">
+              <a:rPr lang="en-US" sz="3200" u="none" strike="noStrike" cap="none" dirty="0">
                 <a:solidFill>
                   <a:schemeClr val="lt1"/>
                 </a:solidFill>
@@ -47178,7 +47166,7 @@
               <a:buNone/>
             </a:pPr>
             <a:r>
-              <a:rPr lang="en-US" sz="3200" u="none" strike="noStrike" cap="none">
+              <a:rPr lang="en-US" sz="3200" u="none" strike="noStrike" cap="none" dirty="0">
                 <a:solidFill>
                   <a:schemeClr val="lt1"/>
                 </a:solidFill>
@@ -47190,7 +47178,7 @@
               <a:t>&gt; </a:t>
             </a:r>
             <a:r>
-              <a:rPr lang="en-US" sz="3200" u="none" strike="noStrike" cap="none">
+              <a:rPr lang="en-US" sz="3200" u="none" strike="noStrike" cap="none" dirty="0">
                 <a:solidFill>
                   <a:srgbClr val="00FF00"/>
                 </a:solidFill>
@@ -47221,7 +47209,7 @@
               <a:buNone/>
             </a:pPr>
             <a:r>
-              <a:rPr lang="en-US" sz="3200" u="none" strike="noStrike" cap="none">
+              <a:rPr lang="en-US" sz="3200" u="none" strike="noStrike" cap="none" dirty="0">
                 <a:solidFill>
                   <a:schemeClr val="lt1"/>
                 </a:solidFill>
@@ -47488,7 +47476,7 @@
               <a:buNone/>
             </a:pPr>
             <a:r>
-              <a:rPr lang="en-US" sz="3000" b="1" i="0" u="none" strike="noStrike" cap="none" dirty="0">
+              <a:rPr lang="en-US" sz="3000" i="0" u="none" strike="noStrike" cap="none" dirty="0">
                 <a:solidFill>
                   <a:srgbClr val="FFFF00"/>
                 </a:solidFill>
@@ -47500,7 +47488,7 @@
               <a:t>while</a:t>
             </a:r>
             <a:r>
-              <a:rPr lang="en-US" sz="3000" b="1" i="0" u="none" strike="noStrike" cap="none" dirty="0">
+              <a:rPr lang="en-US" sz="3000" i="0" u="none" strike="noStrike" cap="none" dirty="0">
                 <a:solidFill>
                   <a:schemeClr val="lt1"/>
                 </a:solidFill>
@@ -47512,7 +47500,7 @@
               <a:t> </a:t>
             </a:r>
             <a:r>
-              <a:rPr lang="en-US" sz="3000" b="1" i="0" u="none" strike="noStrike" cap="none" dirty="0">
+              <a:rPr lang="en-US" sz="3000" i="0" u="none" strike="noStrike" cap="none" dirty="0">
                 <a:solidFill>
                   <a:srgbClr val="FF9900"/>
                 </a:solidFill>
@@ -47524,7 +47512,7 @@
               <a:t>True</a:t>
             </a:r>
             <a:r>
-              <a:rPr lang="en-US" sz="3000" b="1" i="0" u="none" strike="noStrike" cap="none" dirty="0">
+              <a:rPr lang="en-US" sz="3000" i="0" u="none" strike="noStrike" cap="none" dirty="0">
                 <a:solidFill>
                   <a:srgbClr val="FFFF00"/>
                 </a:solidFill>
@@ -47555,7 +47543,7 @@
               <a:buNone/>
             </a:pPr>
             <a:r>
-              <a:rPr lang="en-US" sz="3000" b="1" i="0" u="none" strike="noStrike" cap="none" dirty="0">
+              <a:rPr lang="en-US" sz="3000" i="0" u="none" strike="noStrike" cap="none" dirty="0">
                 <a:solidFill>
                   <a:schemeClr val="lt1"/>
                 </a:solidFill>
@@ -47567,7 +47555,7 @@
               <a:t>    </a:t>
             </a:r>
             <a:r>
-              <a:rPr lang="en-US" sz="3000" b="1" i="0" u="none" strike="noStrike" cap="none" dirty="0">
+              <a:rPr lang="en-US" sz="3000" i="0" u="none" strike="noStrike" cap="none" dirty="0">
                 <a:solidFill>
                   <a:srgbClr val="00FF00"/>
                 </a:solidFill>
@@ -47579,7 +47567,7 @@
               <a:t>line</a:t>
             </a:r>
             <a:r>
-              <a:rPr lang="en-US" sz="3000" b="1" i="0" u="none" strike="noStrike" cap="none" dirty="0">
+              <a:rPr lang="en-US" sz="3000" i="0" u="none" strike="noStrike" cap="none" dirty="0">
                 <a:solidFill>
                   <a:schemeClr val="lt1"/>
                 </a:solidFill>
@@ -47591,7 +47579,7 @@
               <a:t> </a:t>
             </a:r>
             <a:r>
-              <a:rPr lang="en-US" sz="3000" b="1" i="0" u="none" strike="noStrike" cap="none" dirty="0">
+              <a:rPr lang="en-US" sz="3000" i="0" u="none" strike="noStrike" cap="none" dirty="0">
                 <a:solidFill>
                   <a:srgbClr val="00FFFF"/>
                 </a:solidFill>
@@ -47603,7 +47591,7 @@
               <a:t>=</a:t>
             </a:r>
             <a:r>
-              <a:rPr lang="en-US" sz="3000" b="1" i="0" u="none" strike="noStrike" cap="none" dirty="0">
+              <a:rPr lang="en-US" sz="3000" i="0" u="none" strike="noStrike" cap="none" dirty="0">
                 <a:solidFill>
                   <a:schemeClr val="lt1"/>
                 </a:solidFill>
@@ -47615,7 +47603,7 @@
               <a:t> </a:t>
             </a:r>
             <a:r>
-              <a:rPr lang="en-US" sz="3000" b="1" i="0" u="none" strike="noStrike" cap="none" dirty="0" smtClean="0">
+              <a:rPr lang="en-US" sz="3000" i="0" u="none" strike="noStrike" cap="none" dirty="0" smtClean="0">
                 <a:solidFill>
                   <a:srgbClr val="FF9900"/>
                 </a:solidFill>
@@ -47627,7 +47615,7 @@
               <a:t>input</a:t>
             </a:r>
             <a:r>
-              <a:rPr lang="en-US" sz="3000" b="1" i="0" u="none" strike="noStrike" cap="none" dirty="0">
+              <a:rPr lang="en-US" sz="3000" i="0" u="none" strike="noStrike" cap="none" dirty="0">
                 <a:solidFill>
                   <a:srgbClr val="FF9900"/>
                 </a:solidFill>
@@ -47639,7 +47627,7 @@
               <a:t>(</a:t>
             </a:r>
             <a:r>
-              <a:rPr lang="en-US" sz="3000" b="1" i="0" u="none" strike="noStrike" cap="none" dirty="0">
+              <a:rPr lang="en-US" sz="3000" i="0" u="none" strike="noStrike" cap="none" dirty="0">
                 <a:solidFill>
                   <a:srgbClr val="FFFFFF"/>
                 </a:solidFill>
@@ -47651,7 +47639,7 @@
               <a:t>'&gt; '</a:t>
             </a:r>
             <a:r>
-              <a:rPr lang="en-US" sz="3000" b="1" i="0" u="none" strike="noStrike" cap="none" dirty="0">
+              <a:rPr lang="en-US" sz="3000" i="0" u="none" strike="noStrike" cap="none" dirty="0">
                 <a:solidFill>
                   <a:srgbClr val="FF9900"/>
                 </a:solidFill>
@@ -47682,7 +47670,7 @@
               <a:buNone/>
             </a:pPr>
             <a:r>
-              <a:rPr lang="en-US" sz="3000" b="1" i="0" u="none" strike="noStrike" cap="none" dirty="0">
+              <a:rPr lang="en-US" sz="3000" i="0" u="none" strike="noStrike" cap="none" dirty="0">
                 <a:solidFill>
                   <a:schemeClr val="lt1"/>
                 </a:solidFill>
@@ -47694,7 +47682,7 @@
               <a:t>    </a:t>
             </a:r>
             <a:r>
-              <a:rPr lang="en-US" sz="3000" b="1" i="0" u="none" strike="noStrike" cap="none" dirty="0">
+              <a:rPr lang="en-US" sz="3000" i="0" u="none" strike="noStrike" cap="none" dirty="0">
                 <a:solidFill>
                   <a:srgbClr val="FFFF00"/>
                 </a:solidFill>
@@ -47706,7 +47694,7 @@
               <a:t>if</a:t>
             </a:r>
             <a:r>
-              <a:rPr lang="en-US" sz="3000" b="1" i="0" u="none" strike="noStrike" cap="none" dirty="0">
+              <a:rPr lang="en-US" sz="3000" i="0" u="none" strike="noStrike" cap="none" dirty="0">
                 <a:solidFill>
                   <a:srgbClr val="00FF00"/>
                 </a:solidFill>
@@ -47718,7 +47706,7 @@
               <a:t> line[0]</a:t>
             </a:r>
             <a:r>
-              <a:rPr lang="en-US" sz="3000" b="1" i="0" u="none" strike="noStrike" cap="none" dirty="0">
+              <a:rPr lang="en-US" sz="3000" i="0" u="none" strike="noStrike" cap="none" dirty="0">
                 <a:solidFill>
                   <a:schemeClr val="lt1"/>
                 </a:solidFill>
@@ -47730,7 +47718,7 @@
               <a:t> </a:t>
             </a:r>
             <a:r>
-              <a:rPr lang="en-US" sz="3000" b="1" i="0" u="none" strike="noStrike" cap="none" dirty="0">
+              <a:rPr lang="en-US" sz="3000" i="0" u="none" strike="noStrike" cap="none" dirty="0">
                 <a:solidFill>
                   <a:srgbClr val="00FFFF"/>
                 </a:solidFill>
@@ -47742,7 +47730,7 @@
               <a:t>== </a:t>
             </a:r>
             <a:r>
-              <a:rPr lang="en-US" sz="3000" b="1" i="0" u="none" strike="noStrike" cap="none" dirty="0">
+              <a:rPr lang="en-US" sz="3000" i="0" u="none" strike="noStrike" cap="none" dirty="0">
                 <a:solidFill>
                   <a:srgbClr val="FFFFFF"/>
                 </a:solidFill>
@@ -47754,7 +47742,7 @@
               <a:t>'#'</a:t>
             </a:r>
             <a:r>
-              <a:rPr lang="en-US" sz="3000" b="1" i="0" u="none" strike="noStrike" cap="none" dirty="0">
+              <a:rPr lang="en-US" sz="3000" i="0" u="none" strike="noStrike" cap="none" dirty="0">
                 <a:solidFill>
                   <a:srgbClr val="FF7F00"/>
                 </a:solidFill>
@@ -47766,7 +47754,7 @@
               <a:t> </a:t>
             </a:r>
             <a:r>
-              <a:rPr lang="en-US" sz="3000" b="1" i="0" u="none" strike="noStrike" cap="none" dirty="0">
+              <a:rPr lang="en-US" sz="3000" i="0" u="none" strike="noStrike" cap="none" dirty="0">
                 <a:solidFill>
                   <a:srgbClr val="FFFF00"/>
                 </a:solidFill>
@@ -47778,7 +47766,7 @@
               <a:t>:</a:t>
             </a:r>
             <a:r>
-              <a:rPr lang="en-US" sz="3000" b="1" i="0" u="none" strike="noStrike" cap="none" dirty="0">
+              <a:rPr lang="en-US" sz="3000" i="0" u="none" strike="noStrike" cap="none" dirty="0">
                 <a:solidFill>
                   <a:schemeClr val="lt1"/>
                 </a:solidFill>
@@ -47809,7 +47797,7 @@
               <a:buNone/>
             </a:pPr>
             <a:r>
-              <a:rPr lang="en-US" sz="3000" b="1" i="0" u="none" strike="noStrike" cap="none" dirty="0">
+              <a:rPr lang="en-US" sz="3000" i="0" u="none" strike="noStrike" cap="none" dirty="0">
                 <a:solidFill>
                   <a:schemeClr val="lt1"/>
                 </a:solidFill>
@@ -47821,7 +47809,7 @@
               <a:t>        </a:t>
             </a:r>
             <a:r>
-              <a:rPr lang="en-US" sz="3000" b="1" i="0" u="none" strike="noStrike" cap="none" dirty="0">
+              <a:rPr lang="en-US" sz="3000" i="0" u="none" strike="noStrike" cap="none" dirty="0">
                 <a:solidFill>
                   <a:srgbClr val="FFFF00"/>
                 </a:solidFill>
@@ -47852,7 +47840,7 @@
               <a:buNone/>
             </a:pPr>
             <a:r>
-              <a:rPr lang="en-US" sz="3000" b="1" i="0" u="none" strike="noStrike" cap="none" dirty="0">
+              <a:rPr lang="en-US" sz="3000" i="0" u="none" strike="noStrike" cap="none" dirty="0">
                 <a:solidFill>
                   <a:schemeClr val="lt1"/>
                 </a:solidFill>
@@ -47864,7 +47852,7 @@
               <a:t>    </a:t>
             </a:r>
             <a:r>
-              <a:rPr lang="en-US" sz="3000" b="1" i="0" u="none" strike="noStrike" cap="none" dirty="0">
+              <a:rPr lang="en-US" sz="3000" i="0" u="none" strike="noStrike" cap="none" dirty="0">
                 <a:solidFill>
                   <a:srgbClr val="FFFF00"/>
                 </a:solidFill>
@@ -47876,7 +47864,7 @@
               <a:t>if </a:t>
             </a:r>
             <a:r>
-              <a:rPr lang="en-US" sz="3000" b="1" i="0" u="none" strike="noStrike" cap="none" dirty="0">
+              <a:rPr lang="en-US" sz="3000" i="0" u="none" strike="noStrike" cap="none" dirty="0">
                 <a:solidFill>
                   <a:srgbClr val="00FF00"/>
                 </a:solidFill>
@@ -47888,7 +47876,7 @@
               <a:t>line</a:t>
             </a:r>
             <a:r>
-              <a:rPr lang="en-US" sz="3000" b="1" i="0" u="none" strike="noStrike" cap="none" dirty="0">
+              <a:rPr lang="en-US" sz="3000" i="0" u="none" strike="noStrike" cap="none" dirty="0">
                 <a:solidFill>
                   <a:schemeClr val="lt1"/>
                 </a:solidFill>
@@ -47900,7 +47888,7 @@
               <a:t> </a:t>
             </a:r>
             <a:r>
-              <a:rPr lang="en-US" sz="3000" b="1" i="0" u="none" strike="noStrike" cap="none" dirty="0">
+              <a:rPr lang="en-US" sz="3000" i="0" u="none" strike="noStrike" cap="none" dirty="0">
                 <a:solidFill>
                   <a:srgbClr val="00FFFF"/>
                 </a:solidFill>
@@ -47912,7 +47900,7 @@
               <a:t>==</a:t>
             </a:r>
             <a:r>
-              <a:rPr lang="en-US" sz="3000" b="1" i="0" u="none" strike="noStrike" cap="none" dirty="0">
+              <a:rPr lang="en-US" sz="3000" i="0" u="none" strike="noStrike" cap="none" dirty="0">
                 <a:solidFill>
                   <a:schemeClr val="lt1"/>
                 </a:solidFill>
@@ -47924,7 +47912,7 @@
               <a:t> </a:t>
             </a:r>
             <a:r>
-              <a:rPr lang="en-US" sz="3000" b="1" i="0" u="none" strike="noStrike" cap="none" dirty="0">
+              <a:rPr lang="en-US" sz="3000" i="0" u="none" strike="noStrike" cap="none" dirty="0">
                 <a:solidFill>
                   <a:srgbClr val="FFFFFF"/>
                 </a:solidFill>
@@ -47936,7 +47924,7 @@
               <a:t>'done'</a:t>
             </a:r>
             <a:r>
-              <a:rPr lang="en-US" sz="3000" b="1" i="0" u="none" strike="noStrike" cap="none" dirty="0">
+              <a:rPr lang="en-US" sz="3000" i="0" u="none" strike="noStrike" cap="none" dirty="0">
                 <a:solidFill>
                   <a:srgbClr val="FF7F00"/>
                 </a:solidFill>
@@ -47948,7 +47936,7 @@
               <a:t> </a:t>
             </a:r>
             <a:r>
-              <a:rPr lang="en-US" sz="3000" b="1" i="0" u="none" strike="noStrike" cap="none" dirty="0">
+              <a:rPr lang="en-US" sz="3000" i="0" u="none" strike="noStrike" cap="none" dirty="0">
                 <a:solidFill>
                   <a:srgbClr val="FFFF00"/>
                 </a:solidFill>
@@ -47979,7 +47967,7 @@
               <a:buNone/>
             </a:pPr>
             <a:r>
-              <a:rPr lang="en-US" sz="3000" b="1" i="0" u="none" strike="noStrike" cap="none" dirty="0">
+              <a:rPr lang="en-US" sz="3000" i="0" u="none" strike="noStrike" cap="none" dirty="0">
                 <a:solidFill>
                   <a:schemeClr val="lt1"/>
                 </a:solidFill>
@@ -47991,7 +47979,7 @@
               <a:t>        </a:t>
             </a:r>
             <a:r>
-              <a:rPr lang="en-US" sz="3000" b="1" i="0" u="none" strike="noStrike" cap="none" dirty="0">
+              <a:rPr lang="en-US" sz="3000" i="0" u="none" strike="noStrike" cap="none" dirty="0">
                 <a:solidFill>
                   <a:srgbClr val="FFFF00"/>
                 </a:solidFill>
@@ -48022,7 +48010,7 @@
               <a:buNone/>
             </a:pPr>
             <a:r>
-              <a:rPr lang="en-US" sz="3000" b="1" i="0" u="none" strike="noStrike" cap="none" dirty="0">
+              <a:rPr lang="en-US" sz="3000" i="0" u="none" strike="noStrike" cap="none" dirty="0">
                 <a:solidFill>
                   <a:schemeClr val="lt1"/>
                 </a:solidFill>
@@ -48034,7 +48022,7 @@
               <a:t>    </a:t>
             </a:r>
             <a:r>
-              <a:rPr lang="en-US" sz="3000" b="1" i="0" u="none" strike="noStrike" cap="none" dirty="0" smtClean="0">
+              <a:rPr lang="en-US" sz="3000" i="0" u="none" strike="noStrike" cap="none" dirty="0" smtClean="0">
                 <a:solidFill>
                   <a:srgbClr val="FFFF00"/>
                 </a:solidFill>
@@ -48046,7 +48034,7 @@
               <a:t>print</a:t>
             </a:r>
             <a:r>
-              <a:rPr lang="en-US" sz="3000" b="1" dirty="0" smtClean="0">
+              <a:rPr lang="en-US" sz="3000" dirty="0" smtClean="0">
                 <a:solidFill>
                   <a:schemeClr val="lt1"/>
                 </a:solidFill>
@@ -48058,7 +48046,7 @@
               <a:t>(</a:t>
             </a:r>
             <a:r>
-              <a:rPr lang="en-US" sz="3000" b="1" i="0" u="none" strike="noStrike" cap="none" dirty="0" smtClean="0">
+              <a:rPr lang="en-US" sz="3000" i="0" u="none" strike="noStrike" cap="none" dirty="0" smtClean="0">
                 <a:solidFill>
                   <a:srgbClr val="00FF00"/>
                 </a:solidFill>
@@ -48070,7 +48058,7 @@
               <a:t>line</a:t>
             </a:r>
             <a:r>
-              <a:rPr lang="en-US" sz="3000" b="1" i="0" u="none" strike="noStrike" cap="none" dirty="0" smtClean="0">
+              <a:rPr lang="en-US" sz="3000" i="0" u="none" strike="noStrike" cap="none" dirty="0" smtClean="0">
                 <a:solidFill>
                   <a:schemeClr val="bg1"/>
                 </a:solidFill>
@@ -48081,7 +48069,7 @@
               </a:rPr>
               <a:t>)</a:t>
             </a:r>
-            <a:endParaRPr lang="en-US" sz="3000" b="1" i="0" u="none" strike="noStrike" cap="none" dirty="0">
+            <a:endParaRPr lang="en-US" sz="3000" i="0" u="none" strike="noStrike" cap="none" dirty="0">
               <a:solidFill>
                 <a:schemeClr val="bg1"/>
               </a:solidFill>
@@ -48110,7 +48098,7 @@
               <a:buNone/>
             </a:pPr>
             <a:r>
-              <a:rPr lang="en-US" sz="3000" b="1" i="0" u="none" strike="noStrike" cap="none" dirty="0" smtClean="0">
+              <a:rPr lang="en-US" sz="3000" i="0" u="none" strike="noStrike" cap="none" dirty="0" smtClean="0">
                 <a:solidFill>
                   <a:srgbClr val="FFFF00"/>
                 </a:solidFill>
@@ -48122,7 +48110,7 @@
               <a:t>print</a:t>
             </a:r>
             <a:r>
-              <a:rPr lang="en-US" sz="3000" b="1" dirty="0">
+              <a:rPr lang="en-US" sz="3000" dirty="0">
                 <a:solidFill>
                   <a:schemeClr val="lt1"/>
                 </a:solidFill>
@@ -48134,7 +48122,7 @@
               <a:t>(</a:t>
             </a:r>
             <a:r>
-              <a:rPr lang="en-US" sz="3000" b="1" i="0" u="none" strike="noStrike" cap="none" dirty="0" smtClean="0">
+              <a:rPr lang="en-US" sz="3000" i="0" u="none" strike="noStrike" cap="none" dirty="0" smtClean="0">
                 <a:solidFill>
                   <a:srgbClr val="FFFFFF"/>
                 </a:solidFill>
@@ -48145,7 +48133,7 @@
               </a:rPr>
               <a:t>'Done!')</a:t>
             </a:r>
-            <a:endParaRPr lang="en-US" sz="3000" b="1" i="0" u="none" strike="noStrike" cap="none" dirty="0">
+            <a:endParaRPr lang="en-US" sz="3000" i="0" u="none" strike="noStrike" cap="none" dirty="0">
               <a:solidFill>
                 <a:srgbClr val="FFFFFF"/>
               </a:solidFill>
@@ -48200,7 +48188,7 @@
               <a:buNone/>
             </a:pPr>
             <a:r>
-              <a:rPr lang="en-US" sz="3200" u="none" strike="noStrike" cap="none">
+              <a:rPr lang="en-US" sz="3200" u="none" strike="noStrike" cap="none" dirty="0">
                 <a:solidFill>
                   <a:schemeClr val="lt1"/>
                 </a:solidFill>
@@ -48212,7 +48200,7 @@
               <a:t>&gt; </a:t>
             </a:r>
             <a:r>
-              <a:rPr lang="en-US" sz="3200" u="none" strike="noStrike" cap="none">
+              <a:rPr lang="en-US" sz="3200" u="none" strike="noStrike" cap="none" dirty="0">
                 <a:solidFill>
                   <a:srgbClr val="00FF00"/>
                 </a:solidFill>
@@ -48243,7 +48231,7 @@
               <a:buNone/>
             </a:pPr>
             <a:r>
-              <a:rPr lang="en-US" sz="3200" u="none" strike="noStrike" cap="none">
+              <a:rPr lang="en-US" sz="3200" u="none" strike="noStrike" cap="none" dirty="0">
                 <a:solidFill>
                   <a:schemeClr val="lt1"/>
                 </a:solidFill>
@@ -48274,7 +48262,7 @@
               <a:buNone/>
             </a:pPr>
             <a:r>
-              <a:rPr lang="en-US" sz="3200" u="none" strike="noStrike" cap="none">
+              <a:rPr lang="en-US" sz="3200" u="none" strike="noStrike" cap="none" dirty="0">
                 <a:solidFill>
                   <a:schemeClr val="lt1"/>
                 </a:solidFill>
@@ -48286,7 +48274,7 @@
               <a:t>&gt; </a:t>
             </a:r>
             <a:r>
-              <a:rPr lang="en-US" sz="3200" u="none" strike="noStrike" cap="none">
+              <a:rPr lang="en-US" sz="3200" u="none" strike="noStrike" cap="none" dirty="0">
                 <a:solidFill>
                   <a:srgbClr val="00FF00"/>
                 </a:solidFill>
@@ -48317,7 +48305,7 @@
               <a:buNone/>
             </a:pPr>
             <a:r>
-              <a:rPr lang="en-US" sz="3200" u="none" strike="noStrike" cap="none">
+              <a:rPr lang="en-US" sz="3200" u="none" strike="noStrike" cap="none" dirty="0">
                 <a:solidFill>
                   <a:schemeClr val="lt1"/>
                 </a:solidFill>
@@ -48329,7 +48317,7 @@
               <a:t>&gt; </a:t>
             </a:r>
             <a:r>
-              <a:rPr lang="en-US" sz="3200" u="none" strike="noStrike" cap="none">
+              <a:rPr lang="en-US" sz="3200" u="none" strike="noStrike" cap="none" dirty="0">
                 <a:solidFill>
                   <a:srgbClr val="00FF00"/>
                 </a:solidFill>
@@ -48360,7 +48348,7 @@
               <a:buNone/>
             </a:pPr>
             <a:r>
-              <a:rPr lang="en-US" sz="3200" u="none" strike="noStrike" cap="none">
+              <a:rPr lang="en-US" sz="3200" u="none" strike="noStrike" cap="none" dirty="0">
                 <a:solidFill>
                   <a:schemeClr val="lt1"/>
                 </a:solidFill>
@@ -48391,7 +48379,7 @@
               <a:buNone/>
             </a:pPr>
             <a:r>
-              <a:rPr lang="en-US" sz="3200" u="none" strike="noStrike" cap="none">
+              <a:rPr lang="en-US" sz="3200" u="none" strike="noStrike" cap="none" dirty="0">
                 <a:solidFill>
                   <a:schemeClr val="lt1"/>
                 </a:solidFill>
@@ -48403,7 +48391,7 @@
               <a:t>&gt; </a:t>
             </a:r>
             <a:r>
-              <a:rPr lang="en-US" sz="3200" u="none" strike="noStrike" cap="none">
+              <a:rPr lang="en-US" sz="3200" u="none" strike="noStrike" cap="none" dirty="0">
                 <a:solidFill>
                   <a:srgbClr val="00FF00"/>
                 </a:solidFill>
@@ -48434,7 +48422,7 @@
               <a:buNone/>
             </a:pPr>
             <a:r>
-              <a:rPr lang="en-US" sz="3200" u="none" strike="noStrike" cap="none">
+              <a:rPr lang="en-US" sz="3200" u="none" strike="noStrike" cap="none" dirty="0">
                 <a:solidFill>
                   <a:schemeClr val="lt1"/>
                 </a:solidFill>

--- a/lectures3/Pythonlearn-05-Iterations.pptx
+++ b/lectures3/Pythonlearn-05-Iterations.pptx
@@ -281,6 +281,9 @@
         </p15:guide>
       </p15:sldGuideLst>
     </p:ext>
+    <p:ext uri="{2D200454-40CA-4A62-9FC3-DE9A4176ACB9}">
+      <p15:notesGuideLst xmlns:p15="http://schemas.microsoft.com/office/powerpoint/2012/main"/>
+    </p:ext>
   </p:extLst>
 </p:presentation>
 </file>
@@ -600,13 +603,34 @@
               <a:buNone/>
             </a:pPr>
             <a:r>
-              <a:rPr lang="en-US">
+              <a:rPr lang="en-US" dirty="0" smtClean="0">
                 <a:solidFill>
                   <a:schemeClr val="dk2"/>
                 </a:solidFill>
               </a:rPr>
-              <a:t>Note from Chuck.  If you are using these materials, you can remove the UM logo and replace it with your own, but please retain the CC-BY logo on the first page as well as retain the entire last page.</a:t>
-            </a:r>
+              <a:t>Note from Chuck.  </a:t>
+            </a:r>
+            <a:r>
+              <a:rPr lang="en-US" smtClean="0">
+                <a:solidFill>
+                  <a:schemeClr val="dk2"/>
+                </a:solidFill>
+              </a:rPr>
+              <a:t>If you are using these materials, you can remove the UM logo and replace it with your own, but please retain the CC-BY logo on the first page as well as retain the acknowledgement page(s)</a:t>
+            </a:r>
+            <a:r>
+              <a:rPr lang="en-US" baseline="0" smtClean="0">
+                <a:solidFill>
+                  <a:schemeClr val="dk2"/>
+                </a:solidFill>
+              </a:rPr>
+              <a:t> at the end.</a:t>
+            </a:r>
+            <a:endParaRPr lang="en-US" dirty="0">
+              <a:solidFill>
+                <a:schemeClr val="dk2"/>
+              </a:solidFill>
+            </a:endParaRPr>
           </a:p>
         </p:txBody>
       </p:sp>

--- a/lectures3/Pythonlearn-05-Iterations.pptx
+++ b/lectures3/Pythonlearn-05-Iterations.pptx
@@ -8296,6 +8296,13 @@
   <p:clrMapOvr>
     <a:masterClrMapping/>
   </p:clrMapOvr>
+  <p:timing>
+    <p:tnLst>
+      <p:par>
+        <p:cTn id="1" dur="indefinite" restart="never" nodeType="tmRoot"/>
+      </p:par>
+    </p:tnLst>
+  </p:timing>
 </p:sld>
 </file>
 
@@ -9879,6 +9886,13 @@
   <p:clrMapOvr>
     <a:masterClrMapping/>
   </p:clrMapOvr>
+  <p:timing>
+    <p:tnLst>
+      <p:par>
+        <p:cTn id="1" dur="indefinite" restart="never" nodeType="tmRoot"/>
+      </p:par>
+    </p:tnLst>
+  </p:timing>
 </p:sld>
 </file>
 
@@ -10176,6 +10190,13 @@
   <p:clrMapOvr>
     <a:masterClrMapping/>
   </p:clrMapOvr>
+  <p:timing>
+    <p:tnLst>
+      <p:par>
+        <p:cTn id="1" dur="indefinite" restart="never" nodeType="tmRoot"/>
+      </p:par>
+    </p:tnLst>
+  </p:timing>
 </p:sld>
 </file>
 
@@ -10276,6 +10297,13 @@
   <p:clrMapOvr>
     <a:masterClrMapping/>
   </p:clrMapOvr>
+  <p:timing>
+    <p:tnLst>
+      <p:par>
+        <p:cTn id="1" dur="indefinite" restart="never" nodeType="tmRoot"/>
+      </p:par>
+    </p:tnLst>
+  </p:timing>
 </p:sld>
 </file>
 
@@ -10688,6 +10716,13 @@
   <p:clrMapOvr>
     <a:masterClrMapping/>
   </p:clrMapOvr>
+  <p:timing>
+    <p:tnLst>
+      <p:par>
+        <p:cTn id="1" dur="indefinite" restart="never" nodeType="tmRoot"/>
+      </p:par>
+    </p:tnLst>
+  </p:timing>
 </p:sld>
 </file>
 
@@ -11287,6 +11322,13 @@
   <p:clrMapOvr>
     <a:masterClrMapping/>
   </p:clrMapOvr>
+  <p:timing>
+    <p:tnLst>
+      <p:par>
+        <p:cTn id="1" dur="indefinite" restart="never" nodeType="tmRoot"/>
+      </p:par>
+    </p:tnLst>
+  </p:timing>
 </p:sld>
 </file>
 
@@ -11986,6 +12028,13 @@
   <p:clrMapOvr>
     <a:masterClrMapping/>
   </p:clrMapOvr>
+  <p:timing>
+    <p:tnLst>
+      <p:par>
+        <p:cTn id="1" dur="indefinite" restart="never" nodeType="tmRoot"/>
+      </p:par>
+    </p:tnLst>
+  </p:timing>
 </p:sld>
 </file>
 
@@ -13448,6 +13497,13 @@
   <p:clrMapOvr>
     <a:masterClrMapping/>
   </p:clrMapOvr>
+  <p:timing>
+    <p:tnLst>
+      <p:par>
+        <p:cTn id="1" dur="indefinite" restart="never" nodeType="tmRoot"/>
+      </p:par>
+    </p:tnLst>
+  </p:timing>
 </p:sld>
 </file>
 
@@ -14288,6 +14344,13 @@
   <p:clrMapOvr>
     <a:masterClrMapping/>
   </p:clrMapOvr>
+  <p:timing>
+    <p:tnLst>
+      <p:par>
+        <p:cTn id="1" dur="indefinite" restart="never" nodeType="tmRoot"/>
+      </p:par>
+    </p:tnLst>
+  </p:timing>
 </p:sld>
 </file>
 
@@ -15511,6 +15574,13 @@
   <p:clrMapOvr>
     <a:masterClrMapping/>
   </p:clrMapOvr>
+  <p:timing>
+    <p:tnLst>
+      <p:par>
+        <p:cTn id="1" dur="indefinite" restart="never" nodeType="tmRoot"/>
+      </p:par>
+    </p:tnLst>
+  </p:timing>
 </p:sld>
 </file>
 
@@ -17481,6 +17551,13 @@
   <p:clrMapOvr>
     <a:masterClrMapping/>
   </p:clrMapOvr>
+  <p:timing>
+    <p:tnLst>
+      <p:par>
+        <p:cTn id="1" dur="indefinite" restart="never" nodeType="tmRoot"/>
+      </p:par>
+    </p:tnLst>
+  </p:timing>
 </p:sld>
 </file>
 
@@ -19455,6 +19532,13 @@
   <p:clrMapOvr>
     <a:masterClrMapping/>
   </p:clrMapOvr>
+  <p:timing>
+    <p:tnLst>
+      <p:par>
+        <p:cTn id="1" dur="indefinite" restart="never" nodeType="tmRoot"/>
+      </p:par>
+    </p:tnLst>
+  </p:timing>
 </p:sld>
 </file>
 
@@ -19642,6 +19726,13 @@
   <p:clrMapOvr>
     <a:masterClrMapping/>
   </p:clrMapOvr>
+  <p:timing>
+    <p:tnLst>
+      <p:par>
+        <p:cTn id="1" dur="indefinite" restart="never" nodeType="tmRoot"/>
+      </p:par>
+    </p:tnLst>
+  </p:timing>
 </p:sld>
 </file>
 
@@ -20146,6 +20237,13 @@
   <p:clrMapOvr>
     <a:masterClrMapping/>
   </p:clrMapOvr>
+  <p:timing>
+    <p:tnLst>
+      <p:par>
+        <p:cTn id="1" dur="indefinite" restart="never" nodeType="tmRoot"/>
+      </p:par>
+    </p:tnLst>
+  </p:timing>
 </p:sld>
 </file>
 
@@ -20935,6 +21033,13 @@
   <p:clrMapOvr>
     <a:masterClrMapping/>
   </p:clrMapOvr>
+  <p:timing>
+    <p:tnLst>
+      <p:par>
+        <p:cTn id="1" dur="indefinite" restart="never" nodeType="tmRoot"/>
+      </p:par>
+    </p:tnLst>
+  </p:timing>
 </p:sld>
 </file>
 
@@ -21017,6 +21122,13 @@
   <p:clrMapOvr>
     <a:masterClrMapping/>
   </p:clrMapOvr>
+  <p:timing>
+    <p:tnLst>
+      <p:par>
+        <p:cTn id="1" dur="indefinite" restart="never" nodeType="tmRoot"/>
+      </p:par>
+    </p:tnLst>
+  </p:timing>
 </p:sld>
 </file>
 
@@ -21156,6 +21268,13 @@
   <p:clrMapOvr>
     <a:masterClrMapping/>
   </p:clrMapOvr>
+  <p:timing>
+    <p:tnLst>
+      <p:par>
+        <p:cTn id="1" dur="indefinite" restart="never" nodeType="tmRoot"/>
+      </p:par>
+    </p:tnLst>
+  </p:timing>
 </p:sld>
 </file>
 
@@ -21295,6 +21414,13 @@
   <p:clrMapOvr>
     <a:masterClrMapping/>
   </p:clrMapOvr>
+  <p:timing>
+    <p:tnLst>
+      <p:par>
+        <p:cTn id="1" dur="indefinite" restart="never" nodeType="tmRoot"/>
+      </p:par>
+    </p:tnLst>
+  </p:timing>
 </p:sld>
 </file>
 
@@ -21434,6 +21560,13 @@
   <p:clrMapOvr>
     <a:masterClrMapping/>
   </p:clrMapOvr>
+  <p:timing>
+    <p:tnLst>
+      <p:par>
+        <p:cTn id="1" dur="indefinite" restart="never" nodeType="tmRoot"/>
+      </p:par>
+    </p:tnLst>
+  </p:timing>
 </p:sld>
 </file>
 
@@ -21573,6 +21706,13 @@
   <p:clrMapOvr>
     <a:masterClrMapping/>
   </p:clrMapOvr>
+  <p:timing>
+    <p:tnLst>
+      <p:par>
+        <p:cTn id="1" dur="indefinite" restart="never" nodeType="tmRoot"/>
+      </p:par>
+    </p:tnLst>
+  </p:timing>
 </p:sld>
 </file>
 
@@ -21712,6 +21852,13 @@
   <p:clrMapOvr>
     <a:masterClrMapping/>
   </p:clrMapOvr>
+  <p:timing>
+    <p:tnLst>
+      <p:par>
+        <p:cTn id="1" dur="indefinite" restart="never" nodeType="tmRoot"/>
+      </p:par>
+    </p:tnLst>
+  </p:timing>
 </p:sld>
 </file>
 
@@ -21851,6 +21998,13 @@
   <p:clrMapOvr>
     <a:masterClrMapping/>
   </p:clrMapOvr>
+  <p:timing>
+    <p:tnLst>
+      <p:par>
+        <p:cTn id="1" dur="indefinite" restart="never" nodeType="tmRoot"/>
+      </p:par>
+    </p:tnLst>
+  </p:timing>
 </p:sld>
 </file>
 
@@ -23250,6 +23404,13 @@
   <p:clrMapOvr>
     <a:masterClrMapping/>
   </p:clrMapOvr>
+  <p:timing>
+    <p:tnLst>
+      <p:par>
+        <p:cTn id="1" dur="indefinite" restart="never" nodeType="tmRoot"/>
+      </p:par>
+    </p:tnLst>
+  </p:timing>
 </p:sld>
 </file>
 
@@ -23332,6 +23493,13 @@
   <p:clrMapOvr>
     <a:masterClrMapping/>
   </p:clrMapOvr>
+  <p:timing>
+    <p:tnLst>
+      <p:par>
+        <p:cTn id="1" dur="indefinite" restart="never" nodeType="tmRoot"/>
+      </p:par>
+    </p:tnLst>
+  </p:timing>
 </p:sld>
 </file>
 
@@ -23756,6 +23924,13 @@
   <p:clrMapOvr>
     <a:masterClrMapping/>
   </p:clrMapOvr>
+  <p:timing>
+    <p:tnLst>
+      <p:par>
+        <p:cTn id="1" dur="indefinite" restart="never" nodeType="tmRoot"/>
+      </p:par>
+    </p:tnLst>
+  </p:timing>
 </p:sld>
 </file>
 
@@ -24013,6 +24188,13 @@
   <p:clrMapOvr>
     <a:masterClrMapping/>
   </p:clrMapOvr>
+  <p:timing>
+    <p:tnLst>
+      <p:par>
+        <p:cTn id="1" dur="indefinite" restart="never" nodeType="tmRoot"/>
+      </p:par>
+    </p:tnLst>
+  </p:timing>
 </p:sld>
 </file>
 
@@ -24336,6 +24518,13 @@
   <p:clrMapOvr>
     <a:masterClrMapping/>
   </p:clrMapOvr>
+  <p:timing>
+    <p:tnLst>
+      <p:par>
+        <p:cTn id="1" dur="indefinite" restart="never" nodeType="tmRoot"/>
+      </p:par>
+    </p:tnLst>
+  </p:timing>
 </p:sld>
 </file>
 
@@ -24659,6 +24848,13 @@
   <p:clrMapOvr>
     <a:masterClrMapping/>
   </p:clrMapOvr>
+  <p:timing>
+    <p:tnLst>
+      <p:par>
+        <p:cTn id="1" dur="indefinite" restart="never" nodeType="tmRoot"/>
+      </p:par>
+    </p:tnLst>
+  </p:timing>
 </p:sld>
 </file>
 
@@ -24982,6 +25178,13 @@
   <p:clrMapOvr>
     <a:masterClrMapping/>
   </p:clrMapOvr>
+  <p:timing>
+    <p:tnLst>
+      <p:par>
+        <p:cTn id="1" dur="indefinite" restart="never" nodeType="tmRoot"/>
+      </p:par>
+    </p:tnLst>
+  </p:timing>
 </p:sld>
 </file>
 
@@ -25305,6 +25508,13 @@
   <p:clrMapOvr>
     <a:masterClrMapping/>
   </p:clrMapOvr>
+  <p:timing>
+    <p:tnLst>
+      <p:par>
+        <p:cTn id="1" dur="indefinite" restart="never" nodeType="tmRoot"/>
+      </p:par>
+    </p:tnLst>
+  </p:timing>
 </p:sld>
 </file>
 
@@ -25628,6 +25838,13 @@
   <p:clrMapOvr>
     <a:masterClrMapping/>
   </p:clrMapOvr>
+  <p:timing>
+    <p:tnLst>
+      <p:par>
+        <p:cTn id="1" dur="indefinite" restart="never" nodeType="tmRoot"/>
+      </p:par>
+    </p:tnLst>
+  </p:timing>
 </p:sld>
 </file>
 
@@ -25885,6 +26102,13 @@
   <p:clrMapOvr>
     <a:masterClrMapping/>
   </p:clrMapOvr>
+  <p:timing>
+    <p:tnLst>
+      <p:par>
+        <p:cTn id="1" dur="indefinite" restart="never" nodeType="tmRoot"/>
+      </p:par>
+    </p:tnLst>
+  </p:timing>
 </p:sld>
 </file>
 
@@ -26427,6 +26651,13 @@
   <p:clrMapOvr>
     <a:masterClrMapping/>
   </p:clrMapOvr>
+  <p:timing>
+    <p:tnLst>
+      <p:par>
+        <p:cTn id="1" dur="indefinite" restart="never" nodeType="tmRoot"/>
+      </p:par>
+    </p:tnLst>
+  </p:timing>
 </p:sld>
 </file>
 
@@ -27891,6 +28122,13 @@
   <p:clrMapOvr>
     <a:masterClrMapping/>
   </p:clrMapOvr>
+  <p:timing>
+    <p:tnLst>
+      <p:par>
+        <p:cTn id="1" dur="indefinite" restart="never" nodeType="tmRoot"/>
+      </p:par>
+    </p:tnLst>
+  </p:timing>
 </p:sld>
 </file>
 
@@ -29301,6 +29539,13 @@
   <p:clrMapOvr>
     <a:masterClrMapping/>
   </p:clrMapOvr>
+  <p:timing>
+    <p:tnLst>
+      <p:par>
+        <p:cTn id="1" dur="indefinite" restart="never" nodeType="tmRoot"/>
+      </p:par>
+    </p:tnLst>
+  </p:timing>
 </p:sld>
 </file>
 
@@ -29377,6 +29622,13 @@
   <p:clrMapOvr>
     <a:masterClrMapping/>
   </p:clrMapOvr>
+  <p:timing>
+    <p:tnLst>
+      <p:par>
+        <p:cTn id="1" dur="indefinite" restart="never" nodeType="tmRoot"/>
+      </p:par>
+    </p:tnLst>
+  </p:timing>
 </p:sld>
 </file>
 
@@ -30504,6 +30756,13 @@
   <p:clrMapOvr>
     <a:masterClrMapping/>
   </p:clrMapOvr>
+  <p:timing>
+    <p:tnLst>
+      <p:par>
+        <p:cTn id="1" dur="indefinite" restart="never" nodeType="tmRoot"/>
+      </p:par>
+    </p:tnLst>
+  </p:timing>
 </p:sld>
 </file>
 
@@ -31811,6 +32070,13 @@
   <p:clrMapOvr>
     <a:masterClrMapping/>
   </p:clrMapOvr>
+  <p:timing>
+    <p:tnLst>
+      <p:par>
+        <p:cTn id="1" dur="indefinite" restart="never" nodeType="tmRoot"/>
+      </p:par>
+    </p:tnLst>
+  </p:timing>
 </p:sld>
 </file>
 
@@ -32580,7 +32846,7 @@
               <a:buNone/>
             </a:pPr>
             <a:r>
-              <a:rPr lang="en-US" sz="3000" u="none" strike="noStrike" cap="none">
+              <a:rPr lang="en-US" sz="3000" u="none" strike="noStrike" cap="none" dirty="0">
                 <a:solidFill>
                   <a:schemeClr val="lt1"/>
                 </a:solidFill>
@@ -32592,7 +32858,7 @@
               <a:t>$ </a:t>
             </a:r>
             <a:r>
-              <a:rPr lang="en-US" sz="3000" u="none" strike="noStrike" cap="none">
+              <a:rPr lang="en-US" sz="3000" u="none" strike="noStrike" cap="none" dirty="0">
                 <a:solidFill>
                   <a:srgbClr val="FFFF00"/>
                 </a:solidFill>
@@ -32601,7 +32867,31 @@
                 <a:cs typeface="Arial" charset="0"/>
                 <a:sym typeface="Cabin"/>
               </a:rPr>
-              <a:t>python averageloop.py </a:t>
+              <a:t>python </a:t>
+            </a:r>
+            <a:r>
+              <a:rPr lang="en-US" sz="3000" u="none" strike="noStrike" cap="none" dirty="0" err="1">
+                <a:solidFill>
+                  <a:srgbClr val="FFFF00"/>
+                </a:solidFill>
+                <a:latin typeface="Arial" charset="0"/>
+                <a:ea typeface="Arial" charset="0"/>
+                <a:cs typeface="Arial" charset="0"/>
+                <a:sym typeface="Cabin"/>
+              </a:rPr>
+              <a:t>averageloop.py</a:t>
+            </a:r>
+            <a:r>
+              <a:rPr lang="en-US" sz="3000" u="none" strike="noStrike" cap="none" dirty="0">
+                <a:solidFill>
+                  <a:srgbClr val="FFFF00"/>
+                </a:solidFill>
+                <a:latin typeface="Arial" charset="0"/>
+                <a:ea typeface="Arial" charset="0"/>
+                <a:cs typeface="Arial" charset="0"/>
+                <a:sym typeface="Cabin"/>
+              </a:rPr>
+              <a:t> </a:t>
             </a:r>
           </a:p>
           <a:p>
@@ -32623,7 +32913,7 @@
               <a:buNone/>
             </a:pPr>
             <a:r>
-              <a:rPr lang="en-US" sz="3000" u="none" strike="noStrike" cap="none">
+              <a:rPr lang="en-US" sz="3000" u="none" strike="noStrike" cap="none" dirty="0">
                 <a:solidFill>
                   <a:srgbClr val="FF7F00"/>
                 </a:solidFill>
@@ -32635,7 +32925,7 @@
               <a:t>Before </a:t>
             </a:r>
             <a:r>
-              <a:rPr lang="en-US" sz="3000" u="none" strike="noStrike" cap="none">
+              <a:rPr lang="en-US" sz="3000" u="none" strike="noStrike" cap="none" dirty="0">
                 <a:solidFill>
                   <a:srgbClr val="00FFFF"/>
                 </a:solidFill>
@@ -32647,7 +32937,7 @@
               <a:t>0</a:t>
             </a:r>
             <a:r>
-              <a:rPr lang="en-US" sz="3000" u="none" strike="noStrike" cap="none">
+              <a:rPr lang="en-US" sz="3000" u="none" strike="noStrike" cap="none" dirty="0">
                 <a:solidFill>
                   <a:srgbClr val="FF7F00"/>
                 </a:solidFill>
@@ -32659,7 +32949,7 @@
               <a:t> </a:t>
             </a:r>
             <a:r>
-              <a:rPr lang="en-US" sz="3000" u="none" strike="noStrike" cap="none">
+              <a:rPr lang="en-US" sz="3000" u="none" strike="noStrike" cap="none" dirty="0">
                 <a:solidFill>
                   <a:srgbClr val="00FF00"/>
                 </a:solidFill>
@@ -32690,7 +32980,7 @@
               <a:buNone/>
             </a:pPr>
             <a:r>
-              <a:rPr lang="en-US" sz="3000" u="none" strike="noStrike" cap="none">
+              <a:rPr lang="en-US" sz="3000" u="none" strike="noStrike" cap="none" dirty="0">
                 <a:solidFill>
                   <a:srgbClr val="00FFFF"/>
                 </a:solidFill>
@@ -32702,7 +32992,7 @@
               <a:t>1</a:t>
             </a:r>
             <a:r>
-              <a:rPr lang="en-US" sz="3000" u="none" strike="noStrike" cap="none">
+              <a:rPr lang="en-US" sz="3000" u="none" strike="noStrike" cap="none" dirty="0">
                 <a:solidFill>
                   <a:srgbClr val="FF00FF"/>
                 </a:solidFill>
@@ -32714,7 +33004,7 @@
               <a:t> </a:t>
             </a:r>
             <a:r>
-              <a:rPr lang="en-US" sz="3000" u="none" strike="noStrike" cap="none">
+              <a:rPr lang="en-US" sz="3000" u="none" strike="noStrike" cap="none" dirty="0">
                 <a:solidFill>
                   <a:srgbClr val="00FF00"/>
                 </a:solidFill>
@@ -32726,7 +33016,7 @@
               <a:t>9</a:t>
             </a:r>
             <a:r>
-              <a:rPr lang="en-US" sz="3000" u="none" strike="noStrike" cap="none">
+              <a:rPr lang="en-US" sz="3000" u="none" strike="noStrike" cap="none" dirty="0">
                 <a:solidFill>
                   <a:srgbClr val="FF00FF"/>
                 </a:solidFill>
@@ -32757,7 +33047,7 @@
               <a:buNone/>
             </a:pPr>
             <a:r>
-              <a:rPr lang="en-US" sz="3000" u="none" strike="noStrike" cap="none">
+              <a:rPr lang="en-US" sz="3000" u="none" strike="noStrike" cap="none" dirty="0">
                 <a:solidFill>
                   <a:srgbClr val="00FFFF"/>
                 </a:solidFill>
@@ -32769,7 +33059,7 @@
               <a:t>2</a:t>
             </a:r>
             <a:r>
-              <a:rPr lang="en-US" sz="3000" u="none" strike="noStrike" cap="none">
+              <a:rPr lang="en-US" sz="3000" u="none" strike="noStrike" cap="none" dirty="0">
                 <a:solidFill>
                   <a:srgbClr val="FF00FF"/>
                 </a:solidFill>
@@ -32781,7 +33071,7 @@
               <a:t> </a:t>
             </a:r>
             <a:r>
-              <a:rPr lang="en-US" sz="3000" u="none" strike="noStrike" cap="none">
+              <a:rPr lang="en-US" sz="3000" u="none" strike="noStrike" cap="none" dirty="0">
                 <a:solidFill>
                   <a:srgbClr val="00FF00"/>
                 </a:solidFill>
@@ -32793,7 +33083,7 @@
               <a:t>50</a:t>
             </a:r>
             <a:r>
-              <a:rPr lang="en-US" sz="3000" u="none" strike="noStrike" cap="none">
+              <a:rPr lang="en-US" sz="3000" u="none" strike="noStrike" cap="none" dirty="0">
                 <a:solidFill>
                   <a:srgbClr val="FF00FF"/>
                 </a:solidFill>
@@ -32824,7 +33114,7 @@
               <a:buNone/>
             </a:pPr>
             <a:r>
-              <a:rPr lang="en-US" sz="3000" u="none" strike="noStrike" cap="none">
+              <a:rPr lang="en-US" sz="3000" u="none" strike="noStrike" cap="none" dirty="0">
                 <a:solidFill>
                   <a:srgbClr val="00FFFF"/>
                 </a:solidFill>
@@ -32836,7 +33126,7 @@
               <a:t>3</a:t>
             </a:r>
             <a:r>
-              <a:rPr lang="en-US" sz="3000" u="none" strike="noStrike" cap="none">
+              <a:rPr lang="en-US" sz="3000" u="none" strike="noStrike" cap="none" dirty="0">
                 <a:solidFill>
                   <a:srgbClr val="FF00FF"/>
                 </a:solidFill>
@@ -32848,7 +33138,7 @@
               <a:t> </a:t>
             </a:r>
             <a:r>
-              <a:rPr lang="en-US" sz="3000" u="none" strike="noStrike" cap="none">
+              <a:rPr lang="en-US" sz="3000" u="none" strike="noStrike" cap="none" dirty="0">
                 <a:solidFill>
                   <a:srgbClr val="00FF00"/>
                 </a:solidFill>
@@ -32860,7 +33150,7 @@
               <a:t>62</a:t>
             </a:r>
             <a:r>
-              <a:rPr lang="en-US" sz="3000" u="none" strike="noStrike" cap="none">
+              <a:rPr lang="en-US" sz="3000" u="none" strike="noStrike" cap="none" dirty="0">
                 <a:solidFill>
                   <a:srgbClr val="FF00FF"/>
                 </a:solidFill>
@@ -32891,7 +33181,7 @@
               <a:buNone/>
             </a:pPr>
             <a:r>
-              <a:rPr lang="en-US" sz="3000" u="none" strike="noStrike" cap="none">
+              <a:rPr lang="en-US" sz="3000" u="none" strike="noStrike" cap="none" dirty="0">
                 <a:solidFill>
                   <a:srgbClr val="00FFFF"/>
                 </a:solidFill>
@@ -32903,7 +33193,7 @@
               <a:t>4</a:t>
             </a:r>
             <a:r>
-              <a:rPr lang="en-US" sz="3000" u="none" strike="noStrike" cap="none">
+              <a:rPr lang="en-US" sz="3000" u="none" strike="noStrike" cap="none" dirty="0">
                 <a:solidFill>
                   <a:srgbClr val="FF00FF"/>
                 </a:solidFill>
@@ -32915,7 +33205,7 @@
               <a:t> </a:t>
             </a:r>
             <a:r>
-              <a:rPr lang="en-US" sz="3000" u="none" strike="noStrike" cap="none">
+              <a:rPr lang="en-US" sz="3000" u="none" strike="noStrike" cap="none" dirty="0">
                 <a:solidFill>
                   <a:srgbClr val="00FF00"/>
                 </a:solidFill>
@@ -32927,7 +33217,7 @@
               <a:t>65</a:t>
             </a:r>
             <a:r>
-              <a:rPr lang="en-US" sz="3000" u="none" strike="noStrike" cap="none">
+              <a:rPr lang="en-US" sz="3000" u="none" strike="noStrike" cap="none" dirty="0">
                 <a:solidFill>
                   <a:srgbClr val="FF00FF"/>
                 </a:solidFill>
@@ -32958,7 +33248,7 @@
               <a:buNone/>
             </a:pPr>
             <a:r>
-              <a:rPr lang="en-US" sz="3000" u="none" strike="noStrike" cap="none">
+              <a:rPr lang="en-US" sz="3000" u="none" strike="noStrike" cap="none" dirty="0">
                 <a:solidFill>
                   <a:srgbClr val="00FFFF"/>
                 </a:solidFill>
@@ -32970,7 +33260,7 @@
               <a:t>5</a:t>
             </a:r>
             <a:r>
-              <a:rPr lang="en-US" sz="3000" u="none" strike="noStrike" cap="none">
+              <a:rPr lang="en-US" sz="3000" u="none" strike="noStrike" cap="none" dirty="0">
                 <a:solidFill>
                   <a:srgbClr val="FF00FF"/>
                 </a:solidFill>
@@ -32982,7 +33272,7 @@
               <a:t> </a:t>
             </a:r>
             <a:r>
-              <a:rPr lang="en-US" sz="3000" u="none" strike="noStrike" cap="none">
+              <a:rPr lang="en-US" sz="3000" u="none" strike="noStrike" cap="none" dirty="0">
                 <a:solidFill>
                   <a:srgbClr val="00FF00"/>
                 </a:solidFill>
@@ -32994,7 +33284,7 @@
               <a:t>139</a:t>
             </a:r>
             <a:r>
-              <a:rPr lang="en-US" sz="3000" u="none" strike="noStrike" cap="none">
+              <a:rPr lang="en-US" sz="3000" u="none" strike="noStrike" cap="none" dirty="0">
                 <a:solidFill>
                   <a:srgbClr val="FF00FF"/>
                 </a:solidFill>
@@ -33025,7 +33315,7 @@
               <a:buNone/>
             </a:pPr>
             <a:r>
-              <a:rPr lang="en-US" sz="3000" u="none" strike="noStrike" cap="none">
+              <a:rPr lang="en-US" sz="3000" u="none" strike="noStrike" cap="none" dirty="0">
                 <a:solidFill>
                   <a:srgbClr val="00FFFF"/>
                 </a:solidFill>
@@ -33037,7 +33327,7 @@
               <a:t>6</a:t>
             </a:r>
             <a:r>
-              <a:rPr lang="en-US" sz="3000" u="none" strike="noStrike" cap="none">
+              <a:rPr lang="en-US" sz="3000" u="none" strike="noStrike" cap="none" dirty="0">
                 <a:solidFill>
                   <a:srgbClr val="FF00FF"/>
                 </a:solidFill>
@@ -33049,7 +33339,7 @@
               <a:t> </a:t>
             </a:r>
             <a:r>
-              <a:rPr lang="en-US" sz="3000" u="none" strike="noStrike" cap="none">
+              <a:rPr lang="en-US" sz="3000" u="none" strike="noStrike" cap="none" dirty="0">
                 <a:solidFill>
                   <a:srgbClr val="00FF00"/>
                 </a:solidFill>
@@ -33061,7 +33351,7 @@
               <a:t>154</a:t>
             </a:r>
             <a:r>
-              <a:rPr lang="en-US" sz="3000" u="none" strike="noStrike" cap="none">
+              <a:rPr lang="en-US" sz="3000" u="none" strike="noStrike" cap="none" dirty="0">
                 <a:solidFill>
                   <a:srgbClr val="FF00FF"/>
                 </a:solidFill>
@@ -33152,7 +33442,7 @@
               <a:t> </a:t>
             </a:r>
             <a:r>
-              <a:rPr lang="en-US" sz="3000" u="none" strike="noStrike" cap="none">
+              <a:rPr lang="en-US" sz="3000" u="none" strike="noStrike" cap="none" smtClean="0">
                 <a:solidFill>
                   <a:srgbClr val="FFFF00"/>
                 </a:solidFill>
@@ -33161,8 +33451,17 @@
                 <a:cs typeface="Arial" charset="0"/>
                 <a:sym typeface="Cabin"/>
               </a:rPr>
-              <a:t>25</a:t>
-            </a:r>
+              <a:t>25.666</a:t>
+            </a:r>
+            <a:endParaRPr lang="en-US" sz="3000" u="none" strike="noStrike" cap="none">
+              <a:solidFill>
+                <a:srgbClr val="FFFF00"/>
+              </a:solidFill>
+              <a:latin typeface="Arial" charset="0"/>
+              <a:ea typeface="Arial" charset="0"/>
+              <a:cs typeface="Arial" charset="0"/>
+              <a:sym typeface="Cabin"/>
+            </a:endParaRPr>
           </a:p>
         </p:txBody>
       </p:sp>
@@ -33324,6 +33623,13 @@
   <p:clrMapOvr>
     <a:masterClrMapping/>
   </p:clrMapOvr>
+  <p:timing>
+    <p:tnLst>
+      <p:par>
+        <p:cTn id="1" dur="indefinite" restart="never" nodeType="tmRoot"/>
+      </p:par>
+    </p:tnLst>
+  </p:timing>
 </p:sld>
 </file>
 
@@ -34128,6 +34434,13 @@
   <p:clrMapOvr>
     <a:masterClrMapping/>
   </p:clrMapOvr>
+  <p:timing>
+    <p:tnLst>
+      <p:par>
+        <p:cTn id="1" dur="indefinite" restart="never" nodeType="tmRoot"/>
+      </p:par>
+    </p:tnLst>
+  </p:timing>
 </p:sld>
 </file>
 
@@ -40000,6 +40313,13 @@
   <p:clrMapOvr>
     <a:masterClrMapping/>
   </p:clrMapOvr>
+  <p:timing>
+    <p:tnLst>
+      <p:par>
+        <p:cTn id="1" dur="indefinite" restart="never" nodeType="tmRoot"/>
+      </p:par>
+    </p:tnLst>
+  </p:timing>
 </p:sld>
 </file>
 
@@ -44398,6 +44718,13 @@
   <p:clrMapOvr>
     <a:masterClrMapping/>
   </p:clrMapOvr>
+  <p:timing>
+    <p:tnLst>
+      <p:par>
+        <p:cTn id="1" dur="indefinite" restart="never" nodeType="tmRoot"/>
+      </p:par>
+    </p:tnLst>
+  </p:timing>
 </p:sld>
 </file>
 
@@ -45907,6 +46234,13 @@
   <p:clrMapOvr>
     <a:masterClrMapping/>
   </p:clrMapOvr>
+  <p:timing>
+    <p:tnLst>
+      <p:par>
+        <p:cTn id="1" dur="indefinite" restart="never" nodeType="tmRoot"/>
+      </p:par>
+    </p:tnLst>
+  </p:timing>
 </p:sld>
 </file>
 
@@ -47060,6 +47394,13 @@
   <p:clrMapOvr>
     <a:masterClrMapping/>
   </p:clrMapOvr>
+  <p:timing>
+    <p:tnLst>
+      <p:par>
+        <p:cTn id="1" dur="indefinite" restart="never" nodeType="tmRoot"/>
+      </p:par>
+    </p:tnLst>
+  </p:timing>
 </p:sld>
 </file>
 
@@ -48304,6 +48645,13 @@
   <p:clrMapOvr>
     <a:masterClrMapping/>
   </p:clrMapOvr>
+  <p:timing>
+    <p:tnLst>
+      <p:par>
+        <p:cTn id="1" dur="indefinite" restart="never" nodeType="tmRoot"/>
+      </p:par>
+    </p:tnLst>
+  </p:timing>
 </p:sld>
 </file>
 

--- a/lectures3/Pythonlearn-05-Iterations.pptx
+++ b/lectures3/Pythonlearn-05-Iterations.pptx
@@ -22994,6 +22994,18 @@
               <a:buNone/>
             </a:pPr>
             <a:r>
+              <a:rPr lang="en-US" sz="3500" u="none" strike="noStrike" cap="none" dirty="0" smtClean="0">
+                <a:solidFill>
+                  <a:schemeClr val="lt1"/>
+                </a:solidFill>
+                <a:latin typeface="Arial" charset="0"/>
+                <a:ea typeface="Arial" charset="0"/>
+                <a:cs typeface="Arial" charset="0"/>
+                <a:sym typeface="Cabin"/>
+              </a:rPr>
+              <a:t>print('Dry </a:t>
+            </a:r>
+            <a:r>
               <a:rPr lang="en-US" sz="3500" u="none" strike="noStrike" cap="none" dirty="0">
                 <a:solidFill>
                   <a:schemeClr val="lt1"/>
@@ -23003,8 +23015,29 @@
                 <a:cs typeface="Arial" charset="0"/>
                 <a:sym typeface="Cabin"/>
               </a:rPr>
-              <a:t>print 'Dry off!'</a:t>
-            </a:r>
+              <a:t>off</a:t>
+            </a:r>
+            <a:r>
+              <a:rPr lang="en-US" sz="3500" u="none" strike="noStrike" cap="none" dirty="0" smtClean="0">
+                <a:solidFill>
+                  <a:schemeClr val="lt1"/>
+                </a:solidFill>
+                <a:latin typeface="Arial" charset="0"/>
+                <a:ea typeface="Arial" charset="0"/>
+                <a:cs typeface="Arial" charset="0"/>
+                <a:sym typeface="Cabin"/>
+              </a:rPr>
+              <a:t>!')</a:t>
+            </a:r>
+            <a:endParaRPr lang="en-US" sz="3500" u="none" strike="noStrike" cap="none" dirty="0">
+              <a:solidFill>
+                <a:schemeClr val="lt1"/>
+              </a:solidFill>
+              <a:latin typeface="Arial" charset="0"/>
+              <a:ea typeface="Arial" charset="0"/>
+              <a:cs typeface="Arial" charset="0"/>
+              <a:sym typeface="Cabin"/>
+            </a:endParaRPr>
           </a:p>
         </p:txBody>
       </p:sp>
@@ -27665,6 +27698,18 @@
               <a:buNone/>
             </a:pPr>
             <a:r>
+              <a:rPr lang="en-US" sz="3500" u="none" strike="noStrike" cap="none" dirty="0" smtClean="0">
+                <a:solidFill>
+                  <a:schemeClr val="lt1"/>
+                </a:solidFill>
+                <a:latin typeface="Arial" charset="0"/>
+                <a:ea typeface="Arial" charset="0"/>
+                <a:cs typeface="Arial" charset="0"/>
+                <a:sym typeface="Cabin"/>
+              </a:rPr>
+              <a:t>print('Dry </a:t>
+            </a:r>
+            <a:r>
               <a:rPr lang="en-US" sz="3500" u="none" strike="noStrike" cap="none" dirty="0">
                 <a:solidFill>
                   <a:schemeClr val="lt1"/>
@@ -27674,8 +27719,29 @@
                 <a:cs typeface="Arial" charset="0"/>
                 <a:sym typeface="Cabin"/>
               </a:rPr>
-              <a:t>print 'Dry off!'</a:t>
-            </a:r>
+              <a:t>off</a:t>
+            </a:r>
+            <a:r>
+              <a:rPr lang="en-US" sz="3500" u="none" strike="noStrike" cap="none" dirty="0" smtClean="0">
+                <a:solidFill>
+                  <a:schemeClr val="lt1"/>
+                </a:solidFill>
+                <a:latin typeface="Arial" charset="0"/>
+                <a:ea typeface="Arial" charset="0"/>
+                <a:cs typeface="Arial" charset="0"/>
+                <a:sym typeface="Cabin"/>
+              </a:rPr>
+              <a:t>!')</a:t>
+            </a:r>
+            <a:endParaRPr lang="en-US" sz="3500" u="none" strike="noStrike" cap="none" dirty="0">
+              <a:solidFill>
+                <a:schemeClr val="lt1"/>
+              </a:solidFill>
+              <a:latin typeface="Arial" charset="0"/>
+              <a:ea typeface="Arial" charset="0"/>
+              <a:cs typeface="Arial" charset="0"/>
+              <a:sym typeface="Cabin"/>
+            </a:endParaRPr>
           </a:p>
         </p:txBody>
       </p:sp>
@@ -33993,7 +34059,19 @@
                 <a:cs typeface="Courier New"/>
                 <a:sym typeface="Courier New"/>
               </a:rPr>
-              <a:t> 	    print 'Large </a:t>
+              <a:t> 	    </a:t>
+            </a:r>
+            <a:r>
+              <a:rPr lang="en-US" sz="2600" b="1" i="0" u="none" strike="noStrike" cap="none" dirty="0" smtClean="0">
+                <a:solidFill>
+                  <a:srgbClr val="00FFFF"/>
+                </a:solidFill>
+                <a:latin typeface="Courier New"/>
+                <a:ea typeface="Courier New"/>
+                <a:cs typeface="Courier New"/>
+                <a:sym typeface="Courier New"/>
+              </a:rPr>
+              <a:t>print('Large </a:t>
             </a:r>
             <a:r>
               <a:rPr lang="en-US" sz="2600" b="1" i="0" u="none" strike="noStrike" cap="none" dirty="0" err="1">
@@ -34005,7 +34083,31 @@
                 <a:cs typeface="Courier New"/>
                 <a:sym typeface="Courier New"/>
               </a:rPr>
-              <a:t>number',value</a:t>
+              <a:t>number',</a:t>
+            </a:r>
+            <a:r>
+              <a:rPr lang="en-US" sz="2600" b="1" i="0" u="none" strike="noStrike" cap="none" dirty="0" err="1" smtClean="0">
+                <a:solidFill>
+                  <a:srgbClr val="00FFFF"/>
+                </a:solidFill>
+                <a:latin typeface="Courier New"/>
+                <a:ea typeface="Courier New"/>
+                <a:cs typeface="Courier New"/>
+                <a:sym typeface="Courier New"/>
+              </a:rPr>
+              <a:t>value</a:t>
+            </a:r>
+            <a:r>
+              <a:rPr lang="en-US" sz="2600" b="1" i="0" u="none" strike="noStrike" cap="none" dirty="0" smtClean="0">
+                <a:solidFill>
+                  <a:srgbClr val="00FFFF"/>
+                </a:solidFill>
+                <a:latin typeface="Courier New"/>
+                <a:ea typeface="Courier New"/>
+                <a:cs typeface="Courier New"/>
+                <a:sym typeface="Courier New"/>
+              </a:rPr>
+              <a:t>)</a:t>
             </a:r>
             <a:endParaRPr lang="en-US" sz="2600" b="1" i="0" u="none" strike="noStrike" cap="none" dirty="0">
               <a:solidFill>
@@ -42736,8 +42838,56 @@
               <a:t>    </a:t>
             </a:r>
             <a:r>
+              <a:rPr lang="en-US" sz="2600" b="1" i="0" u="none" strike="noStrike" cap="none" dirty="0" smtClean="0">
+                <a:solidFill>
+                  <a:srgbClr val="FFFF00"/>
+                </a:solidFill>
+                <a:latin typeface="Courier New"/>
+                <a:ea typeface="Courier New"/>
+                <a:cs typeface="Courier New"/>
+                <a:sym typeface="Courier New"/>
+              </a:rPr>
+              <a:t>print(</a:t>
+            </a:r>
+            <a:r>
+              <a:rPr lang="en-US" sz="2600" b="1" i="0" u="none" strike="noStrike" cap="none" dirty="0" smtClean="0">
+                <a:solidFill>
+                  <a:srgbClr val="00FF00"/>
+                </a:solidFill>
+                <a:latin typeface="Courier New"/>
+                <a:ea typeface="Courier New"/>
+                <a:cs typeface="Courier New"/>
+                <a:sym typeface="Courier New"/>
+              </a:rPr>
+              <a:t>smallest</a:t>
+            </a:r>
+            <a:r>
               <a:rPr lang="en-US" sz="2600" b="1" i="0" u="none" strike="noStrike" cap="none" dirty="0">
                 <a:solidFill>
+                  <a:schemeClr val="lt1"/>
+                </a:solidFill>
+                <a:latin typeface="Courier New"/>
+                <a:ea typeface="Courier New"/>
+                <a:cs typeface="Courier New"/>
+                <a:sym typeface="Courier New"/>
+              </a:rPr>
+              <a:t>, </a:t>
+            </a:r>
+            <a:r>
+              <a:rPr lang="en-US" sz="2600" b="1" i="0" u="none" strike="noStrike" cap="none" dirty="0" smtClean="0">
+                <a:solidFill>
+                  <a:schemeClr val="lt1"/>
+                </a:solidFill>
+                <a:latin typeface="Courier New"/>
+                <a:ea typeface="Courier New"/>
+                <a:cs typeface="Courier New"/>
+                <a:sym typeface="Courier New"/>
+              </a:rPr>
+              <a:t>value</a:t>
+            </a:r>
+            <a:r>
+              <a:rPr lang="en-US" sz="2600" b="1" i="0" u="none" strike="noStrike" cap="none" dirty="0" smtClean="0">
+                <a:solidFill>
                   <a:srgbClr val="FFFF00"/>
                 </a:solidFill>
                 <a:latin typeface="Courier New"/>
@@ -42745,56 +42895,17 @@
                 <a:cs typeface="Courier New"/>
                 <a:sym typeface="Courier New"/>
               </a:rPr>
-              <a:t>print</a:t>
-            </a:r>
-            <a:r>
-              <a:rPr lang="en-US" sz="2600" b="1" i="0" u="none" strike="noStrike" cap="none" dirty="0">
-                <a:solidFill>
-                  <a:schemeClr val="lt1"/>
-                </a:solidFill>
-                <a:latin typeface="Courier New"/>
-                <a:ea typeface="Courier New"/>
-                <a:cs typeface="Courier New"/>
-                <a:sym typeface="Courier New"/>
-              </a:rPr>
-              <a:t> </a:t>
-            </a:r>
-            <a:r>
-              <a:rPr lang="en-US" sz="2600" b="1" i="0" u="none" strike="noStrike" cap="none" dirty="0">
-                <a:solidFill>
-                  <a:srgbClr val="00FF00"/>
-                </a:solidFill>
-                <a:latin typeface="Courier New"/>
-                <a:ea typeface="Courier New"/>
-                <a:cs typeface="Courier New"/>
-                <a:sym typeface="Courier New"/>
-              </a:rPr>
-              <a:t>smallest</a:t>
-            </a:r>
-            <a:r>
-              <a:rPr lang="en-US" sz="2600" b="1" i="0" u="none" strike="noStrike" cap="none" dirty="0">
-                <a:solidFill>
-                  <a:schemeClr val="lt1"/>
-                </a:solidFill>
-                <a:latin typeface="Courier New"/>
-                <a:ea typeface="Courier New"/>
-                <a:cs typeface="Courier New"/>
-                <a:sym typeface="Courier New"/>
-              </a:rPr>
-              <a:t>, </a:t>
-            </a:r>
-            <a:r>
-              <a:rPr lang="en-US" sz="2600" b="1" i="0" u="none" strike="noStrike" cap="none" dirty="0" smtClean="0">
-                <a:solidFill>
-                  <a:schemeClr val="lt1"/>
-                </a:solidFill>
-                <a:latin typeface="Courier New"/>
-                <a:ea typeface="Courier New"/>
-                <a:cs typeface="Courier New"/>
-                <a:sym typeface="Courier New"/>
-              </a:rPr>
-              <a:t>value</a:t>
-            </a:r>
+              <a:t>)</a:t>
+            </a:r>
+            <a:endParaRPr lang="en-US" sz="2600" b="1" i="0" u="none" strike="noStrike" cap="none" dirty="0" smtClean="0">
+              <a:solidFill>
+                <a:srgbClr val="FFFF00"/>
+              </a:solidFill>
+              <a:latin typeface="Courier New"/>
+              <a:ea typeface="Courier New"/>
+              <a:cs typeface="Courier New"/>
+              <a:sym typeface="Courier New"/>
+            </a:endParaRPr>
           </a:p>
           <a:p>
             <a:pPr marL="0" marR="0" lvl="0" indent="0" algn="l" rtl="0">

--- a/lectures3/Pythonlearn-05-Iterations.pptx
+++ b/lectures3/Pythonlearn-05-Iterations.pptx
@@ -34074,7 +34074,7 @@
               <a:t>print('Large </a:t>
             </a:r>
             <a:r>
-              <a:rPr lang="en-US" sz="2600" b="1" i="0" u="none" strike="noStrike" cap="none" dirty="0" err="1">
+              <a:rPr lang="en-US" sz="2600" b="1" i="0" u="none" strike="noStrike" cap="none" dirty="0">
                 <a:solidFill>
                   <a:srgbClr val="00FFFF"/>
                 </a:solidFill>
@@ -34086,7 +34086,7 @@
               <a:t>number',</a:t>
             </a:r>
             <a:r>
-              <a:rPr lang="en-US" sz="2600" b="1" i="0" u="none" strike="noStrike" cap="none" dirty="0" err="1" smtClean="0">
+              <a:rPr lang="en-US" sz="2600" b="1" i="0" u="none" strike="noStrike" cap="none" dirty="0" smtClean="0">
                 <a:solidFill>
                   <a:srgbClr val="00FFFF"/>
                 </a:solidFill>
@@ -34095,19 +34095,7 @@
                 <a:cs typeface="Courier New"/>
                 <a:sym typeface="Courier New"/>
               </a:rPr>
-              <a:t>value</a:t>
-            </a:r>
-            <a:r>
-              <a:rPr lang="en-US" sz="2600" b="1" i="0" u="none" strike="noStrike" cap="none" dirty="0" smtClean="0">
-                <a:solidFill>
-                  <a:srgbClr val="00FFFF"/>
-                </a:solidFill>
-                <a:latin typeface="Courier New"/>
-                <a:ea typeface="Courier New"/>
-                <a:cs typeface="Courier New"/>
-                <a:sym typeface="Courier New"/>
-              </a:rPr>
-              <a:t>)</a:t>
+              <a:t>value)</a:t>
             </a:r>
             <a:endParaRPr lang="en-US" sz="2600" b="1" i="0" u="none" strike="noStrike" cap="none" dirty="0">
               <a:solidFill>
@@ -42897,15 +42885,6 @@
               </a:rPr>
               <a:t>)</a:t>
             </a:r>
-            <a:endParaRPr lang="en-US" sz="2600" b="1" i="0" u="none" strike="noStrike" cap="none" dirty="0" smtClean="0">
-              <a:solidFill>
-                <a:srgbClr val="FFFF00"/>
-              </a:solidFill>
-              <a:latin typeface="Courier New"/>
-              <a:ea typeface="Courier New"/>
-              <a:cs typeface="Courier New"/>
-              <a:sym typeface="Courier New"/>
-            </a:endParaRPr>
           </a:p>
           <a:p>
             <a:pPr marL="0" marR="0" lvl="0" indent="0" algn="l" rtl="0">

--- a/lectures3/Pythonlearn-05-Iterations.pptx
+++ b/lectures3/Pythonlearn-05-Iterations.pptx
@@ -12953,7 +12953,7 @@
         <p:spPr>
           <a:xfrm>
             <a:off x="744537" y="2400300"/>
-            <a:ext cx="725399" cy="622199"/>
+            <a:ext cx="922337" cy="622199"/>
           </a:xfrm>
           <a:prstGeom prst="rect">
             <a:avLst/>

--- a/lectures3/Pythonlearn-05-Iterations.pptx
+++ b/lectures3/Pythonlearn-05-Iterations.pptx
@@ -268,7 +268,7 @@
   </p:defaultTextStyle>
   <p:extLst>
     <p:ext uri="{EFAFB233-063F-42B5-8137-9DF3F51BA10A}">
-      <p15:sldGuideLst xmlns="" xmlns:p15="http://schemas.microsoft.com/office/powerpoint/2012/main">
+      <p15:sldGuideLst xmlns:p15="http://schemas.microsoft.com/office/powerpoint/2012/main" xmlns="">
         <p15:guide id="1" orient="horz" pos="2880">
           <p15:clr>
             <a:srgbClr val="A4A3A4"/>
@@ -282,7 +282,7 @@
       </p15:sldGuideLst>
     </p:ext>
     <p:ext uri="{2D200454-40CA-4A62-9FC3-DE9A4176ACB9}">
-      <p15:notesGuideLst xmlns="" xmlns:p15="http://schemas.microsoft.com/office/powerpoint/2012/main"/>
+      <p15:notesGuideLst xmlns:p15="http://schemas.microsoft.com/office/powerpoint/2012/main" xmlns=""/>
     </p:ext>
   </p:extLst>
 </p:presentation>
@@ -8060,7 +8060,7 @@
             <a:r>
               <a:rPr lang="en-US" sz="7600" u="none" strike="noStrike" cap="none" dirty="0">
                 <a:solidFill>
-                  <a:srgbClr val="FFFF00"/>
+                  <a:srgbClr val="FFD966"/>
                 </a:solidFill>
                 <a:latin typeface="Arial" charset="0"/>
                 <a:ea typeface="Arial" charset="0"/>
@@ -9958,7 +9958,7 @@
             <a:r>
               <a:rPr lang="en-US" sz="7600" u="none" strike="noStrike" cap="none">
                 <a:solidFill>
-                  <a:srgbClr val="FFFF00"/>
+                  <a:srgbClr val="FFD966"/>
                 </a:solidFill>
                 <a:latin typeface="Arial" charset="0"/>
                 <a:ea typeface="Arial" charset="0"/>
@@ -10235,14 +10235,14 @@
             <a:r>
               <a:rPr lang="en-US" dirty="0" smtClean="0">
                 <a:solidFill>
-                  <a:srgbClr val="FFFF00"/>
+                  <a:srgbClr val="FFD966"/>
                 </a:solidFill>
               </a:rPr>
               <a:t>Definite Loops</a:t>
             </a:r>
             <a:endParaRPr lang="en-US" dirty="0">
               <a:solidFill>
-                <a:srgbClr val="FFFF00"/>
+                <a:srgbClr val="FFD966"/>
               </a:solidFill>
             </a:endParaRPr>
           </a:p>
@@ -10369,7 +10369,7 @@
             <a:r>
               <a:rPr lang="en-US" sz="7600" u="none" strike="noStrike" cap="none">
                 <a:solidFill>
-                  <a:srgbClr val="FFFF00"/>
+                  <a:srgbClr val="FFD966"/>
                 </a:solidFill>
                 <a:latin typeface="Arial" charset="0"/>
                 <a:ea typeface="Arial" charset="0"/>
@@ -10788,7 +10788,7 @@
             <a:r>
               <a:rPr lang="en-US" sz="7600" u="none" strike="noStrike" cap="none">
                 <a:solidFill>
-                  <a:srgbClr val="FFFF00"/>
+                  <a:srgbClr val="FFD966"/>
                 </a:solidFill>
                 <a:latin typeface="Arial" charset="0"/>
                 <a:ea typeface="Arial" charset="0"/>
@@ -11394,7 +11394,7 @@
             <a:r>
               <a:rPr lang="en-US" sz="7600" u="none" strike="noStrike" cap="none">
                 <a:solidFill>
-                  <a:srgbClr val="FFFF00"/>
+                  <a:srgbClr val="FFD966"/>
                 </a:solidFill>
                 <a:latin typeface="Arial" charset="0"/>
                 <a:ea typeface="Arial" charset="0"/>
@@ -12104,7 +12104,7 @@
             <a:r>
               <a:rPr lang="en-US" sz="7600" u="none" strike="noStrike" cap="none">
                 <a:solidFill>
-                  <a:srgbClr val="FFFF00"/>
+                  <a:srgbClr val="FFD966"/>
                 </a:solidFill>
                 <a:latin typeface="Arial" charset="0"/>
                 <a:ea typeface="Arial" charset="0"/>
@@ -13569,6 +13569,18 @@
             <a:r>
               <a:rPr lang="en-US" sz="7600" u="none" strike="noStrike" cap="none">
                 <a:solidFill>
+                  <a:srgbClr val="FFD966"/>
+                </a:solidFill>
+                <a:latin typeface="Arial" charset="0"/>
+                <a:ea typeface="Arial" charset="0"/>
+                <a:cs typeface="Arial" charset="0"/>
+                <a:sym typeface="Cabin"/>
+              </a:rPr>
+              <a:t>Looking at </a:t>
+            </a:r>
+            <a:r>
+              <a:rPr lang="en-US" sz="7600" u="none" strike="noStrike" cap="none">
+                <a:solidFill>
                   <a:srgbClr val="FFFF00"/>
                 </a:solidFill>
                 <a:latin typeface="Arial" charset="0"/>
@@ -13576,7 +13588,7 @@
                 <a:cs typeface="Arial" charset="0"/>
                 <a:sym typeface="Cabin"/>
               </a:rPr>
-              <a:t>Looking at in...</a:t>
+              <a:t>in...</a:t>
             </a:r>
           </a:p>
         </p:txBody>
@@ -17625,7 +17637,7 @@
             <a:r>
               <a:rPr lang="en-US" sz="7200" u="none" strike="noStrike" cap="none">
                 <a:solidFill>
-                  <a:srgbClr val="FFFF00"/>
+                  <a:srgbClr val="FFD966"/>
                 </a:solidFill>
                 <a:latin typeface="Arial" charset="0"/>
                 <a:ea typeface="Arial" charset="0"/>
@@ -19606,7 +19618,7 @@
             <a:r>
               <a:rPr lang="en-US" sz="7600" u="none" strike="noStrike" cap="none" dirty="0">
                 <a:solidFill>
-                  <a:srgbClr val="FFFF00"/>
+                  <a:srgbClr val="FFD966"/>
                 </a:solidFill>
                 <a:latin typeface="Arial" charset="0"/>
                 <a:ea typeface="Arial" charset="0"/>
@@ -19618,7 +19630,7 @@
             <a:br>
               <a:rPr lang="en-US" sz="7600" u="none" strike="noStrike" cap="none" dirty="0">
                 <a:solidFill>
-                  <a:srgbClr val="FFFF00"/>
+                  <a:srgbClr val="FFD966"/>
                 </a:solidFill>
                 <a:latin typeface="Arial" charset="0"/>
                 <a:ea typeface="Arial" charset="0"/>
@@ -19629,7 +19641,7 @@
             <a:r>
               <a:rPr lang="en-US" sz="7600" u="none" strike="noStrike" cap="none" dirty="0">
                 <a:solidFill>
-                  <a:srgbClr val="FFFF00"/>
+                  <a:srgbClr val="FFD966"/>
                 </a:solidFill>
                 <a:latin typeface="Arial" charset="0"/>
                 <a:ea typeface="Arial" charset="0"/>
@@ -19796,7 +19808,7 @@
             <a:r>
               <a:rPr lang="en-US" sz="7600" u="none" strike="noStrike" cap="none">
                 <a:solidFill>
-                  <a:srgbClr val="FFFF00"/>
+                  <a:srgbClr val="FFD966"/>
                 </a:solidFill>
                 <a:latin typeface="Arial" charset="0"/>
                 <a:ea typeface="Arial" charset="0"/>
@@ -19808,7 +19820,7 @@
             <a:r>
               <a:rPr lang="en-US" sz="7600" b="0" i="0" u="none" strike="noStrike" cap="none">
                 <a:solidFill>
-                  <a:srgbClr val="FFFF00"/>
+                  <a:srgbClr val="FFD966"/>
                 </a:solidFill>
                 <a:latin typeface="Arial"/>
                 <a:ea typeface="Arial"/>
@@ -19820,7 +19832,7 @@
             <a:r>
               <a:rPr lang="en-US" sz="7600" u="none" strike="noStrike" cap="none">
                 <a:solidFill>
-                  <a:srgbClr val="FFFF00"/>
+                  <a:srgbClr val="FFD966"/>
                 </a:solidFill>
                 <a:latin typeface="Arial" charset="0"/>
                 <a:ea typeface="Arial" charset="0"/>
@@ -19832,7 +19844,7 @@
             <a:r>
               <a:rPr lang="en-US" sz="7600" b="0" i="0" u="none" strike="noStrike" cap="none">
                 <a:solidFill>
-                  <a:srgbClr val="FFFF00"/>
+                  <a:srgbClr val="FFD966"/>
                 </a:solidFill>
                 <a:latin typeface="Arial"/>
                 <a:ea typeface="Arial"/>
@@ -19844,7 +19856,7 @@
             <a:r>
               <a:rPr lang="en-US" sz="7600" u="none" strike="noStrike" cap="none">
                 <a:solidFill>
-                  <a:srgbClr val="FFFF00"/>
+                  <a:srgbClr val="FFD966"/>
                 </a:solidFill>
                 <a:latin typeface="Arial" charset="0"/>
                 <a:ea typeface="Arial" charset="0"/>
@@ -20307,7 +20319,7 @@
             <a:r>
               <a:rPr lang="en-US" sz="7600" u="none" strike="noStrike" cap="none">
                 <a:solidFill>
-                  <a:srgbClr val="FFFF00"/>
+                  <a:srgbClr val="FFD966"/>
                 </a:solidFill>
                 <a:latin typeface="Arial" charset="0"/>
                 <a:ea typeface="Arial" charset="0"/>
@@ -21103,7 +21115,7 @@
             <a:r>
               <a:rPr lang="en-US" sz="7600" u="none" strike="noStrike" cap="none">
                 <a:solidFill>
-                  <a:srgbClr val="FFFF00"/>
+                  <a:srgbClr val="FFD966"/>
                 </a:solidFill>
                 <a:latin typeface="Arial" charset="0"/>
                 <a:ea typeface="Arial" charset="0"/>
@@ -21249,7 +21261,7 @@
             <a:r>
               <a:rPr lang="en-US" sz="7600" u="none" strike="noStrike" cap="none">
                 <a:solidFill>
-                  <a:srgbClr val="FFFF00"/>
+                  <a:srgbClr val="FFD966"/>
                 </a:solidFill>
                 <a:latin typeface="Arial" charset="0"/>
                 <a:ea typeface="Arial" charset="0"/>
@@ -21338,7 +21350,7 @@
             <a:r>
               <a:rPr lang="en-US" sz="7600" u="none" strike="noStrike" cap="none">
                 <a:solidFill>
-                  <a:srgbClr val="FFFF00"/>
+                  <a:srgbClr val="FFD966"/>
                 </a:solidFill>
                 <a:latin typeface="Arial" charset="0"/>
                 <a:ea typeface="Arial" charset="0"/>
@@ -21484,7 +21496,7 @@
             <a:r>
               <a:rPr lang="en-US" sz="7600" u="none" strike="noStrike" cap="none">
                 <a:solidFill>
-                  <a:srgbClr val="FFFF00"/>
+                  <a:srgbClr val="FFD966"/>
                 </a:solidFill>
                 <a:latin typeface="Arial" charset="0"/>
                 <a:ea typeface="Arial" charset="0"/>
@@ -21630,7 +21642,7 @@
             <a:r>
               <a:rPr lang="en-US" sz="7600" u="none" strike="noStrike" cap="none">
                 <a:solidFill>
-                  <a:srgbClr val="FFFF00"/>
+                  <a:srgbClr val="FFD966"/>
                 </a:solidFill>
                 <a:latin typeface="Arial" charset="0"/>
                 <a:ea typeface="Arial" charset="0"/>
@@ -21776,7 +21788,7 @@
             <a:r>
               <a:rPr lang="en-US" sz="7600" u="none" strike="noStrike" cap="none">
                 <a:solidFill>
-                  <a:srgbClr val="FFFF00"/>
+                  <a:srgbClr val="FFD966"/>
                 </a:solidFill>
                 <a:latin typeface="Arial" charset="0"/>
                 <a:ea typeface="Arial" charset="0"/>
@@ -21922,7 +21934,7 @@
             <a:r>
               <a:rPr lang="en-US" sz="7600" u="none" strike="noStrike" cap="none">
                 <a:solidFill>
-                  <a:srgbClr val="FFFF00"/>
+                  <a:srgbClr val="FFD966"/>
                 </a:solidFill>
                 <a:latin typeface="Arial" charset="0"/>
                 <a:ea typeface="Arial" charset="0"/>
@@ -22072,7 +22084,7 @@
             <a:r>
               <a:rPr lang="en-US" sz="7200" u="none" strike="noStrike" cap="none" dirty="0">
                 <a:solidFill>
-                  <a:srgbClr val="FFFF00"/>
+                  <a:srgbClr val="FFD966"/>
                 </a:solidFill>
                 <a:latin typeface="Arial" charset="0"/>
                 <a:ea typeface="Arial" charset="0"/>
@@ -23507,7 +23519,7 @@
             <a:r>
               <a:rPr lang="en-US" sz="7600" u="none" strike="noStrike" cap="none">
                 <a:solidFill>
-                  <a:srgbClr val="FFFF00"/>
+                  <a:srgbClr val="FFD966"/>
                 </a:solidFill>
                 <a:latin typeface="Arial" charset="0"/>
                 <a:ea typeface="Arial" charset="0"/>
@@ -23653,7 +23665,7 @@
             <a:r>
               <a:rPr lang="en-US" sz="7600" u="none" strike="noStrike" cap="none">
                 <a:solidFill>
-                  <a:srgbClr val="FFFF00"/>
+                  <a:srgbClr val="FFD966"/>
                 </a:solidFill>
                 <a:latin typeface="Arial" charset="0"/>
                 <a:ea typeface="Arial" charset="0"/>
@@ -24027,7 +24039,7 @@
             <a:r>
               <a:rPr lang="en-US" sz="7600" u="none" strike="noStrike" cap="none">
                 <a:solidFill>
-                  <a:srgbClr val="FFFF00"/>
+                  <a:srgbClr val="FFD966"/>
                 </a:solidFill>
                 <a:latin typeface="Arial" charset="0"/>
                 <a:ea typeface="Arial" charset="0"/>
@@ -24348,7 +24360,7 @@
             <a:r>
               <a:rPr lang="en-US" sz="7600" u="none" strike="noStrike" cap="none">
                 <a:solidFill>
-                  <a:srgbClr val="FFFF00"/>
+                  <a:srgbClr val="FFD966"/>
                 </a:solidFill>
                 <a:latin typeface="Arial" charset="0"/>
                 <a:ea typeface="Arial" charset="0"/>
@@ -24621,7 +24633,7 @@
             <a:r>
               <a:rPr lang="en-US" sz="7600" u="none" strike="noStrike" cap="none">
                 <a:solidFill>
-                  <a:srgbClr val="FFFF00"/>
+                  <a:srgbClr val="FFD966"/>
                 </a:solidFill>
                 <a:latin typeface="Arial" charset="0"/>
                 <a:ea typeface="Arial" charset="0"/>
@@ -24951,7 +24963,7 @@
             <a:r>
               <a:rPr lang="en-US" sz="7600" u="none" strike="noStrike" cap="none">
                 <a:solidFill>
-                  <a:srgbClr val="FFFF00"/>
+                  <a:srgbClr val="FFD966"/>
                 </a:solidFill>
                 <a:latin typeface="Arial" charset="0"/>
                 <a:ea typeface="Arial" charset="0"/>
@@ -25281,7 +25293,7 @@
             <a:r>
               <a:rPr lang="en-US" sz="7600" u="none" strike="noStrike" cap="none">
                 <a:solidFill>
-                  <a:srgbClr val="FFFF00"/>
+                  <a:srgbClr val="FFD966"/>
                 </a:solidFill>
                 <a:latin typeface="Arial" charset="0"/>
                 <a:ea typeface="Arial" charset="0"/>
@@ -25611,7 +25623,7 @@
             <a:r>
               <a:rPr lang="en-US" sz="7600" u="none" strike="noStrike" cap="none">
                 <a:solidFill>
-                  <a:srgbClr val="FFFF00"/>
+                  <a:srgbClr val="FFD966"/>
                 </a:solidFill>
                 <a:latin typeface="Arial" charset="0"/>
                 <a:ea typeface="Arial" charset="0"/>
@@ -25941,7 +25953,7 @@
             <a:r>
               <a:rPr lang="en-US" sz="7600" u="none" strike="noStrike" cap="none">
                 <a:solidFill>
-                  <a:srgbClr val="FFFF00"/>
+                  <a:srgbClr val="FFD966"/>
                 </a:solidFill>
                 <a:latin typeface="Arial" charset="0"/>
                 <a:ea typeface="Arial" charset="0"/>
@@ -26262,7 +26274,7 @@
             <a:r>
               <a:rPr lang="en-US" sz="7600" u="none" strike="noStrike" cap="none">
                 <a:solidFill>
-                  <a:srgbClr val="FFFF00"/>
+                  <a:srgbClr val="FFD966"/>
                 </a:solidFill>
                 <a:latin typeface="Arial" charset="0"/>
                 <a:ea typeface="Arial" charset="0"/>
@@ -26758,7 +26770,7 @@
             <a:r>
               <a:rPr lang="en-US" sz="7200" u="none" strike="noStrike" cap="none" dirty="0" smtClean="0">
                 <a:solidFill>
-                  <a:srgbClr val="FFFF00"/>
+                  <a:srgbClr val="FFD966"/>
                 </a:solidFill>
                 <a:latin typeface="Arial" charset="0"/>
                 <a:ea typeface="Arial" charset="0"/>
@@ -26769,7 +26781,7 @@
             </a:r>
             <a:endParaRPr lang="en-US" sz="7200" u="none" strike="noStrike" cap="none" dirty="0">
               <a:solidFill>
-                <a:srgbClr val="FFFF00"/>
+                <a:srgbClr val="FFD966"/>
               </a:solidFill>
               <a:latin typeface="Arial" charset="0"/>
               <a:ea typeface="Arial" charset="0"/>
@@ -28258,7 +28270,7 @@
             <a:r>
               <a:rPr lang="en-US" sz="7600">
                 <a:solidFill>
-                  <a:srgbClr val="FFFF00"/>
+                  <a:srgbClr val="FFD966"/>
                 </a:solidFill>
                 <a:latin typeface="Arial" charset="0"/>
                 <a:ea typeface="Arial" charset="0"/>
@@ -29646,14 +29658,26 @@
           <a:lstStyle/>
           <a:p>
             <a:r>
-              <a:rPr lang="en-US" dirty="0" smtClean="0"/>
+              <a:rPr lang="en-US" dirty="0" smtClean="0">
+                <a:solidFill>
+                  <a:srgbClr val="FFD966"/>
+                </a:solidFill>
+              </a:rPr>
               <a:t>More Loop Patterns</a:t>
             </a:r>
             <a:r>
-              <a:rPr lang="is-IS" dirty="0" smtClean="0"/>
+              <a:rPr lang="is-IS" dirty="0" smtClean="0">
+                <a:solidFill>
+                  <a:srgbClr val="FFD966"/>
+                </a:solidFill>
+              </a:rPr>
               <a:t>…</a:t>
             </a:r>
-            <a:endParaRPr lang="en-US" dirty="0"/>
+            <a:endParaRPr lang="en-US" dirty="0">
+              <a:solidFill>
+                <a:srgbClr val="FFD966"/>
+              </a:solidFill>
+            </a:endParaRPr>
           </a:p>
         </p:txBody>
       </p:sp>
@@ -29739,7 +29763,7 @@
             <a:r>
               <a:rPr lang="en-US" sz="7600" u="none" strike="noStrike" cap="none">
                 <a:solidFill>
-                  <a:srgbClr val="FFFF00"/>
+                  <a:srgbClr val="FFD966"/>
                 </a:solidFill>
                 <a:latin typeface="Arial" charset="0"/>
                 <a:ea typeface="Arial" charset="0"/>
@@ -30873,7 +30897,7 @@
             <a:r>
               <a:rPr lang="en-US" sz="7600" u="none" strike="noStrike" cap="none">
                 <a:solidFill>
-                  <a:srgbClr val="FFFF00"/>
+                  <a:srgbClr val="FFD966"/>
                 </a:solidFill>
                 <a:latin typeface="Arial" charset="0"/>
                 <a:ea typeface="Arial" charset="0"/>
@@ -32187,7 +32211,7 @@
             <a:r>
               <a:rPr lang="en-US" sz="7600" u="none" strike="noStrike" cap="none">
                 <a:solidFill>
-                  <a:srgbClr val="FFFF00"/>
+                  <a:srgbClr val="FFD966"/>
                 </a:solidFill>
                 <a:latin typeface="Arial" charset="0"/>
                 <a:ea typeface="Arial" charset="0"/>
@@ -33740,7 +33764,7 @@
             <a:r>
               <a:rPr lang="en-US" sz="7600" u="none" strike="noStrike" cap="none">
                 <a:solidFill>
-                  <a:srgbClr val="FFFF00"/>
+                  <a:srgbClr val="FFD966"/>
                 </a:solidFill>
                 <a:latin typeface="Arial" charset="0"/>
                 <a:ea typeface="Arial" charset="0"/>
@@ -34575,7 +34599,7 @@
             <a:r>
               <a:rPr lang="en-US" sz="6600" u="none" strike="noStrike" cap="none" dirty="0">
                 <a:solidFill>
-                  <a:srgbClr val="FFFF00"/>
+                  <a:srgbClr val="FFD966"/>
                 </a:solidFill>
                 <a:latin typeface="Arial" charset="0"/>
                 <a:ea typeface="Arial" charset="0"/>
@@ -35865,7 +35889,7 @@
             <a:r>
               <a:rPr lang="en-US" sz="7600">
                 <a:solidFill>
-                  <a:srgbClr val="FFFF00"/>
+                  <a:srgbClr val="FFD966"/>
                 </a:solidFill>
                 <a:latin typeface="Arial" charset="0"/>
                 <a:ea typeface="Arial" charset="0"/>
@@ -37167,7 +37191,7 @@
             <a:r>
               <a:rPr lang="en-US" sz="7600">
                 <a:solidFill>
-                  <a:srgbClr val="FFFF00"/>
+                  <a:srgbClr val="FFD966"/>
                 </a:solidFill>
                 <a:latin typeface="Arial" charset="0"/>
                 <a:ea typeface="Arial" charset="0"/>
@@ -38068,7 +38092,7 @@
             <a:r>
               <a:rPr lang="en-US" sz="7600">
                 <a:solidFill>
-                  <a:srgbClr val="FFFF00"/>
+                  <a:srgbClr val="FFD966"/>
                 </a:solidFill>
                 <a:latin typeface="Arial" charset="0"/>
                 <a:ea typeface="Arial" charset="0"/>
@@ -39459,7 +39483,7 @@
             <a:r>
               <a:rPr lang="en-US" sz="7600" u="none" strike="noStrike" cap="none" dirty="0">
                 <a:solidFill>
-                  <a:srgbClr val="FFFF00"/>
+                  <a:srgbClr val="FFD966"/>
                 </a:solidFill>
                 <a:latin typeface="Arial" charset="0"/>
                 <a:ea typeface="Arial" charset="0"/>
@@ -41760,7 +41784,7 @@
             <a:r>
               <a:rPr lang="en-US" sz="7600">
                 <a:solidFill>
-                  <a:srgbClr val="FFFF00"/>
+                  <a:srgbClr val="FFD966"/>
                 </a:solidFill>
                 <a:latin typeface="Arial" charset="0"/>
                 <a:ea typeface="Arial" charset="0"/>
@@ -41842,6 +41866,18 @@
             <a:r>
               <a:rPr lang="en-US" sz="7600" u="none" strike="noStrike" cap="none">
                 <a:solidFill>
+                  <a:srgbClr val="FFD966"/>
+                </a:solidFill>
+                <a:latin typeface="Arial" charset="0"/>
+                <a:ea typeface="Arial" charset="0"/>
+                <a:cs typeface="Arial" charset="0"/>
+                <a:sym typeface="Cabin"/>
+              </a:rPr>
+              <a:t>The</a:t>
+            </a:r>
+            <a:r>
+              <a:rPr lang="en-US" sz="7600" u="none" strike="noStrike" cap="none">
+                <a:solidFill>
                   <a:srgbClr val="FFFF00"/>
                 </a:solidFill>
                 <a:latin typeface="Arial" charset="0"/>
@@ -41849,19 +41885,7 @@
                 <a:cs typeface="Arial" charset="0"/>
                 <a:sym typeface="Cabin"/>
               </a:rPr>
-              <a:t>The </a:t>
-            </a:r>
-            <a:r>
-              <a:rPr lang="en-US" sz="7600">
-                <a:solidFill>
-                  <a:srgbClr val="FFFF00"/>
-                </a:solidFill>
-                <a:latin typeface="Arial" charset="0"/>
-                <a:ea typeface="Arial" charset="0"/>
-                <a:cs typeface="Arial" charset="0"/>
-                <a:sym typeface="Cabin"/>
-              </a:rPr>
-              <a:t>“</a:t>
+              <a:t> </a:t>
             </a:r>
             <a:r>
               <a:rPr lang="en-US" sz="7600" u="none" strike="noStrike" cap="none">
@@ -41876,21 +41900,9 @@
               <a:t>is</a:t>
             </a:r>
             <a:r>
-              <a:rPr lang="en-US" sz="7600">
-                <a:solidFill>
-                  <a:srgbClr val="FFFF00"/>
-                </a:solidFill>
-                <a:latin typeface="Arial" charset="0"/>
-                <a:ea typeface="Arial" charset="0"/>
-                <a:cs typeface="Arial" charset="0"/>
-                <a:sym typeface="Cabin"/>
-              </a:rPr>
-              <a:t>”</a:t>
-            </a:r>
-            <a:r>
               <a:rPr lang="en-US" sz="7600" u="none" strike="noStrike" cap="none">
                 <a:solidFill>
-                  <a:srgbClr val="FFFF00"/>
+                  <a:srgbClr val="FFD966"/>
                 </a:solidFill>
                 <a:latin typeface="Arial" charset="0"/>
                 <a:ea typeface="Arial" charset="0"/>
@@ -41900,18 +41912,6 @@
               <a:t> and </a:t>
             </a:r>
             <a:r>
-              <a:rPr lang="en-US" sz="7600">
-                <a:solidFill>
-                  <a:srgbClr val="FFFF00"/>
-                </a:solidFill>
-                <a:latin typeface="Arial" charset="0"/>
-                <a:ea typeface="Arial" charset="0"/>
-                <a:cs typeface="Arial" charset="0"/>
-                <a:sym typeface="Cabin"/>
-              </a:rPr>
-              <a:t>“</a:t>
-            </a:r>
-            <a:r>
               <a:rPr lang="en-US" sz="7600" u="none" strike="noStrike" cap="none">
                 <a:solidFill>
                   <a:srgbClr val="FF9900"/>
@@ -41924,21 +41924,9 @@
               <a:t>is not</a:t>
             </a:r>
             <a:r>
-              <a:rPr lang="en-US" sz="7600">
-                <a:solidFill>
-                  <a:srgbClr val="FFFF00"/>
-                </a:solidFill>
-                <a:latin typeface="Arial" charset="0"/>
-                <a:ea typeface="Arial" charset="0"/>
-                <a:cs typeface="Arial" charset="0"/>
-                <a:sym typeface="Cabin"/>
-              </a:rPr>
-              <a:t>”</a:t>
-            </a:r>
-            <a:r>
               <a:rPr lang="en-US" sz="7600" u="none" strike="noStrike" cap="none">
                 <a:solidFill>
-                  <a:srgbClr val="FFFF00"/>
+                  <a:srgbClr val="FFD966"/>
                 </a:solidFill>
                 <a:latin typeface="Arial" charset="0"/>
                 <a:ea typeface="Arial" charset="0"/>
@@ -43065,7 +43053,7 @@
             <a:r>
               <a:rPr lang="en-US" sz="7600" u="none" strike="noStrike" cap="none">
                 <a:solidFill>
-                  <a:srgbClr val="FFFF00"/>
+                  <a:srgbClr val="FFD966"/>
                 </a:solidFill>
                 <a:latin typeface="Arial" charset="0"/>
                 <a:ea typeface="Arial" charset="0"/>
@@ -43088,6 +43076,10 @@
           </p:nvPr>
         </p:nvSpPr>
         <p:spPr>
+          <a:xfrm>
+            <a:off x="1809750" y="2603500"/>
+            <a:ext cx="6826250" cy="5702399"/>
+          </a:xfrm>
           <a:prstGeom prst="rect">
             <a:avLst/>
           </a:prstGeom>
@@ -43291,8 +43283,8 @@
         </p:nvSpPr>
         <p:spPr>
           <a:xfrm>
-            <a:off x="9353550" y="2755900"/>
-            <a:ext cx="6902450" cy="5702300"/>
+            <a:off x="9036050" y="2755900"/>
+            <a:ext cx="6051650" cy="5702300"/>
           </a:xfrm>
           <a:prstGeom prst="rect">
             <a:avLst/>
@@ -43800,7 +43792,7 @@
             <a:r>
               <a:rPr lang="en-US" sz="7600" u="none" strike="noStrike" cap="none">
                 <a:solidFill>
-                  <a:srgbClr val="FFFF00"/>
+                  <a:srgbClr val="FFD966"/>
                 </a:solidFill>
                 <a:latin typeface="Arial" charset="0"/>
                 <a:ea typeface="Arial" charset="0"/>
@@ -46375,6 +46367,18 @@
             <a:r>
               <a:rPr lang="en-US" sz="7200" u="none" strike="noStrike" cap="none" dirty="0">
                 <a:solidFill>
+                  <a:srgbClr val="FFD966"/>
+                </a:solidFill>
+                <a:latin typeface="Arial" charset="0"/>
+                <a:ea typeface="Arial" charset="0"/>
+                <a:cs typeface="Arial" charset="0"/>
+                <a:sym typeface="Cabin"/>
+              </a:rPr>
+              <a:t>Finishing an Iteration with </a:t>
+            </a:r>
+            <a:r>
+              <a:rPr lang="en-US" sz="7200" u="none" strike="noStrike" cap="none" dirty="0">
+                <a:solidFill>
                   <a:srgbClr val="FFFF00"/>
                 </a:solidFill>
                 <a:latin typeface="Arial" charset="0"/>
@@ -46382,7 +46386,7 @@
                 <a:cs typeface="Arial" charset="0"/>
                 <a:sym typeface="Cabin"/>
               </a:rPr>
-              <a:t>Finishing an Iteration with continue</a:t>
+              <a:t>continue</a:t>
             </a:r>
           </a:p>
         </p:txBody>
@@ -47535,6 +47539,18 @@
             <a:r>
               <a:rPr lang="en-US" sz="7200" u="none" strike="noStrike" cap="none">
                 <a:solidFill>
+                  <a:srgbClr val="FFD966"/>
+                </a:solidFill>
+                <a:latin typeface="Arial" charset="0"/>
+                <a:ea typeface="Arial" charset="0"/>
+                <a:cs typeface="Arial" charset="0"/>
+                <a:sym typeface="Cabin"/>
+              </a:rPr>
+              <a:t>Finishing an Iteration with </a:t>
+            </a:r>
+            <a:r>
+              <a:rPr lang="en-US" sz="7200" u="none" strike="noStrike" cap="none">
+                <a:solidFill>
                   <a:srgbClr val="FFFF00"/>
                 </a:solidFill>
                 <a:latin typeface="Arial" charset="0"/>
@@ -47542,7 +47558,7 @@
                 <a:cs typeface="Arial" charset="0"/>
                 <a:sym typeface="Cabin"/>
               </a:rPr>
-              <a:t>Finishing an Iteration with continue</a:t>
+              <a:t>continue</a:t>
             </a:r>
           </a:p>
         </p:txBody>
